--- a/SugangSincheong-B/객체지향프로그래밍-B.pptx
+++ b/SugangSincheong-B/객체지향프로그래밍-B.pptx
@@ -5,7 +5,7 @@
     <p:sldMasterId id="2147483648" r:id="rId1"/>
   </p:sldMasterIdLst>
   <p:notesMasterIdLst>
-    <p:notesMasterId r:id="rId60"/>
+    <p:notesMasterId r:id="rId61"/>
   </p:notesMasterIdLst>
   <p:sldIdLst>
     <p:sldId id="256" r:id="rId2"/>
@@ -66,6 +66,7 @@
     <p:sldId id="311" r:id="rId57"/>
     <p:sldId id="312" r:id="rId58"/>
     <p:sldId id="313" r:id="rId59"/>
+    <p:sldId id="314" r:id="rId60"/>
   </p:sldIdLst>
   <p:sldSz cx="12192000" cy="6858000"/>
   <p:notesSz cx="6858000" cy="9144000"/>
@@ -2151,7 +2152,7 @@
           <a:p>
             <a:fld id="{FB69C2DF-2941-4F05-A906-AE55FB39F26C}" type="datetimeFigureOut">
               <a:rPr lang="ko-KR" altLang="en-US" smtClean="0"/>
-              <a:t>2022-11-14</a:t>
+              <a:t>2022-11-16</a:t>
             </a:fld>
             <a:endParaRPr lang="ko-KR" altLang="en-US"/>
           </a:p>
@@ -2609,7 +2610,7 @@
           <a:p>
             <a:fld id="{9891F741-12A4-49B3-B7A2-504B2BE71C46}" type="datetimeFigureOut">
               <a:rPr lang="ko-KR" altLang="en-US" smtClean="0"/>
-              <a:t>2022-11-14</a:t>
+              <a:t>2022-11-16</a:t>
             </a:fld>
             <a:endParaRPr lang="ko-KR" altLang="en-US"/>
           </a:p>
@@ -2791,7 +2792,7 @@
           <a:p>
             <a:fld id="{9891F741-12A4-49B3-B7A2-504B2BE71C46}" type="datetimeFigureOut">
               <a:rPr lang="ko-KR" altLang="en-US" smtClean="0"/>
-              <a:t>2022-11-14</a:t>
+              <a:t>2022-11-16</a:t>
             </a:fld>
             <a:endParaRPr lang="ko-KR" altLang="en-US"/>
           </a:p>
@@ -2998,7 +2999,7 @@
           <a:p>
             <a:fld id="{9891F741-12A4-49B3-B7A2-504B2BE71C46}" type="datetimeFigureOut">
               <a:rPr lang="ko-KR" altLang="en-US" smtClean="0"/>
-              <a:t>2022-11-14</a:t>
+              <a:t>2022-11-16</a:t>
             </a:fld>
             <a:endParaRPr lang="ko-KR" altLang="en-US"/>
           </a:p>
@@ -3205,7 +3206,7 @@
           <a:p>
             <a:fld id="{9891F741-12A4-49B3-B7A2-504B2BE71C46}" type="datetimeFigureOut">
               <a:rPr lang="ko-KR" altLang="en-US" smtClean="0"/>
-              <a:t>2022-11-14</a:t>
+              <a:t>2022-11-16</a:t>
             </a:fld>
             <a:endParaRPr lang="ko-KR" altLang="en-US"/>
           </a:p>
@@ -3437,7 +3438,7 @@
           <a:p>
             <a:fld id="{9891F741-12A4-49B3-B7A2-504B2BE71C46}" type="datetimeFigureOut">
               <a:rPr lang="ko-KR" altLang="en-US" smtClean="0"/>
-              <a:t>2022-11-14</a:t>
+              <a:t>2022-11-16</a:t>
             </a:fld>
             <a:endParaRPr lang="ko-KR" altLang="en-US"/>
           </a:p>
@@ -46251,6 +46252,109 @@
 </p:sld>
 </file>
 
+<file path=ppt/slides/slide59.xml><?xml version="1.0" encoding="utf-8"?>
+<p:sld xmlns:a="http://schemas.openxmlformats.org/drawingml/2006/main" xmlns:r="http://schemas.openxmlformats.org/officeDocument/2006/relationships" xmlns:p="http://schemas.openxmlformats.org/presentationml/2006/main">
+  <p:cSld>
+    <p:spTree>
+      <p:nvGrpSpPr>
+        <p:cNvPr id="1" name=""/>
+        <p:cNvGrpSpPr/>
+        <p:nvPr/>
+      </p:nvGrpSpPr>
+      <p:grpSpPr>
+        <a:xfrm>
+          <a:off x="0" y="0"/>
+          <a:ext cx="0" cy="0"/>
+          <a:chOff x="0" y="0"/>
+          <a:chExt cx="0" cy="0"/>
+        </a:xfrm>
+      </p:grpSpPr>
+      <p:sp>
+        <p:nvSpPr>
+          <p:cNvPr id="4" name="제목 3"/>
+          <p:cNvSpPr>
+            <a:spLocks noGrp="1"/>
+          </p:cNvSpPr>
+          <p:nvPr>
+            <p:ph type="title"/>
+          </p:nvPr>
+        </p:nvSpPr>
+        <p:spPr/>
+        <p:txBody>
+          <a:bodyPr/>
+          <a:lstStyle/>
+          <a:p>
+            <a:r>
+              <a:rPr lang="en-US" altLang="ko-KR" dirty="0" smtClean="0"/>
+              <a:t>2022-11-16</a:t>
+            </a:r>
+            <a:endParaRPr lang="ko-KR" altLang="en-US" dirty="0"/>
+          </a:p>
+        </p:txBody>
+      </p:sp>
+      <p:sp>
+        <p:nvSpPr>
+          <p:cNvPr id="5" name="내용 개체 틀 4"/>
+          <p:cNvSpPr>
+            <a:spLocks noGrp="1"/>
+          </p:cNvSpPr>
+          <p:nvPr>
+            <p:ph idx="1"/>
+          </p:nvPr>
+        </p:nvSpPr>
+        <p:spPr/>
+        <p:txBody>
+          <a:bodyPr/>
+          <a:lstStyle/>
+          <a:p>
+            <a:r>
+              <a:rPr lang="ko-KR" altLang="en-US" dirty="0" smtClean="0"/>
+              <a:t>진행</a:t>
+            </a:r>
+            <a:endParaRPr lang="en-US" altLang="ko-KR" dirty="0" smtClean="0"/>
+          </a:p>
+          <a:p>
+            <a:pPr lvl="1"/>
+            <a:r>
+              <a:rPr lang="en-US" altLang="ko-KR" dirty="0" smtClean="0"/>
+              <a:t>Event Handler</a:t>
+            </a:r>
+            <a:endParaRPr lang="ko-KR" altLang="en-US" dirty="0"/>
+          </a:p>
+        </p:txBody>
+      </p:sp>
+      <p:sp>
+        <p:nvSpPr>
+          <p:cNvPr id="6" name="내용 개체 틀 5"/>
+          <p:cNvSpPr>
+            <a:spLocks noGrp="1"/>
+          </p:cNvSpPr>
+          <p:nvPr>
+            <p:ph sz="quarter" idx="13"/>
+          </p:nvPr>
+        </p:nvSpPr>
+        <p:spPr/>
+        <p:txBody>
+          <a:bodyPr/>
+          <a:lstStyle/>
+          <a:p>
+            <a:endParaRPr lang="ko-KR" altLang="en-US"/>
+          </a:p>
+        </p:txBody>
+      </p:sp>
+    </p:spTree>
+    <p:extLst>
+      <p:ext uri="{BB962C8B-B14F-4D97-AF65-F5344CB8AC3E}">
+        <p14:creationId xmlns:p14="http://schemas.microsoft.com/office/powerpoint/2010/main" val="1006599440"/>
+      </p:ext>
+    </p:extLst>
+  </p:cSld>
+  <p:clrMapOvr>
+    <a:masterClrMapping/>
+  </p:clrMapOvr>
+</p:sld>
+</file>
+
 <file path=ppt/slides/slide6.xml><?xml version="1.0" encoding="utf-8"?>
 <p:sld xmlns:a="http://schemas.openxmlformats.org/drawingml/2006/main" xmlns:r="http://schemas.openxmlformats.org/officeDocument/2006/relationships" xmlns:p="http://schemas.openxmlformats.org/presentationml/2006/main">
   <p:cSld>

--- a/SugangSincheong-B/객체지향프로그래밍-B.pptx
+++ b/SugangSincheong-B/객체지향프로그래밍-B.pptx
@@ -45870,7 +45870,7 @@
         </p:blipFill>
         <p:spPr>
           <a:xfrm>
-            <a:off x="2240777" y="1102423"/>
+            <a:off x="2240777" y="1012971"/>
             <a:ext cx="8437598" cy="5074540"/>
           </a:xfrm>
           <a:prstGeom prst="rect">
@@ -45886,7 +45886,7 @@
         </p:nvSpPr>
         <p:spPr>
           <a:xfrm>
-            <a:off x="1404843" y="3346488"/>
+            <a:off x="1404843" y="3257036"/>
             <a:ext cx="1199209" cy="586409"/>
           </a:xfrm>
           <a:prstGeom prst="rect">
@@ -45948,8 +45948,8 @@
         </p:nvSpPr>
         <p:spPr>
           <a:xfrm>
-            <a:off x="7453817" y="3752747"/>
-            <a:ext cx="904461" cy="586409"/>
+            <a:off x="8557472" y="1336606"/>
+            <a:ext cx="654214" cy="382450"/>
           </a:xfrm>
           <a:prstGeom prst="rect">
             <a:avLst/>
@@ -46000,8 +46000,8 @@
         </p:nvSpPr>
         <p:spPr>
           <a:xfrm>
-            <a:off x="9420527" y="3752746"/>
-            <a:ext cx="904461" cy="586409"/>
+            <a:off x="6796284" y="1336606"/>
+            <a:ext cx="685718" cy="382450"/>
           </a:xfrm>
           <a:prstGeom prst="rect">
             <a:avLst/>
@@ -46052,7 +46052,7 @@
         </p:nvSpPr>
         <p:spPr>
           <a:xfrm>
-            <a:off x="1311966" y="2012467"/>
+            <a:off x="1311966" y="1923015"/>
             <a:ext cx="5573161" cy="4164496"/>
           </a:xfrm>
           <a:prstGeom prst="rect">
@@ -46107,7 +46107,7 @@
         </p:nvCxnSpPr>
         <p:spPr>
           <a:xfrm rot="10800000" flipV="1">
-            <a:off x="2004449" y="3085892"/>
+            <a:off x="2004449" y="2996440"/>
             <a:ext cx="957415" cy="260596"/>
           </a:xfrm>
           <a:prstGeom prst="bentConnector2">
@@ -46142,7 +46142,7 @@
         </p:nvCxnSpPr>
         <p:spPr>
           <a:xfrm rot="10800000" flipV="1">
-            <a:off x="2240777" y="3433761"/>
+            <a:off x="2240777" y="3344309"/>
             <a:ext cx="2152322" cy="205932"/>
           </a:xfrm>
           <a:prstGeom prst="bentConnector3">
@@ -46177,7 +46177,7 @@
         </p:nvCxnSpPr>
         <p:spPr>
           <a:xfrm rot="10800000" flipV="1">
-            <a:off x="2240777" y="3639692"/>
+            <a:off x="2240777" y="3550240"/>
             <a:ext cx="3945031" cy="113053"/>
           </a:xfrm>
           <a:prstGeom prst="bentConnector3">
@@ -46214,7 +46214,7 @@
         </p:nvCxnSpPr>
         <p:spPr>
           <a:xfrm rot="10800000">
-            <a:off x="2004448" y="3932898"/>
+            <a:off x="2004448" y="3843446"/>
             <a:ext cx="2617250" cy="1339611"/>
           </a:xfrm>
           <a:prstGeom prst="bentConnector2">
@@ -46285,7 +46285,7 @@
           <a:lstStyle/>
           <a:p>
             <a:r>
-              <a:rPr lang="en-US" altLang="ko-KR" dirty="0" smtClean="0"/>
+              <a:rPr lang="en-US" altLang="ko-KR" smtClean="0"/>
               <a:t>2022-11-16</a:t>
             </a:r>
             <a:endParaRPr lang="ko-KR" altLang="en-US" dirty="0"/>
@@ -46308,15 +46308,15 @@
           <a:lstStyle/>
           <a:p>
             <a:r>
-              <a:rPr lang="ko-KR" altLang="en-US" dirty="0" smtClean="0"/>
+              <a:rPr lang="ko-KR" altLang="en-US" smtClean="0"/>
               <a:t>진행</a:t>
             </a:r>
-            <a:endParaRPr lang="en-US" altLang="ko-KR" dirty="0" smtClean="0"/>
+            <a:endParaRPr lang="en-US" altLang="ko-KR" smtClean="0"/>
           </a:p>
           <a:p>
             <a:pPr lvl="1"/>
             <a:r>
-              <a:rPr lang="en-US" altLang="ko-KR" dirty="0" smtClean="0"/>
+              <a:rPr lang="en-US" altLang="ko-KR" smtClean="0"/>
               <a:t>Event Handler</a:t>
             </a:r>
             <a:endParaRPr lang="ko-KR" altLang="en-US" dirty="0"/>
@@ -46338,7 +46338,2025 @@
           <a:bodyPr/>
           <a:lstStyle/>
           <a:p>
+            <a:r>
+              <a:rPr lang="ko-KR" altLang="en-US" dirty="0" smtClean="0"/>
+              <a:t>과제</a:t>
+            </a:r>
+            <a:endParaRPr lang="en-US" altLang="ko-KR" dirty="0" smtClean="0"/>
+          </a:p>
+          <a:p>
+            <a:pPr lvl="1"/>
+            <a:r>
+              <a:rPr lang="en-US" altLang="ko-KR" dirty="0" err="1" smtClean="0"/>
+              <a:t>PDirectoryPanel</a:t>
+            </a:r>
+            <a:r>
+              <a:rPr lang="en-US" altLang="ko-KR" dirty="0" smtClean="0"/>
+              <a:t> </a:t>
+            </a:r>
+            <a:r>
+              <a:rPr lang="ko-KR" altLang="en-US" dirty="0" smtClean="0"/>
+              <a:t>완료</a:t>
+            </a:r>
+            <a:endParaRPr lang="en-US" altLang="ko-KR" dirty="0" smtClean="0"/>
+          </a:p>
+          <a:p>
+            <a:pPr lvl="1"/>
+            <a:endParaRPr lang="ko-KR" altLang="en-US" dirty="0"/>
+          </a:p>
+        </p:txBody>
+      </p:sp>
+      <p:sp>
+        <p:nvSpPr>
+          <p:cNvPr id="2" name="직사각형 1"/>
+          <p:cNvSpPr/>
+          <p:nvPr/>
+        </p:nvSpPr>
+        <p:spPr>
+          <a:xfrm>
+            <a:off x="2425148" y="2293661"/>
+            <a:ext cx="1093304" cy="685800"/>
+          </a:xfrm>
+          <a:prstGeom prst="rect">
+            <a:avLst/>
+          </a:prstGeom>
+          <a:solidFill>
+            <a:schemeClr val="accent1">
+              <a:lumMod val="20000"/>
+              <a:lumOff val="80000"/>
+            </a:schemeClr>
+          </a:solidFill>
+        </p:spPr>
+        <p:style>
+          <a:lnRef idx="2">
+            <a:schemeClr val="accent1">
+              <a:shade val="50000"/>
+            </a:schemeClr>
+          </a:lnRef>
+          <a:fillRef idx="1">
+            <a:schemeClr val="accent1"/>
+          </a:fillRef>
+          <a:effectRef idx="0">
+            <a:schemeClr val="accent1"/>
+          </a:effectRef>
+          <a:fontRef idx="minor">
+            <a:schemeClr val="lt1"/>
+          </a:fontRef>
+        </p:style>
+        <p:txBody>
+          <a:bodyPr rtlCol="0" anchor="ctr"/>
+          <a:lstStyle/>
+          <a:p>
+            <a:pPr algn="ctr"/>
+            <a:r>
+              <a:rPr lang="en-US" altLang="ko-KR" sz="1400" dirty="0" smtClean="0">
+                <a:solidFill>
+                  <a:schemeClr val="accent5">
+                    <a:lumMod val="50000"/>
+                  </a:schemeClr>
+                </a:solidFill>
+              </a:rPr>
+              <a:t>Parent</a:t>
+            </a:r>
+            <a:endParaRPr lang="ko-KR" altLang="en-US" sz="1400" dirty="0" smtClean="0">
+              <a:solidFill>
+                <a:schemeClr val="accent5">
+                  <a:lumMod val="50000"/>
+                </a:schemeClr>
+              </a:solidFill>
+            </a:endParaRPr>
+          </a:p>
+        </p:txBody>
+      </p:sp>
+      <p:sp>
+        <p:nvSpPr>
+          <p:cNvPr id="7" name="직사각형 6"/>
+          <p:cNvSpPr/>
+          <p:nvPr/>
+        </p:nvSpPr>
+        <p:spPr>
+          <a:xfrm>
+            <a:off x="1096618" y="3499609"/>
+            <a:ext cx="1093304" cy="685800"/>
+          </a:xfrm>
+          <a:prstGeom prst="rect">
+            <a:avLst/>
+          </a:prstGeom>
+          <a:solidFill>
+            <a:schemeClr val="accent1">
+              <a:lumMod val="20000"/>
+              <a:lumOff val="80000"/>
+            </a:schemeClr>
+          </a:solidFill>
+        </p:spPr>
+        <p:style>
+          <a:lnRef idx="2">
+            <a:schemeClr val="accent1">
+              <a:shade val="50000"/>
+            </a:schemeClr>
+          </a:lnRef>
+          <a:fillRef idx="1">
+            <a:schemeClr val="accent1"/>
+          </a:fillRef>
+          <a:effectRef idx="0">
+            <a:schemeClr val="accent1"/>
+          </a:effectRef>
+          <a:fontRef idx="minor">
+            <a:schemeClr val="lt1"/>
+          </a:fontRef>
+        </p:style>
+        <p:txBody>
+          <a:bodyPr rtlCol="0" anchor="ctr"/>
+          <a:lstStyle/>
+          <a:p>
+            <a:pPr algn="ctr"/>
+            <a:r>
+              <a:rPr lang="en-US" altLang="ko-KR" sz="1400" dirty="0" smtClean="0">
+                <a:solidFill>
+                  <a:schemeClr val="accent5">
+                    <a:lumMod val="50000"/>
+                  </a:schemeClr>
+                </a:solidFill>
+              </a:rPr>
+              <a:t>Child1</a:t>
+            </a:r>
+            <a:endParaRPr lang="ko-KR" altLang="en-US" sz="1400" dirty="0" smtClean="0">
+              <a:solidFill>
+                <a:schemeClr val="accent5">
+                  <a:lumMod val="50000"/>
+                </a:schemeClr>
+              </a:solidFill>
+            </a:endParaRPr>
+          </a:p>
+        </p:txBody>
+      </p:sp>
+      <p:sp>
+        <p:nvSpPr>
+          <p:cNvPr id="8" name="직사각형 7"/>
+          <p:cNvSpPr/>
+          <p:nvPr/>
+        </p:nvSpPr>
+        <p:spPr>
+          <a:xfrm>
+            <a:off x="2425148" y="3499609"/>
+            <a:ext cx="1093304" cy="685800"/>
+          </a:xfrm>
+          <a:prstGeom prst="rect">
+            <a:avLst/>
+          </a:prstGeom>
+          <a:solidFill>
+            <a:schemeClr val="accent1">
+              <a:lumMod val="20000"/>
+              <a:lumOff val="80000"/>
+            </a:schemeClr>
+          </a:solidFill>
+        </p:spPr>
+        <p:style>
+          <a:lnRef idx="2">
+            <a:schemeClr val="accent1">
+              <a:shade val="50000"/>
+            </a:schemeClr>
+          </a:lnRef>
+          <a:fillRef idx="1">
+            <a:schemeClr val="accent1"/>
+          </a:fillRef>
+          <a:effectRef idx="0">
+            <a:schemeClr val="accent1"/>
+          </a:effectRef>
+          <a:fontRef idx="minor">
+            <a:schemeClr val="lt1"/>
+          </a:fontRef>
+        </p:style>
+        <p:txBody>
+          <a:bodyPr rtlCol="0" anchor="ctr"/>
+          <a:lstStyle/>
+          <a:p>
+            <a:pPr algn="ctr"/>
+            <a:r>
+              <a:rPr lang="en-US" altLang="ko-KR" sz="1400" dirty="0" smtClean="0">
+                <a:solidFill>
+                  <a:schemeClr val="accent5">
+                    <a:lumMod val="50000"/>
+                  </a:schemeClr>
+                </a:solidFill>
+              </a:rPr>
+              <a:t>Child2</a:t>
+            </a:r>
+            <a:endParaRPr lang="ko-KR" altLang="en-US" sz="1400" dirty="0" smtClean="0">
+              <a:solidFill>
+                <a:schemeClr val="accent5">
+                  <a:lumMod val="50000"/>
+                </a:schemeClr>
+              </a:solidFill>
+            </a:endParaRPr>
+          </a:p>
+        </p:txBody>
+      </p:sp>
+      <p:sp>
+        <p:nvSpPr>
+          <p:cNvPr id="9" name="직사각형 8"/>
+          <p:cNvSpPr/>
+          <p:nvPr/>
+        </p:nvSpPr>
+        <p:spPr>
+          <a:xfrm>
+            <a:off x="3845943" y="3499609"/>
+            <a:ext cx="1093304" cy="685800"/>
+          </a:xfrm>
+          <a:prstGeom prst="rect">
+            <a:avLst/>
+          </a:prstGeom>
+          <a:solidFill>
+            <a:schemeClr val="accent1">
+              <a:lumMod val="20000"/>
+              <a:lumOff val="80000"/>
+            </a:schemeClr>
+          </a:solidFill>
+        </p:spPr>
+        <p:style>
+          <a:lnRef idx="2">
+            <a:schemeClr val="accent1">
+              <a:shade val="50000"/>
+            </a:schemeClr>
+          </a:lnRef>
+          <a:fillRef idx="1">
+            <a:schemeClr val="accent1"/>
+          </a:fillRef>
+          <a:effectRef idx="0">
+            <a:schemeClr val="accent1"/>
+          </a:effectRef>
+          <a:fontRef idx="minor">
+            <a:schemeClr val="lt1"/>
+          </a:fontRef>
+        </p:style>
+        <p:txBody>
+          <a:bodyPr rtlCol="0" anchor="ctr"/>
+          <a:lstStyle/>
+          <a:p>
+            <a:pPr algn="ctr"/>
+            <a:r>
+              <a:rPr lang="en-US" altLang="ko-KR" sz="1400" dirty="0" smtClean="0">
+                <a:solidFill>
+                  <a:schemeClr val="accent5">
+                    <a:lumMod val="50000"/>
+                  </a:schemeClr>
+                </a:solidFill>
+              </a:rPr>
+              <a:t>Child3</a:t>
+            </a:r>
+            <a:endParaRPr lang="ko-KR" altLang="en-US" sz="1400" dirty="0" smtClean="0">
+              <a:solidFill>
+                <a:schemeClr val="accent5">
+                  <a:lumMod val="50000"/>
+                </a:schemeClr>
+              </a:solidFill>
+            </a:endParaRPr>
+          </a:p>
+        </p:txBody>
+      </p:sp>
+      <p:cxnSp>
+        <p:nvCxnSpPr>
+          <p:cNvPr id="10" name="직선 화살표 연결선 9"/>
+          <p:cNvCxnSpPr>
+            <a:stCxn id="2" idx="2"/>
+            <a:endCxn id="7" idx="0"/>
+          </p:cNvCxnSpPr>
+          <p:nvPr/>
+        </p:nvCxnSpPr>
+        <p:spPr>
+          <a:xfrm flipH="1">
+            <a:off x="1643270" y="2979461"/>
+            <a:ext cx="1328530" cy="520148"/>
+          </a:xfrm>
+          <a:prstGeom prst="straightConnector1">
+            <a:avLst/>
+          </a:prstGeom>
+          <a:ln w="12700">
+            <a:tailEnd type="triangle"/>
+          </a:ln>
+        </p:spPr>
+        <p:style>
+          <a:lnRef idx="1">
+            <a:schemeClr val="accent1"/>
+          </a:lnRef>
+          <a:fillRef idx="0">
+            <a:schemeClr val="accent1"/>
+          </a:fillRef>
+          <a:effectRef idx="0">
+            <a:schemeClr val="accent1"/>
+          </a:effectRef>
+          <a:fontRef idx="minor">
+            <a:schemeClr val="tx1"/>
+          </a:fontRef>
+        </p:style>
+      </p:cxnSp>
+      <p:cxnSp>
+        <p:nvCxnSpPr>
+          <p:cNvPr id="11" name="직선 화살표 연결선 10"/>
+          <p:cNvCxnSpPr>
+            <a:stCxn id="2" idx="2"/>
+            <a:endCxn id="8" idx="0"/>
+          </p:cNvCxnSpPr>
+          <p:nvPr/>
+        </p:nvCxnSpPr>
+        <p:spPr>
+          <a:xfrm>
+            <a:off x="2971800" y="2979461"/>
+            <a:ext cx="0" cy="520148"/>
+          </a:xfrm>
+          <a:prstGeom prst="straightConnector1">
+            <a:avLst/>
+          </a:prstGeom>
+          <a:ln w="12700">
+            <a:tailEnd type="triangle"/>
+          </a:ln>
+        </p:spPr>
+        <p:style>
+          <a:lnRef idx="1">
+            <a:schemeClr val="accent1"/>
+          </a:lnRef>
+          <a:fillRef idx="0">
+            <a:schemeClr val="accent1"/>
+          </a:fillRef>
+          <a:effectRef idx="0">
+            <a:schemeClr val="accent1"/>
+          </a:effectRef>
+          <a:fontRef idx="minor">
+            <a:schemeClr val="tx1"/>
+          </a:fontRef>
+        </p:style>
+      </p:cxnSp>
+      <p:cxnSp>
+        <p:nvCxnSpPr>
+          <p:cNvPr id="14" name="직선 화살표 연결선 13"/>
+          <p:cNvCxnSpPr>
+            <a:stCxn id="2" idx="2"/>
+            <a:endCxn id="9" idx="0"/>
+          </p:cNvCxnSpPr>
+          <p:nvPr/>
+        </p:nvCxnSpPr>
+        <p:spPr>
+          <a:xfrm>
+            <a:off x="2971800" y="2979461"/>
+            <a:ext cx="1420795" cy="520148"/>
+          </a:xfrm>
+          <a:prstGeom prst="straightConnector1">
+            <a:avLst/>
+          </a:prstGeom>
+          <a:ln w="12700">
+            <a:tailEnd type="triangle"/>
+          </a:ln>
+        </p:spPr>
+        <p:style>
+          <a:lnRef idx="1">
+            <a:schemeClr val="accent1"/>
+          </a:lnRef>
+          <a:fillRef idx="0">
+            <a:schemeClr val="accent1"/>
+          </a:fillRef>
+          <a:effectRef idx="0">
+            <a:schemeClr val="accent1"/>
+          </a:effectRef>
+          <a:fontRef idx="minor">
+            <a:schemeClr val="tx1"/>
+          </a:fontRef>
+        </p:style>
+      </p:cxnSp>
+      <p:sp>
+        <p:nvSpPr>
+          <p:cNvPr id="17" name="자유형 16"/>
+          <p:cNvSpPr/>
+          <p:nvPr/>
+        </p:nvSpPr>
+        <p:spPr>
+          <a:xfrm>
+            <a:off x="1618327" y="2753138"/>
+            <a:ext cx="2645560" cy="1113183"/>
+          </a:xfrm>
+          <a:custGeom>
+            <a:avLst/>
+            <a:gdLst>
+              <a:gd name="connsiteX0" fmla="*/ 1353473 w 2645560"/>
+              <a:gd name="connsiteY0" fmla="*/ 0 h 1113183"/>
+              <a:gd name="connsiteX1" fmla="*/ 1244143 w 2645560"/>
+              <a:gd name="connsiteY1" fmla="*/ 59635 h 1113183"/>
+              <a:gd name="connsiteX2" fmla="*/ 1214325 w 2645560"/>
+              <a:gd name="connsiteY2" fmla="*/ 89453 h 1113183"/>
+              <a:gd name="connsiteX3" fmla="*/ 1184508 w 2645560"/>
+              <a:gd name="connsiteY3" fmla="*/ 109331 h 1113183"/>
+              <a:gd name="connsiteX4" fmla="*/ 1144751 w 2645560"/>
+              <a:gd name="connsiteY4" fmla="*/ 139148 h 1113183"/>
+              <a:gd name="connsiteX5" fmla="*/ 1065238 w 2645560"/>
+              <a:gd name="connsiteY5" fmla="*/ 188844 h 1113183"/>
+              <a:gd name="connsiteX6" fmla="*/ 995664 w 2645560"/>
+              <a:gd name="connsiteY6" fmla="*/ 248479 h 1113183"/>
+              <a:gd name="connsiteX7" fmla="*/ 945969 w 2645560"/>
+              <a:gd name="connsiteY7" fmla="*/ 258418 h 1113183"/>
+              <a:gd name="connsiteX8" fmla="*/ 926090 w 2645560"/>
+              <a:gd name="connsiteY8" fmla="*/ 278296 h 1113183"/>
+              <a:gd name="connsiteX9" fmla="*/ 856517 w 2645560"/>
+              <a:gd name="connsiteY9" fmla="*/ 318053 h 1113183"/>
+              <a:gd name="connsiteX10" fmla="*/ 836638 w 2645560"/>
+              <a:gd name="connsiteY10" fmla="*/ 337931 h 1113183"/>
+              <a:gd name="connsiteX11" fmla="*/ 796882 w 2645560"/>
+              <a:gd name="connsiteY11" fmla="*/ 347870 h 1113183"/>
+              <a:gd name="connsiteX12" fmla="*/ 757125 w 2645560"/>
+              <a:gd name="connsiteY12" fmla="*/ 367748 h 1113183"/>
+              <a:gd name="connsiteX13" fmla="*/ 707430 w 2645560"/>
+              <a:gd name="connsiteY13" fmla="*/ 407505 h 1113183"/>
+              <a:gd name="connsiteX14" fmla="*/ 667673 w 2645560"/>
+              <a:gd name="connsiteY14" fmla="*/ 427383 h 1113183"/>
+              <a:gd name="connsiteX15" fmla="*/ 617977 w 2645560"/>
+              <a:gd name="connsiteY15" fmla="*/ 457200 h 1113183"/>
+              <a:gd name="connsiteX16" fmla="*/ 588160 w 2645560"/>
+              <a:gd name="connsiteY16" fmla="*/ 477079 h 1113183"/>
+              <a:gd name="connsiteX17" fmla="*/ 478830 w 2645560"/>
+              <a:gd name="connsiteY17" fmla="*/ 506896 h 1113183"/>
+              <a:gd name="connsiteX18" fmla="*/ 419195 w 2645560"/>
+              <a:gd name="connsiteY18" fmla="*/ 526774 h 1113183"/>
+              <a:gd name="connsiteX19" fmla="*/ 359560 w 2645560"/>
+              <a:gd name="connsiteY19" fmla="*/ 576470 h 1113183"/>
+              <a:gd name="connsiteX20" fmla="*/ 319804 w 2645560"/>
+              <a:gd name="connsiteY20" fmla="*/ 596348 h 1113183"/>
+              <a:gd name="connsiteX21" fmla="*/ 299925 w 2645560"/>
+              <a:gd name="connsiteY21" fmla="*/ 616226 h 1113183"/>
+              <a:gd name="connsiteX22" fmla="*/ 260169 w 2645560"/>
+              <a:gd name="connsiteY22" fmla="*/ 646044 h 1113183"/>
+              <a:gd name="connsiteX23" fmla="*/ 240290 w 2645560"/>
+              <a:gd name="connsiteY23" fmla="*/ 665922 h 1113183"/>
+              <a:gd name="connsiteX24" fmla="*/ 210473 w 2645560"/>
+              <a:gd name="connsiteY24" fmla="*/ 675861 h 1113183"/>
+              <a:gd name="connsiteX25" fmla="*/ 150838 w 2645560"/>
+              <a:gd name="connsiteY25" fmla="*/ 735496 h 1113183"/>
+              <a:gd name="connsiteX26" fmla="*/ 121021 w 2645560"/>
+              <a:gd name="connsiteY26" fmla="*/ 755374 h 1113183"/>
+              <a:gd name="connsiteX27" fmla="*/ 61386 w 2645560"/>
+              <a:gd name="connsiteY27" fmla="*/ 824948 h 1113183"/>
+              <a:gd name="connsiteX28" fmla="*/ 11690 w 2645560"/>
+              <a:gd name="connsiteY28" fmla="*/ 884583 h 1113183"/>
+              <a:gd name="connsiteX29" fmla="*/ 11690 w 2645560"/>
+              <a:gd name="connsiteY29" fmla="*/ 964096 h 1113183"/>
+              <a:gd name="connsiteX30" fmla="*/ 41508 w 2645560"/>
+              <a:gd name="connsiteY30" fmla="*/ 983974 h 1113183"/>
+              <a:gd name="connsiteX31" fmla="*/ 190595 w 2645560"/>
+              <a:gd name="connsiteY31" fmla="*/ 974035 h 1113183"/>
+              <a:gd name="connsiteX32" fmla="*/ 250230 w 2645560"/>
+              <a:gd name="connsiteY32" fmla="*/ 934279 h 1113183"/>
+              <a:gd name="connsiteX33" fmla="*/ 280047 w 2645560"/>
+              <a:gd name="connsiteY33" fmla="*/ 924340 h 1113183"/>
+              <a:gd name="connsiteX34" fmla="*/ 309864 w 2645560"/>
+              <a:gd name="connsiteY34" fmla="*/ 884583 h 1113183"/>
+              <a:gd name="connsiteX35" fmla="*/ 349621 w 2645560"/>
+              <a:gd name="connsiteY35" fmla="*/ 864705 h 1113183"/>
+              <a:gd name="connsiteX36" fmla="*/ 399317 w 2645560"/>
+              <a:gd name="connsiteY36" fmla="*/ 834887 h 1113183"/>
+              <a:gd name="connsiteX37" fmla="*/ 468890 w 2645560"/>
+              <a:gd name="connsiteY37" fmla="*/ 765313 h 1113183"/>
+              <a:gd name="connsiteX38" fmla="*/ 488769 w 2645560"/>
+              <a:gd name="connsiteY38" fmla="*/ 745435 h 1113183"/>
+              <a:gd name="connsiteX39" fmla="*/ 548404 w 2645560"/>
+              <a:gd name="connsiteY39" fmla="*/ 705679 h 1113183"/>
+              <a:gd name="connsiteX40" fmla="*/ 588160 w 2645560"/>
+              <a:gd name="connsiteY40" fmla="*/ 616226 h 1113183"/>
+              <a:gd name="connsiteX41" fmla="*/ 617977 w 2645560"/>
+              <a:gd name="connsiteY41" fmla="*/ 596348 h 1113183"/>
+              <a:gd name="connsiteX42" fmla="*/ 647795 w 2645560"/>
+              <a:gd name="connsiteY42" fmla="*/ 566531 h 1113183"/>
+              <a:gd name="connsiteX43" fmla="*/ 737247 w 2645560"/>
+              <a:gd name="connsiteY43" fmla="*/ 516835 h 1113183"/>
+              <a:gd name="connsiteX44" fmla="*/ 786943 w 2645560"/>
+              <a:gd name="connsiteY44" fmla="*/ 467140 h 1113183"/>
+              <a:gd name="connsiteX45" fmla="*/ 806821 w 2645560"/>
+              <a:gd name="connsiteY45" fmla="*/ 437322 h 1113183"/>
+              <a:gd name="connsiteX46" fmla="*/ 936030 w 2645560"/>
+              <a:gd name="connsiteY46" fmla="*/ 377687 h 1113183"/>
+              <a:gd name="connsiteX47" fmla="*/ 975786 w 2645560"/>
+              <a:gd name="connsiteY47" fmla="*/ 337931 h 1113183"/>
+              <a:gd name="connsiteX48" fmla="*/ 1045360 w 2645560"/>
+              <a:gd name="connsiteY48" fmla="*/ 308113 h 1113183"/>
+              <a:gd name="connsiteX49" fmla="*/ 1075177 w 2645560"/>
+              <a:gd name="connsiteY49" fmla="*/ 288235 h 1113183"/>
+              <a:gd name="connsiteX50" fmla="*/ 1095056 w 2645560"/>
+              <a:gd name="connsiteY50" fmla="*/ 268357 h 1113183"/>
+              <a:gd name="connsiteX51" fmla="*/ 1124873 w 2645560"/>
+              <a:gd name="connsiteY51" fmla="*/ 258418 h 1113183"/>
+              <a:gd name="connsiteX52" fmla="*/ 1204386 w 2645560"/>
+              <a:gd name="connsiteY52" fmla="*/ 228600 h 1113183"/>
+              <a:gd name="connsiteX53" fmla="*/ 1254082 w 2645560"/>
+              <a:gd name="connsiteY53" fmla="*/ 347870 h 1113183"/>
+              <a:gd name="connsiteX54" fmla="*/ 1283899 w 2645560"/>
+              <a:gd name="connsiteY54" fmla="*/ 685800 h 1113183"/>
+              <a:gd name="connsiteX55" fmla="*/ 1293838 w 2645560"/>
+              <a:gd name="connsiteY55" fmla="*/ 983974 h 1113183"/>
+              <a:gd name="connsiteX56" fmla="*/ 1303777 w 2645560"/>
+              <a:gd name="connsiteY56" fmla="*/ 1013792 h 1113183"/>
+              <a:gd name="connsiteX57" fmla="*/ 1313717 w 2645560"/>
+              <a:gd name="connsiteY57" fmla="*/ 1063487 h 1113183"/>
+              <a:gd name="connsiteX58" fmla="*/ 1323656 w 2645560"/>
+              <a:gd name="connsiteY58" fmla="*/ 1103244 h 1113183"/>
+              <a:gd name="connsiteX59" fmla="*/ 1363412 w 2645560"/>
+              <a:gd name="connsiteY59" fmla="*/ 1113183 h 1113183"/>
+              <a:gd name="connsiteX60" fmla="*/ 1452864 w 2645560"/>
+              <a:gd name="connsiteY60" fmla="*/ 1073426 h 1113183"/>
+              <a:gd name="connsiteX61" fmla="*/ 1502560 w 2645560"/>
+              <a:gd name="connsiteY61" fmla="*/ 1023731 h 1113183"/>
+              <a:gd name="connsiteX62" fmla="*/ 1532377 w 2645560"/>
+              <a:gd name="connsiteY62" fmla="*/ 983974 h 1113183"/>
+              <a:gd name="connsiteX63" fmla="*/ 1582073 w 2645560"/>
+              <a:gd name="connsiteY63" fmla="*/ 944218 h 1113183"/>
+              <a:gd name="connsiteX64" fmla="*/ 1611890 w 2645560"/>
+              <a:gd name="connsiteY64" fmla="*/ 894522 h 1113183"/>
+              <a:gd name="connsiteX65" fmla="*/ 1631769 w 2645560"/>
+              <a:gd name="connsiteY65" fmla="*/ 874644 h 1113183"/>
+              <a:gd name="connsiteX66" fmla="*/ 1671525 w 2645560"/>
+              <a:gd name="connsiteY66" fmla="*/ 815009 h 1113183"/>
+              <a:gd name="connsiteX67" fmla="*/ 1681464 w 2645560"/>
+              <a:gd name="connsiteY67" fmla="*/ 775253 h 1113183"/>
+              <a:gd name="connsiteX68" fmla="*/ 1711282 w 2645560"/>
+              <a:gd name="connsiteY68" fmla="*/ 745435 h 1113183"/>
+              <a:gd name="connsiteX69" fmla="*/ 1691404 w 2645560"/>
+              <a:gd name="connsiteY69" fmla="*/ 447261 h 1113183"/>
+              <a:gd name="connsiteX70" fmla="*/ 1671525 w 2645560"/>
+              <a:gd name="connsiteY70" fmla="*/ 357809 h 1113183"/>
+              <a:gd name="connsiteX71" fmla="*/ 1661586 w 2645560"/>
+              <a:gd name="connsiteY71" fmla="*/ 318053 h 1113183"/>
+              <a:gd name="connsiteX72" fmla="*/ 1641708 w 2645560"/>
+              <a:gd name="connsiteY72" fmla="*/ 288235 h 1113183"/>
+              <a:gd name="connsiteX73" fmla="*/ 1601951 w 2645560"/>
+              <a:gd name="connsiteY73" fmla="*/ 139148 h 1113183"/>
+              <a:gd name="connsiteX74" fmla="*/ 1572134 w 2645560"/>
+              <a:gd name="connsiteY74" fmla="*/ 99392 h 1113183"/>
+              <a:gd name="connsiteX75" fmla="*/ 1562195 w 2645560"/>
+              <a:gd name="connsiteY75" fmla="*/ 59635 h 1113183"/>
+              <a:gd name="connsiteX76" fmla="*/ 1592012 w 2645560"/>
+              <a:gd name="connsiteY76" fmla="*/ 99392 h 1113183"/>
+              <a:gd name="connsiteX77" fmla="*/ 1631769 w 2645560"/>
+              <a:gd name="connsiteY77" fmla="*/ 159026 h 1113183"/>
+              <a:gd name="connsiteX78" fmla="*/ 1671525 w 2645560"/>
+              <a:gd name="connsiteY78" fmla="*/ 208722 h 1113183"/>
+              <a:gd name="connsiteX79" fmla="*/ 1681464 w 2645560"/>
+              <a:gd name="connsiteY79" fmla="*/ 238540 h 1113183"/>
+              <a:gd name="connsiteX80" fmla="*/ 1701343 w 2645560"/>
+              <a:gd name="connsiteY80" fmla="*/ 268357 h 1113183"/>
+              <a:gd name="connsiteX81" fmla="*/ 1721221 w 2645560"/>
+              <a:gd name="connsiteY81" fmla="*/ 308113 h 1113183"/>
+              <a:gd name="connsiteX82" fmla="*/ 1760977 w 2645560"/>
+              <a:gd name="connsiteY82" fmla="*/ 357809 h 1113183"/>
+              <a:gd name="connsiteX83" fmla="*/ 1790795 w 2645560"/>
+              <a:gd name="connsiteY83" fmla="*/ 417444 h 1113183"/>
+              <a:gd name="connsiteX84" fmla="*/ 1830551 w 2645560"/>
+              <a:gd name="connsiteY84" fmla="*/ 467140 h 1113183"/>
+              <a:gd name="connsiteX85" fmla="*/ 1850430 w 2645560"/>
+              <a:gd name="connsiteY85" fmla="*/ 506896 h 1113183"/>
+              <a:gd name="connsiteX86" fmla="*/ 1870308 w 2645560"/>
+              <a:gd name="connsiteY86" fmla="*/ 556592 h 1113183"/>
+              <a:gd name="connsiteX87" fmla="*/ 1929943 w 2645560"/>
+              <a:gd name="connsiteY87" fmla="*/ 616226 h 1113183"/>
+              <a:gd name="connsiteX88" fmla="*/ 1949821 w 2645560"/>
+              <a:gd name="connsiteY88" fmla="*/ 646044 h 1113183"/>
+              <a:gd name="connsiteX89" fmla="*/ 1979638 w 2645560"/>
+              <a:gd name="connsiteY89" fmla="*/ 695740 h 1113183"/>
+              <a:gd name="connsiteX90" fmla="*/ 2009456 w 2645560"/>
+              <a:gd name="connsiteY90" fmla="*/ 725557 h 1113183"/>
+              <a:gd name="connsiteX91" fmla="*/ 2039273 w 2645560"/>
+              <a:gd name="connsiteY91" fmla="*/ 765313 h 1113183"/>
+              <a:gd name="connsiteX92" fmla="*/ 2059151 w 2645560"/>
+              <a:gd name="connsiteY92" fmla="*/ 785192 h 1113183"/>
+              <a:gd name="connsiteX93" fmla="*/ 2079030 w 2645560"/>
+              <a:gd name="connsiteY93" fmla="*/ 824948 h 1113183"/>
+              <a:gd name="connsiteX94" fmla="*/ 2198299 w 2645560"/>
+              <a:gd name="connsiteY94" fmla="*/ 894522 h 1113183"/>
+              <a:gd name="connsiteX95" fmla="*/ 2228117 w 2645560"/>
+              <a:gd name="connsiteY95" fmla="*/ 924340 h 1113183"/>
+              <a:gd name="connsiteX96" fmla="*/ 2277812 w 2645560"/>
+              <a:gd name="connsiteY96" fmla="*/ 954157 h 1113183"/>
+              <a:gd name="connsiteX97" fmla="*/ 2317569 w 2645560"/>
+              <a:gd name="connsiteY97" fmla="*/ 983974 h 1113183"/>
+              <a:gd name="connsiteX98" fmla="*/ 2347386 w 2645560"/>
+              <a:gd name="connsiteY98" fmla="*/ 1033670 h 1113183"/>
+              <a:gd name="connsiteX99" fmla="*/ 2407021 w 2645560"/>
+              <a:gd name="connsiteY99" fmla="*/ 1063487 h 1113183"/>
+              <a:gd name="connsiteX100" fmla="*/ 2436838 w 2645560"/>
+              <a:gd name="connsiteY100" fmla="*/ 1083366 h 1113183"/>
+              <a:gd name="connsiteX101" fmla="*/ 2595864 w 2645560"/>
+              <a:gd name="connsiteY101" fmla="*/ 1063487 h 1113183"/>
+              <a:gd name="connsiteX102" fmla="*/ 2615743 w 2645560"/>
+              <a:gd name="connsiteY102" fmla="*/ 1023731 h 1113183"/>
+              <a:gd name="connsiteX103" fmla="*/ 2645560 w 2645560"/>
+              <a:gd name="connsiteY103" fmla="*/ 924340 h 1113183"/>
+              <a:gd name="connsiteX104" fmla="*/ 2615743 w 2645560"/>
+              <a:gd name="connsiteY104" fmla="*/ 695740 h 1113183"/>
+              <a:gd name="connsiteX105" fmla="*/ 2595864 w 2645560"/>
+              <a:gd name="connsiteY105" fmla="*/ 665922 h 1113183"/>
+              <a:gd name="connsiteX106" fmla="*/ 2526290 w 2645560"/>
+              <a:gd name="connsiteY106" fmla="*/ 626166 h 1113183"/>
+              <a:gd name="connsiteX107" fmla="*/ 2436838 w 2645560"/>
+              <a:gd name="connsiteY107" fmla="*/ 556592 h 1113183"/>
+              <a:gd name="connsiteX108" fmla="*/ 2387143 w 2645560"/>
+              <a:gd name="connsiteY108" fmla="*/ 526774 h 1113183"/>
+              <a:gd name="connsiteX109" fmla="*/ 2297690 w 2645560"/>
+              <a:gd name="connsiteY109" fmla="*/ 467140 h 1113183"/>
+              <a:gd name="connsiteX110" fmla="*/ 2238056 w 2645560"/>
+              <a:gd name="connsiteY110" fmla="*/ 427383 h 1113183"/>
+              <a:gd name="connsiteX111" fmla="*/ 2218177 w 2645560"/>
+              <a:gd name="connsiteY111" fmla="*/ 397566 h 1113183"/>
+              <a:gd name="connsiteX112" fmla="*/ 2088969 w 2645560"/>
+              <a:gd name="connsiteY112" fmla="*/ 318053 h 1113183"/>
+              <a:gd name="connsiteX113" fmla="*/ 1979638 w 2645560"/>
+              <a:gd name="connsiteY113" fmla="*/ 258418 h 1113183"/>
+              <a:gd name="connsiteX114" fmla="*/ 1920004 w 2645560"/>
+              <a:gd name="connsiteY114" fmla="*/ 188844 h 1113183"/>
+              <a:gd name="connsiteX115" fmla="*/ 1890186 w 2645560"/>
+              <a:gd name="connsiteY115" fmla="*/ 159026 h 1113183"/>
+              <a:gd name="connsiteX116" fmla="*/ 1860369 w 2645560"/>
+              <a:gd name="connsiteY116" fmla="*/ 119270 h 1113183"/>
+              <a:gd name="connsiteX117" fmla="*/ 1830551 w 2645560"/>
+              <a:gd name="connsiteY117" fmla="*/ 89453 h 1113183"/>
+              <a:gd name="connsiteX118" fmla="*/ 1790795 w 2645560"/>
+              <a:gd name="connsiteY118" fmla="*/ 29818 h 1113183"/>
+            </a:gdLst>
+            <a:ahLst/>
+            <a:cxnLst>
+              <a:cxn ang="0">
+                <a:pos x="connsiteX0" y="connsiteY0"/>
+              </a:cxn>
+              <a:cxn ang="0">
+                <a:pos x="connsiteX1" y="connsiteY1"/>
+              </a:cxn>
+              <a:cxn ang="0">
+                <a:pos x="connsiteX2" y="connsiteY2"/>
+              </a:cxn>
+              <a:cxn ang="0">
+                <a:pos x="connsiteX3" y="connsiteY3"/>
+              </a:cxn>
+              <a:cxn ang="0">
+                <a:pos x="connsiteX4" y="connsiteY4"/>
+              </a:cxn>
+              <a:cxn ang="0">
+                <a:pos x="connsiteX5" y="connsiteY5"/>
+              </a:cxn>
+              <a:cxn ang="0">
+                <a:pos x="connsiteX6" y="connsiteY6"/>
+              </a:cxn>
+              <a:cxn ang="0">
+                <a:pos x="connsiteX7" y="connsiteY7"/>
+              </a:cxn>
+              <a:cxn ang="0">
+                <a:pos x="connsiteX8" y="connsiteY8"/>
+              </a:cxn>
+              <a:cxn ang="0">
+                <a:pos x="connsiteX9" y="connsiteY9"/>
+              </a:cxn>
+              <a:cxn ang="0">
+                <a:pos x="connsiteX10" y="connsiteY10"/>
+              </a:cxn>
+              <a:cxn ang="0">
+                <a:pos x="connsiteX11" y="connsiteY11"/>
+              </a:cxn>
+              <a:cxn ang="0">
+                <a:pos x="connsiteX12" y="connsiteY12"/>
+              </a:cxn>
+              <a:cxn ang="0">
+                <a:pos x="connsiteX13" y="connsiteY13"/>
+              </a:cxn>
+              <a:cxn ang="0">
+                <a:pos x="connsiteX14" y="connsiteY14"/>
+              </a:cxn>
+              <a:cxn ang="0">
+                <a:pos x="connsiteX15" y="connsiteY15"/>
+              </a:cxn>
+              <a:cxn ang="0">
+                <a:pos x="connsiteX16" y="connsiteY16"/>
+              </a:cxn>
+              <a:cxn ang="0">
+                <a:pos x="connsiteX17" y="connsiteY17"/>
+              </a:cxn>
+              <a:cxn ang="0">
+                <a:pos x="connsiteX18" y="connsiteY18"/>
+              </a:cxn>
+              <a:cxn ang="0">
+                <a:pos x="connsiteX19" y="connsiteY19"/>
+              </a:cxn>
+              <a:cxn ang="0">
+                <a:pos x="connsiteX20" y="connsiteY20"/>
+              </a:cxn>
+              <a:cxn ang="0">
+                <a:pos x="connsiteX21" y="connsiteY21"/>
+              </a:cxn>
+              <a:cxn ang="0">
+                <a:pos x="connsiteX22" y="connsiteY22"/>
+              </a:cxn>
+              <a:cxn ang="0">
+                <a:pos x="connsiteX23" y="connsiteY23"/>
+              </a:cxn>
+              <a:cxn ang="0">
+                <a:pos x="connsiteX24" y="connsiteY24"/>
+              </a:cxn>
+              <a:cxn ang="0">
+                <a:pos x="connsiteX25" y="connsiteY25"/>
+              </a:cxn>
+              <a:cxn ang="0">
+                <a:pos x="connsiteX26" y="connsiteY26"/>
+              </a:cxn>
+              <a:cxn ang="0">
+                <a:pos x="connsiteX27" y="connsiteY27"/>
+              </a:cxn>
+              <a:cxn ang="0">
+                <a:pos x="connsiteX28" y="connsiteY28"/>
+              </a:cxn>
+              <a:cxn ang="0">
+                <a:pos x="connsiteX29" y="connsiteY29"/>
+              </a:cxn>
+              <a:cxn ang="0">
+                <a:pos x="connsiteX30" y="connsiteY30"/>
+              </a:cxn>
+              <a:cxn ang="0">
+                <a:pos x="connsiteX31" y="connsiteY31"/>
+              </a:cxn>
+              <a:cxn ang="0">
+                <a:pos x="connsiteX32" y="connsiteY32"/>
+              </a:cxn>
+              <a:cxn ang="0">
+                <a:pos x="connsiteX33" y="connsiteY33"/>
+              </a:cxn>
+              <a:cxn ang="0">
+                <a:pos x="connsiteX34" y="connsiteY34"/>
+              </a:cxn>
+              <a:cxn ang="0">
+                <a:pos x="connsiteX35" y="connsiteY35"/>
+              </a:cxn>
+              <a:cxn ang="0">
+                <a:pos x="connsiteX36" y="connsiteY36"/>
+              </a:cxn>
+              <a:cxn ang="0">
+                <a:pos x="connsiteX37" y="connsiteY37"/>
+              </a:cxn>
+              <a:cxn ang="0">
+                <a:pos x="connsiteX38" y="connsiteY38"/>
+              </a:cxn>
+              <a:cxn ang="0">
+                <a:pos x="connsiteX39" y="connsiteY39"/>
+              </a:cxn>
+              <a:cxn ang="0">
+                <a:pos x="connsiteX40" y="connsiteY40"/>
+              </a:cxn>
+              <a:cxn ang="0">
+                <a:pos x="connsiteX41" y="connsiteY41"/>
+              </a:cxn>
+              <a:cxn ang="0">
+                <a:pos x="connsiteX42" y="connsiteY42"/>
+              </a:cxn>
+              <a:cxn ang="0">
+                <a:pos x="connsiteX43" y="connsiteY43"/>
+              </a:cxn>
+              <a:cxn ang="0">
+                <a:pos x="connsiteX44" y="connsiteY44"/>
+              </a:cxn>
+              <a:cxn ang="0">
+                <a:pos x="connsiteX45" y="connsiteY45"/>
+              </a:cxn>
+              <a:cxn ang="0">
+                <a:pos x="connsiteX46" y="connsiteY46"/>
+              </a:cxn>
+              <a:cxn ang="0">
+                <a:pos x="connsiteX47" y="connsiteY47"/>
+              </a:cxn>
+              <a:cxn ang="0">
+                <a:pos x="connsiteX48" y="connsiteY48"/>
+              </a:cxn>
+              <a:cxn ang="0">
+                <a:pos x="connsiteX49" y="connsiteY49"/>
+              </a:cxn>
+              <a:cxn ang="0">
+                <a:pos x="connsiteX50" y="connsiteY50"/>
+              </a:cxn>
+              <a:cxn ang="0">
+                <a:pos x="connsiteX51" y="connsiteY51"/>
+              </a:cxn>
+              <a:cxn ang="0">
+                <a:pos x="connsiteX52" y="connsiteY52"/>
+              </a:cxn>
+              <a:cxn ang="0">
+                <a:pos x="connsiteX53" y="connsiteY53"/>
+              </a:cxn>
+              <a:cxn ang="0">
+                <a:pos x="connsiteX54" y="connsiteY54"/>
+              </a:cxn>
+              <a:cxn ang="0">
+                <a:pos x="connsiteX55" y="connsiteY55"/>
+              </a:cxn>
+              <a:cxn ang="0">
+                <a:pos x="connsiteX56" y="connsiteY56"/>
+              </a:cxn>
+              <a:cxn ang="0">
+                <a:pos x="connsiteX57" y="connsiteY57"/>
+              </a:cxn>
+              <a:cxn ang="0">
+                <a:pos x="connsiteX58" y="connsiteY58"/>
+              </a:cxn>
+              <a:cxn ang="0">
+                <a:pos x="connsiteX59" y="connsiteY59"/>
+              </a:cxn>
+              <a:cxn ang="0">
+                <a:pos x="connsiteX60" y="connsiteY60"/>
+              </a:cxn>
+              <a:cxn ang="0">
+                <a:pos x="connsiteX61" y="connsiteY61"/>
+              </a:cxn>
+              <a:cxn ang="0">
+                <a:pos x="connsiteX62" y="connsiteY62"/>
+              </a:cxn>
+              <a:cxn ang="0">
+                <a:pos x="connsiteX63" y="connsiteY63"/>
+              </a:cxn>
+              <a:cxn ang="0">
+                <a:pos x="connsiteX64" y="connsiteY64"/>
+              </a:cxn>
+              <a:cxn ang="0">
+                <a:pos x="connsiteX65" y="connsiteY65"/>
+              </a:cxn>
+              <a:cxn ang="0">
+                <a:pos x="connsiteX66" y="connsiteY66"/>
+              </a:cxn>
+              <a:cxn ang="0">
+                <a:pos x="connsiteX67" y="connsiteY67"/>
+              </a:cxn>
+              <a:cxn ang="0">
+                <a:pos x="connsiteX68" y="connsiteY68"/>
+              </a:cxn>
+              <a:cxn ang="0">
+                <a:pos x="connsiteX69" y="connsiteY69"/>
+              </a:cxn>
+              <a:cxn ang="0">
+                <a:pos x="connsiteX70" y="connsiteY70"/>
+              </a:cxn>
+              <a:cxn ang="0">
+                <a:pos x="connsiteX71" y="connsiteY71"/>
+              </a:cxn>
+              <a:cxn ang="0">
+                <a:pos x="connsiteX72" y="connsiteY72"/>
+              </a:cxn>
+              <a:cxn ang="0">
+                <a:pos x="connsiteX73" y="connsiteY73"/>
+              </a:cxn>
+              <a:cxn ang="0">
+                <a:pos x="connsiteX74" y="connsiteY74"/>
+              </a:cxn>
+              <a:cxn ang="0">
+                <a:pos x="connsiteX75" y="connsiteY75"/>
+              </a:cxn>
+              <a:cxn ang="0">
+                <a:pos x="connsiteX76" y="connsiteY76"/>
+              </a:cxn>
+              <a:cxn ang="0">
+                <a:pos x="connsiteX77" y="connsiteY77"/>
+              </a:cxn>
+              <a:cxn ang="0">
+                <a:pos x="connsiteX78" y="connsiteY78"/>
+              </a:cxn>
+              <a:cxn ang="0">
+                <a:pos x="connsiteX79" y="connsiteY79"/>
+              </a:cxn>
+              <a:cxn ang="0">
+                <a:pos x="connsiteX80" y="connsiteY80"/>
+              </a:cxn>
+              <a:cxn ang="0">
+                <a:pos x="connsiteX81" y="connsiteY81"/>
+              </a:cxn>
+              <a:cxn ang="0">
+                <a:pos x="connsiteX82" y="connsiteY82"/>
+              </a:cxn>
+              <a:cxn ang="0">
+                <a:pos x="connsiteX83" y="connsiteY83"/>
+              </a:cxn>
+              <a:cxn ang="0">
+                <a:pos x="connsiteX84" y="connsiteY84"/>
+              </a:cxn>
+              <a:cxn ang="0">
+                <a:pos x="connsiteX85" y="connsiteY85"/>
+              </a:cxn>
+              <a:cxn ang="0">
+                <a:pos x="connsiteX86" y="connsiteY86"/>
+              </a:cxn>
+              <a:cxn ang="0">
+                <a:pos x="connsiteX87" y="connsiteY87"/>
+              </a:cxn>
+              <a:cxn ang="0">
+                <a:pos x="connsiteX88" y="connsiteY88"/>
+              </a:cxn>
+              <a:cxn ang="0">
+                <a:pos x="connsiteX89" y="connsiteY89"/>
+              </a:cxn>
+              <a:cxn ang="0">
+                <a:pos x="connsiteX90" y="connsiteY90"/>
+              </a:cxn>
+              <a:cxn ang="0">
+                <a:pos x="connsiteX91" y="connsiteY91"/>
+              </a:cxn>
+              <a:cxn ang="0">
+                <a:pos x="connsiteX92" y="connsiteY92"/>
+              </a:cxn>
+              <a:cxn ang="0">
+                <a:pos x="connsiteX93" y="connsiteY93"/>
+              </a:cxn>
+              <a:cxn ang="0">
+                <a:pos x="connsiteX94" y="connsiteY94"/>
+              </a:cxn>
+              <a:cxn ang="0">
+                <a:pos x="connsiteX95" y="connsiteY95"/>
+              </a:cxn>
+              <a:cxn ang="0">
+                <a:pos x="connsiteX96" y="connsiteY96"/>
+              </a:cxn>
+              <a:cxn ang="0">
+                <a:pos x="connsiteX97" y="connsiteY97"/>
+              </a:cxn>
+              <a:cxn ang="0">
+                <a:pos x="connsiteX98" y="connsiteY98"/>
+              </a:cxn>
+              <a:cxn ang="0">
+                <a:pos x="connsiteX99" y="connsiteY99"/>
+              </a:cxn>
+              <a:cxn ang="0">
+                <a:pos x="connsiteX100" y="connsiteY100"/>
+              </a:cxn>
+              <a:cxn ang="0">
+                <a:pos x="connsiteX101" y="connsiteY101"/>
+              </a:cxn>
+              <a:cxn ang="0">
+                <a:pos x="connsiteX102" y="connsiteY102"/>
+              </a:cxn>
+              <a:cxn ang="0">
+                <a:pos x="connsiteX103" y="connsiteY103"/>
+              </a:cxn>
+              <a:cxn ang="0">
+                <a:pos x="connsiteX104" y="connsiteY104"/>
+              </a:cxn>
+              <a:cxn ang="0">
+                <a:pos x="connsiteX105" y="connsiteY105"/>
+              </a:cxn>
+              <a:cxn ang="0">
+                <a:pos x="connsiteX106" y="connsiteY106"/>
+              </a:cxn>
+              <a:cxn ang="0">
+                <a:pos x="connsiteX107" y="connsiteY107"/>
+              </a:cxn>
+              <a:cxn ang="0">
+                <a:pos x="connsiteX108" y="connsiteY108"/>
+              </a:cxn>
+              <a:cxn ang="0">
+                <a:pos x="connsiteX109" y="connsiteY109"/>
+              </a:cxn>
+              <a:cxn ang="0">
+                <a:pos x="connsiteX110" y="connsiteY110"/>
+              </a:cxn>
+              <a:cxn ang="0">
+                <a:pos x="connsiteX111" y="connsiteY111"/>
+              </a:cxn>
+              <a:cxn ang="0">
+                <a:pos x="connsiteX112" y="connsiteY112"/>
+              </a:cxn>
+              <a:cxn ang="0">
+                <a:pos x="connsiteX113" y="connsiteY113"/>
+              </a:cxn>
+              <a:cxn ang="0">
+                <a:pos x="connsiteX114" y="connsiteY114"/>
+              </a:cxn>
+              <a:cxn ang="0">
+                <a:pos x="connsiteX115" y="connsiteY115"/>
+              </a:cxn>
+              <a:cxn ang="0">
+                <a:pos x="connsiteX116" y="connsiteY116"/>
+              </a:cxn>
+              <a:cxn ang="0">
+                <a:pos x="connsiteX117" y="connsiteY117"/>
+              </a:cxn>
+              <a:cxn ang="0">
+                <a:pos x="connsiteX118" y="connsiteY118"/>
+              </a:cxn>
+            </a:cxnLst>
+            <a:rect l="l" t="t" r="r" b="b"/>
+            <a:pathLst>
+              <a:path w="2645560" h="1113183">
+                <a:moveTo>
+                  <a:pt x="1353473" y="0"/>
+                </a:moveTo>
+                <a:cubicBezTo>
+                  <a:pt x="1312497" y="16391"/>
+                  <a:pt x="1277244" y="26534"/>
+                  <a:pt x="1244143" y="59635"/>
+                </a:cubicBezTo>
+                <a:cubicBezTo>
+                  <a:pt x="1234204" y="69574"/>
+                  <a:pt x="1225123" y="80454"/>
+                  <a:pt x="1214325" y="89453"/>
+                </a:cubicBezTo>
+                <a:cubicBezTo>
+                  <a:pt x="1205148" y="97100"/>
+                  <a:pt x="1194228" y="102388"/>
+                  <a:pt x="1184508" y="109331"/>
+                </a:cubicBezTo>
+                <a:cubicBezTo>
+                  <a:pt x="1171028" y="118959"/>
+                  <a:pt x="1157328" y="128367"/>
+                  <a:pt x="1144751" y="139148"/>
+                </a:cubicBezTo>
+                <a:cubicBezTo>
+                  <a:pt x="1089056" y="186887"/>
+                  <a:pt x="1144819" y="157012"/>
+                  <a:pt x="1065238" y="188844"/>
+                </a:cubicBezTo>
+                <a:cubicBezTo>
+                  <a:pt x="1050283" y="203799"/>
+                  <a:pt x="1019883" y="239397"/>
+                  <a:pt x="995664" y="248479"/>
+                </a:cubicBezTo>
+                <a:cubicBezTo>
+                  <a:pt x="979847" y="254411"/>
+                  <a:pt x="962534" y="255105"/>
+                  <a:pt x="945969" y="258418"/>
+                </a:cubicBezTo>
+                <a:cubicBezTo>
+                  <a:pt x="939343" y="265044"/>
+                  <a:pt x="933887" y="273098"/>
+                  <a:pt x="926090" y="278296"/>
+                </a:cubicBezTo>
+                <a:cubicBezTo>
+                  <a:pt x="864866" y="319111"/>
+                  <a:pt x="907356" y="277382"/>
+                  <a:pt x="856517" y="318053"/>
+                </a:cubicBezTo>
+                <a:cubicBezTo>
+                  <a:pt x="849200" y="323907"/>
+                  <a:pt x="845020" y="333740"/>
+                  <a:pt x="836638" y="337931"/>
+                </a:cubicBezTo>
+                <a:cubicBezTo>
+                  <a:pt x="824420" y="344040"/>
+                  <a:pt x="809672" y="343074"/>
+                  <a:pt x="796882" y="347870"/>
+                </a:cubicBezTo>
+                <a:cubicBezTo>
+                  <a:pt x="783009" y="353072"/>
+                  <a:pt x="769989" y="360397"/>
+                  <a:pt x="757125" y="367748"/>
+                </a:cubicBezTo>
+                <a:cubicBezTo>
+                  <a:pt x="630754" y="439959"/>
+                  <a:pt x="805382" y="342203"/>
+                  <a:pt x="707430" y="407505"/>
+                </a:cubicBezTo>
+                <a:cubicBezTo>
+                  <a:pt x="695102" y="415724"/>
+                  <a:pt x="680625" y="420188"/>
+                  <a:pt x="667673" y="427383"/>
+                </a:cubicBezTo>
+                <a:cubicBezTo>
+                  <a:pt x="650786" y="436765"/>
+                  <a:pt x="634359" y="446961"/>
+                  <a:pt x="617977" y="457200"/>
+                </a:cubicBezTo>
+                <a:cubicBezTo>
+                  <a:pt x="607847" y="463531"/>
+                  <a:pt x="599409" y="473061"/>
+                  <a:pt x="588160" y="477079"/>
+                </a:cubicBezTo>
+                <a:cubicBezTo>
+                  <a:pt x="552586" y="489784"/>
+                  <a:pt x="515069" y="496237"/>
+                  <a:pt x="478830" y="506896"/>
+                </a:cubicBezTo>
+                <a:cubicBezTo>
+                  <a:pt x="458728" y="512808"/>
+                  <a:pt x="419195" y="526774"/>
+                  <a:pt x="419195" y="526774"/>
+                </a:cubicBezTo>
+                <a:cubicBezTo>
+                  <a:pt x="391786" y="554183"/>
+                  <a:pt x="391848" y="558020"/>
+                  <a:pt x="359560" y="576470"/>
+                </a:cubicBezTo>
+                <a:cubicBezTo>
+                  <a:pt x="346696" y="583821"/>
+                  <a:pt x="332132" y="588130"/>
+                  <a:pt x="319804" y="596348"/>
+                </a:cubicBezTo>
+                <a:cubicBezTo>
+                  <a:pt x="312007" y="601546"/>
+                  <a:pt x="307124" y="610227"/>
+                  <a:pt x="299925" y="616226"/>
+                </a:cubicBezTo>
+                <a:cubicBezTo>
+                  <a:pt x="287199" y="626831"/>
+                  <a:pt x="272895" y="635439"/>
+                  <a:pt x="260169" y="646044"/>
+                </a:cubicBezTo>
+                <a:cubicBezTo>
+                  <a:pt x="252970" y="652043"/>
+                  <a:pt x="248325" y="661101"/>
+                  <a:pt x="240290" y="665922"/>
+                </a:cubicBezTo>
+                <a:cubicBezTo>
+                  <a:pt x="231306" y="671312"/>
+                  <a:pt x="220412" y="672548"/>
+                  <a:pt x="210473" y="675861"/>
+                </a:cubicBezTo>
+                <a:cubicBezTo>
+                  <a:pt x="190595" y="695739"/>
+                  <a:pt x="174229" y="719902"/>
+                  <a:pt x="150838" y="735496"/>
+                </a:cubicBezTo>
+                <a:cubicBezTo>
+                  <a:pt x="140899" y="742122"/>
+                  <a:pt x="130090" y="747600"/>
+                  <a:pt x="121021" y="755374"/>
+                </a:cubicBezTo>
+                <a:cubicBezTo>
+                  <a:pt x="51344" y="815097"/>
+                  <a:pt x="105346" y="772195"/>
+                  <a:pt x="61386" y="824948"/>
+                </a:cubicBezTo>
+                <a:cubicBezTo>
+                  <a:pt x="-2393" y="901484"/>
+                  <a:pt x="61050" y="810547"/>
+                  <a:pt x="11690" y="884583"/>
+                </a:cubicBezTo>
+                <a:cubicBezTo>
+                  <a:pt x="1498" y="915158"/>
+                  <a:pt x="-8510" y="928746"/>
+                  <a:pt x="11690" y="964096"/>
+                </a:cubicBezTo>
+                <a:cubicBezTo>
+                  <a:pt x="17617" y="974468"/>
+                  <a:pt x="31569" y="977348"/>
+                  <a:pt x="41508" y="983974"/>
+                </a:cubicBezTo>
+                <a:cubicBezTo>
+                  <a:pt x="91204" y="980661"/>
+                  <a:pt x="142143" y="985571"/>
+                  <a:pt x="190595" y="974035"/>
+                </a:cubicBezTo>
+                <a:cubicBezTo>
+                  <a:pt x="213836" y="968502"/>
+                  <a:pt x="227565" y="941834"/>
+                  <a:pt x="250230" y="934279"/>
+                </a:cubicBezTo>
+                <a:lnTo>
+                  <a:pt x="280047" y="924340"/>
+                </a:lnTo>
+                <a:cubicBezTo>
+                  <a:pt x="289986" y="911088"/>
+                  <a:pt x="297287" y="895364"/>
+                  <a:pt x="309864" y="884583"/>
+                </a:cubicBezTo>
+                <a:cubicBezTo>
+                  <a:pt x="321114" y="874941"/>
+                  <a:pt x="336669" y="871901"/>
+                  <a:pt x="349621" y="864705"/>
+                </a:cubicBezTo>
+                <a:cubicBezTo>
+                  <a:pt x="366508" y="855323"/>
+                  <a:pt x="384476" y="847254"/>
+                  <a:pt x="399317" y="834887"/>
+                </a:cubicBezTo>
+                <a:cubicBezTo>
+                  <a:pt x="424512" y="813891"/>
+                  <a:pt x="445699" y="788504"/>
+                  <a:pt x="468890" y="765313"/>
+                </a:cubicBezTo>
+                <a:cubicBezTo>
+                  <a:pt x="475516" y="758687"/>
+                  <a:pt x="480972" y="750633"/>
+                  <a:pt x="488769" y="745435"/>
+                </a:cubicBezTo>
+                <a:lnTo>
+                  <a:pt x="548404" y="705679"/>
+                </a:lnTo>
+                <a:cubicBezTo>
+                  <a:pt x="553142" y="693834"/>
+                  <a:pt x="577446" y="629083"/>
+                  <a:pt x="588160" y="616226"/>
+                </a:cubicBezTo>
+                <a:cubicBezTo>
+                  <a:pt x="595807" y="607049"/>
+                  <a:pt x="608800" y="603995"/>
+                  <a:pt x="617977" y="596348"/>
+                </a:cubicBezTo>
+                <a:cubicBezTo>
+                  <a:pt x="628775" y="587350"/>
+                  <a:pt x="636700" y="575161"/>
+                  <a:pt x="647795" y="566531"/>
+                </a:cubicBezTo>
+                <a:cubicBezTo>
+                  <a:pt x="699061" y="526658"/>
+                  <a:pt x="692258" y="531831"/>
+                  <a:pt x="737247" y="516835"/>
+                </a:cubicBezTo>
+                <a:cubicBezTo>
+                  <a:pt x="790257" y="437320"/>
+                  <a:pt x="720679" y="533404"/>
+                  <a:pt x="786943" y="467140"/>
+                </a:cubicBezTo>
+                <a:cubicBezTo>
+                  <a:pt x="795390" y="458693"/>
+                  <a:pt x="797035" y="444172"/>
+                  <a:pt x="806821" y="437322"/>
+                </a:cubicBezTo>
+                <a:cubicBezTo>
+                  <a:pt x="838640" y="415049"/>
+                  <a:pt x="897145" y="393241"/>
+                  <a:pt x="936030" y="377687"/>
+                </a:cubicBezTo>
+                <a:cubicBezTo>
+                  <a:pt x="949282" y="364435"/>
+                  <a:pt x="960793" y="349176"/>
+                  <a:pt x="975786" y="337931"/>
+                </a:cubicBezTo>
+                <a:cubicBezTo>
+                  <a:pt x="1017145" y="306912"/>
+                  <a:pt x="1006980" y="327303"/>
+                  <a:pt x="1045360" y="308113"/>
+                </a:cubicBezTo>
+                <a:cubicBezTo>
+                  <a:pt x="1056044" y="302771"/>
+                  <a:pt x="1065849" y="295697"/>
+                  <a:pt x="1075177" y="288235"/>
+                </a:cubicBezTo>
+                <a:cubicBezTo>
+                  <a:pt x="1082494" y="282381"/>
+                  <a:pt x="1087021" y="273178"/>
+                  <a:pt x="1095056" y="268357"/>
+                </a:cubicBezTo>
+                <a:cubicBezTo>
+                  <a:pt x="1104040" y="262967"/>
+                  <a:pt x="1115243" y="262545"/>
+                  <a:pt x="1124873" y="258418"/>
+                </a:cubicBezTo>
+                <a:cubicBezTo>
+                  <a:pt x="1197640" y="227233"/>
+                  <a:pt x="1131087" y="246927"/>
+                  <a:pt x="1204386" y="228600"/>
+                </a:cubicBezTo>
+                <a:cubicBezTo>
+                  <a:pt x="1220951" y="268357"/>
+                  <a:pt x="1249326" y="305064"/>
+                  <a:pt x="1254082" y="347870"/>
+                </a:cubicBezTo>
+                <a:cubicBezTo>
+                  <a:pt x="1273197" y="519904"/>
+                  <a:pt x="1261629" y="407417"/>
+                  <a:pt x="1283899" y="685800"/>
+                </a:cubicBezTo>
+                <a:cubicBezTo>
+                  <a:pt x="1287212" y="785191"/>
+                  <a:pt x="1287822" y="884710"/>
+                  <a:pt x="1293838" y="983974"/>
+                </a:cubicBezTo>
+                <a:cubicBezTo>
+                  <a:pt x="1294472" y="994432"/>
+                  <a:pt x="1301236" y="1003628"/>
+                  <a:pt x="1303777" y="1013792"/>
+                </a:cubicBezTo>
+                <a:cubicBezTo>
+                  <a:pt x="1307874" y="1030181"/>
+                  <a:pt x="1310052" y="1046996"/>
+                  <a:pt x="1313717" y="1063487"/>
+                </a:cubicBezTo>
+                <a:cubicBezTo>
+                  <a:pt x="1316680" y="1076822"/>
+                  <a:pt x="1313997" y="1093585"/>
+                  <a:pt x="1323656" y="1103244"/>
+                </a:cubicBezTo>
+                <a:cubicBezTo>
+                  <a:pt x="1333315" y="1112903"/>
+                  <a:pt x="1350160" y="1109870"/>
+                  <a:pt x="1363412" y="1113183"/>
+                </a:cubicBezTo>
+                <a:cubicBezTo>
+                  <a:pt x="1402506" y="1100152"/>
+                  <a:pt x="1423783" y="1098872"/>
+                  <a:pt x="1452864" y="1073426"/>
+                </a:cubicBezTo>
+                <a:cubicBezTo>
+                  <a:pt x="1470494" y="1057999"/>
+                  <a:pt x="1485995" y="1040296"/>
+                  <a:pt x="1502560" y="1023731"/>
+                </a:cubicBezTo>
+                <a:cubicBezTo>
+                  <a:pt x="1514274" y="1012018"/>
+                  <a:pt x="1520664" y="995687"/>
+                  <a:pt x="1532377" y="983974"/>
+                </a:cubicBezTo>
+                <a:cubicBezTo>
+                  <a:pt x="1547377" y="968974"/>
+                  <a:pt x="1565508" y="957470"/>
+                  <a:pt x="1582073" y="944218"/>
+                </a:cubicBezTo>
+                <a:cubicBezTo>
+                  <a:pt x="1592012" y="927653"/>
+                  <a:pt x="1600661" y="910242"/>
+                  <a:pt x="1611890" y="894522"/>
+                </a:cubicBezTo>
+                <a:cubicBezTo>
+                  <a:pt x="1617337" y="886897"/>
+                  <a:pt x="1626146" y="882141"/>
+                  <a:pt x="1631769" y="874644"/>
+                </a:cubicBezTo>
+                <a:cubicBezTo>
+                  <a:pt x="1646103" y="855532"/>
+                  <a:pt x="1671525" y="815009"/>
+                  <a:pt x="1671525" y="815009"/>
+                </a:cubicBezTo>
+                <a:cubicBezTo>
+                  <a:pt x="1674838" y="801757"/>
+                  <a:pt x="1674687" y="787113"/>
+                  <a:pt x="1681464" y="775253"/>
+                </a:cubicBezTo>
+                <a:cubicBezTo>
+                  <a:pt x="1688438" y="763049"/>
+                  <a:pt x="1710856" y="759485"/>
+                  <a:pt x="1711282" y="745435"/>
+                </a:cubicBezTo>
+                <a:cubicBezTo>
+                  <a:pt x="1714299" y="645869"/>
+                  <a:pt x="1701567" y="546353"/>
+                  <a:pt x="1691404" y="447261"/>
+                </a:cubicBezTo>
+                <a:cubicBezTo>
+                  <a:pt x="1688288" y="416876"/>
+                  <a:pt x="1678393" y="387571"/>
+                  <a:pt x="1671525" y="357809"/>
+                </a:cubicBezTo>
+                <a:cubicBezTo>
+                  <a:pt x="1668453" y="344499"/>
+                  <a:pt x="1666967" y="330608"/>
+                  <a:pt x="1661586" y="318053"/>
+                </a:cubicBezTo>
+                <a:cubicBezTo>
+                  <a:pt x="1656881" y="307073"/>
+                  <a:pt x="1648334" y="298174"/>
+                  <a:pt x="1641708" y="288235"/>
+                </a:cubicBezTo>
+                <a:cubicBezTo>
+                  <a:pt x="1631763" y="238507"/>
+                  <a:pt x="1627286" y="184750"/>
+                  <a:pt x="1601951" y="139148"/>
+                </a:cubicBezTo>
+                <a:cubicBezTo>
+                  <a:pt x="1593906" y="124668"/>
+                  <a:pt x="1582073" y="112644"/>
+                  <a:pt x="1572134" y="99392"/>
+                </a:cubicBezTo>
+                <a:cubicBezTo>
+                  <a:pt x="1568821" y="86140"/>
+                  <a:pt x="1548535" y="59635"/>
+                  <a:pt x="1562195" y="59635"/>
+                </a:cubicBezTo>
+                <a:cubicBezTo>
+                  <a:pt x="1578760" y="59635"/>
+                  <a:pt x="1582512" y="85821"/>
+                  <a:pt x="1592012" y="99392"/>
+                </a:cubicBezTo>
+                <a:cubicBezTo>
+                  <a:pt x="1605712" y="118964"/>
+                  <a:pt x="1618517" y="139148"/>
+                  <a:pt x="1631769" y="159026"/>
+                </a:cubicBezTo>
+                <a:cubicBezTo>
+                  <a:pt x="1656751" y="233975"/>
+                  <a:pt x="1620146" y="144497"/>
+                  <a:pt x="1671525" y="208722"/>
+                </a:cubicBezTo>
+                <a:cubicBezTo>
+                  <a:pt x="1678070" y="216903"/>
+                  <a:pt x="1676779" y="229169"/>
+                  <a:pt x="1681464" y="238540"/>
+                </a:cubicBezTo>
+                <a:cubicBezTo>
+                  <a:pt x="1686806" y="249224"/>
+                  <a:pt x="1695416" y="257986"/>
+                  <a:pt x="1701343" y="268357"/>
+                </a:cubicBezTo>
+                <a:cubicBezTo>
+                  <a:pt x="1708694" y="281221"/>
+                  <a:pt x="1713003" y="295785"/>
+                  <a:pt x="1721221" y="308113"/>
+                </a:cubicBezTo>
+                <a:cubicBezTo>
+                  <a:pt x="1777083" y="391908"/>
+                  <a:pt x="1700798" y="249487"/>
+                  <a:pt x="1760977" y="357809"/>
+                </a:cubicBezTo>
+                <a:cubicBezTo>
+                  <a:pt x="1771770" y="377237"/>
+                  <a:pt x="1780002" y="398016"/>
+                  <a:pt x="1790795" y="417444"/>
+                </a:cubicBezTo>
+                <a:cubicBezTo>
+                  <a:pt x="1850965" y="525750"/>
+                  <a:pt x="1774696" y="383358"/>
+                  <a:pt x="1830551" y="467140"/>
+                </a:cubicBezTo>
+                <a:cubicBezTo>
+                  <a:pt x="1838770" y="479468"/>
+                  <a:pt x="1844412" y="493357"/>
+                  <a:pt x="1850430" y="506896"/>
+                </a:cubicBezTo>
+                <a:cubicBezTo>
+                  <a:pt x="1857676" y="523200"/>
+                  <a:pt x="1859814" y="542163"/>
+                  <a:pt x="1870308" y="556592"/>
+                </a:cubicBezTo>
+                <a:cubicBezTo>
+                  <a:pt x="1886843" y="579327"/>
+                  <a:pt x="1914350" y="592835"/>
+                  <a:pt x="1929943" y="616226"/>
+                </a:cubicBezTo>
+                <a:cubicBezTo>
+                  <a:pt x="1936569" y="626165"/>
+                  <a:pt x="1943490" y="635914"/>
+                  <a:pt x="1949821" y="646044"/>
+                </a:cubicBezTo>
+                <a:cubicBezTo>
+                  <a:pt x="1960059" y="662426"/>
+                  <a:pt x="1968047" y="680285"/>
+                  <a:pt x="1979638" y="695740"/>
+                </a:cubicBezTo>
+                <a:cubicBezTo>
+                  <a:pt x="1988072" y="706985"/>
+                  <a:pt x="2000308" y="714885"/>
+                  <a:pt x="2009456" y="725557"/>
+                </a:cubicBezTo>
+                <a:cubicBezTo>
+                  <a:pt x="2020236" y="738134"/>
+                  <a:pt x="2028668" y="752587"/>
+                  <a:pt x="2039273" y="765313"/>
+                </a:cubicBezTo>
+                <a:cubicBezTo>
+                  <a:pt x="2045272" y="772512"/>
+                  <a:pt x="2053953" y="777395"/>
+                  <a:pt x="2059151" y="785192"/>
+                </a:cubicBezTo>
+                <a:cubicBezTo>
+                  <a:pt x="2067370" y="797520"/>
+                  <a:pt x="2068553" y="814471"/>
+                  <a:pt x="2079030" y="824948"/>
+                </a:cubicBezTo>
+                <a:cubicBezTo>
+                  <a:pt x="2105075" y="850993"/>
+                  <a:pt x="2165744" y="878245"/>
+                  <a:pt x="2198299" y="894522"/>
+                </a:cubicBezTo>
+                <a:cubicBezTo>
+                  <a:pt x="2208238" y="904461"/>
+                  <a:pt x="2216872" y="915906"/>
+                  <a:pt x="2228117" y="924340"/>
+                </a:cubicBezTo>
+                <a:cubicBezTo>
+                  <a:pt x="2243571" y="935931"/>
+                  <a:pt x="2261738" y="943441"/>
+                  <a:pt x="2277812" y="954157"/>
+                </a:cubicBezTo>
+                <a:cubicBezTo>
+                  <a:pt x="2291595" y="963346"/>
+                  <a:pt x="2304317" y="974035"/>
+                  <a:pt x="2317569" y="983974"/>
+                </a:cubicBezTo>
+                <a:cubicBezTo>
+                  <a:pt x="2327508" y="1000539"/>
+                  <a:pt x="2334814" y="1019003"/>
+                  <a:pt x="2347386" y="1033670"/>
+                </a:cubicBezTo>
+                <a:cubicBezTo>
+                  <a:pt x="2362799" y="1051652"/>
+                  <a:pt x="2386150" y="1056530"/>
+                  <a:pt x="2407021" y="1063487"/>
+                </a:cubicBezTo>
+                <a:cubicBezTo>
+                  <a:pt x="2416960" y="1070113"/>
+                  <a:pt x="2424893" y="1083366"/>
+                  <a:pt x="2436838" y="1083366"/>
+                </a:cubicBezTo>
+                <a:cubicBezTo>
+                  <a:pt x="2490259" y="1083366"/>
+                  <a:pt x="2545184" y="1080380"/>
+                  <a:pt x="2595864" y="1063487"/>
+                </a:cubicBezTo>
+                <a:cubicBezTo>
+                  <a:pt x="2609920" y="1058802"/>
+                  <a:pt x="2609725" y="1037270"/>
+                  <a:pt x="2615743" y="1023731"/>
+                </a:cubicBezTo>
+                <a:cubicBezTo>
+                  <a:pt x="2639517" y="970241"/>
+                  <a:pt x="2634374" y="980271"/>
+                  <a:pt x="2645560" y="924340"/>
+                </a:cubicBezTo>
+                <a:cubicBezTo>
+                  <a:pt x="2635621" y="848140"/>
+                  <a:pt x="2630255" y="771203"/>
+                  <a:pt x="2615743" y="695740"/>
+                </a:cubicBezTo>
+                <a:cubicBezTo>
+                  <a:pt x="2613487" y="684009"/>
+                  <a:pt x="2604311" y="674369"/>
+                  <a:pt x="2595864" y="665922"/>
+                </a:cubicBezTo>
+                <a:cubicBezTo>
+                  <a:pt x="2578672" y="648730"/>
+                  <a:pt x="2545780" y="637860"/>
+                  <a:pt x="2526290" y="626166"/>
+                </a:cubicBezTo>
+                <a:cubicBezTo>
+                  <a:pt x="2354365" y="523010"/>
+                  <a:pt x="2542735" y="636015"/>
+                  <a:pt x="2436838" y="556592"/>
+                </a:cubicBezTo>
+                <a:cubicBezTo>
+                  <a:pt x="2421384" y="545001"/>
+                  <a:pt x="2402392" y="538634"/>
+                  <a:pt x="2387143" y="526774"/>
+                </a:cubicBezTo>
+                <a:cubicBezTo>
+                  <a:pt x="2303967" y="462081"/>
+                  <a:pt x="2394111" y="505707"/>
+                  <a:pt x="2297690" y="467140"/>
+                </a:cubicBezTo>
+                <a:cubicBezTo>
+                  <a:pt x="2206470" y="375916"/>
+                  <a:pt x="2382427" y="547690"/>
+                  <a:pt x="2238056" y="427383"/>
+                </a:cubicBezTo>
+                <a:cubicBezTo>
+                  <a:pt x="2228879" y="419736"/>
+                  <a:pt x="2227167" y="405432"/>
+                  <a:pt x="2218177" y="397566"/>
+                </a:cubicBezTo>
+                <a:cubicBezTo>
+                  <a:pt x="2188323" y="371443"/>
+                  <a:pt x="2121143" y="337853"/>
+                  <a:pt x="2088969" y="318053"/>
+                </a:cubicBezTo>
+                <a:cubicBezTo>
+                  <a:pt x="1996754" y="261305"/>
+                  <a:pt x="2064761" y="292466"/>
+                  <a:pt x="1979638" y="258418"/>
+                </a:cubicBezTo>
+                <a:cubicBezTo>
+                  <a:pt x="1905643" y="184421"/>
+                  <a:pt x="1996514" y="278106"/>
+                  <a:pt x="1920004" y="188844"/>
+                </a:cubicBezTo>
+                <a:cubicBezTo>
+                  <a:pt x="1910856" y="178172"/>
+                  <a:pt x="1899334" y="169698"/>
+                  <a:pt x="1890186" y="159026"/>
+                </a:cubicBezTo>
+                <a:cubicBezTo>
+                  <a:pt x="1879406" y="146449"/>
+                  <a:pt x="1871149" y="131847"/>
+                  <a:pt x="1860369" y="119270"/>
+                </a:cubicBezTo>
+                <a:cubicBezTo>
+                  <a:pt x="1851221" y="108598"/>
+                  <a:pt x="1839181" y="100548"/>
+                  <a:pt x="1830551" y="89453"/>
+                </a:cubicBezTo>
+                <a:cubicBezTo>
+                  <a:pt x="1815884" y="70595"/>
+                  <a:pt x="1790795" y="29818"/>
+                  <a:pt x="1790795" y="29818"/>
+                </a:cubicBezTo>
+              </a:path>
+            </a:pathLst>
+          </a:custGeom>
+          <a:noFill/>
+          <a:ln>
+            <a:solidFill>
+              <a:srgbClr val="FF0000"/>
+            </a:solidFill>
+            <a:headEnd type="none" w="med" len="med"/>
+            <a:tailEnd type="arrow" w="med" len="med"/>
+          </a:ln>
+        </p:spPr>
+        <p:style>
+          <a:lnRef idx="2">
+            <a:schemeClr val="accent1">
+              <a:shade val="50000"/>
+            </a:schemeClr>
+          </a:lnRef>
+          <a:fillRef idx="1">
+            <a:schemeClr val="accent1"/>
+          </a:fillRef>
+          <a:effectRef idx="0">
+            <a:schemeClr val="accent1"/>
+          </a:effectRef>
+          <a:fontRef idx="minor">
+            <a:schemeClr val="lt1"/>
+          </a:fontRef>
+        </p:style>
+        <p:txBody>
+          <a:bodyPr rtlCol="0" anchor="ctr"/>
+          <a:lstStyle/>
+          <a:p>
+            <a:pPr algn="ctr"/>
             <a:endParaRPr lang="ko-KR" altLang="en-US"/>
+          </a:p>
+        </p:txBody>
+      </p:sp>
+      <p:sp>
+        <p:nvSpPr>
+          <p:cNvPr id="18" name="자유형 17"/>
+          <p:cNvSpPr/>
+          <p:nvPr/>
+        </p:nvSpPr>
+        <p:spPr>
+          <a:xfrm>
+            <a:off x="1748325" y="4015408"/>
+            <a:ext cx="1392440" cy="536713"/>
+          </a:xfrm>
+          <a:custGeom>
+            <a:avLst/>
+            <a:gdLst>
+              <a:gd name="connsiteX0" fmla="*/ 10901 w 1392440"/>
+              <a:gd name="connsiteY0" fmla="*/ 0 h 536713"/>
+              <a:gd name="connsiteX1" fmla="*/ 962 w 1392440"/>
+              <a:gd name="connsiteY1" fmla="*/ 59635 h 536713"/>
+              <a:gd name="connsiteX2" fmla="*/ 40719 w 1392440"/>
+              <a:gd name="connsiteY2" fmla="*/ 139148 h 536713"/>
+              <a:gd name="connsiteX3" fmla="*/ 80475 w 1392440"/>
+              <a:gd name="connsiteY3" fmla="*/ 238539 h 536713"/>
+              <a:gd name="connsiteX4" fmla="*/ 100353 w 1392440"/>
+              <a:gd name="connsiteY4" fmla="*/ 278296 h 536713"/>
+              <a:gd name="connsiteX5" fmla="*/ 130171 w 1392440"/>
+              <a:gd name="connsiteY5" fmla="*/ 327991 h 536713"/>
+              <a:gd name="connsiteX6" fmla="*/ 140110 w 1392440"/>
+              <a:gd name="connsiteY6" fmla="*/ 357809 h 536713"/>
+              <a:gd name="connsiteX7" fmla="*/ 189806 w 1392440"/>
+              <a:gd name="connsiteY7" fmla="*/ 407504 h 536713"/>
+              <a:gd name="connsiteX8" fmla="*/ 249440 w 1392440"/>
+              <a:gd name="connsiteY8" fmla="*/ 457200 h 536713"/>
+              <a:gd name="connsiteX9" fmla="*/ 269319 w 1392440"/>
+              <a:gd name="connsiteY9" fmla="*/ 477078 h 536713"/>
+              <a:gd name="connsiteX10" fmla="*/ 299136 w 1392440"/>
+              <a:gd name="connsiteY10" fmla="*/ 487017 h 536713"/>
+              <a:gd name="connsiteX11" fmla="*/ 319014 w 1392440"/>
+              <a:gd name="connsiteY11" fmla="*/ 506896 h 536713"/>
+              <a:gd name="connsiteX12" fmla="*/ 348832 w 1392440"/>
+              <a:gd name="connsiteY12" fmla="*/ 516835 h 536713"/>
+              <a:gd name="connsiteX13" fmla="*/ 418406 w 1392440"/>
+              <a:gd name="connsiteY13" fmla="*/ 536713 h 536713"/>
+              <a:gd name="connsiteX14" fmla="*/ 915362 w 1392440"/>
+              <a:gd name="connsiteY14" fmla="*/ 526774 h 536713"/>
+              <a:gd name="connsiteX15" fmla="*/ 974997 w 1392440"/>
+              <a:gd name="connsiteY15" fmla="*/ 506896 h 536713"/>
+              <a:gd name="connsiteX16" fmla="*/ 1004814 w 1392440"/>
+              <a:gd name="connsiteY16" fmla="*/ 496956 h 536713"/>
+              <a:gd name="connsiteX17" fmla="*/ 1034632 w 1392440"/>
+              <a:gd name="connsiteY17" fmla="*/ 477078 h 536713"/>
+              <a:gd name="connsiteX18" fmla="*/ 1094266 w 1392440"/>
+              <a:gd name="connsiteY18" fmla="*/ 447261 h 536713"/>
+              <a:gd name="connsiteX19" fmla="*/ 1134023 w 1392440"/>
+              <a:gd name="connsiteY19" fmla="*/ 417443 h 536713"/>
+              <a:gd name="connsiteX20" fmla="*/ 1163840 w 1392440"/>
+              <a:gd name="connsiteY20" fmla="*/ 377687 h 536713"/>
+              <a:gd name="connsiteX21" fmla="*/ 1223475 w 1392440"/>
+              <a:gd name="connsiteY21" fmla="*/ 268356 h 536713"/>
+              <a:gd name="connsiteX22" fmla="*/ 1243353 w 1392440"/>
+              <a:gd name="connsiteY22" fmla="*/ 228600 h 536713"/>
+              <a:gd name="connsiteX23" fmla="*/ 1253292 w 1392440"/>
+              <a:gd name="connsiteY23" fmla="*/ 198783 h 536713"/>
+              <a:gd name="connsiteX24" fmla="*/ 1273171 w 1392440"/>
+              <a:gd name="connsiteY24" fmla="*/ 178904 h 536713"/>
+              <a:gd name="connsiteX25" fmla="*/ 1342745 w 1392440"/>
+              <a:gd name="connsiteY25" fmla="*/ 89452 h 536713"/>
+              <a:gd name="connsiteX26" fmla="*/ 1372562 w 1392440"/>
+              <a:gd name="connsiteY26" fmla="*/ 59635 h 536713"/>
+              <a:gd name="connsiteX27" fmla="*/ 1392440 w 1392440"/>
+              <a:gd name="connsiteY27" fmla="*/ 9939 h 536713"/>
+            </a:gdLst>
+            <a:ahLst/>
+            <a:cxnLst>
+              <a:cxn ang="0">
+                <a:pos x="connsiteX0" y="connsiteY0"/>
+              </a:cxn>
+              <a:cxn ang="0">
+                <a:pos x="connsiteX1" y="connsiteY1"/>
+              </a:cxn>
+              <a:cxn ang="0">
+                <a:pos x="connsiteX2" y="connsiteY2"/>
+              </a:cxn>
+              <a:cxn ang="0">
+                <a:pos x="connsiteX3" y="connsiteY3"/>
+              </a:cxn>
+              <a:cxn ang="0">
+                <a:pos x="connsiteX4" y="connsiteY4"/>
+              </a:cxn>
+              <a:cxn ang="0">
+                <a:pos x="connsiteX5" y="connsiteY5"/>
+              </a:cxn>
+              <a:cxn ang="0">
+                <a:pos x="connsiteX6" y="connsiteY6"/>
+              </a:cxn>
+              <a:cxn ang="0">
+                <a:pos x="connsiteX7" y="connsiteY7"/>
+              </a:cxn>
+              <a:cxn ang="0">
+                <a:pos x="connsiteX8" y="connsiteY8"/>
+              </a:cxn>
+              <a:cxn ang="0">
+                <a:pos x="connsiteX9" y="connsiteY9"/>
+              </a:cxn>
+              <a:cxn ang="0">
+                <a:pos x="connsiteX10" y="connsiteY10"/>
+              </a:cxn>
+              <a:cxn ang="0">
+                <a:pos x="connsiteX11" y="connsiteY11"/>
+              </a:cxn>
+              <a:cxn ang="0">
+                <a:pos x="connsiteX12" y="connsiteY12"/>
+              </a:cxn>
+              <a:cxn ang="0">
+                <a:pos x="connsiteX13" y="connsiteY13"/>
+              </a:cxn>
+              <a:cxn ang="0">
+                <a:pos x="connsiteX14" y="connsiteY14"/>
+              </a:cxn>
+              <a:cxn ang="0">
+                <a:pos x="connsiteX15" y="connsiteY15"/>
+              </a:cxn>
+              <a:cxn ang="0">
+                <a:pos x="connsiteX16" y="connsiteY16"/>
+              </a:cxn>
+              <a:cxn ang="0">
+                <a:pos x="connsiteX17" y="connsiteY17"/>
+              </a:cxn>
+              <a:cxn ang="0">
+                <a:pos x="connsiteX18" y="connsiteY18"/>
+              </a:cxn>
+              <a:cxn ang="0">
+                <a:pos x="connsiteX19" y="connsiteY19"/>
+              </a:cxn>
+              <a:cxn ang="0">
+                <a:pos x="connsiteX20" y="connsiteY20"/>
+              </a:cxn>
+              <a:cxn ang="0">
+                <a:pos x="connsiteX21" y="connsiteY21"/>
+              </a:cxn>
+              <a:cxn ang="0">
+                <a:pos x="connsiteX22" y="connsiteY22"/>
+              </a:cxn>
+              <a:cxn ang="0">
+                <a:pos x="connsiteX23" y="connsiteY23"/>
+              </a:cxn>
+              <a:cxn ang="0">
+                <a:pos x="connsiteX24" y="connsiteY24"/>
+              </a:cxn>
+              <a:cxn ang="0">
+                <a:pos x="connsiteX25" y="connsiteY25"/>
+              </a:cxn>
+              <a:cxn ang="0">
+                <a:pos x="connsiteX26" y="connsiteY26"/>
+              </a:cxn>
+              <a:cxn ang="0">
+                <a:pos x="connsiteX27" y="connsiteY27"/>
+              </a:cxn>
+            </a:cxnLst>
+            <a:rect l="l" t="t" r="r" b="b"/>
+            <a:pathLst>
+              <a:path w="1392440" h="536713">
+                <a:moveTo>
+                  <a:pt x="10901" y="0"/>
+                </a:moveTo>
+                <a:cubicBezTo>
+                  <a:pt x="7588" y="19878"/>
+                  <a:pt x="-3261" y="39930"/>
+                  <a:pt x="962" y="59635"/>
+                </a:cubicBezTo>
+                <a:cubicBezTo>
+                  <a:pt x="7171" y="88610"/>
+                  <a:pt x="29714" y="111635"/>
+                  <a:pt x="40719" y="139148"/>
+                </a:cubicBezTo>
+                <a:cubicBezTo>
+                  <a:pt x="53971" y="172278"/>
+                  <a:pt x="64518" y="206624"/>
+                  <a:pt x="80475" y="238539"/>
+                </a:cubicBezTo>
+                <a:cubicBezTo>
+                  <a:pt x="87101" y="251791"/>
+                  <a:pt x="94517" y="264677"/>
+                  <a:pt x="100353" y="278296"/>
+                </a:cubicBezTo>
+                <a:cubicBezTo>
+                  <a:pt x="119706" y="323453"/>
+                  <a:pt x="97114" y="294936"/>
+                  <a:pt x="130171" y="327991"/>
+                </a:cubicBezTo>
+                <a:cubicBezTo>
+                  <a:pt x="133484" y="337930"/>
+                  <a:pt x="133824" y="349427"/>
+                  <a:pt x="140110" y="357809"/>
+                </a:cubicBezTo>
+                <a:cubicBezTo>
+                  <a:pt x="154166" y="376550"/>
+                  <a:pt x="173241" y="390939"/>
+                  <a:pt x="189806" y="407504"/>
+                </a:cubicBezTo>
+                <a:cubicBezTo>
+                  <a:pt x="260635" y="478333"/>
+                  <a:pt x="180253" y="401851"/>
+                  <a:pt x="249440" y="457200"/>
+                </a:cubicBezTo>
+                <a:cubicBezTo>
+                  <a:pt x="256757" y="463054"/>
+                  <a:pt x="261284" y="472257"/>
+                  <a:pt x="269319" y="477078"/>
+                </a:cubicBezTo>
+                <a:cubicBezTo>
+                  <a:pt x="278303" y="482468"/>
+                  <a:pt x="289197" y="483704"/>
+                  <a:pt x="299136" y="487017"/>
+                </a:cubicBezTo>
+                <a:cubicBezTo>
+                  <a:pt x="305762" y="493643"/>
+                  <a:pt x="310979" y="502075"/>
+                  <a:pt x="319014" y="506896"/>
+                </a:cubicBezTo>
+                <a:cubicBezTo>
+                  <a:pt x="327998" y="512286"/>
+                  <a:pt x="338758" y="513957"/>
+                  <a:pt x="348832" y="516835"/>
+                </a:cubicBezTo>
+                <a:cubicBezTo>
+                  <a:pt x="436193" y="541795"/>
+                  <a:pt x="346912" y="512882"/>
+                  <a:pt x="418406" y="536713"/>
+                </a:cubicBezTo>
+                <a:cubicBezTo>
+                  <a:pt x="584058" y="533400"/>
+                  <a:pt x="749914" y="535637"/>
+                  <a:pt x="915362" y="526774"/>
+                </a:cubicBezTo>
+                <a:cubicBezTo>
+                  <a:pt x="936286" y="525653"/>
+                  <a:pt x="955119" y="513522"/>
+                  <a:pt x="974997" y="506896"/>
+                </a:cubicBezTo>
+                <a:cubicBezTo>
+                  <a:pt x="984936" y="503583"/>
+                  <a:pt x="996097" y="502767"/>
+                  <a:pt x="1004814" y="496956"/>
+                </a:cubicBezTo>
+                <a:cubicBezTo>
+                  <a:pt x="1014753" y="490330"/>
+                  <a:pt x="1023948" y="482420"/>
+                  <a:pt x="1034632" y="477078"/>
+                </a:cubicBezTo>
+                <a:cubicBezTo>
+                  <a:pt x="1100272" y="444259"/>
+                  <a:pt x="1027808" y="494731"/>
+                  <a:pt x="1094266" y="447261"/>
+                </a:cubicBezTo>
+                <a:cubicBezTo>
+                  <a:pt x="1107746" y="437632"/>
+                  <a:pt x="1122309" y="429157"/>
+                  <a:pt x="1134023" y="417443"/>
+                </a:cubicBezTo>
+                <a:cubicBezTo>
+                  <a:pt x="1145736" y="405730"/>
+                  <a:pt x="1154212" y="391166"/>
+                  <a:pt x="1163840" y="377687"/>
+                </a:cubicBezTo>
+                <a:cubicBezTo>
+                  <a:pt x="1194108" y="335312"/>
+                  <a:pt x="1193382" y="328542"/>
+                  <a:pt x="1223475" y="268356"/>
+                </a:cubicBezTo>
+                <a:cubicBezTo>
+                  <a:pt x="1230101" y="255104"/>
+                  <a:pt x="1238668" y="242656"/>
+                  <a:pt x="1243353" y="228600"/>
+                </a:cubicBezTo>
+                <a:cubicBezTo>
+                  <a:pt x="1246666" y="218661"/>
+                  <a:pt x="1247902" y="207767"/>
+                  <a:pt x="1253292" y="198783"/>
+                </a:cubicBezTo>
+                <a:cubicBezTo>
+                  <a:pt x="1258113" y="190747"/>
+                  <a:pt x="1267973" y="186701"/>
+                  <a:pt x="1273171" y="178904"/>
+                </a:cubicBezTo>
+                <a:cubicBezTo>
+                  <a:pt x="1333882" y="87838"/>
+                  <a:pt x="1234574" y="197623"/>
+                  <a:pt x="1342745" y="89452"/>
+                </a:cubicBezTo>
+                <a:lnTo>
+                  <a:pt x="1372562" y="59635"/>
+                </a:lnTo>
+                <a:cubicBezTo>
+                  <a:pt x="1384844" y="22789"/>
+                  <a:pt x="1377816" y="39188"/>
+                  <a:pt x="1392440" y="9939"/>
+                </a:cubicBezTo>
+              </a:path>
+            </a:pathLst>
+          </a:custGeom>
+          <a:noFill/>
+          <a:ln>
+            <a:solidFill>
+              <a:srgbClr val="FF0000"/>
+            </a:solidFill>
+            <a:headEnd type="none" w="med" len="med"/>
+            <a:tailEnd type="arrow" w="med" len="med"/>
+          </a:ln>
+        </p:spPr>
+        <p:style>
+          <a:lnRef idx="2">
+            <a:schemeClr val="accent1">
+              <a:shade val="50000"/>
+            </a:schemeClr>
+          </a:lnRef>
+          <a:fillRef idx="1">
+            <a:schemeClr val="accent1"/>
+          </a:fillRef>
+          <a:effectRef idx="0">
+            <a:schemeClr val="accent1"/>
+          </a:effectRef>
+          <a:fontRef idx="minor">
+            <a:schemeClr val="lt1"/>
+          </a:fontRef>
+        </p:style>
+        <p:txBody>
+          <a:bodyPr rtlCol="0" anchor="ctr"/>
+          <a:lstStyle/>
+          <a:p>
+            <a:pPr algn="ctr"/>
+            <a:endParaRPr lang="ko-KR" altLang="en-US"/>
+          </a:p>
+        </p:txBody>
+      </p:sp>
+      <p:sp>
+        <p:nvSpPr>
+          <p:cNvPr id="20" name="직사각형 19"/>
+          <p:cNvSpPr/>
+          <p:nvPr/>
+        </p:nvSpPr>
+        <p:spPr>
+          <a:xfrm>
+            <a:off x="1679713" y="2076915"/>
+            <a:ext cx="976376" cy="619021"/>
+          </a:xfrm>
+          <a:prstGeom prst="rect">
+            <a:avLst/>
+          </a:prstGeom>
+          <a:solidFill>
+            <a:schemeClr val="accent6">
+              <a:lumMod val="20000"/>
+              <a:lumOff val="80000"/>
+            </a:schemeClr>
+          </a:solidFill>
+        </p:spPr>
+        <p:style>
+          <a:lnRef idx="2">
+            <a:schemeClr val="accent1">
+              <a:shade val="50000"/>
+            </a:schemeClr>
+          </a:lnRef>
+          <a:fillRef idx="1">
+            <a:schemeClr val="accent1"/>
+          </a:fillRef>
+          <a:effectRef idx="0">
+            <a:schemeClr val="accent1"/>
+          </a:effectRef>
+          <a:fontRef idx="minor">
+            <a:schemeClr val="lt1"/>
+          </a:fontRef>
+        </p:style>
+        <p:txBody>
+          <a:bodyPr rtlCol="0" anchor="ctr"/>
+          <a:lstStyle/>
+          <a:p>
+            <a:pPr algn="ctr"/>
+            <a:r>
+              <a:rPr lang="en-US" altLang="ko-KR" sz="1400" dirty="0" smtClean="0">
+                <a:solidFill>
+                  <a:schemeClr val="accent5">
+                    <a:lumMod val="50000"/>
+                  </a:schemeClr>
+                </a:solidFill>
+              </a:rPr>
+              <a:t>Event Handler</a:t>
+            </a:r>
+            <a:endParaRPr lang="ko-KR" altLang="en-US" sz="1400" dirty="0" smtClean="0">
+              <a:solidFill>
+                <a:schemeClr val="accent5">
+                  <a:lumMod val="50000"/>
+                </a:schemeClr>
+              </a:solidFill>
+            </a:endParaRPr>
           </a:p>
         </p:txBody>
       </p:sp>

--- a/SugangSincheong-B/객체지향프로그래밍-B.pptx
+++ b/SugangSincheong-B/객체지향프로그래밍-B.pptx
@@ -5,7 +5,7 @@
     <p:sldMasterId id="2147483648" r:id="rId1"/>
   </p:sldMasterIdLst>
   <p:notesMasterIdLst>
-    <p:notesMasterId r:id="rId61"/>
+    <p:notesMasterId r:id="rId62"/>
   </p:notesMasterIdLst>
   <p:sldIdLst>
     <p:sldId id="256" r:id="rId2"/>
@@ -67,6 +67,7 @@
     <p:sldId id="312" r:id="rId58"/>
     <p:sldId id="313" r:id="rId59"/>
     <p:sldId id="314" r:id="rId60"/>
+    <p:sldId id="315" r:id="rId61"/>
   </p:sldIdLst>
   <p:sldSz cx="12192000" cy="6858000"/>
   <p:notesSz cx="6858000" cy="9144000"/>
@@ -2152,7 +2153,7 @@
           <a:p>
             <a:fld id="{FB69C2DF-2941-4F05-A906-AE55FB39F26C}" type="datetimeFigureOut">
               <a:rPr lang="ko-KR" altLang="en-US" smtClean="0"/>
-              <a:t>2022-11-16</a:t>
+              <a:t>2022-11-21</a:t>
             </a:fld>
             <a:endParaRPr lang="ko-KR" altLang="en-US"/>
           </a:p>
@@ -2610,7 +2611,7 @@
           <a:p>
             <a:fld id="{9891F741-12A4-49B3-B7A2-504B2BE71C46}" type="datetimeFigureOut">
               <a:rPr lang="ko-KR" altLang="en-US" smtClean="0"/>
-              <a:t>2022-11-16</a:t>
+              <a:t>2022-11-21</a:t>
             </a:fld>
             <a:endParaRPr lang="ko-KR" altLang="en-US"/>
           </a:p>
@@ -2792,7 +2793,7 @@
           <a:p>
             <a:fld id="{9891F741-12A4-49B3-B7A2-504B2BE71C46}" type="datetimeFigureOut">
               <a:rPr lang="ko-KR" altLang="en-US" smtClean="0"/>
-              <a:t>2022-11-16</a:t>
+              <a:t>2022-11-21</a:t>
             </a:fld>
             <a:endParaRPr lang="ko-KR" altLang="en-US"/>
           </a:p>
@@ -2999,7 +3000,7 @@
           <a:p>
             <a:fld id="{9891F741-12A4-49B3-B7A2-504B2BE71C46}" type="datetimeFigureOut">
               <a:rPr lang="ko-KR" altLang="en-US" smtClean="0"/>
-              <a:t>2022-11-16</a:t>
+              <a:t>2022-11-21</a:t>
             </a:fld>
             <a:endParaRPr lang="ko-KR" altLang="en-US"/>
           </a:p>
@@ -3206,7 +3207,7 @@
           <a:p>
             <a:fld id="{9891F741-12A4-49B3-B7A2-504B2BE71C46}" type="datetimeFigureOut">
               <a:rPr lang="ko-KR" altLang="en-US" smtClean="0"/>
-              <a:t>2022-11-16</a:t>
+              <a:t>2022-11-21</a:t>
             </a:fld>
             <a:endParaRPr lang="ko-KR" altLang="en-US"/>
           </a:p>
@@ -3438,7 +3439,7 @@
           <a:p>
             <a:fld id="{9891F741-12A4-49B3-B7A2-504B2BE71C46}" type="datetimeFigureOut">
               <a:rPr lang="ko-KR" altLang="en-US" smtClean="0"/>
-              <a:t>2022-11-16</a:t>
+              <a:t>2022-11-21</a:t>
             </a:fld>
             <a:endParaRPr lang="ko-KR" altLang="en-US"/>
           </a:p>
@@ -45942,110 +45943,6 @@
       </p:sp>
       <p:sp>
         <p:nvSpPr>
-          <p:cNvPr id="13" name="직사각형 12"/>
-          <p:cNvSpPr/>
-          <p:nvPr/>
-        </p:nvSpPr>
-        <p:spPr>
-          <a:xfrm>
-            <a:off x="8557472" y="1336606"/>
-            <a:ext cx="654214" cy="382450"/>
-          </a:xfrm>
-          <a:prstGeom prst="rect">
-            <a:avLst/>
-          </a:prstGeom>
-          <a:solidFill>
-            <a:schemeClr val="accent1">
-              <a:lumMod val="20000"/>
-              <a:lumOff val="80000"/>
-            </a:schemeClr>
-          </a:solidFill>
-        </p:spPr>
-        <p:style>
-          <a:lnRef idx="2">
-            <a:schemeClr val="accent1">
-              <a:shade val="50000"/>
-            </a:schemeClr>
-          </a:lnRef>
-          <a:fillRef idx="1">
-            <a:schemeClr val="accent1"/>
-          </a:fillRef>
-          <a:effectRef idx="0">
-            <a:schemeClr val="accent1"/>
-          </a:effectRef>
-          <a:fontRef idx="minor">
-            <a:schemeClr val="lt1"/>
-          </a:fontRef>
-        </p:style>
-        <p:txBody>
-          <a:bodyPr rtlCol="0" anchor="ctr"/>
-          <a:lstStyle/>
-          <a:p>
-            <a:pPr algn="ctr"/>
-            <a:endParaRPr lang="ko-KR" altLang="en-US" sz="1400" dirty="0" smtClean="0">
-              <a:solidFill>
-                <a:schemeClr val="accent5">
-                  <a:lumMod val="50000"/>
-                </a:schemeClr>
-              </a:solidFill>
-            </a:endParaRPr>
-          </a:p>
-        </p:txBody>
-      </p:sp>
-      <p:sp>
-        <p:nvSpPr>
-          <p:cNvPr id="14" name="직사각형 13"/>
-          <p:cNvSpPr/>
-          <p:nvPr/>
-        </p:nvSpPr>
-        <p:spPr>
-          <a:xfrm>
-            <a:off x="6796284" y="1336606"/>
-            <a:ext cx="685718" cy="382450"/>
-          </a:xfrm>
-          <a:prstGeom prst="rect">
-            <a:avLst/>
-          </a:prstGeom>
-          <a:solidFill>
-            <a:schemeClr val="accent1">
-              <a:lumMod val="20000"/>
-              <a:lumOff val="80000"/>
-            </a:schemeClr>
-          </a:solidFill>
-        </p:spPr>
-        <p:style>
-          <a:lnRef idx="2">
-            <a:schemeClr val="accent1">
-              <a:shade val="50000"/>
-            </a:schemeClr>
-          </a:lnRef>
-          <a:fillRef idx="1">
-            <a:schemeClr val="accent1"/>
-          </a:fillRef>
-          <a:effectRef idx="0">
-            <a:schemeClr val="accent1"/>
-          </a:effectRef>
-          <a:fontRef idx="minor">
-            <a:schemeClr val="lt1"/>
-          </a:fontRef>
-        </p:style>
-        <p:txBody>
-          <a:bodyPr rtlCol="0" anchor="ctr"/>
-          <a:lstStyle/>
-          <a:p>
-            <a:pPr algn="ctr"/>
-            <a:endParaRPr lang="ko-KR" altLang="en-US" sz="1400" dirty="0" smtClean="0">
-              <a:solidFill>
-                <a:schemeClr val="accent5">
-                  <a:lumMod val="50000"/>
-                </a:schemeClr>
-              </a:solidFill>
-            </a:endParaRPr>
-          </a:p>
-        </p:txBody>
-      </p:sp>
-      <p:sp>
-        <p:nvSpPr>
           <p:cNvPr id="15" name="직사각형 14"/>
           <p:cNvSpPr/>
           <p:nvPr/>
@@ -49395,6 +49292,2854 @@
 </p:sld>
 </file>
 
+<file path=ppt/slides/slide60.xml><?xml version="1.0" encoding="utf-8"?>
+<p:sld xmlns:a="http://schemas.openxmlformats.org/drawingml/2006/main" xmlns:r="http://schemas.openxmlformats.org/officeDocument/2006/relationships" xmlns:p="http://schemas.openxmlformats.org/presentationml/2006/main">
+  <p:cSld>
+    <p:spTree>
+      <p:nvGrpSpPr>
+        <p:cNvPr id="1" name=""/>
+        <p:cNvGrpSpPr/>
+        <p:nvPr/>
+      </p:nvGrpSpPr>
+      <p:grpSpPr>
+        <a:xfrm>
+          <a:off x="0" y="0"/>
+          <a:ext cx="0" cy="0"/>
+          <a:chOff x="0" y="0"/>
+          <a:chExt cx="0" cy="0"/>
+        </a:xfrm>
+      </p:grpSpPr>
+      <p:sp>
+        <p:nvSpPr>
+          <p:cNvPr id="2" name="제목 1"/>
+          <p:cNvSpPr>
+            <a:spLocks noGrp="1"/>
+          </p:cNvSpPr>
+          <p:nvPr>
+            <p:ph type="title"/>
+          </p:nvPr>
+        </p:nvSpPr>
+        <p:spPr/>
+        <p:txBody>
+          <a:bodyPr/>
+          <a:lstStyle/>
+          <a:p>
+            <a:r>
+              <a:rPr lang="en-US" altLang="ko-KR" dirty="0" smtClean="0"/>
+              <a:t>2022-11-21</a:t>
+            </a:r>
+            <a:endParaRPr lang="ko-KR" altLang="en-US" dirty="0"/>
+          </a:p>
+        </p:txBody>
+      </p:sp>
+      <p:sp>
+        <p:nvSpPr>
+          <p:cNvPr id="3" name="내용 개체 틀 2"/>
+          <p:cNvSpPr>
+            <a:spLocks noGrp="1"/>
+          </p:cNvSpPr>
+          <p:nvPr>
+            <p:ph idx="1"/>
+          </p:nvPr>
+        </p:nvSpPr>
+        <p:spPr/>
+        <p:txBody>
+          <a:bodyPr/>
+          <a:lstStyle/>
+          <a:p>
+            <a:r>
+              <a:rPr lang="ko-KR" altLang="en-US" dirty="0" smtClean="0"/>
+              <a:t>진행</a:t>
+            </a:r>
+            <a:endParaRPr lang="en-US" altLang="ko-KR" dirty="0" smtClean="0"/>
+          </a:p>
+          <a:p>
+            <a:pPr lvl="1"/>
+            <a:r>
+              <a:rPr lang="ko-KR" altLang="en-US" dirty="0" err="1" smtClean="0"/>
+              <a:t>미리담기</a:t>
+            </a:r>
+            <a:r>
+              <a:rPr lang="en-US" altLang="ko-KR" dirty="0" smtClean="0"/>
+              <a:t>/</a:t>
+            </a:r>
+            <a:r>
+              <a:rPr lang="ko-KR" altLang="en-US" dirty="0" smtClean="0"/>
+              <a:t>수강신청</a:t>
+            </a:r>
+            <a:r>
+              <a:rPr lang="en-US" altLang="ko-KR" dirty="0" smtClean="0"/>
+              <a:t>/</a:t>
+            </a:r>
+            <a:r>
+              <a:rPr lang="ko-KR" altLang="en-US" dirty="0" smtClean="0"/>
+              <a:t>제어 </a:t>
+            </a:r>
+            <a:r>
+              <a:rPr lang="en-US" altLang="ko-KR" dirty="0" smtClean="0"/>
+              <a:t>Panel</a:t>
+            </a:r>
+          </a:p>
+          <a:p>
+            <a:pPr lvl="1"/>
+            <a:r>
+              <a:rPr lang="en-US" altLang="ko-KR" dirty="0" smtClean="0"/>
+              <a:t>Refactoring</a:t>
+            </a:r>
+          </a:p>
+          <a:p>
+            <a:pPr lvl="2"/>
+            <a:r>
+              <a:rPr lang="en-US" altLang="ko-KR" dirty="0"/>
+              <a:t>Initialize</a:t>
+            </a:r>
+          </a:p>
+          <a:p>
+            <a:pPr lvl="2"/>
+            <a:r>
+              <a:rPr lang="en-US" altLang="ko-KR" dirty="0" smtClean="0"/>
+              <a:t>Constants</a:t>
+            </a:r>
+            <a:endParaRPr lang="ko-KR" altLang="en-US" dirty="0"/>
+          </a:p>
+        </p:txBody>
+      </p:sp>
+      <p:sp>
+        <p:nvSpPr>
+          <p:cNvPr id="4" name="내용 개체 틀 3"/>
+          <p:cNvSpPr>
+            <a:spLocks noGrp="1"/>
+          </p:cNvSpPr>
+          <p:nvPr>
+            <p:ph sz="quarter" idx="13"/>
+          </p:nvPr>
+        </p:nvSpPr>
+        <p:spPr/>
+        <p:txBody>
+          <a:bodyPr/>
+          <a:lstStyle/>
+          <a:p>
+            <a:r>
+              <a:rPr lang="en-US" altLang="ko-KR" dirty="0" smtClean="0"/>
+              <a:t>Object Lifecycle</a:t>
+            </a:r>
+          </a:p>
+          <a:p>
+            <a:pPr lvl="1"/>
+            <a:r>
+              <a:rPr lang="en-US" altLang="ko-KR" dirty="0" smtClean="0"/>
+              <a:t>Create</a:t>
+            </a:r>
+          </a:p>
+          <a:p>
+            <a:pPr lvl="1"/>
+            <a:r>
+              <a:rPr lang="en-US" altLang="ko-KR" dirty="0" smtClean="0"/>
+              <a:t>Initialize</a:t>
+            </a:r>
+            <a:endParaRPr lang="en-US" altLang="ko-KR" dirty="0" smtClean="0"/>
+          </a:p>
+          <a:p>
+            <a:pPr lvl="1"/>
+            <a:r>
+              <a:rPr lang="en-US" altLang="ko-KR" dirty="0" smtClean="0"/>
+              <a:t>Run</a:t>
+            </a:r>
+          </a:p>
+          <a:p>
+            <a:pPr lvl="1"/>
+            <a:r>
+              <a:rPr lang="en-US" altLang="ko-KR" dirty="0" smtClean="0"/>
+              <a:t>Finish</a:t>
+            </a:r>
+          </a:p>
+          <a:p>
+            <a:pPr lvl="1"/>
+            <a:r>
+              <a:rPr lang="en-US" altLang="ko-KR" dirty="0" smtClean="0"/>
+              <a:t>Delete</a:t>
+            </a:r>
+            <a:endParaRPr lang="ko-KR" altLang="en-US" dirty="0"/>
+          </a:p>
+        </p:txBody>
+      </p:sp>
+      <p:sp>
+        <p:nvSpPr>
+          <p:cNvPr id="5" name="직사각형 4"/>
+          <p:cNvSpPr/>
+          <p:nvPr/>
+        </p:nvSpPr>
+        <p:spPr>
+          <a:xfrm>
+            <a:off x="2319186" y="3310128"/>
+            <a:ext cx="1099987" cy="539496"/>
+          </a:xfrm>
+          <a:prstGeom prst="rect">
+            <a:avLst/>
+          </a:prstGeom>
+          <a:solidFill>
+            <a:schemeClr val="accent1">
+              <a:lumMod val="20000"/>
+              <a:lumOff val="80000"/>
+            </a:schemeClr>
+          </a:solidFill>
+        </p:spPr>
+        <p:style>
+          <a:lnRef idx="2">
+            <a:schemeClr val="accent1">
+              <a:shade val="50000"/>
+            </a:schemeClr>
+          </a:lnRef>
+          <a:fillRef idx="1">
+            <a:schemeClr val="accent1"/>
+          </a:fillRef>
+          <a:effectRef idx="0">
+            <a:schemeClr val="accent1"/>
+          </a:effectRef>
+          <a:fontRef idx="minor">
+            <a:schemeClr val="lt1"/>
+          </a:fontRef>
+        </p:style>
+        <p:txBody>
+          <a:bodyPr rtlCol="0" anchor="ctr"/>
+          <a:lstStyle/>
+          <a:p>
+            <a:pPr algn="ctr"/>
+            <a:r>
+              <a:rPr lang="en-US" altLang="ko-KR" sz="1400" dirty="0" smtClean="0">
+                <a:solidFill>
+                  <a:schemeClr val="accent5">
+                    <a:lumMod val="50000"/>
+                  </a:schemeClr>
+                </a:solidFill>
+              </a:rPr>
+              <a:t>Mainframe</a:t>
+            </a:r>
+            <a:endParaRPr lang="ko-KR" altLang="en-US" sz="1400" dirty="0" smtClean="0">
+              <a:solidFill>
+                <a:schemeClr val="accent5">
+                  <a:lumMod val="50000"/>
+                </a:schemeClr>
+              </a:solidFill>
+            </a:endParaRPr>
+          </a:p>
+        </p:txBody>
+      </p:sp>
+      <p:sp>
+        <p:nvSpPr>
+          <p:cNvPr id="6" name="직사각형 5"/>
+          <p:cNvSpPr/>
+          <p:nvPr/>
+        </p:nvSpPr>
+        <p:spPr>
+          <a:xfrm>
+            <a:off x="1252617" y="4305872"/>
+            <a:ext cx="1188720" cy="539496"/>
+          </a:xfrm>
+          <a:prstGeom prst="rect">
+            <a:avLst/>
+          </a:prstGeom>
+          <a:solidFill>
+            <a:schemeClr val="accent1">
+              <a:lumMod val="20000"/>
+              <a:lumOff val="80000"/>
+            </a:schemeClr>
+          </a:solidFill>
+        </p:spPr>
+        <p:style>
+          <a:lnRef idx="2">
+            <a:schemeClr val="accent1">
+              <a:shade val="50000"/>
+            </a:schemeClr>
+          </a:lnRef>
+          <a:fillRef idx="1">
+            <a:schemeClr val="accent1"/>
+          </a:fillRef>
+          <a:effectRef idx="0">
+            <a:schemeClr val="accent1"/>
+          </a:effectRef>
+          <a:fontRef idx="minor">
+            <a:schemeClr val="lt1"/>
+          </a:fontRef>
+        </p:style>
+        <p:txBody>
+          <a:bodyPr rtlCol="0" anchor="ctr"/>
+          <a:lstStyle/>
+          <a:p>
+            <a:pPr algn="ctr"/>
+            <a:r>
+              <a:rPr lang="en-US" altLang="ko-KR" sz="1400" dirty="0" smtClean="0">
+                <a:solidFill>
+                  <a:schemeClr val="accent5">
+                    <a:lumMod val="50000"/>
+                  </a:schemeClr>
+                </a:solidFill>
+              </a:rPr>
+              <a:t>Account Panel</a:t>
+            </a:r>
+            <a:endParaRPr lang="ko-KR" altLang="en-US" sz="1400" dirty="0" smtClean="0">
+              <a:solidFill>
+                <a:schemeClr val="accent5">
+                  <a:lumMod val="50000"/>
+                </a:schemeClr>
+              </a:solidFill>
+            </a:endParaRPr>
+          </a:p>
+        </p:txBody>
+      </p:sp>
+      <p:sp>
+        <p:nvSpPr>
+          <p:cNvPr id="7" name="직사각형 6"/>
+          <p:cNvSpPr/>
+          <p:nvPr/>
+        </p:nvSpPr>
+        <p:spPr>
+          <a:xfrm>
+            <a:off x="3264527" y="4305872"/>
+            <a:ext cx="1188720" cy="539496"/>
+          </a:xfrm>
+          <a:prstGeom prst="rect">
+            <a:avLst/>
+          </a:prstGeom>
+          <a:solidFill>
+            <a:schemeClr val="accent1">
+              <a:lumMod val="20000"/>
+              <a:lumOff val="80000"/>
+            </a:schemeClr>
+          </a:solidFill>
+        </p:spPr>
+        <p:style>
+          <a:lnRef idx="2">
+            <a:schemeClr val="accent1">
+              <a:shade val="50000"/>
+            </a:schemeClr>
+          </a:lnRef>
+          <a:fillRef idx="1">
+            <a:schemeClr val="accent1"/>
+          </a:fillRef>
+          <a:effectRef idx="0">
+            <a:schemeClr val="accent1"/>
+          </a:effectRef>
+          <a:fontRef idx="minor">
+            <a:schemeClr val="lt1"/>
+          </a:fontRef>
+        </p:style>
+        <p:txBody>
+          <a:bodyPr rtlCol="0" anchor="ctr"/>
+          <a:lstStyle/>
+          <a:p>
+            <a:pPr algn="ctr"/>
+            <a:r>
+              <a:rPr lang="en-US" altLang="ko-KR" sz="1400" dirty="0" err="1" smtClean="0">
+                <a:solidFill>
+                  <a:schemeClr val="accent5">
+                    <a:lumMod val="50000"/>
+                  </a:schemeClr>
+                </a:solidFill>
+              </a:rPr>
+              <a:t>Sugang</a:t>
+            </a:r>
+            <a:r>
+              <a:rPr lang="en-US" altLang="ko-KR" sz="1400" dirty="0" smtClean="0">
+                <a:solidFill>
+                  <a:schemeClr val="accent5">
+                    <a:lumMod val="50000"/>
+                  </a:schemeClr>
+                </a:solidFill>
+              </a:rPr>
+              <a:t> </a:t>
+            </a:r>
+            <a:r>
+              <a:rPr lang="en-US" altLang="ko-KR" sz="1400" dirty="0" err="1" smtClean="0">
+                <a:solidFill>
+                  <a:schemeClr val="accent5">
+                    <a:lumMod val="50000"/>
+                  </a:schemeClr>
+                </a:solidFill>
+              </a:rPr>
+              <a:t>sincheong</a:t>
+            </a:r>
+            <a:r>
+              <a:rPr lang="en-US" altLang="ko-KR" sz="1400" dirty="0" smtClean="0">
+                <a:solidFill>
+                  <a:schemeClr val="accent5">
+                    <a:lumMod val="50000"/>
+                  </a:schemeClr>
+                </a:solidFill>
+              </a:rPr>
+              <a:t> Panel</a:t>
+            </a:r>
+            <a:endParaRPr lang="ko-KR" altLang="en-US" sz="1400" dirty="0" smtClean="0">
+              <a:solidFill>
+                <a:schemeClr val="accent5">
+                  <a:lumMod val="50000"/>
+                </a:schemeClr>
+              </a:solidFill>
+            </a:endParaRPr>
+          </a:p>
+        </p:txBody>
+      </p:sp>
+      <p:sp>
+        <p:nvSpPr>
+          <p:cNvPr id="8" name="직사각형 7"/>
+          <p:cNvSpPr/>
+          <p:nvPr/>
+        </p:nvSpPr>
+        <p:spPr>
+          <a:xfrm>
+            <a:off x="1936229" y="5534028"/>
+            <a:ext cx="929180" cy="539496"/>
+          </a:xfrm>
+          <a:prstGeom prst="rect">
+            <a:avLst/>
+          </a:prstGeom>
+          <a:solidFill>
+            <a:schemeClr val="accent1">
+              <a:lumMod val="20000"/>
+              <a:lumOff val="80000"/>
+            </a:schemeClr>
+          </a:solidFill>
+        </p:spPr>
+        <p:style>
+          <a:lnRef idx="2">
+            <a:schemeClr val="accent1">
+              <a:shade val="50000"/>
+            </a:schemeClr>
+          </a:lnRef>
+          <a:fillRef idx="1">
+            <a:schemeClr val="accent1"/>
+          </a:fillRef>
+          <a:effectRef idx="0">
+            <a:schemeClr val="accent1"/>
+          </a:effectRef>
+          <a:fontRef idx="minor">
+            <a:schemeClr val="lt1"/>
+          </a:fontRef>
+        </p:style>
+        <p:txBody>
+          <a:bodyPr rtlCol="0" anchor="ctr"/>
+          <a:lstStyle/>
+          <a:p>
+            <a:pPr algn="ctr"/>
+            <a:r>
+              <a:rPr lang="en-US" altLang="ko-KR" sz="1400" dirty="0" smtClean="0">
+                <a:solidFill>
+                  <a:schemeClr val="accent5">
+                    <a:lumMod val="50000"/>
+                  </a:schemeClr>
+                </a:solidFill>
+              </a:rPr>
+              <a:t>Directory Panel</a:t>
+            </a:r>
+            <a:endParaRPr lang="ko-KR" altLang="en-US" sz="1400" dirty="0" smtClean="0">
+              <a:solidFill>
+                <a:schemeClr val="accent5">
+                  <a:lumMod val="50000"/>
+                </a:schemeClr>
+              </a:solidFill>
+            </a:endParaRPr>
+          </a:p>
+        </p:txBody>
+      </p:sp>
+      <p:sp>
+        <p:nvSpPr>
+          <p:cNvPr id="9" name="직사각형 8"/>
+          <p:cNvSpPr/>
+          <p:nvPr/>
+        </p:nvSpPr>
+        <p:spPr>
+          <a:xfrm>
+            <a:off x="3279596" y="5529683"/>
+            <a:ext cx="1158581" cy="539496"/>
+          </a:xfrm>
+          <a:prstGeom prst="rect">
+            <a:avLst/>
+          </a:prstGeom>
+          <a:solidFill>
+            <a:schemeClr val="accent1">
+              <a:lumMod val="20000"/>
+              <a:lumOff val="80000"/>
+            </a:schemeClr>
+          </a:solidFill>
+        </p:spPr>
+        <p:style>
+          <a:lnRef idx="2">
+            <a:schemeClr val="accent1">
+              <a:shade val="50000"/>
+            </a:schemeClr>
+          </a:lnRef>
+          <a:fillRef idx="1">
+            <a:schemeClr val="accent1"/>
+          </a:fillRef>
+          <a:effectRef idx="0">
+            <a:schemeClr val="accent1"/>
+          </a:effectRef>
+          <a:fontRef idx="minor">
+            <a:schemeClr val="lt1"/>
+          </a:fontRef>
+        </p:style>
+        <p:txBody>
+          <a:bodyPr rtlCol="0" anchor="ctr"/>
+          <a:lstStyle/>
+          <a:p>
+            <a:pPr algn="ctr"/>
+            <a:r>
+              <a:rPr lang="en-US" altLang="ko-KR" sz="1400" dirty="0" err="1" smtClean="0">
+                <a:solidFill>
+                  <a:schemeClr val="accent5">
+                    <a:lumMod val="50000"/>
+                  </a:schemeClr>
+                </a:solidFill>
+              </a:rPr>
+              <a:t>Minidamgi</a:t>
+            </a:r>
+            <a:r>
+              <a:rPr lang="en-US" altLang="ko-KR" sz="1400" dirty="0" smtClean="0">
+                <a:solidFill>
+                  <a:schemeClr val="accent5">
+                    <a:lumMod val="50000"/>
+                  </a:schemeClr>
+                </a:solidFill>
+              </a:rPr>
+              <a:t> Panel</a:t>
+            </a:r>
+            <a:endParaRPr lang="ko-KR" altLang="en-US" sz="1400" dirty="0" smtClean="0">
+              <a:solidFill>
+                <a:schemeClr val="accent5">
+                  <a:lumMod val="50000"/>
+                </a:schemeClr>
+              </a:solidFill>
+            </a:endParaRPr>
+          </a:p>
+        </p:txBody>
+      </p:sp>
+      <p:sp>
+        <p:nvSpPr>
+          <p:cNvPr id="10" name="직사각형 9"/>
+          <p:cNvSpPr/>
+          <p:nvPr/>
+        </p:nvSpPr>
+        <p:spPr>
+          <a:xfrm>
+            <a:off x="4896318" y="5529683"/>
+            <a:ext cx="1158581" cy="539496"/>
+          </a:xfrm>
+          <a:prstGeom prst="rect">
+            <a:avLst/>
+          </a:prstGeom>
+          <a:solidFill>
+            <a:schemeClr val="accent1">
+              <a:lumMod val="20000"/>
+              <a:lumOff val="80000"/>
+            </a:schemeClr>
+          </a:solidFill>
+        </p:spPr>
+        <p:style>
+          <a:lnRef idx="2">
+            <a:schemeClr val="accent1">
+              <a:shade val="50000"/>
+            </a:schemeClr>
+          </a:lnRef>
+          <a:fillRef idx="1">
+            <a:schemeClr val="accent1"/>
+          </a:fillRef>
+          <a:effectRef idx="0">
+            <a:schemeClr val="accent1"/>
+          </a:effectRef>
+          <a:fontRef idx="minor">
+            <a:schemeClr val="lt1"/>
+          </a:fontRef>
+        </p:style>
+        <p:txBody>
+          <a:bodyPr rtlCol="0" anchor="ctr"/>
+          <a:lstStyle/>
+          <a:p>
+            <a:pPr algn="ctr"/>
+            <a:r>
+              <a:rPr lang="en-US" altLang="ko-KR" sz="1400" dirty="0" err="1" smtClean="0">
+                <a:solidFill>
+                  <a:schemeClr val="accent5">
+                    <a:lumMod val="50000"/>
+                  </a:schemeClr>
+                </a:solidFill>
+              </a:rPr>
+              <a:t>Sincheong</a:t>
+            </a:r>
+            <a:r>
+              <a:rPr lang="en-US" altLang="ko-KR" sz="1400" dirty="0" smtClean="0">
+                <a:solidFill>
+                  <a:schemeClr val="accent5">
+                    <a:lumMod val="50000"/>
+                  </a:schemeClr>
+                </a:solidFill>
+              </a:rPr>
+              <a:t> Panel</a:t>
+            </a:r>
+            <a:endParaRPr lang="ko-KR" altLang="en-US" sz="1400" dirty="0" smtClean="0">
+              <a:solidFill>
+                <a:schemeClr val="accent5">
+                  <a:lumMod val="50000"/>
+                </a:schemeClr>
+              </a:solidFill>
+            </a:endParaRPr>
+          </a:p>
+        </p:txBody>
+      </p:sp>
+      <p:sp>
+        <p:nvSpPr>
+          <p:cNvPr id="11" name="순서도: 판단 10"/>
+          <p:cNvSpPr/>
+          <p:nvPr/>
+        </p:nvSpPr>
+        <p:spPr>
+          <a:xfrm>
+            <a:off x="2713731" y="3849624"/>
+            <a:ext cx="310896" cy="228600"/>
+          </a:xfrm>
+          <a:prstGeom prst="flowChartDecision">
+            <a:avLst/>
+          </a:prstGeom>
+          <a:solidFill>
+            <a:schemeClr val="accent1">
+              <a:lumMod val="20000"/>
+              <a:lumOff val="80000"/>
+            </a:schemeClr>
+          </a:solidFill>
+        </p:spPr>
+        <p:style>
+          <a:lnRef idx="2">
+            <a:schemeClr val="accent1">
+              <a:shade val="50000"/>
+            </a:schemeClr>
+          </a:lnRef>
+          <a:fillRef idx="1">
+            <a:schemeClr val="accent1"/>
+          </a:fillRef>
+          <a:effectRef idx="0">
+            <a:schemeClr val="accent1"/>
+          </a:effectRef>
+          <a:fontRef idx="minor">
+            <a:schemeClr val="lt1"/>
+          </a:fontRef>
+        </p:style>
+        <p:txBody>
+          <a:bodyPr rtlCol="0" anchor="ctr"/>
+          <a:lstStyle/>
+          <a:p>
+            <a:pPr algn="ctr"/>
+            <a:endParaRPr lang="ko-KR" altLang="en-US" sz="1400" dirty="0" smtClean="0">
+              <a:solidFill>
+                <a:schemeClr val="accent5">
+                  <a:lumMod val="50000"/>
+                </a:schemeClr>
+              </a:solidFill>
+            </a:endParaRPr>
+          </a:p>
+        </p:txBody>
+      </p:sp>
+      <p:cxnSp>
+        <p:nvCxnSpPr>
+          <p:cNvPr id="13" name="꺾인 연결선 12"/>
+          <p:cNvCxnSpPr>
+            <a:stCxn id="11" idx="2"/>
+            <a:endCxn id="6" idx="0"/>
+          </p:cNvCxnSpPr>
+          <p:nvPr/>
+        </p:nvCxnSpPr>
+        <p:spPr>
+          <a:xfrm rot="5400000">
+            <a:off x="2244254" y="3680947"/>
+            <a:ext cx="227648" cy="1022202"/>
+          </a:xfrm>
+          <a:prstGeom prst="bentConnector3">
+            <a:avLst/>
+          </a:prstGeom>
+          <a:ln w="12700"/>
+        </p:spPr>
+        <p:style>
+          <a:lnRef idx="1">
+            <a:schemeClr val="accent1"/>
+          </a:lnRef>
+          <a:fillRef idx="0">
+            <a:schemeClr val="accent1"/>
+          </a:fillRef>
+          <a:effectRef idx="0">
+            <a:schemeClr val="accent1"/>
+          </a:effectRef>
+          <a:fontRef idx="minor">
+            <a:schemeClr val="tx1"/>
+          </a:fontRef>
+        </p:style>
+      </p:cxnSp>
+      <p:cxnSp>
+        <p:nvCxnSpPr>
+          <p:cNvPr id="14" name="꺾인 연결선 13"/>
+          <p:cNvCxnSpPr>
+            <a:stCxn id="11" idx="2"/>
+            <a:endCxn id="7" idx="0"/>
+          </p:cNvCxnSpPr>
+          <p:nvPr/>
+        </p:nvCxnSpPr>
+        <p:spPr>
+          <a:xfrm rot="16200000" flipH="1">
+            <a:off x="3250209" y="3697194"/>
+            <a:ext cx="227648" cy="989708"/>
+          </a:xfrm>
+          <a:prstGeom prst="bentConnector3">
+            <a:avLst>
+              <a:gd name="adj1" fmla="val 50000"/>
+            </a:avLst>
+          </a:prstGeom>
+          <a:ln w="12700"/>
+        </p:spPr>
+        <p:style>
+          <a:lnRef idx="1">
+            <a:schemeClr val="accent1"/>
+          </a:lnRef>
+          <a:fillRef idx="0">
+            <a:schemeClr val="accent1"/>
+          </a:fillRef>
+          <a:effectRef idx="0">
+            <a:schemeClr val="accent1"/>
+          </a:effectRef>
+          <a:fontRef idx="minor">
+            <a:schemeClr val="tx1"/>
+          </a:fontRef>
+        </p:style>
+      </p:cxnSp>
+      <p:sp>
+        <p:nvSpPr>
+          <p:cNvPr id="17" name="순서도: 판단 16"/>
+          <p:cNvSpPr/>
+          <p:nvPr/>
+        </p:nvSpPr>
+        <p:spPr>
+          <a:xfrm>
+            <a:off x="3703439" y="4868461"/>
+            <a:ext cx="310896" cy="228600"/>
+          </a:xfrm>
+          <a:prstGeom prst="flowChartDecision">
+            <a:avLst/>
+          </a:prstGeom>
+          <a:solidFill>
+            <a:schemeClr val="accent1">
+              <a:lumMod val="20000"/>
+              <a:lumOff val="80000"/>
+            </a:schemeClr>
+          </a:solidFill>
+        </p:spPr>
+        <p:style>
+          <a:lnRef idx="2">
+            <a:schemeClr val="accent1">
+              <a:shade val="50000"/>
+            </a:schemeClr>
+          </a:lnRef>
+          <a:fillRef idx="1">
+            <a:schemeClr val="accent1"/>
+          </a:fillRef>
+          <a:effectRef idx="0">
+            <a:schemeClr val="accent1"/>
+          </a:effectRef>
+          <a:fontRef idx="minor">
+            <a:schemeClr val="lt1"/>
+          </a:fontRef>
+        </p:style>
+        <p:txBody>
+          <a:bodyPr rtlCol="0" anchor="ctr"/>
+          <a:lstStyle/>
+          <a:p>
+            <a:pPr algn="ctr"/>
+            <a:endParaRPr lang="ko-KR" altLang="en-US" sz="1400" dirty="0" smtClean="0">
+              <a:solidFill>
+                <a:schemeClr val="accent5">
+                  <a:lumMod val="50000"/>
+                </a:schemeClr>
+              </a:solidFill>
+            </a:endParaRPr>
+          </a:p>
+        </p:txBody>
+      </p:sp>
+      <p:cxnSp>
+        <p:nvCxnSpPr>
+          <p:cNvPr id="18" name="꺾인 연결선 17"/>
+          <p:cNvCxnSpPr>
+            <a:stCxn id="17" idx="2"/>
+            <a:endCxn id="8" idx="0"/>
+          </p:cNvCxnSpPr>
+          <p:nvPr/>
+        </p:nvCxnSpPr>
+        <p:spPr>
+          <a:xfrm rot="5400000">
+            <a:off x="2911370" y="4586510"/>
+            <a:ext cx="436967" cy="1458068"/>
+          </a:xfrm>
+          <a:prstGeom prst="bentConnector3">
+            <a:avLst/>
+          </a:prstGeom>
+          <a:ln w="12700"/>
+        </p:spPr>
+        <p:style>
+          <a:lnRef idx="1">
+            <a:schemeClr val="accent1"/>
+          </a:lnRef>
+          <a:fillRef idx="0">
+            <a:schemeClr val="accent1"/>
+          </a:fillRef>
+          <a:effectRef idx="0">
+            <a:schemeClr val="accent1"/>
+          </a:effectRef>
+          <a:fontRef idx="minor">
+            <a:schemeClr val="tx1"/>
+          </a:fontRef>
+        </p:style>
+      </p:cxnSp>
+      <p:cxnSp>
+        <p:nvCxnSpPr>
+          <p:cNvPr id="19" name="꺾인 연결선 18"/>
+          <p:cNvCxnSpPr>
+            <a:stCxn id="17" idx="2"/>
+            <a:endCxn id="9" idx="0"/>
+          </p:cNvCxnSpPr>
+          <p:nvPr/>
+        </p:nvCxnSpPr>
+        <p:spPr>
+          <a:xfrm rot="5400000">
+            <a:off x="3642576" y="5313372"/>
+            <a:ext cx="432622" cy="12700"/>
+          </a:xfrm>
+          <a:prstGeom prst="bentConnector3">
+            <a:avLst>
+              <a:gd name="adj1" fmla="val 50000"/>
+            </a:avLst>
+          </a:prstGeom>
+          <a:ln w="12700"/>
+        </p:spPr>
+        <p:style>
+          <a:lnRef idx="1">
+            <a:schemeClr val="accent1"/>
+          </a:lnRef>
+          <a:fillRef idx="0">
+            <a:schemeClr val="accent1"/>
+          </a:fillRef>
+          <a:effectRef idx="0">
+            <a:schemeClr val="accent1"/>
+          </a:effectRef>
+          <a:fontRef idx="minor">
+            <a:schemeClr val="tx1"/>
+          </a:fontRef>
+        </p:style>
+      </p:cxnSp>
+      <p:cxnSp>
+        <p:nvCxnSpPr>
+          <p:cNvPr id="22" name="꺾인 연결선 21"/>
+          <p:cNvCxnSpPr>
+            <a:stCxn id="17" idx="2"/>
+            <a:endCxn id="10" idx="0"/>
+          </p:cNvCxnSpPr>
+          <p:nvPr/>
+        </p:nvCxnSpPr>
+        <p:spPr>
+          <a:xfrm rot="16200000" flipH="1">
+            <a:off x="4450937" y="4505011"/>
+            <a:ext cx="432622" cy="1616722"/>
+          </a:xfrm>
+          <a:prstGeom prst="bentConnector3">
+            <a:avLst>
+              <a:gd name="adj1" fmla="val 50000"/>
+            </a:avLst>
+          </a:prstGeom>
+          <a:ln w="12700"/>
+        </p:spPr>
+        <p:style>
+          <a:lnRef idx="1">
+            <a:schemeClr val="accent1"/>
+          </a:lnRef>
+          <a:fillRef idx="0">
+            <a:schemeClr val="accent1"/>
+          </a:fillRef>
+          <a:effectRef idx="0">
+            <a:schemeClr val="accent1"/>
+          </a:effectRef>
+          <a:fontRef idx="minor">
+            <a:schemeClr val="tx1"/>
+          </a:fontRef>
+        </p:style>
+      </p:cxnSp>
+      <p:sp>
+        <p:nvSpPr>
+          <p:cNvPr id="28" name="자유형 27"/>
+          <p:cNvSpPr/>
+          <p:nvPr/>
+        </p:nvSpPr>
+        <p:spPr>
+          <a:xfrm>
+            <a:off x="1925995" y="2953512"/>
+            <a:ext cx="3593592" cy="3127248"/>
+          </a:xfrm>
+          <a:custGeom>
+            <a:avLst/>
+            <a:gdLst>
+              <a:gd name="connsiteX0" fmla="*/ 1499616 w 3593592"/>
+              <a:gd name="connsiteY0" fmla="*/ 0 h 3127248"/>
+              <a:gd name="connsiteX1" fmla="*/ 1481328 w 3593592"/>
+              <a:gd name="connsiteY1" fmla="*/ 82296 h 3127248"/>
+              <a:gd name="connsiteX2" fmla="*/ 1426464 w 3593592"/>
+              <a:gd name="connsiteY2" fmla="*/ 146304 h 3127248"/>
+              <a:gd name="connsiteX3" fmla="*/ 1389888 w 3593592"/>
+              <a:gd name="connsiteY3" fmla="*/ 201168 h 3127248"/>
+              <a:gd name="connsiteX4" fmla="*/ 1371600 w 3593592"/>
+              <a:gd name="connsiteY4" fmla="*/ 228600 h 3127248"/>
+              <a:gd name="connsiteX5" fmla="*/ 1307592 w 3593592"/>
+              <a:gd name="connsiteY5" fmla="*/ 310896 h 3127248"/>
+              <a:gd name="connsiteX6" fmla="*/ 1280160 w 3593592"/>
+              <a:gd name="connsiteY6" fmla="*/ 338328 h 3127248"/>
+              <a:gd name="connsiteX7" fmla="*/ 1216152 w 3593592"/>
+              <a:gd name="connsiteY7" fmla="*/ 438912 h 3127248"/>
+              <a:gd name="connsiteX8" fmla="*/ 1115568 w 3593592"/>
+              <a:gd name="connsiteY8" fmla="*/ 557784 h 3127248"/>
+              <a:gd name="connsiteX9" fmla="*/ 1078992 w 3593592"/>
+              <a:gd name="connsiteY9" fmla="*/ 585216 h 3127248"/>
+              <a:gd name="connsiteX10" fmla="*/ 1033272 w 3593592"/>
+              <a:gd name="connsiteY10" fmla="*/ 603504 h 3127248"/>
+              <a:gd name="connsiteX11" fmla="*/ 978408 w 3593592"/>
+              <a:gd name="connsiteY11" fmla="*/ 640080 h 3127248"/>
+              <a:gd name="connsiteX12" fmla="*/ 950976 w 3593592"/>
+              <a:gd name="connsiteY12" fmla="*/ 667512 h 3127248"/>
+              <a:gd name="connsiteX13" fmla="*/ 923544 w 3593592"/>
+              <a:gd name="connsiteY13" fmla="*/ 685800 h 3127248"/>
+              <a:gd name="connsiteX14" fmla="*/ 886968 w 3593592"/>
+              <a:gd name="connsiteY14" fmla="*/ 713232 h 3127248"/>
+              <a:gd name="connsiteX15" fmla="*/ 841248 w 3593592"/>
+              <a:gd name="connsiteY15" fmla="*/ 722376 h 3127248"/>
+              <a:gd name="connsiteX16" fmla="*/ 777240 w 3593592"/>
+              <a:gd name="connsiteY16" fmla="*/ 795528 h 3127248"/>
+              <a:gd name="connsiteX17" fmla="*/ 612648 w 3593592"/>
+              <a:gd name="connsiteY17" fmla="*/ 850392 h 3127248"/>
+              <a:gd name="connsiteX18" fmla="*/ 566928 w 3593592"/>
+              <a:gd name="connsiteY18" fmla="*/ 868680 h 3127248"/>
+              <a:gd name="connsiteX19" fmla="*/ 493776 w 3593592"/>
+              <a:gd name="connsiteY19" fmla="*/ 886968 h 3127248"/>
+              <a:gd name="connsiteX20" fmla="*/ 466344 w 3593592"/>
+              <a:gd name="connsiteY20" fmla="*/ 914400 h 3127248"/>
+              <a:gd name="connsiteX21" fmla="*/ 402336 w 3593592"/>
+              <a:gd name="connsiteY21" fmla="*/ 960120 h 3127248"/>
+              <a:gd name="connsiteX22" fmla="*/ 320040 w 3593592"/>
+              <a:gd name="connsiteY22" fmla="*/ 1042416 h 3127248"/>
+              <a:gd name="connsiteX23" fmla="*/ 292608 w 3593592"/>
+              <a:gd name="connsiteY23" fmla="*/ 1069848 h 3127248"/>
+              <a:gd name="connsiteX24" fmla="*/ 265176 w 3593592"/>
+              <a:gd name="connsiteY24" fmla="*/ 1088136 h 3127248"/>
+              <a:gd name="connsiteX25" fmla="*/ 228600 w 3593592"/>
+              <a:gd name="connsiteY25" fmla="*/ 1143000 h 3127248"/>
+              <a:gd name="connsiteX26" fmla="*/ 210312 w 3593592"/>
+              <a:gd name="connsiteY26" fmla="*/ 1179576 h 3127248"/>
+              <a:gd name="connsiteX27" fmla="*/ 164592 w 3593592"/>
+              <a:gd name="connsiteY27" fmla="*/ 1225296 h 3127248"/>
+              <a:gd name="connsiteX28" fmla="*/ 146304 w 3593592"/>
+              <a:gd name="connsiteY28" fmla="*/ 1261872 h 3127248"/>
+              <a:gd name="connsiteX29" fmla="*/ 118872 w 3593592"/>
+              <a:gd name="connsiteY29" fmla="*/ 1298448 h 3127248"/>
+              <a:gd name="connsiteX30" fmla="*/ 109728 w 3593592"/>
+              <a:gd name="connsiteY30" fmla="*/ 1325880 h 3127248"/>
+              <a:gd name="connsiteX31" fmla="*/ 82296 w 3593592"/>
+              <a:gd name="connsiteY31" fmla="*/ 1362456 h 3127248"/>
+              <a:gd name="connsiteX32" fmla="*/ 64008 w 3593592"/>
+              <a:gd name="connsiteY32" fmla="*/ 1426464 h 3127248"/>
+              <a:gd name="connsiteX33" fmla="*/ 36576 w 3593592"/>
+              <a:gd name="connsiteY33" fmla="*/ 1463040 h 3127248"/>
+              <a:gd name="connsiteX34" fmla="*/ 0 w 3593592"/>
+              <a:gd name="connsiteY34" fmla="*/ 1536192 h 3127248"/>
+              <a:gd name="connsiteX35" fmla="*/ 9144 w 3593592"/>
+              <a:gd name="connsiteY35" fmla="*/ 1490472 h 3127248"/>
+              <a:gd name="connsiteX36" fmla="*/ 64008 w 3593592"/>
+              <a:gd name="connsiteY36" fmla="*/ 1444752 h 3127248"/>
+              <a:gd name="connsiteX37" fmla="*/ 118872 w 3593592"/>
+              <a:gd name="connsiteY37" fmla="*/ 1389888 h 3127248"/>
+              <a:gd name="connsiteX38" fmla="*/ 146304 w 3593592"/>
+              <a:gd name="connsiteY38" fmla="*/ 1344168 h 3127248"/>
+              <a:gd name="connsiteX39" fmla="*/ 182880 w 3593592"/>
+              <a:gd name="connsiteY39" fmla="*/ 1325880 h 3127248"/>
+              <a:gd name="connsiteX40" fmla="*/ 237744 w 3593592"/>
+              <a:gd name="connsiteY40" fmla="*/ 1280160 h 3127248"/>
+              <a:gd name="connsiteX41" fmla="*/ 310896 w 3593592"/>
+              <a:gd name="connsiteY41" fmla="*/ 1234440 h 3127248"/>
+              <a:gd name="connsiteX42" fmla="*/ 374904 w 3593592"/>
+              <a:gd name="connsiteY42" fmla="*/ 1170432 h 3127248"/>
+              <a:gd name="connsiteX43" fmla="*/ 411480 w 3593592"/>
+              <a:gd name="connsiteY43" fmla="*/ 1143000 h 3127248"/>
+              <a:gd name="connsiteX44" fmla="*/ 466344 w 3593592"/>
+              <a:gd name="connsiteY44" fmla="*/ 1097280 h 3127248"/>
+              <a:gd name="connsiteX45" fmla="*/ 557784 w 3593592"/>
+              <a:gd name="connsiteY45" fmla="*/ 1042416 h 3127248"/>
+              <a:gd name="connsiteX46" fmla="*/ 621792 w 3593592"/>
+              <a:gd name="connsiteY46" fmla="*/ 996696 h 3127248"/>
+              <a:gd name="connsiteX47" fmla="*/ 740664 w 3593592"/>
+              <a:gd name="connsiteY47" fmla="*/ 960120 h 3127248"/>
+              <a:gd name="connsiteX48" fmla="*/ 1097280 w 3593592"/>
+              <a:gd name="connsiteY48" fmla="*/ 978408 h 3127248"/>
+              <a:gd name="connsiteX49" fmla="*/ 1261872 w 3593592"/>
+              <a:gd name="connsiteY49" fmla="*/ 1051560 h 3127248"/>
+              <a:gd name="connsiteX50" fmla="*/ 1298448 w 3593592"/>
+              <a:gd name="connsiteY50" fmla="*/ 1069848 h 3127248"/>
+              <a:gd name="connsiteX51" fmla="*/ 1344168 w 3593592"/>
+              <a:gd name="connsiteY51" fmla="*/ 1115568 h 3127248"/>
+              <a:gd name="connsiteX52" fmla="*/ 1380744 w 3593592"/>
+              <a:gd name="connsiteY52" fmla="*/ 1133856 h 3127248"/>
+              <a:gd name="connsiteX53" fmla="*/ 1408176 w 3593592"/>
+              <a:gd name="connsiteY53" fmla="*/ 1152144 h 3127248"/>
+              <a:gd name="connsiteX54" fmla="*/ 1463040 w 3593592"/>
+              <a:gd name="connsiteY54" fmla="*/ 1179576 h 3127248"/>
+              <a:gd name="connsiteX55" fmla="*/ 1490472 w 3593592"/>
+              <a:gd name="connsiteY55" fmla="*/ 1197864 h 3127248"/>
+              <a:gd name="connsiteX56" fmla="*/ 1563624 w 3593592"/>
+              <a:gd name="connsiteY56" fmla="*/ 1261872 h 3127248"/>
+              <a:gd name="connsiteX57" fmla="*/ 1581912 w 3593592"/>
+              <a:gd name="connsiteY57" fmla="*/ 1289304 h 3127248"/>
+              <a:gd name="connsiteX58" fmla="*/ 1618488 w 3593592"/>
+              <a:gd name="connsiteY58" fmla="*/ 1417320 h 3127248"/>
+              <a:gd name="connsiteX59" fmla="*/ 1627632 w 3593592"/>
+              <a:gd name="connsiteY59" fmla="*/ 1444752 h 3127248"/>
+              <a:gd name="connsiteX60" fmla="*/ 1709928 w 3593592"/>
+              <a:gd name="connsiteY60" fmla="*/ 1563624 h 3127248"/>
+              <a:gd name="connsiteX61" fmla="*/ 1764792 w 3593592"/>
+              <a:gd name="connsiteY61" fmla="*/ 1600200 h 3127248"/>
+              <a:gd name="connsiteX62" fmla="*/ 1755648 w 3593592"/>
+              <a:gd name="connsiteY62" fmla="*/ 1627632 h 3127248"/>
+              <a:gd name="connsiteX63" fmla="*/ 1664208 w 3593592"/>
+              <a:gd name="connsiteY63" fmla="*/ 1719072 h 3127248"/>
+              <a:gd name="connsiteX64" fmla="*/ 1636776 w 3593592"/>
+              <a:gd name="connsiteY64" fmla="*/ 1737360 h 3127248"/>
+              <a:gd name="connsiteX65" fmla="*/ 1600200 w 3593592"/>
+              <a:gd name="connsiteY65" fmla="*/ 1773936 h 3127248"/>
+              <a:gd name="connsiteX66" fmla="*/ 1435608 w 3593592"/>
+              <a:gd name="connsiteY66" fmla="*/ 1874520 h 3127248"/>
+              <a:gd name="connsiteX67" fmla="*/ 1252728 w 3593592"/>
+              <a:gd name="connsiteY67" fmla="*/ 1993392 h 3127248"/>
+              <a:gd name="connsiteX68" fmla="*/ 1207008 w 3593592"/>
+              <a:gd name="connsiteY68" fmla="*/ 2029968 h 3127248"/>
+              <a:gd name="connsiteX69" fmla="*/ 1152144 w 3593592"/>
+              <a:gd name="connsiteY69" fmla="*/ 2057400 h 3127248"/>
+              <a:gd name="connsiteX70" fmla="*/ 1106424 w 3593592"/>
+              <a:gd name="connsiteY70" fmla="*/ 2093976 h 3127248"/>
+              <a:gd name="connsiteX71" fmla="*/ 996696 w 3593592"/>
+              <a:gd name="connsiteY71" fmla="*/ 2167128 h 3127248"/>
+              <a:gd name="connsiteX72" fmla="*/ 950976 w 3593592"/>
+              <a:gd name="connsiteY72" fmla="*/ 2203704 h 3127248"/>
+              <a:gd name="connsiteX73" fmla="*/ 896112 w 3593592"/>
+              <a:gd name="connsiteY73" fmla="*/ 2258568 h 3127248"/>
+              <a:gd name="connsiteX74" fmla="*/ 722376 w 3593592"/>
+              <a:gd name="connsiteY74" fmla="*/ 2359152 h 3127248"/>
+              <a:gd name="connsiteX75" fmla="*/ 667512 w 3593592"/>
+              <a:gd name="connsiteY75" fmla="*/ 2423160 h 3127248"/>
+              <a:gd name="connsiteX76" fmla="*/ 612648 w 3593592"/>
+              <a:gd name="connsiteY76" fmla="*/ 2496312 h 3127248"/>
+              <a:gd name="connsiteX77" fmla="*/ 566928 w 3593592"/>
+              <a:gd name="connsiteY77" fmla="*/ 2551176 h 3127248"/>
+              <a:gd name="connsiteX78" fmla="*/ 521208 w 3593592"/>
+              <a:gd name="connsiteY78" fmla="*/ 2660904 h 3127248"/>
+              <a:gd name="connsiteX79" fmla="*/ 521208 w 3593592"/>
+              <a:gd name="connsiteY79" fmla="*/ 2660904 h 3127248"/>
+              <a:gd name="connsiteX80" fmla="*/ 512064 w 3593592"/>
+              <a:gd name="connsiteY80" fmla="*/ 2688336 h 3127248"/>
+              <a:gd name="connsiteX81" fmla="*/ 539496 w 3593592"/>
+              <a:gd name="connsiteY81" fmla="*/ 2606040 h 3127248"/>
+              <a:gd name="connsiteX82" fmla="*/ 548640 w 3593592"/>
+              <a:gd name="connsiteY82" fmla="*/ 2578608 h 3127248"/>
+              <a:gd name="connsiteX83" fmla="*/ 576072 w 3593592"/>
+              <a:gd name="connsiteY83" fmla="*/ 2560320 h 3127248"/>
+              <a:gd name="connsiteX84" fmla="*/ 603504 w 3593592"/>
+              <a:gd name="connsiteY84" fmla="*/ 2523744 h 3127248"/>
+              <a:gd name="connsiteX85" fmla="*/ 630936 w 3593592"/>
+              <a:gd name="connsiteY85" fmla="*/ 2496312 h 3127248"/>
+              <a:gd name="connsiteX86" fmla="*/ 649224 w 3593592"/>
+              <a:gd name="connsiteY86" fmla="*/ 2468880 h 3127248"/>
+              <a:gd name="connsiteX87" fmla="*/ 722376 w 3593592"/>
+              <a:gd name="connsiteY87" fmla="*/ 2423160 h 3127248"/>
+              <a:gd name="connsiteX88" fmla="*/ 804672 w 3593592"/>
+              <a:gd name="connsiteY88" fmla="*/ 2350008 h 3127248"/>
+              <a:gd name="connsiteX89" fmla="*/ 822960 w 3593592"/>
+              <a:gd name="connsiteY89" fmla="*/ 2322576 h 3127248"/>
+              <a:gd name="connsiteX90" fmla="*/ 905256 w 3593592"/>
+              <a:gd name="connsiteY90" fmla="*/ 2194560 h 3127248"/>
+              <a:gd name="connsiteX91" fmla="*/ 969264 w 3593592"/>
+              <a:gd name="connsiteY91" fmla="*/ 2130552 h 3127248"/>
+              <a:gd name="connsiteX92" fmla="*/ 1024128 w 3593592"/>
+              <a:gd name="connsiteY92" fmla="*/ 2093976 h 3127248"/>
+              <a:gd name="connsiteX93" fmla="*/ 1051560 w 3593592"/>
+              <a:gd name="connsiteY93" fmla="*/ 2075688 h 3127248"/>
+              <a:gd name="connsiteX94" fmla="*/ 1088136 w 3593592"/>
+              <a:gd name="connsiteY94" fmla="*/ 2020824 h 3127248"/>
+              <a:gd name="connsiteX95" fmla="*/ 1106424 w 3593592"/>
+              <a:gd name="connsiteY95" fmla="*/ 1993392 h 3127248"/>
+              <a:gd name="connsiteX96" fmla="*/ 1170432 w 3593592"/>
+              <a:gd name="connsiteY96" fmla="*/ 1947672 h 3127248"/>
+              <a:gd name="connsiteX97" fmla="*/ 1252728 w 3593592"/>
+              <a:gd name="connsiteY97" fmla="*/ 1874520 h 3127248"/>
+              <a:gd name="connsiteX98" fmla="*/ 1298448 w 3593592"/>
+              <a:gd name="connsiteY98" fmla="*/ 1865376 h 3127248"/>
+              <a:gd name="connsiteX99" fmla="*/ 1353312 w 3593592"/>
+              <a:gd name="connsiteY99" fmla="*/ 1828800 h 3127248"/>
+              <a:gd name="connsiteX100" fmla="*/ 1417320 w 3593592"/>
+              <a:gd name="connsiteY100" fmla="*/ 1810512 h 3127248"/>
+              <a:gd name="connsiteX101" fmla="*/ 1453896 w 3593592"/>
+              <a:gd name="connsiteY101" fmla="*/ 1792224 h 3127248"/>
+              <a:gd name="connsiteX102" fmla="*/ 1517904 w 3593592"/>
+              <a:gd name="connsiteY102" fmla="*/ 1783080 h 3127248"/>
+              <a:gd name="connsiteX103" fmla="*/ 1572768 w 3593592"/>
+              <a:gd name="connsiteY103" fmla="*/ 1773936 h 3127248"/>
+              <a:gd name="connsiteX104" fmla="*/ 1709928 w 3593592"/>
+              <a:gd name="connsiteY104" fmla="*/ 1746504 h 3127248"/>
+              <a:gd name="connsiteX105" fmla="*/ 1746504 w 3593592"/>
+              <a:gd name="connsiteY105" fmla="*/ 1755648 h 3127248"/>
+              <a:gd name="connsiteX106" fmla="*/ 1764792 w 3593592"/>
+              <a:gd name="connsiteY106" fmla="*/ 1801368 h 3127248"/>
+              <a:gd name="connsiteX107" fmla="*/ 1783080 w 3593592"/>
+              <a:gd name="connsiteY107" fmla="*/ 1837944 h 3127248"/>
+              <a:gd name="connsiteX108" fmla="*/ 1792224 w 3593592"/>
+              <a:gd name="connsiteY108" fmla="*/ 1901952 h 3127248"/>
+              <a:gd name="connsiteX109" fmla="*/ 1847088 w 3593592"/>
+              <a:gd name="connsiteY109" fmla="*/ 2029968 h 3127248"/>
+              <a:gd name="connsiteX110" fmla="*/ 1856232 w 3593592"/>
+              <a:gd name="connsiteY110" fmla="*/ 2203704 h 3127248"/>
+              <a:gd name="connsiteX111" fmla="*/ 1883664 w 3593592"/>
+              <a:gd name="connsiteY111" fmla="*/ 2441448 h 3127248"/>
+              <a:gd name="connsiteX112" fmla="*/ 1901952 w 3593592"/>
+              <a:gd name="connsiteY112" fmla="*/ 2990088 h 3127248"/>
+              <a:gd name="connsiteX113" fmla="*/ 1911096 w 3593592"/>
+              <a:gd name="connsiteY113" fmla="*/ 3054096 h 3127248"/>
+              <a:gd name="connsiteX114" fmla="*/ 1920240 w 3593592"/>
+              <a:gd name="connsiteY114" fmla="*/ 3127248 h 3127248"/>
+              <a:gd name="connsiteX115" fmla="*/ 1911096 w 3593592"/>
+              <a:gd name="connsiteY115" fmla="*/ 2889504 h 3127248"/>
+              <a:gd name="connsiteX116" fmla="*/ 1892808 w 3593592"/>
+              <a:gd name="connsiteY116" fmla="*/ 2596896 h 3127248"/>
+              <a:gd name="connsiteX117" fmla="*/ 1874520 w 3593592"/>
+              <a:gd name="connsiteY117" fmla="*/ 2505456 h 3127248"/>
+              <a:gd name="connsiteX118" fmla="*/ 1865376 w 3593592"/>
+              <a:gd name="connsiteY118" fmla="*/ 2423160 h 3127248"/>
+              <a:gd name="connsiteX119" fmla="*/ 1847088 w 3593592"/>
+              <a:gd name="connsiteY119" fmla="*/ 2286000 h 3127248"/>
+              <a:gd name="connsiteX120" fmla="*/ 1828800 w 3593592"/>
+              <a:gd name="connsiteY120" fmla="*/ 2020824 h 3127248"/>
+              <a:gd name="connsiteX121" fmla="*/ 1847088 w 3593592"/>
+              <a:gd name="connsiteY121" fmla="*/ 1901952 h 3127248"/>
+              <a:gd name="connsiteX122" fmla="*/ 1865376 w 3593592"/>
+              <a:gd name="connsiteY122" fmla="*/ 1837944 h 3127248"/>
+              <a:gd name="connsiteX123" fmla="*/ 1892808 w 3593592"/>
+              <a:gd name="connsiteY123" fmla="*/ 1828800 h 3127248"/>
+              <a:gd name="connsiteX124" fmla="*/ 1929384 w 3593592"/>
+              <a:gd name="connsiteY124" fmla="*/ 1801368 h 3127248"/>
+              <a:gd name="connsiteX125" fmla="*/ 2167128 w 3593592"/>
+              <a:gd name="connsiteY125" fmla="*/ 1847088 h 3127248"/>
+              <a:gd name="connsiteX126" fmla="*/ 2221992 w 3593592"/>
+              <a:gd name="connsiteY126" fmla="*/ 1874520 h 3127248"/>
+              <a:gd name="connsiteX127" fmla="*/ 2286000 w 3593592"/>
+              <a:gd name="connsiteY127" fmla="*/ 1911096 h 3127248"/>
+              <a:gd name="connsiteX128" fmla="*/ 2377440 w 3593592"/>
+              <a:gd name="connsiteY128" fmla="*/ 1947672 h 3127248"/>
+              <a:gd name="connsiteX129" fmla="*/ 2414016 w 3593592"/>
+              <a:gd name="connsiteY129" fmla="*/ 1965960 h 3127248"/>
+              <a:gd name="connsiteX130" fmla="*/ 2514600 w 3593592"/>
+              <a:gd name="connsiteY130" fmla="*/ 2002536 h 3127248"/>
+              <a:gd name="connsiteX131" fmla="*/ 2569464 w 3593592"/>
+              <a:gd name="connsiteY131" fmla="*/ 2039112 h 3127248"/>
+              <a:gd name="connsiteX132" fmla="*/ 2770632 w 3593592"/>
+              <a:gd name="connsiteY132" fmla="*/ 2112264 h 3127248"/>
+              <a:gd name="connsiteX133" fmla="*/ 2807208 w 3593592"/>
+              <a:gd name="connsiteY133" fmla="*/ 2139696 h 3127248"/>
+              <a:gd name="connsiteX134" fmla="*/ 2834640 w 3593592"/>
+              <a:gd name="connsiteY134" fmla="*/ 2157984 h 3127248"/>
+              <a:gd name="connsiteX135" fmla="*/ 2898648 w 3593592"/>
+              <a:gd name="connsiteY135" fmla="*/ 2203704 h 3127248"/>
+              <a:gd name="connsiteX136" fmla="*/ 2935224 w 3593592"/>
+              <a:gd name="connsiteY136" fmla="*/ 2249424 h 3127248"/>
+              <a:gd name="connsiteX137" fmla="*/ 2980944 w 3593592"/>
+              <a:gd name="connsiteY137" fmla="*/ 2276856 h 3127248"/>
+              <a:gd name="connsiteX138" fmla="*/ 3026664 w 3593592"/>
+              <a:gd name="connsiteY138" fmla="*/ 2313432 h 3127248"/>
+              <a:gd name="connsiteX139" fmla="*/ 3090672 w 3593592"/>
+              <a:gd name="connsiteY139" fmla="*/ 2350008 h 3127248"/>
+              <a:gd name="connsiteX140" fmla="*/ 3118104 w 3593592"/>
+              <a:gd name="connsiteY140" fmla="*/ 2377440 h 3127248"/>
+              <a:gd name="connsiteX141" fmla="*/ 3209544 w 3593592"/>
+              <a:gd name="connsiteY141" fmla="*/ 2432304 h 3127248"/>
+              <a:gd name="connsiteX142" fmla="*/ 3236976 w 3593592"/>
+              <a:gd name="connsiteY142" fmla="*/ 2459736 h 3127248"/>
+              <a:gd name="connsiteX143" fmla="*/ 3300984 w 3593592"/>
+              <a:gd name="connsiteY143" fmla="*/ 2523744 h 3127248"/>
+              <a:gd name="connsiteX144" fmla="*/ 3328416 w 3593592"/>
+              <a:gd name="connsiteY144" fmla="*/ 2532888 h 3127248"/>
+              <a:gd name="connsiteX145" fmla="*/ 3355848 w 3593592"/>
+              <a:gd name="connsiteY145" fmla="*/ 2569464 h 3127248"/>
+              <a:gd name="connsiteX146" fmla="*/ 3410712 w 3593592"/>
+              <a:gd name="connsiteY146" fmla="*/ 2587752 h 3127248"/>
+              <a:gd name="connsiteX147" fmla="*/ 3447288 w 3593592"/>
+              <a:gd name="connsiteY147" fmla="*/ 2606040 h 3127248"/>
+              <a:gd name="connsiteX148" fmla="*/ 3474720 w 3593592"/>
+              <a:gd name="connsiteY148" fmla="*/ 2633472 h 3127248"/>
+              <a:gd name="connsiteX149" fmla="*/ 3502152 w 3593592"/>
+              <a:gd name="connsiteY149" fmla="*/ 2642616 h 3127248"/>
+              <a:gd name="connsiteX150" fmla="*/ 3593592 w 3593592"/>
+              <a:gd name="connsiteY150" fmla="*/ 2697480 h 3127248"/>
+            </a:gdLst>
+            <a:ahLst/>
+            <a:cxnLst>
+              <a:cxn ang="0">
+                <a:pos x="connsiteX0" y="connsiteY0"/>
+              </a:cxn>
+              <a:cxn ang="0">
+                <a:pos x="connsiteX1" y="connsiteY1"/>
+              </a:cxn>
+              <a:cxn ang="0">
+                <a:pos x="connsiteX2" y="connsiteY2"/>
+              </a:cxn>
+              <a:cxn ang="0">
+                <a:pos x="connsiteX3" y="connsiteY3"/>
+              </a:cxn>
+              <a:cxn ang="0">
+                <a:pos x="connsiteX4" y="connsiteY4"/>
+              </a:cxn>
+              <a:cxn ang="0">
+                <a:pos x="connsiteX5" y="connsiteY5"/>
+              </a:cxn>
+              <a:cxn ang="0">
+                <a:pos x="connsiteX6" y="connsiteY6"/>
+              </a:cxn>
+              <a:cxn ang="0">
+                <a:pos x="connsiteX7" y="connsiteY7"/>
+              </a:cxn>
+              <a:cxn ang="0">
+                <a:pos x="connsiteX8" y="connsiteY8"/>
+              </a:cxn>
+              <a:cxn ang="0">
+                <a:pos x="connsiteX9" y="connsiteY9"/>
+              </a:cxn>
+              <a:cxn ang="0">
+                <a:pos x="connsiteX10" y="connsiteY10"/>
+              </a:cxn>
+              <a:cxn ang="0">
+                <a:pos x="connsiteX11" y="connsiteY11"/>
+              </a:cxn>
+              <a:cxn ang="0">
+                <a:pos x="connsiteX12" y="connsiteY12"/>
+              </a:cxn>
+              <a:cxn ang="0">
+                <a:pos x="connsiteX13" y="connsiteY13"/>
+              </a:cxn>
+              <a:cxn ang="0">
+                <a:pos x="connsiteX14" y="connsiteY14"/>
+              </a:cxn>
+              <a:cxn ang="0">
+                <a:pos x="connsiteX15" y="connsiteY15"/>
+              </a:cxn>
+              <a:cxn ang="0">
+                <a:pos x="connsiteX16" y="connsiteY16"/>
+              </a:cxn>
+              <a:cxn ang="0">
+                <a:pos x="connsiteX17" y="connsiteY17"/>
+              </a:cxn>
+              <a:cxn ang="0">
+                <a:pos x="connsiteX18" y="connsiteY18"/>
+              </a:cxn>
+              <a:cxn ang="0">
+                <a:pos x="connsiteX19" y="connsiteY19"/>
+              </a:cxn>
+              <a:cxn ang="0">
+                <a:pos x="connsiteX20" y="connsiteY20"/>
+              </a:cxn>
+              <a:cxn ang="0">
+                <a:pos x="connsiteX21" y="connsiteY21"/>
+              </a:cxn>
+              <a:cxn ang="0">
+                <a:pos x="connsiteX22" y="connsiteY22"/>
+              </a:cxn>
+              <a:cxn ang="0">
+                <a:pos x="connsiteX23" y="connsiteY23"/>
+              </a:cxn>
+              <a:cxn ang="0">
+                <a:pos x="connsiteX24" y="connsiteY24"/>
+              </a:cxn>
+              <a:cxn ang="0">
+                <a:pos x="connsiteX25" y="connsiteY25"/>
+              </a:cxn>
+              <a:cxn ang="0">
+                <a:pos x="connsiteX26" y="connsiteY26"/>
+              </a:cxn>
+              <a:cxn ang="0">
+                <a:pos x="connsiteX27" y="connsiteY27"/>
+              </a:cxn>
+              <a:cxn ang="0">
+                <a:pos x="connsiteX28" y="connsiteY28"/>
+              </a:cxn>
+              <a:cxn ang="0">
+                <a:pos x="connsiteX29" y="connsiteY29"/>
+              </a:cxn>
+              <a:cxn ang="0">
+                <a:pos x="connsiteX30" y="connsiteY30"/>
+              </a:cxn>
+              <a:cxn ang="0">
+                <a:pos x="connsiteX31" y="connsiteY31"/>
+              </a:cxn>
+              <a:cxn ang="0">
+                <a:pos x="connsiteX32" y="connsiteY32"/>
+              </a:cxn>
+              <a:cxn ang="0">
+                <a:pos x="connsiteX33" y="connsiteY33"/>
+              </a:cxn>
+              <a:cxn ang="0">
+                <a:pos x="connsiteX34" y="connsiteY34"/>
+              </a:cxn>
+              <a:cxn ang="0">
+                <a:pos x="connsiteX35" y="connsiteY35"/>
+              </a:cxn>
+              <a:cxn ang="0">
+                <a:pos x="connsiteX36" y="connsiteY36"/>
+              </a:cxn>
+              <a:cxn ang="0">
+                <a:pos x="connsiteX37" y="connsiteY37"/>
+              </a:cxn>
+              <a:cxn ang="0">
+                <a:pos x="connsiteX38" y="connsiteY38"/>
+              </a:cxn>
+              <a:cxn ang="0">
+                <a:pos x="connsiteX39" y="connsiteY39"/>
+              </a:cxn>
+              <a:cxn ang="0">
+                <a:pos x="connsiteX40" y="connsiteY40"/>
+              </a:cxn>
+              <a:cxn ang="0">
+                <a:pos x="connsiteX41" y="connsiteY41"/>
+              </a:cxn>
+              <a:cxn ang="0">
+                <a:pos x="connsiteX42" y="connsiteY42"/>
+              </a:cxn>
+              <a:cxn ang="0">
+                <a:pos x="connsiteX43" y="connsiteY43"/>
+              </a:cxn>
+              <a:cxn ang="0">
+                <a:pos x="connsiteX44" y="connsiteY44"/>
+              </a:cxn>
+              <a:cxn ang="0">
+                <a:pos x="connsiteX45" y="connsiteY45"/>
+              </a:cxn>
+              <a:cxn ang="0">
+                <a:pos x="connsiteX46" y="connsiteY46"/>
+              </a:cxn>
+              <a:cxn ang="0">
+                <a:pos x="connsiteX47" y="connsiteY47"/>
+              </a:cxn>
+              <a:cxn ang="0">
+                <a:pos x="connsiteX48" y="connsiteY48"/>
+              </a:cxn>
+              <a:cxn ang="0">
+                <a:pos x="connsiteX49" y="connsiteY49"/>
+              </a:cxn>
+              <a:cxn ang="0">
+                <a:pos x="connsiteX50" y="connsiteY50"/>
+              </a:cxn>
+              <a:cxn ang="0">
+                <a:pos x="connsiteX51" y="connsiteY51"/>
+              </a:cxn>
+              <a:cxn ang="0">
+                <a:pos x="connsiteX52" y="connsiteY52"/>
+              </a:cxn>
+              <a:cxn ang="0">
+                <a:pos x="connsiteX53" y="connsiteY53"/>
+              </a:cxn>
+              <a:cxn ang="0">
+                <a:pos x="connsiteX54" y="connsiteY54"/>
+              </a:cxn>
+              <a:cxn ang="0">
+                <a:pos x="connsiteX55" y="connsiteY55"/>
+              </a:cxn>
+              <a:cxn ang="0">
+                <a:pos x="connsiteX56" y="connsiteY56"/>
+              </a:cxn>
+              <a:cxn ang="0">
+                <a:pos x="connsiteX57" y="connsiteY57"/>
+              </a:cxn>
+              <a:cxn ang="0">
+                <a:pos x="connsiteX58" y="connsiteY58"/>
+              </a:cxn>
+              <a:cxn ang="0">
+                <a:pos x="connsiteX59" y="connsiteY59"/>
+              </a:cxn>
+              <a:cxn ang="0">
+                <a:pos x="connsiteX60" y="connsiteY60"/>
+              </a:cxn>
+              <a:cxn ang="0">
+                <a:pos x="connsiteX61" y="connsiteY61"/>
+              </a:cxn>
+              <a:cxn ang="0">
+                <a:pos x="connsiteX62" y="connsiteY62"/>
+              </a:cxn>
+              <a:cxn ang="0">
+                <a:pos x="connsiteX63" y="connsiteY63"/>
+              </a:cxn>
+              <a:cxn ang="0">
+                <a:pos x="connsiteX64" y="connsiteY64"/>
+              </a:cxn>
+              <a:cxn ang="0">
+                <a:pos x="connsiteX65" y="connsiteY65"/>
+              </a:cxn>
+              <a:cxn ang="0">
+                <a:pos x="connsiteX66" y="connsiteY66"/>
+              </a:cxn>
+              <a:cxn ang="0">
+                <a:pos x="connsiteX67" y="connsiteY67"/>
+              </a:cxn>
+              <a:cxn ang="0">
+                <a:pos x="connsiteX68" y="connsiteY68"/>
+              </a:cxn>
+              <a:cxn ang="0">
+                <a:pos x="connsiteX69" y="connsiteY69"/>
+              </a:cxn>
+              <a:cxn ang="0">
+                <a:pos x="connsiteX70" y="connsiteY70"/>
+              </a:cxn>
+              <a:cxn ang="0">
+                <a:pos x="connsiteX71" y="connsiteY71"/>
+              </a:cxn>
+              <a:cxn ang="0">
+                <a:pos x="connsiteX72" y="connsiteY72"/>
+              </a:cxn>
+              <a:cxn ang="0">
+                <a:pos x="connsiteX73" y="connsiteY73"/>
+              </a:cxn>
+              <a:cxn ang="0">
+                <a:pos x="connsiteX74" y="connsiteY74"/>
+              </a:cxn>
+              <a:cxn ang="0">
+                <a:pos x="connsiteX75" y="connsiteY75"/>
+              </a:cxn>
+              <a:cxn ang="0">
+                <a:pos x="connsiteX76" y="connsiteY76"/>
+              </a:cxn>
+              <a:cxn ang="0">
+                <a:pos x="connsiteX77" y="connsiteY77"/>
+              </a:cxn>
+              <a:cxn ang="0">
+                <a:pos x="connsiteX78" y="connsiteY78"/>
+              </a:cxn>
+              <a:cxn ang="0">
+                <a:pos x="connsiteX79" y="connsiteY79"/>
+              </a:cxn>
+              <a:cxn ang="0">
+                <a:pos x="connsiteX80" y="connsiteY80"/>
+              </a:cxn>
+              <a:cxn ang="0">
+                <a:pos x="connsiteX81" y="connsiteY81"/>
+              </a:cxn>
+              <a:cxn ang="0">
+                <a:pos x="connsiteX82" y="connsiteY82"/>
+              </a:cxn>
+              <a:cxn ang="0">
+                <a:pos x="connsiteX83" y="connsiteY83"/>
+              </a:cxn>
+              <a:cxn ang="0">
+                <a:pos x="connsiteX84" y="connsiteY84"/>
+              </a:cxn>
+              <a:cxn ang="0">
+                <a:pos x="connsiteX85" y="connsiteY85"/>
+              </a:cxn>
+              <a:cxn ang="0">
+                <a:pos x="connsiteX86" y="connsiteY86"/>
+              </a:cxn>
+              <a:cxn ang="0">
+                <a:pos x="connsiteX87" y="connsiteY87"/>
+              </a:cxn>
+              <a:cxn ang="0">
+                <a:pos x="connsiteX88" y="connsiteY88"/>
+              </a:cxn>
+              <a:cxn ang="0">
+                <a:pos x="connsiteX89" y="connsiteY89"/>
+              </a:cxn>
+              <a:cxn ang="0">
+                <a:pos x="connsiteX90" y="connsiteY90"/>
+              </a:cxn>
+              <a:cxn ang="0">
+                <a:pos x="connsiteX91" y="connsiteY91"/>
+              </a:cxn>
+              <a:cxn ang="0">
+                <a:pos x="connsiteX92" y="connsiteY92"/>
+              </a:cxn>
+              <a:cxn ang="0">
+                <a:pos x="connsiteX93" y="connsiteY93"/>
+              </a:cxn>
+              <a:cxn ang="0">
+                <a:pos x="connsiteX94" y="connsiteY94"/>
+              </a:cxn>
+              <a:cxn ang="0">
+                <a:pos x="connsiteX95" y="connsiteY95"/>
+              </a:cxn>
+              <a:cxn ang="0">
+                <a:pos x="connsiteX96" y="connsiteY96"/>
+              </a:cxn>
+              <a:cxn ang="0">
+                <a:pos x="connsiteX97" y="connsiteY97"/>
+              </a:cxn>
+              <a:cxn ang="0">
+                <a:pos x="connsiteX98" y="connsiteY98"/>
+              </a:cxn>
+              <a:cxn ang="0">
+                <a:pos x="connsiteX99" y="connsiteY99"/>
+              </a:cxn>
+              <a:cxn ang="0">
+                <a:pos x="connsiteX100" y="connsiteY100"/>
+              </a:cxn>
+              <a:cxn ang="0">
+                <a:pos x="connsiteX101" y="connsiteY101"/>
+              </a:cxn>
+              <a:cxn ang="0">
+                <a:pos x="connsiteX102" y="connsiteY102"/>
+              </a:cxn>
+              <a:cxn ang="0">
+                <a:pos x="connsiteX103" y="connsiteY103"/>
+              </a:cxn>
+              <a:cxn ang="0">
+                <a:pos x="connsiteX104" y="connsiteY104"/>
+              </a:cxn>
+              <a:cxn ang="0">
+                <a:pos x="connsiteX105" y="connsiteY105"/>
+              </a:cxn>
+              <a:cxn ang="0">
+                <a:pos x="connsiteX106" y="connsiteY106"/>
+              </a:cxn>
+              <a:cxn ang="0">
+                <a:pos x="connsiteX107" y="connsiteY107"/>
+              </a:cxn>
+              <a:cxn ang="0">
+                <a:pos x="connsiteX108" y="connsiteY108"/>
+              </a:cxn>
+              <a:cxn ang="0">
+                <a:pos x="connsiteX109" y="connsiteY109"/>
+              </a:cxn>
+              <a:cxn ang="0">
+                <a:pos x="connsiteX110" y="connsiteY110"/>
+              </a:cxn>
+              <a:cxn ang="0">
+                <a:pos x="connsiteX111" y="connsiteY111"/>
+              </a:cxn>
+              <a:cxn ang="0">
+                <a:pos x="connsiteX112" y="connsiteY112"/>
+              </a:cxn>
+              <a:cxn ang="0">
+                <a:pos x="connsiteX113" y="connsiteY113"/>
+              </a:cxn>
+              <a:cxn ang="0">
+                <a:pos x="connsiteX114" y="connsiteY114"/>
+              </a:cxn>
+              <a:cxn ang="0">
+                <a:pos x="connsiteX115" y="connsiteY115"/>
+              </a:cxn>
+              <a:cxn ang="0">
+                <a:pos x="connsiteX116" y="connsiteY116"/>
+              </a:cxn>
+              <a:cxn ang="0">
+                <a:pos x="connsiteX117" y="connsiteY117"/>
+              </a:cxn>
+              <a:cxn ang="0">
+                <a:pos x="connsiteX118" y="connsiteY118"/>
+              </a:cxn>
+              <a:cxn ang="0">
+                <a:pos x="connsiteX119" y="connsiteY119"/>
+              </a:cxn>
+              <a:cxn ang="0">
+                <a:pos x="connsiteX120" y="connsiteY120"/>
+              </a:cxn>
+              <a:cxn ang="0">
+                <a:pos x="connsiteX121" y="connsiteY121"/>
+              </a:cxn>
+              <a:cxn ang="0">
+                <a:pos x="connsiteX122" y="connsiteY122"/>
+              </a:cxn>
+              <a:cxn ang="0">
+                <a:pos x="connsiteX123" y="connsiteY123"/>
+              </a:cxn>
+              <a:cxn ang="0">
+                <a:pos x="connsiteX124" y="connsiteY124"/>
+              </a:cxn>
+              <a:cxn ang="0">
+                <a:pos x="connsiteX125" y="connsiteY125"/>
+              </a:cxn>
+              <a:cxn ang="0">
+                <a:pos x="connsiteX126" y="connsiteY126"/>
+              </a:cxn>
+              <a:cxn ang="0">
+                <a:pos x="connsiteX127" y="connsiteY127"/>
+              </a:cxn>
+              <a:cxn ang="0">
+                <a:pos x="connsiteX128" y="connsiteY128"/>
+              </a:cxn>
+              <a:cxn ang="0">
+                <a:pos x="connsiteX129" y="connsiteY129"/>
+              </a:cxn>
+              <a:cxn ang="0">
+                <a:pos x="connsiteX130" y="connsiteY130"/>
+              </a:cxn>
+              <a:cxn ang="0">
+                <a:pos x="connsiteX131" y="connsiteY131"/>
+              </a:cxn>
+              <a:cxn ang="0">
+                <a:pos x="connsiteX132" y="connsiteY132"/>
+              </a:cxn>
+              <a:cxn ang="0">
+                <a:pos x="connsiteX133" y="connsiteY133"/>
+              </a:cxn>
+              <a:cxn ang="0">
+                <a:pos x="connsiteX134" y="connsiteY134"/>
+              </a:cxn>
+              <a:cxn ang="0">
+                <a:pos x="connsiteX135" y="connsiteY135"/>
+              </a:cxn>
+              <a:cxn ang="0">
+                <a:pos x="connsiteX136" y="connsiteY136"/>
+              </a:cxn>
+              <a:cxn ang="0">
+                <a:pos x="connsiteX137" y="connsiteY137"/>
+              </a:cxn>
+              <a:cxn ang="0">
+                <a:pos x="connsiteX138" y="connsiteY138"/>
+              </a:cxn>
+              <a:cxn ang="0">
+                <a:pos x="connsiteX139" y="connsiteY139"/>
+              </a:cxn>
+              <a:cxn ang="0">
+                <a:pos x="connsiteX140" y="connsiteY140"/>
+              </a:cxn>
+              <a:cxn ang="0">
+                <a:pos x="connsiteX141" y="connsiteY141"/>
+              </a:cxn>
+              <a:cxn ang="0">
+                <a:pos x="connsiteX142" y="connsiteY142"/>
+              </a:cxn>
+              <a:cxn ang="0">
+                <a:pos x="connsiteX143" y="connsiteY143"/>
+              </a:cxn>
+              <a:cxn ang="0">
+                <a:pos x="connsiteX144" y="connsiteY144"/>
+              </a:cxn>
+              <a:cxn ang="0">
+                <a:pos x="connsiteX145" y="connsiteY145"/>
+              </a:cxn>
+              <a:cxn ang="0">
+                <a:pos x="connsiteX146" y="connsiteY146"/>
+              </a:cxn>
+              <a:cxn ang="0">
+                <a:pos x="connsiteX147" y="connsiteY147"/>
+              </a:cxn>
+              <a:cxn ang="0">
+                <a:pos x="connsiteX148" y="connsiteY148"/>
+              </a:cxn>
+              <a:cxn ang="0">
+                <a:pos x="connsiteX149" y="connsiteY149"/>
+              </a:cxn>
+              <a:cxn ang="0">
+                <a:pos x="connsiteX150" y="connsiteY150"/>
+              </a:cxn>
+            </a:cxnLst>
+            <a:rect l="l" t="t" r="r" b="b"/>
+            <a:pathLst>
+              <a:path w="3593592" h="3127248">
+                <a:moveTo>
+                  <a:pt x="1499616" y="0"/>
+                </a:moveTo>
+                <a:cubicBezTo>
+                  <a:pt x="1493520" y="27432"/>
+                  <a:pt x="1491416" y="56068"/>
+                  <a:pt x="1481328" y="82296"/>
+                </a:cubicBezTo>
+                <a:cubicBezTo>
+                  <a:pt x="1470264" y="111062"/>
+                  <a:pt x="1444200" y="123501"/>
+                  <a:pt x="1426464" y="146304"/>
+                </a:cubicBezTo>
+                <a:cubicBezTo>
+                  <a:pt x="1412970" y="163654"/>
+                  <a:pt x="1402080" y="182880"/>
+                  <a:pt x="1389888" y="201168"/>
+                </a:cubicBezTo>
+                <a:cubicBezTo>
+                  <a:pt x="1383792" y="210312"/>
+                  <a:pt x="1378347" y="219925"/>
+                  <a:pt x="1371600" y="228600"/>
+                </a:cubicBezTo>
+                <a:cubicBezTo>
+                  <a:pt x="1350264" y="256032"/>
+                  <a:pt x="1332166" y="286322"/>
+                  <a:pt x="1307592" y="310896"/>
+                </a:cubicBezTo>
+                <a:cubicBezTo>
+                  <a:pt x="1298448" y="320040"/>
+                  <a:pt x="1288099" y="328120"/>
+                  <a:pt x="1280160" y="338328"/>
+                </a:cubicBezTo>
+                <a:cubicBezTo>
+                  <a:pt x="1209000" y="429819"/>
+                  <a:pt x="1274885" y="356686"/>
+                  <a:pt x="1216152" y="438912"/>
+                </a:cubicBezTo>
+                <a:cubicBezTo>
+                  <a:pt x="1187142" y="479526"/>
+                  <a:pt x="1154102" y="524067"/>
+                  <a:pt x="1115568" y="557784"/>
+                </a:cubicBezTo>
+                <a:cubicBezTo>
+                  <a:pt x="1104099" y="567820"/>
+                  <a:pt x="1092314" y="577815"/>
+                  <a:pt x="1078992" y="585216"/>
+                </a:cubicBezTo>
+                <a:cubicBezTo>
+                  <a:pt x="1064644" y="593187"/>
+                  <a:pt x="1048512" y="597408"/>
+                  <a:pt x="1033272" y="603504"/>
+                </a:cubicBezTo>
+                <a:cubicBezTo>
+                  <a:pt x="945761" y="691015"/>
+                  <a:pt x="1057808" y="587147"/>
+                  <a:pt x="978408" y="640080"/>
+                </a:cubicBezTo>
+                <a:cubicBezTo>
+                  <a:pt x="967648" y="647253"/>
+                  <a:pt x="960910" y="659233"/>
+                  <a:pt x="950976" y="667512"/>
+                </a:cubicBezTo>
+                <a:cubicBezTo>
+                  <a:pt x="942533" y="674547"/>
+                  <a:pt x="932487" y="679412"/>
+                  <a:pt x="923544" y="685800"/>
+                </a:cubicBezTo>
+                <a:cubicBezTo>
+                  <a:pt x="911143" y="694658"/>
+                  <a:pt x="900894" y="707042"/>
+                  <a:pt x="886968" y="713232"/>
+                </a:cubicBezTo>
+                <a:cubicBezTo>
+                  <a:pt x="872766" y="719544"/>
+                  <a:pt x="856488" y="719328"/>
+                  <a:pt x="841248" y="722376"/>
+                </a:cubicBezTo>
+                <a:cubicBezTo>
+                  <a:pt x="832153" y="733744"/>
+                  <a:pt x="794911" y="783747"/>
+                  <a:pt x="777240" y="795528"/>
+                </a:cubicBezTo>
+                <a:cubicBezTo>
+                  <a:pt x="719964" y="833712"/>
+                  <a:pt x="684481" y="829265"/>
+                  <a:pt x="612648" y="850392"/>
+                </a:cubicBezTo>
+                <a:cubicBezTo>
+                  <a:pt x="596901" y="855023"/>
+                  <a:pt x="582297" y="862917"/>
+                  <a:pt x="566928" y="868680"/>
+                </a:cubicBezTo>
+                <a:cubicBezTo>
+                  <a:pt x="534794" y="880730"/>
+                  <a:pt x="532755" y="879172"/>
+                  <a:pt x="493776" y="886968"/>
+                </a:cubicBezTo>
+                <a:cubicBezTo>
+                  <a:pt x="484632" y="896112"/>
+                  <a:pt x="476278" y="906121"/>
+                  <a:pt x="466344" y="914400"/>
+                </a:cubicBezTo>
+                <a:cubicBezTo>
+                  <a:pt x="414831" y="957328"/>
+                  <a:pt x="463514" y="903648"/>
+                  <a:pt x="402336" y="960120"/>
+                </a:cubicBezTo>
+                <a:cubicBezTo>
+                  <a:pt x="373830" y="986434"/>
+                  <a:pt x="347472" y="1014984"/>
+                  <a:pt x="320040" y="1042416"/>
+                </a:cubicBezTo>
+                <a:cubicBezTo>
+                  <a:pt x="310896" y="1051560"/>
+                  <a:pt x="303368" y="1062675"/>
+                  <a:pt x="292608" y="1069848"/>
+                </a:cubicBezTo>
+                <a:lnTo>
+                  <a:pt x="265176" y="1088136"/>
+                </a:lnTo>
+                <a:cubicBezTo>
+                  <a:pt x="252984" y="1106424"/>
+                  <a:pt x="238430" y="1123341"/>
+                  <a:pt x="228600" y="1143000"/>
+                </a:cubicBezTo>
+                <a:cubicBezTo>
+                  <a:pt x="222504" y="1155192"/>
+                  <a:pt x="218681" y="1168816"/>
+                  <a:pt x="210312" y="1179576"/>
+                </a:cubicBezTo>
+                <a:cubicBezTo>
+                  <a:pt x="197080" y="1196589"/>
+                  <a:pt x="177824" y="1208283"/>
+                  <a:pt x="164592" y="1225296"/>
+                </a:cubicBezTo>
+                <a:cubicBezTo>
+                  <a:pt x="156223" y="1236056"/>
+                  <a:pt x="153528" y="1250313"/>
+                  <a:pt x="146304" y="1261872"/>
+                </a:cubicBezTo>
+                <a:cubicBezTo>
+                  <a:pt x="138227" y="1274795"/>
+                  <a:pt x="128016" y="1286256"/>
+                  <a:pt x="118872" y="1298448"/>
+                </a:cubicBezTo>
+                <a:cubicBezTo>
+                  <a:pt x="115824" y="1307592"/>
+                  <a:pt x="114510" y="1317511"/>
+                  <a:pt x="109728" y="1325880"/>
+                </a:cubicBezTo>
+                <a:cubicBezTo>
+                  <a:pt x="102167" y="1339112"/>
+                  <a:pt x="88602" y="1348582"/>
+                  <a:pt x="82296" y="1362456"/>
+                </a:cubicBezTo>
+                <a:cubicBezTo>
+                  <a:pt x="73114" y="1382657"/>
+                  <a:pt x="73190" y="1406263"/>
+                  <a:pt x="64008" y="1426464"/>
+                </a:cubicBezTo>
+                <a:cubicBezTo>
+                  <a:pt x="57702" y="1440338"/>
+                  <a:pt x="43977" y="1449718"/>
+                  <a:pt x="36576" y="1463040"/>
+                </a:cubicBezTo>
+                <a:cubicBezTo>
+                  <a:pt x="-37989" y="1597257"/>
+                  <a:pt x="62339" y="1442683"/>
+                  <a:pt x="0" y="1536192"/>
+                </a:cubicBezTo>
+                <a:cubicBezTo>
+                  <a:pt x="3048" y="1520952"/>
+                  <a:pt x="2193" y="1504373"/>
+                  <a:pt x="9144" y="1490472"/>
+                </a:cubicBezTo>
+                <a:cubicBezTo>
+                  <a:pt x="21652" y="1465455"/>
+                  <a:pt x="45103" y="1461556"/>
+                  <a:pt x="64008" y="1444752"/>
+                </a:cubicBezTo>
+                <a:cubicBezTo>
+                  <a:pt x="83338" y="1427569"/>
+                  <a:pt x="105566" y="1412065"/>
+                  <a:pt x="118872" y="1389888"/>
+                </a:cubicBezTo>
+                <a:cubicBezTo>
+                  <a:pt x="128016" y="1374648"/>
+                  <a:pt x="133737" y="1356735"/>
+                  <a:pt x="146304" y="1344168"/>
+                </a:cubicBezTo>
+                <a:cubicBezTo>
+                  <a:pt x="155943" y="1334529"/>
+                  <a:pt x="171713" y="1333697"/>
+                  <a:pt x="182880" y="1325880"/>
+                </a:cubicBezTo>
+                <a:cubicBezTo>
+                  <a:pt x="202382" y="1312228"/>
+                  <a:pt x="218373" y="1293997"/>
+                  <a:pt x="237744" y="1280160"/>
+                </a:cubicBezTo>
+                <a:cubicBezTo>
+                  <a:pt x="261143" y="1263447"/>
+                  <a:pt x="290563" y="1254773"/>
+                  <a:pt x="310896" y="1234440"/>
+                </a:cubicBezTo>
+                <a:cubicBezTo>
+                  <a:pt x="332232" y="1213104"/>
+                  <a:pt x="350765" y="1188536"/>
+                  <a:pt x="374904" y="1170432"/>
+                </a:cubicBezTo>
+                <a:cubicBezTo>
+                  <a:pt x="387096" y="1161288"/>
+                  <a:pt x="399580" y="1152520"/>
+                  <a:pt x="411480" y="1143000"/>
+                </a:cubicBezTo>
+                <a:cubicBezTo>
+                  <a:pt x="430069" y="1128129"/>
+                  <a:pt x="447299" y="1111563"/>
+                  <a:pt x="466344" y="1097280"/>
+                </a:cubicBezTo>
+                <a:cubicBezTo>
+                  <a:pt x="579089" y="1012721"/>
+                  <a:pt x="472687" y="1095602"/>
+                  <a:pt x="557784" y="1042416"/>
+                </a:cubicBezTo>
+                <a:cubicBezTo>
+                  <a:pt x="560939" y="1040444"/>
+                  <a:pt x="612120" y="1000323"/>
+                  <a:pt x="621792" y="996696"/>
+                </a:cubicBezTo>
+                <a:cubicBezTo>
+                  <a:pt x="660610" y="982139"/>
+                  <a:pt x="740664" y="960120"/>
+                  <a:pt x="740664" y="960120"/>
+                </a:cubicBezTo>
+                <a:cubicBezTo>
+                  <a:pt x="859536" y="966216"/>
+                  <a:pt x="979537" y="960965"/>
+                  <a:pt x="1097280" y="978408"/>
+                </a:cubicBezTo>
+                <a:cubicBezTo>
+                  <a:pt x="1225925" y="997466"/>
+                  <a:pt x="1197646" y="1014859"/>
+                  <a:pt x="1261872" y="1051560"/>
+                </a:cubicBezTo>
+                <a:cubicBezTo>
+                  <a:pt x="1273707" y="1058323"/>
+                  <a:pt x="1287688" y="1061479"/>
+                  <a:pt x="1298448" y="1069848"/>
+                </a:cubicBezTo>
+                <a:cubicBezTo>
+                  <a:pt x="1315461" y="1083080"/>
+                  <a:pt x="1327155" y="1102336"/>
+                  <a:pt x="1344168" y="1115568"/>
+                </a:cubicBezTo>
+                <a:cubicBezTo>
+                  <a:pt x="1354928" y="1123937"/>
+                  <a:pt x="1368909" y="1127093"/>
+                  <a:pt x="1380744" y="1133856"/>
+                </a:cubicBezTo>
+                <a:cubicBezTo>
+                  <a:pt x="1390286" y="1139308"/>
+                  <a:pt x="1398569" y="1146807"/>
+                  <a:pt x="1408176" y="1152144"/>
+                </a:cubicBezTo>
+                <a:cubicBezTo>
+                  <a:pt x="1426050" y="1162074"/>
+                  <a:pt x="1445166" y="1169646"/>
+                  <a:pt x="1463040" y="1179576"/>
+                </a:cubicBezTo>
+                <a:cubicBezTo>
+                  <a:pt x="1472647" y="1184913"/>
+                  <a:pt x="1481680" y="1191270"/>
+                  <a:pt x="1490472" y="1197864"/>
+                </a:cubicBezTo>
+                <a:cubicBezTo>
+                  <a:pt x="1512430" y="1214333"/>
+                  <a:pt x="1544826" y="1239315"/>
+                  <a:pt x="1563624" y="1261872"/>
+                </a:cubicBezTo>
+                <a:cubicBezTo>
+                  <a:pt x="1570659" y="1270315"/>
+                  <a:pt x="1575816" y="1280160"/>
+                  <a:pt x="1581912" y="1289304"/>
+                </a:cubicBezTo>
+                <a:cubicBezTo>
+                  <a:pt x="1594104" y="1331976"/>
+                  <a:pt x="1604454" y="1375218"/>
+                  <a:pt x="1618488" y="1417320"/>
+                </a:cubicBezTo>
+                <a:cubicBezTo>
+                  <a:pt x="1621536" y="1426464"/>
+                  <a:pt x="1622524" y="1436578"/>
+                  <a:pt x="1627632" y="1444752"/>
+                </a:cubicBezTo>
+                <a:cubicBezTo>
+                  <a:pt x="1653174" y="1485620"/>
+                  <a:pt x="1675850" y="1529546"/>
+                  <a:pt x="1709928" y="1563624"/>
+                </a:cubicBezTo>
+                <a:cubicBezTo>
+                  <a:pt x="1744176" y="1597872"/>
+                  <a:pt x="1725092" y="1586967"/>
+                  <a:pt x="1764792" y="1600200"/>
+                </a:cubicBezTo>
+                <a:cubicBezTo>
+                  <a:pt x="1761744" y="1609344"/>
+                  <a:pt x="1759959" y="1619011"/>
+                  <a:pt x="1755648" y="1627632"/>
+                </a:cubicBezTo>
+                <a:cubicBezTo>
+                  <a:pt x="1736056" y="1666816"/>
+                  <a:pt x="1696486" y="1692662"/>
+                  <a:pt x="1664208" y="1719072"/>
+                </a:cubicBezTo>
+                <a:cubicBezTo>
+                  <a:pt x="1655702" y="1726031"/>
+                  <a:pt x="1645120" y="1730208"/>
+                  <a:pt x="1636776" y="1737360"/>
+                </a:cubicBezTo>
+                <a:cubicBezTo>
+                  <a:pt x="1623685" y="1748581"/>
+                  <a:pt x="1613994" y="1763591"/>
+                  <a:pt x="1600200" y="1773936"/>
+                </a:cubicBezTo>
+                <a:cubicBezTo>
+                  <a:pt x="1441750" y="1892773"/>
+                  <a:pt x="1544539" y="1811455"/>
+                  <a:pt x="1435608" y="1874520"/>
+                </a:cubicBezTo>
+                <a:cubicBezTo>
+                  <a:pt x="1362225" y="1917005"/>
+                  <a:pt x="1316375" y="1945656"/>
+                  <a:pt x="1252728" y="1993392"/>
+                </a:cubicBezTo>
+                <a:cubicBezTo>
+                  <a:pt x="1237115" y="2005102"/>
+                  <a:pt x="1223474" y="2019490"/>
+                  <a:pt x="1207008" y="2029968"/>
+                </a:cubicBezTo>
+                <a:cubicBezTo>
+                  <a:pt x="1189758" y="2040945"/>
+                  <a:pt x="1169394" y="2046423"/>
+                  <a:pt x="1152144" y="2057400"/>
+                </a:cubicBezTo>
+                <a:cubicBezTo>
+                  <a:pt x="1135678" y="2067878"/>
+                  <a:pt x="1122413" y="2082784"/>
+                  <a:pt x="1106424" y="2093976"/>
+                </a:cubicBezTo>
+                <a:cubicBezTo>
+                  <a:pt x="939807" y="2210608"/>
+                  <a:pt x="1220355" y="1999384"/>
+                  <a:pt x="996696" y="2167128"/>
+                </a:cubicBezTo>
+                <a:cubicBezTo>
+                  <a:pt x="981083" y="2178838"/>
+                  <a:pt x="965417" y="2190576"/>
+                  <a:pt x="950976" y="2203704"/>
+                </a:cubicBezTo>
+                <a:cubicBezTo>
+                  <a:pt x="931839" y="2221101"/>
+                  <a:pt x="916449" y="2242589"/>
+                  <a:pt x="896112" y="2258568"/>
+                </a:cubicBezTo>
+                <a:cubicBezTo>
+                  <a:pt x="836590" y="2305335"/>
+                  <a:pt x="787086" y="2316012"/>
+                  <a:pt x="722376" y="2359152"/>
+                </a:cubicBezTo>
+                <a:cubicBezTo>
+                  <a:pt x="691187" y="2379945"/>
+                  <a:pt x="686978" y="2396395"/>
+                  <a:pt x="667512" y="2423160"/>
+                </a:cubicBezTo>
+                <a:cubicBezTo>
+                  <a:pt x="649585" y="2447810"/>
+                  <a:pt x="626279" y="2469050"/>
+                  <a:pt x="612648" y="2496312"/>
+                </a:cubicBezTo>
+                <a:cubicBezTo>
+                  <a:pt x="589445" y="2542718"/>
+                  <a:pt x="605702" y="2525327"/>
+                  <a:pt x="566928" y="2551176"/>
+                </a:cubicBezTo>
+                <a:cubicBezTo>
+                  <a:pt x="554171" y="2627720"/>
+                  <a:pt x="568068" y="2590614"/>
+                  <a:pt x="521208" y="2660904"/>
+                </a:cubicBezTo>
+                <a:lnTo>
+                  <a:pt x="521208" y="2660904"/>
+                </a:lnTo>
+                <a:cubicBezTo>
+                  <a:pt x="518160" y="2670048"/>
+                  <a:pt x="512064" y="2697975"/>
+                  <a:pt x="512064" y="2688336"/>
+                </a:cubicBezTo>
+                <a:cubicBezTo>
+                  <a:pt x="512064" y="2620432"/>
+                  <a:pt x="517415" y="2650203"/>
+                  <a:pt x="539496" y="2606040"/>
+                </a:cubicBezTo>
+                <a:cubicBezTo>
+                  <a:pt x="543807" y="2597419"/>
+                  <a:pt x="542619" y="2586134"/>
+                  <a:pt x="548640" y="2578608"/>
+                </a:cubicBezTo>
+                <a:cubicBezTo>
+                  <a:pt x="555505" y="2570026"/>
+                  <a:pt x="568301" y="2568091"/>
+                  <a:pt x="576072" y="2560320"/>
+                </a:cubicBezTo>
+                <a:cubicBezTo>
+                  <a:pt x="586848" y="2549544"/>
+                  <a:pt x="593586" y="2535315"/>
+                  <a:pt x="603504" y="2523744"/>
+                </a:cubicBezTo>
+                <a:cubicBezTo>
+                  <a:pt x="611920" y="2513926"/>
+                  <a:pt x="622657" y="2506246"/>
+                  <a:pt x="630936" y="2496312"/>
+                </a:cubicBezTo>
+                <a:cubicBezTo>
+                  <a:pt x="637971" y="2487869"/>
+                  <a:pt x="641453" y="2476651"/>
+                  <a:pt x="649224" y="2468880"/>
+                </a:cubicBezTo>
+                <a:cubicBezTo>
+                  <a:pt x="678363" y="2439741"/>
+                  <a:pt x="688574" y="2442475"/>
+                  <a:pt x="722376" y="2423160"/>
+                </a:cubicBezTo>
+                <a:cubicBezTo>
+                  <a:pt x="751976" y="2406246"/>
+                  <a:pt x="787579" y="2375647"/>
+                  <a:pt x="804672" y="2350008"/>
+                </a:cubicBezTo>
+                <a:cubicBezTo>
+                  <a:pt x="810768" y="2340864"/>
+                  <a:pt x="817200" y="2331935"/>
+                  <a:pt x="822960" y="2322576"/>
+                </a:cubicBezTo>
+                <a:cubicBezTo>
+                  <a:pt x="840097" y="2294728"/>
+                  <a:pt x="876034" y="2226704"/>
+                  <a:pt x="905256" y="2194560"/>
+                </a:cubicBezTo>
+                <a:cubicBezTo>
+                  <a:pt x="925553" y="2172233"/>
+                  <a:pt x="944158" y="2147289"/>
+                  <a:pt x="969264" y="2130552"/>
+                </a:cubicBezTo>
+                <a:lnTo>
+                  <a:pt x="1024128" y="2093976"/>
+                </a:lnTo>
+                <a:lnTo>
+                  <a:pt x="1051560" y="2075688"/>
+                </a:lnTo>
+                <a:lnTo>
+                  <a:pt x="1088136" y="2020824"/>
+                </a:lnTo>
+                <a:cubicBezTo>
+                  <a:pt x="1094232" y="2011680"/>
+                  <a:pt x="1097280" y="1999488"/>
+                  <a:pt x="1106424" y="1993392"/>
+                </a:cubicBezTo>
+                <a:cubicBezTo>
+                  <a:pt x="1128134" y="1978919"/>
+                  <a:pt x="1150584" y="1964685"/>
+                  <a:pt x="1170432" y="1947672"/>
+                </a:cubicBezTo>
+                <a:cubicBezTo>
+                  <a:pt x="1202475" y="1920207"/>
+                  <a:pt x="1210430" y="1897592"/>
+                  <a:pt x="1252728" y="1874520"/>
+                </a:cubicBezTo>
+                <a:cubicBezTo>
+                  <a:pt x="1266372" y="1867078"/>
+                  <a:pt x="1283208" y="1868424"/>
+                  <a:pt x="1298448" y="1865376"/>
+                </a:cubicBezTo>
+                <a:cubicBezTo>
+                  <a:pt x="1316736" y="1853184"/>
+                  <a:pt x="1334099" y="1839474"/>
+                  <a:pt x="1353312" y="1828800"/>
+                </a:cubicBezTo>
+                <a:cubicBezTo>
+                  <a:pt x="1368616" y="1820298"/>
+                  <a:pt x="1402751" y="1815976"/>
+                  <a:pt x="1417320" y="1810512"/>
+                </a:cubicBezTo>
+                <a:cubicBezTo>
+                  <a:pt x="1430083" y="1805726"/>
+                  <a:pt x="1440745" y="1795811"/>
+                  <a:pt x="1453896" y="1792224"/>
+                </a:cubicBezTo>
+                <a:cubicBezTo>
+                  <a:pt x="1474689" y="1786553"/>
+                  <a:pt x="1496602" y="1786357"/>
+                  <a:pt x="1517904" y="1783080"/>
+                </a:cubicBezTo>
+                <a:cubicBezTo>
+                  <a:pt x="1536229" y="1780261"/>
+                  <a:pt x="1554555" y="1777405"/>
+                  <a:pt x="1572768" y="1773936"/>
+                </a:cubicBezTo>
+                <a:lnTo>
+                  <a:pt x="1709928" y="1746504"/>
+                </a:lnTo>
+                <a:cubicBezTo>
+                  <a:pt x="1722120" y="1749552"/>
+                  <a:pt x="1737618" y="1746762"/>
+                  <a:pt x="1746504" y="1755648"/>
+                </a:cubicBezTo>
+                <a:cubicBezTo>
+                  <a:pt x="1758110" y="1767254"/>
+                  <a:pt x="1758126" y="1786369"/>
+                  <a:pt x="1764792" y="1801368"/>
+                </a:cubicBezTo>
+                <a:cubicBezTo>
+                  <a:pt x="1770328" y="1813824"/>
+                  <a:pt x="1776984" y="1825752"/>
+                  <a:pt x="1783080" y="1837944"/>
+                </a:cubicBezTo>
+                <a:cubicBezTo>
+                  <a:pt x="1786128" y="1859280"/>
+                  <a:pt x="1787378" y="1880951"/>
+                  <a:pt x="1792224" y="1901952"/>
+                </a:cubicBezTo>
+                <a:cubicBezTo>
+                  <a:pt x="1803756" y="1951926"/>
+                  <a:pt x="1823637" y="1983065"/>
+                  <a:pt x="1847088" y="2029968"/>
+                </a:cubicBezTo>
+                <a:cubicBezTo>
+                  <a:pt x="1850136" y="2087880"/>
+                  <a:pt x="1850265" y="2146020"/>
+                  <a:pt x="1856232" y="2203704"/>
+                </a:cubicBezTo>
+                <a:cubicBezTo>
+                  <a:pt x="1888205" y="2512773"/>
+                  <a:pt x="1866133" y="1997331"/>
+                  <a:pt x="1883664" y="2441448"/>
+                </a:cubicBezTo>
+                <a:cubicBezTo>
+                  <a:pt x="1890881" y="2624287"/>
+                  <a:pt x="1893767" y="2807290"/>
+                  <a:pt x="1901952" y="2990088"/>
+                </a:cubicBezTo>
+                <a:cubicBezTo>
+                  <a:pt x="1902916" y="3011619"/>
+                  <a:pt x="1908248" y="3032732"/>
+                  <a:pt x="1911096" y="3054096"/>
+                </a:cubicBezTo>
+                <a:cubicBezTo>
+                  <a:pt x="1914344" y="3078454"/>
+                  <a:pt x="1917192" y="3102864"/>
+                  <a:pt x="1920240" y="3127248"/>
+                </a:cubicBezTo>
+                <a:cubicBezTo>
+                  <a:pt x="1951988" y="3032003"/>
+                  <a:pt x="1927650" y="3117125"/>
+                  <a:pt x="1911096" y="2889504"/>
+                </a:cubicBezTo>
+                <a:cubicBezTo>
+                  <a:pt x="1904007" y="2792035"/>
+                  <a:pt x="1902073" y="2694182"/>
+                  <a:pt x="1892808" y="2596896"/>
+                </a:cubicBezTo>
+                <a:cubicBezTo>
+                  <a:pt x="1889861" y="2565952"/>
+                  <a:pt x="1879368" y="2536159"/>
+                  <a:pt x="1874520" y="2505456"/>
+                </a:cubicBezTo>
+                <a:cubicBezTo>
+                  <a:pt x="1870215" y="2478193"/>
+                  <a:pt x="1868799" y="2450548"/>
+                  <a:pt x="1865376" y="2423160"/>
+                </a:cubicBezTo>
+                <a:cubicBezTo>
+                  <a:pt x="1859655" y="2377392"/>
+                  <a:pt x="1851264" y="2331935"/>
+                  <a:pt x="1847088" y="2286000"/>
+                </a:cubicBezTo>
+                <a:cubicBezTo>
+                  <a:pt x="1839066" y="2197762"/>
+                  <a:pt x="1834896" y="2109216"/>
+                  <a:pt x="1828800" y="2020824"/>
+                </a:cubicBezTo>
+                <a:cubicBezTo>
+                  <a:pt x="1834896" y="1981200"/>
+                  <a:pt x="1840121" y="1941432"/>
+                  <a:pt x="1847088" y="1901952"/>
+                </a:cubicBezTo>
+                <a:cubicBezTo>
+                  <a:pt x="1847139" y="1901664"/>
+                  <a:pt x="1861025" y="1842295"/>
+                  <a:pt x="1865376" y="1837944"/>
+                </a:cubicBezTo>
+                <a:cubicBezTo>
+                  <a:pt x="1872192" y="1831128"/>
+                  <a:pt x="1883664" y="1831848"/>
+                  <a:pt x="1892808" y="1828800"/>
+                </a:cubicBezTo>
+                <a:cubicBezTo>
+                  <a:pt x="1905000" y="1819656"/>
+                  <a:pt x="1914158" y="1802030"/>
+                  <a:pt x="1929384" y="1801368"/>
+                </a:cubicBezTo>
+                <a:cubicBezTo>
+                  <a:pt x="2048989" y="1796168"/>
+                  <a:pt x="2080377" y="1807049"/>
+                  <a:pt x="2167128" y="1847088"/>
+                </a:cubicBezTo>
+                <a:cubicBezTo>
+                  <a:pt x="2185693" y="1855656"/>
+                  <a:pt x="2203989" y="1864826"/>
+                  <a:pt x="2221992" y="1874520"/>
+                </a:cubicBezTo>
+                <a:cubicBezTo>
+                  <a:pt x="2243628" y="1886170"/>
+                  <a:pt x="2263765" y="1900633"/>
+                  <a:pt x="2286000" y="1911096"/>
+                </a:cubicBezTo>
+                <a:cubicBezTo>
+                  <a:pt x="2315703" y="1925074"/>
+                  <a:pt x="2347266" y="1934740"/>
+                  <a:pt x="2377440" y="1947672"/>
+                </a:cubicBezTo>
+                <a:cubicBezTo>
+                  <a:pt x="2389969" y="1953042"/>
+                  <a:pt x="2401360" y="1960898"/>
+                  <a:pt x="2414016" y="1965960"/>
+                </a:cubicBezTo>
+                <a:cubicBezTo>
+                  <a:pt x="2447140" y="1979210"/>
+                  <a:pt x="2482320" y="1987345"/>
+                  <a:pt x="2514600" y="2002536"/>
+                </a:cubicBezTo>
+                <a:cubicBezTo>
+                  <a:pt x="2534487" y="2011895"/>
+                  <a:pt x="2549805" y="2029282"/>
+                  <a:pt x="2569464" y="2039112"/>
+                </a:cubicBezTo>
+                <a:cubicBezTo>
+                  <a:pt x="2702137" y="2105448"/>
+                  <a:pt x="2673925" y="2096146"/>
+                  <a:pt x="2770632" y="2112264"/>
+                </a:cubicBezTo>
+                <a:cubicBezTo>
+                  <a:pt x="2782824" y="2121408"/>
+                  <a:pt x="2794807" y="2130838"/>
+                  <a:pt x="2807208" y="2139696"/>
+                </a:cubicBezTo>
+                <a:cubicBezTo>
+                  <a:pt x="2816151" y="2146084"/>
+                  <a:pt x="2826197" y="2150949"/>
+                  <a:pt x="2834640" y="2157984"/>
+                </a:cubicBezTo>
+                <a:cubicBezTo>
+                  <a:pt x="2890246" y="2204322"/>
+                  <a:pt x="2830968" y="2169864"/>
+                  <a:pt x="2898648" y="2203704"/>
+                </a:cubicBezTo>
+                <a:cubicBezTo>
+                  <a:pt x="2910840" y="2218944"/>
+                  <a:pt x="2920637" y="2236458"/>
+                  <a:pt x="2935224" y="2249424"/>
+                </a:cubicBezTo>
+                <a:cubicBezTo>
+                  <a:pt x="2948508" y="2261232"/>
+                  <a:pt x="2966384" y="2266664"/>
+                  <a:pt x="2980944" y="2276856"/>
+                </a:cubicBezTo>
+                <a:cubicBezTo>
+                  <a:pt x="2996933" y="2288048"/>
+                  <a:pt x="3010425" y="2302606"/>
+                  <a:pt x="3026664" y="2313432"/>
+                </a:cubicBezTo>
+                <a:cubicBezTo>
+                  <a:pt x="3047111" y="2327063"/>
+                  <a:pt x="3070540" y="2335916"/>
+                  <a:pt x="3090672" y="2350008"/>
+                </a:cubicBezTo>
+                <a:cubicBezTo>
+                  <a:pt x="3101266" y="2357424"/>
+                  <a:pt x="3107472" y="2370079"/>
+                  <a:pt x="3118104" y="2377440"/>
+                </a:cubicBezTo>
+                <a:cubicBezTo>
+                  <a:pt x="3147329" y="2397673"/>
+                  <a:pt x="3184410" y="2407170"/>
+                  <a:pt x="3209544" y="2432304"/>
+                </a:cubicBezTo>
+                <a:cubicBezTo>
+                  <a:pt x="3218688" y="2441448"/>
+                  <a:pt x="3228560" y="2449918"/>
+                  <a:pt x="3236976" y="2459736"/>
+                </a:cubicBezTo>
+                <a:cubicBezTo>
+                  <a:pt x="3269163" y="2497287"/>
+                  <a:pt x="3256605" y="2498385"/>
+                  <a:pt x="3300984" y="2523744"/>
+                </a:cubicBezTo>
+                <a:cubicBezTo>
+                  <a:pt x="3309353" y="2528526"/>
+                  <a:pt x="3319272" y="2529840"/>
+                  <a:pt x="3328416" y="2532888"/>
+                </a:cubicBezTo>
+                <a:cubicBezTo>
+                  <a:pt x="3337560" y="2545080"/>
+                  <a:pt x="3343168" y="2561010"/>
+                  <a:pt x="3355848" y="2569464"/>
+                </a:cubicBezTo>
+                <a:cubicBezTo>
+                  <a:pt x="3371888" y="2580157"/>
+                  <a:pt x="3392814" y="2580593"/>
+                  <a:pt x="3410712" y="2587752"/>
+                </a:cubicBezTo>
+                <a:cubicBezTo>
+                  <a:pt x="3423368" y="2592814"/>
+                  <a:pt x="3436196" y="2598117"/>
+                  <a:pt x="3447288" y="2606040"/>
+                </a:cubicBezTo>
+                <a:cubicBezTo>
+                  <a:pt x="3457811" y="2613556"/>
+                  <a:pt x="3463960" y="2626299"/>
+                  <a:pt x="3474720" y="2633472"/>
+                </a:cubicBezTo>
+                <a:cubicBezTo>
+                  <a:pt x="3482740" y="2638819"/>
+                  <a:pt x="3493826" y="2637759"/>
+                  <a:pt x="3502152" y="2642616"/>
+                </a:cubicBezTo>
+                <a:cubicBezTo>
+                  <a:pt x="3599103" y="2699171"/>
+                  <a:pt x="3550358" y="2697480"/>
+                  <a:pt x="3593592" y="2697480"/>
+                </a:cubicBezTo>
+              </a:path>
+            </a:pathLst>
+          </a:custGeom>
+          <a:noFill/>
+          <a:ln>
+            <a:solidFill>
+              <a:srgbClr val="FF0000"/>
+            </a:solidFill>
+            <a:headEnd type="none" w="med" len="med"/>
+            <a:tailEnd type="arrow" w="med" len="med"/>
+          </a:ln>
+        </p:spPr>
+        <p:style>
+          <a:lnRef idx="2">
+            <a:schemeClr val="accent1">
+              <a:shade val="50000"/>
+            </a:schemeClr>
+          </a:lnRef>
+          <a:fillRef idx="1">
+            <a:schemeClr val="accent1"/>
+          </a:fillRef>
+          <a:effectRef idx="0">
+            <a:schemeClr val="accent1"/>
+          </a:effectRef>
+          <a:fontRef idx="minor">
+            <a:schemeClr val="lt1"/>
+          </a:fontRef>
+        </p:style>
+        <p:txBody>
+          <a:bodyPr rtlCol="0" anchor="ctr"/>
+          <a:lstStyle/>
+          <a:p>
+            <a:pPr algn="ctr"/>
+            <a:endParaRPr lang="ko-KR" altLang="en-US"/>
+          </a:p>
+        </p:txBody>
+      </p:sp>
+      <p:sp>
+        <p:nvSpPr>
+          <p:cNvPr id="29" name="직사각형 28"/>
+          <p:cNvSpPr/>
+          <p:nvPr/>
+        </p:nvSpPr>
+        <p:spPr>
+          <a:xfrm>
+            <a:off x="4121546" y="3283082"/>
+            <a:ext cx="1099987" cy="539496"/>
+          </a:xfrm>
+          <a:prstGeom prst="rect">
+            <a:avLst/>
+          </a:prstGeom>
+          <a:solidFill>
+            <a:schemeClr val="accent1">
+              <a:lumMod val="20000"/>
+              <a:lumOff val="80000"/>
+            </a:schemeClr>
+          </a:solidFill>
+        </p:spPr>
+        <p:style>
+          <a:lnRef idx="2">
+            <a:schemeClr val="accent1">
+              <a:shade val="50000"/>
+            </a:schemeClr>
+          </a:lnRef>
+          <a:fillRef idx="1">
+            <a:schemeClr val="accent1"/>
+          </a:fillRef>
+          <a:effectRef idx="0">
+            <a:schemeClr val="accent1"/>
+          </a:effectRef>
+          <a:fontRef idx="minor">
+            <a:schemeClr val="lt1"/>
+          </a:fontRef>
+        </p:style>
+        <p:txBody>
+          <a:bodyPr rtlCol="0" anchor="ctr"/>
+          <a:lstStyle/>
+          <a:p>
+            <a:pPr algn="ctr"/>
+            <a:r>
+              <a:rPr lang="en-US" altLang="ko-KR" sz="1400" dirty="0" smtClean="0">
+                <a:solidFill>
+                  <a:schemeClr val="accent5">
+                    <a:lumMod val="50000"/>
+                  </a:schemeClr>
+                </a:solidFill>
+              </a:rPr>
+              <a:t>Login Dialog</a:t>
+            </a:r>
+            <a:endParaRPr lang="ko-KR" altLang="en-US" sz="1400" dirty="0" smtClean="0">
+              <a:solidFill>
+                <a:schemeClr val="accent5">
+                  <a:lumMod val="50000"/>
+                </a:schemeClr>
+              </a:solidFill>
+            </a:endParaRPr>
+          </a:p>
+        </p:txBody>
+      </p:sp>
+      <p:sp>
+        <p:nvSpPr>
+          <p:cNvPr id="30" name="직사각형 29"/>
+          <p:cNvSpPr/>
+          <p:nvPr/>
+        </p:nvSpPr>
+        <p:spPr>
+          <a:xfrm>
+            <a:off x="3172797" y="2317314"/>
+            <a:ext cx="1099987" cy="539496"/>
+          </a:xfrm>
+          <a:prstGeom prst="rect">
+            <a:avLst/>
+          </a:prstGeom>
+          <a:solidFill>
+            <a:schemeClr val="accent1">
+              <a:lumMod val="20000"/>
+              <a:lumOff val="80000"/>
+            </a:schemeClr>
+          </a:solidFill>
+        </p:spPr>
+        <p:style>
+          <a:lnRef idx="2">
+            <a:schemeClr val="accent1">
+              <a:shade val="50000"/>
+            </a:schemeClr>
+          </a:lnRef>
+          <a:fillRef idx="1">
+            <a:schemeClr val="accent1"/>
+          </a:fillRef>
+          <a:effectRef idx="0">
+            <a:schemeClr val="accent1"/>
+          </a:effectRef>
+          <a:fontRef idx="minor">
+            <a:schemeClr val="lt1"/>
+          </a:fontRef>
+        </p:style>
+        <p:txBody>
+          <a:bodyPr rtlCol="0" anchor="ctr"/>
+          <a:lstStyle/>
+          <a:p>
+            <a:pPr algn="ctr"/>
+            <a:r>
+              <a:rPr lang="en-US" altLang="ko-KR" sz="1400" dirty="0" smtClean="0">
+                <a:solidFill>
+                  <a:schemeClr val="accent5">
+                    <a:lumMod val="50000"/>
+                  </a:schemeClr>
+                </a:solidFill>
+              </a:rPr>
+              <a:t>Main</a:t>
+            </a:r>
+            <a:endParaRPr lang="ko-KR" altLang="en-US" sz="1400" dirty="0" smtClean="0">
+              <a:solidFill>
+                <a:schemeClr val="accent5">
+                  <a:lumMod val="50000"/>
+                </a:schemeClr>
+              </a:solidFill>
+            </a:endParaRPr>
+          </a:p>
+        </p:txBody>
+      </p:sp>
+      <p:sp>
+        <p:nvSpPr>
+          <p:cNvPr id="31" name="순서도: 판단 30"/>
+          <p:cNvSpPr/>
+          <p:nvPr/>
+        </p:nvSpPr>
+        <p:spPr>
+          <a:xfrm>
+            <a:off x="3577897" y="2795679"/>
+            <a:ext cx="310896" cy="228600"/>
+          </a:xfrm>
+          <a:prstGeom prst="flowChartDecision">
+            <a:avLst/>
+          </a:prstGeom>
+          <a:solidFill>
+            <a:schemeClr val="accent1">
+              <a:lumMod val="20000"/>
+              <a:lumOff val="80000"/>
+            </a:schemeClr>
+          </a:solidFill>
+        </p:spPr>
+        <p:style>
+          <a:lnRef idx="2">
+            <a:schemeClr val="accent1">
+              <a:shade val="50000"/>
+            </a:schemeClr>
+          </a:lnRef>
+          <a:fillRef idx="1">
+            <a:schemeClr val="accent1"/>
+          </a:fillRef>
+          <a:effectRef idx="0">
+            <a:schemeClr val="accent1"/>
+          </a:effectRef>
+          <a:fontRef idx="minor">
+            <a:schemeClr val="lt1"/>
+          </a:fontRef>
+        </p:style>
+        <p:txBody>
+          <a:bodyPr rtlCol="0" anchor="ctr"/>
+          <a:lstStyle/>
+          <a:p>
+            <a:pPr algn="ctr"/>
+            <a:endParaRPr lang="ko-KR" altLang="en-US" sz="1400" dirty="0" smtClean="0">
+              <a:solidFill>
+                <a:schemeClr val="accent5">
+                  <a:lumMod val="50000"/>
+                </a:schemeClr>
+              </a:solidFill>
+            </a:endParaRPr>
+          </a:p>
+        </p:txBody>
+      </p:sp>
+      <p:cxnSp>
+        <p:nvCxnSpPr>
+          <p:cNvPr id="32" name="꺾인 연결선 31"/>
+          <p:cNvCxnSpPr>
+            <a:stCxn id="31" idx="2"/>
+            <a:endCxn id="5" idx="0"/>
+          </p:cNvCxnSpPr>
+          <p:nvPr/>
+        </p:nvCxnSpPr>
+        <p:spPr>
+          <a:xfrm rot="5400000">
+            <a:off x="3158339" y="2735121"/>
+            <a:ext cx="285849" cy="864165"/>
+          </a:xfrm>
+          <a:prstGeom prst="bentConnector3">
+            <a:avLst/>
+          </a:prstGeom>
+          <a:ln w="12700"/>
+        </p:spPr>
+        <p:style>
+          <a:lnRef idx="1">
+            <a:schemeClr val="accent1"/>
+          </a:lnRef>
+          <a:fillRef idx="0">
+            <a:schemeClr val="accent1"/>
+          </a:fillRef>
+          <a:effectRef idx="0">
+            <a:schemeClr val="accent1"/>
+          </a:effectRef>
+          <a:fontRef idx="minor">
+            <a:schemeClr val="tx1"/>
+          </a:fontRef>
+        </p:style>
+      </p:cxnSp>
+      <p:cxnSp>
+        <p:nvCxnSpPr>
+          <p:cNvPr id="33" name="꺾인 연결선 32"/>
+          <p:cNvCxnSpPr>
+            <a:stCxn id="31" idx="2"/>
+            <a:endCxn id="29" idx="0"/>
+          </p:cNvCxnSpPr>
+          <p:nvPr/>
+        </p:nvCxnSpPr>
+        <p:spPr>
+          <a:xfrm rot="16200000" flipH="1">
+            <a:off x="4073041" y="2684582"/>
+            <a:ext cx="258803" cy="938195"/>
+          </a:xfrm>
+          <a:prstGeom prst="bentConnector3">
+            <a:avLst>
+              <a:gd name="adj1" fmla="val 50000"/>
+            </a:avLst>
+          </a:prstGeom>
+          <a:ln w="12700"/>
+        </p:spPr>
+        <p:style>
+          <a:lnRef idx="1">
+            <a:schemeClr val="accent1"/>
+          </a:lnRef>
+          <a:fillRef idx="0">
+            <a:schemeClr val="accent1"/>
+          </a:fillRef>
+          <a:effectRef idx="0">
+            <a:schemeClr val="accent1"/>
+          </a:effectRef>
+          <a:fontRef idx="minor">
+            <a:schemeClr val="tx1"/>
+          </a:fontRef>
+        </p:style>
+      </p:cxnSp>
+      <p:sp>
+        <p:nvSpPr>
+          <p:cNvPr id="34" name="직사각형 33"/>
+          <p:cNvSpPr/>
+          <p:nvPr/>
+        </p:nvSpPr>
+        <p:spPr>
+          <a:xfrm>
+            <a:off x="3970369" y="2145887"/>
+            <a:ext cx="965756" cy="402336"/>
+          </a:xfrm>
+          <a:prstGeom prst="rect">
+            <a:avLst/>
+          </a:prstGeom>
+          <a:solidFill>
+            <a:schemeClr val="accent2">
+              <a:lumMod val="20000"/>
+              <a:lumOff val="80000"/>
+            </a:schemeClr>
+          </a:solidFill>
+        </p:spPr>
+        <p:style>
+          <a:lnRef idx="2">
+            <a:schemeClr val="accent1">
+              <a:shade val="50000"/>
+            </a:schemeClr>
+          </a:lnRef>
+          <a:fillRef idx="1">
+            <a:schemeClr val="accent1"/>
+          </a:fillRef>
+          <a:effectRef idx="0">
+            <a:schemeClr val="accent1"/>
+          </a:effectRef>
+          <a:fontRef idx="minor">
+            <a:schemeClr val="lt1"/>
+          </a:fontRef>
+        </p:style>
+        <p:txBody>
+          <a:bodyPr rtlCol="0" anchor="ctr"/>
+          <a:lstStyle/>
+          <a:p>
+            <a:pPr algn="ctr"/>
+            <a:r>
+              <a:rPr lang="en-US" altLang="ko-KR" sz="1400" dirty="0" smtClean="0">
+                <a:solidFill>
+                  <a:schemeClr val="accent5">
+                    <a:lumMod val="50000"/>
+                  </a:schemeClr>
+                </a:solidFill>
+              </a:rPr>
+              <a:t>Action Handler</a:t>
+            </a:r>
+            <a:endParaRPr lang="ko-KR" altLang="en-US" sz="1400" dirty="0" smtClean="0">
+              <a:solidFill>
+                <a:schemeClr val="accent5">
+                  <a:lumMod val="50000"/>
+                </a:schemeClr>
+              </a:solidFill>
+            </a:endParaRPr>
+          </a:p>
+        </p:txBody>
+      </p:sp>
+      <p:sp>
+        <p:nvSpPr>
+          <p:cNvPr id="35" name="직사각형 34"/>
+          <p:cNvSpPr/>
+          <p:nvPr/>
+        </p:nvSpPr>
+        <p:spPr>
+          <a:xfrm>
+            <a:off x="4755471" y="3324395"/>
+            <a:ext cx="756475" cy="302947"/>
+          </a:xfrm>
+          <a:prstGeom prst="rect">
+            <a:avLst/>
+          </a:prstGeom>
+          <a:solidFill>
+            <a:schemeClr val="accent2">
+              <a:lumMod val="20000"/>
+              <a:lumOff val="80000"/>
+            </a:schemeClr>
+          </a:solidFill>
+        </p:spPr>
+        <p:style>
+          <a:lnRef idx="2">
+            <a:schemeClr val="accent1">
+              <a:shade val="50000"/>
+            </a:schemeClr>
+          </a:lnRef>
+          <a:fillRef idx="1">
+            <a:schemeClr val="accent1"/>
+          </a:fillRef>
+          <a:effectRef idx="0">
+            <a:schemeClr val="accent1"/>
+          </a:effectRef>
+          <a:fontRef idx="minor">
+            <a:schemeClr val="lt1"/>
+          </a:fontRef>
+        </p:style>
+        <p:txBody>
+          <a:bodyPr rtlCol="0" anchor="ctr"/>
+          <a:lstStyle/>
+          <a:p>
+            <a:pPr algn="ctr"/>
+            <a:r>
+              <a:rPr lang="en-US" altLang="ko-KR" sz="1400" dirty="0" smtClean="0">
+                <a:solidFill>
+                  <a:schemeClr val="accent5">
+                    <a:lumMod val="50000"/>
+                  </a:schemeClr>
+                </a:solidFill>
+              </a:rPr>
+              <a:t>Button</a:t>
+            </a:r>
+            <a:endParaRPr lang="ko-KR" altLang="en-US" sz="1400" dirty="0" smtClean="0">
+              <a:solidFill>
+                <a:schemeClr val="accent5">
+                  <a:lumMod val="50000"/>
+                </a:schemeClr>
+              </a:solidFill>
+            </a:endParaRPr>
+          </a:p>
+        </p:txBody>
+      </p:sp>
+      <p:cxnSp>
+        <p:nvCxnSpPr>
+          <p:cNvPr id="37" name="꺾인 연결선 36"/>
+          <p:cNvCxnSpPr>
+            <a:stCxn id="35" idx="3"/>
+            <a:endCxn id="34" idx="3"/>
+          </p:cNvCxnSpPr>
+          <p:nvPr/>
+        </p:nvCxnSpPr>
+        <p:spPr>
+          <a:xfrm flipH="1" flipV="1">
+            <a:off x="4936125" y="2347055"/>
+            <a:ext cx="575821" cy="1128814"/>
+          </a:xfrm>
+          <a:prstGeom prst="bentConnector3">
+            <a:avLst>
+              <a:gd name="adj1" fmla="val -39700"/>
+            </a:avLst>
+          </a:prstGeom>
+          <a:ln w="12700">
+            <a:tailEnd type="triangle"/>
+          </a:ln>
+        </p:spPr>
+        <p:style>
+          <a:lnRef idx="1">
+            <a:schemeClr val="accent1"/>
+          </a:lnRef>
+          <a:fillRef idx="0">
+            <a:schemeClr val="accent1"/>
+          </a:fillRef>
+          <a:effectRef idx="0">
+            <a:schemeClr val="accent1"/>
+          </a:effectRef>
+          <a:fontRef idx="minor">
+            <a:schemeClr val="tx1"/>
+          </a:fontRef>
+        </p:style>
+      </p:cxnSp>
+    </p:spTree>
+    <p:extLst>
+      <p:ext uri="{BB962C8B-B14F-4D97-AF65-F5344CB8AC3E}">
+        <p14:creationId xmlns:p14="http://schemas.microsoft.com/office/powerpoint/2010/main" val="3347441525"/>
+      </p:ext>
+    </p:extLst>
+  </p:cSld>
+  <p:clrMapOvr>
+    <a:masterClrMapping/>
+  </p:clrMapOvr>
+</p:sld>
+</file>
+
 <file path=ppt/slides/slide7.xml><?xml version="1.0" encoding="utf-8"?>
 <p:sld xmlns:a="http://schemas.openxmlformats.org/drawingml/2006/main" xmlns:r="http://schemas.openxmlformats.org/officeDocument/2006/relationships" xmlns:p="http://schemas.openxmlformats.org/presentationml/2006/main">
   <p:cSld>

--- a/SugangSincheong-B/객체지향프로그래밍-B.pptx
+++ b/SugangSincheong-B/객체지향프로그래밍-B.pptx
@@ -5,7 +5,7 @@
     <p:sldMasterId id="2147483648" r:id="rId1"/>
   </p:sldMasterIdLst>
   <p:notesMasterIdLst>
-    <p:notesMasterId r:id="rId62"/>
+    <p:notesMasterId r:id="rId63"/>
   </p:notesMasterIdLst>
   <p:sldIdLst>
     <p:sldId id="256" r:id="rId2"/>
@@ -68,6 +68,7 @@
     <p:sldId id="313" r:id="rId59"/>
     <p:sldId id="314" r:id="rId60"/>
     <p:sldId id="315" r:id="rId61"/>
+    <p:sldId id="316" r:id="rId62"/>
   </p:sldIdLst>
   <p:sldSz cx="12192000" cy="6858000"/>
   <p:notesSz cx="6858000" cy="9144000"/>
@@ -2153,7 +2154,7 @@
           <a:p>
             <a:fld id="{FB69C2DF-2941-4F05-A906-AE55FB39F26C}" type="datetimeFigureOut">
               <a:rPr lang="ko-KR" altLang="en-US" smtClean="0"/>
-              <a:t>2022-11-21</a:t>
+              <a:t>2022-11-23</a:t>
             </a:fld>
             <a:endParaRPr lang="ko-KR" altLang="en-US"/>
           </a:p>
@@ -2611,7 +2612,7 @@
           <a:p>
             <a:fld id="{9891F741-12A4-49B3-B7A2-504B2BE71C46}" type="datetimeFigureOut">
               <a:rPr lang="ko-KR" altLang="en-US" smtClean="0"/>
-              <a:t>2022-11-21</a:t>
+              <a:t>2022-11-23</a:t>
             </a:fld>
             <a:endParaRPr lang="ko-KR" altLang="en-US"/>
           </a:p>
@@ -2793,7 +2794,7 @@
           <a:p>
             <a:fld id="{9891F741-12A4-49B3-B7A2-504B2BE71C46}" type="datetimeFigureOut">
               <a:rPr lang="ko-KR" altLang="en-US" smtClean="0"/>
-              <a:t>2022-11-21</a:t>
+              <a:t>2022-11-23</a:t>
             </a:fld>
             <a:endParaRPr lang="ko-KR" altLang="en-US"/>
           </a:p>
@@ -3000,7 +3001,7 @@
           <a:p>
             <a:fld id="{9891F741-12A4-49B3-B7A2-504B2BE71C46}" type="datetimeFigureOut">
               <a:rPr lang="ko-KR" altLang="en-US" smtClean="0"/>
-              <a:t>2022-11-21</a:t>
+              <a:t>2022-11-23</a:t>
             </a:fld>
             <a:endParaRPr lang="ko-KR" altLang="en-US"/>
           </a:p>
@@ -3207,7 +3208,7 @@
           <a:p>
             <a:fld id="{9891F741-12A4-49B3-B7A2-504B2BE71C46}" type="datetimeFigureOut">
               <a:rPr lang="ko-KR" altLang="en-US" smtClean="0"/>
-              <a:t>2022-11-21</a:t>
+              <a:t>2022-11-23</a:t>
             </a:fld>
             <a:endParaRPr lang="ko-KR" altLang="en-US"/>
           </a:p>
@@ -3439,7 +3440,7 @@
           <a:p>
             <a:fld id="{9891F741-12A4-49B3-B7A2-504B2BE71C46}" type="datetimeFigureOut">
               <a:rPr lang="ko-KR" altLang="en-US" smtClean="0"/>
-              <a:t>2022-11-21</a:t>
+              <a:t>2022-11-23</a:t>
             </a:fld>
             <a:endParaRPr lang="ko-KR" altLang="en-US"/>
           </a:p>
@@ -49437,7 +49438,6 @@
               <a:rPr lang="en-US" altLang="ko-KR" dirty="0" smtClean="0"/>
               <a:t>Initialize</a:t>
             </a:r>
-            <a:endParaRPr lang="en-US" altLang="ko-KR" dirty="0" smtClean="0"/>
           </a:p>
           <a:p>
             <a:pPr lvl="1"/>
@@ -52140,6 +52140,782 @@
 </p:sld>
 </file>
 
+<file path=ppt/slides/slide61.xml><?xml version="1.0" encoding="utf-8"?>
+<p:sld xmlns:a="http://schemas.openxmlformats.org/drawingml/2006/main" xmlns:r="http://schemas.openxmlformats.org/officeDocument/2006/relationships" xmlns:p="http://schemas.openxmlformats.org/presentationml/2006/main">
+  <p:cSld>
+    <p:spTree>
+      <p:nvGrpSpPr>
+        <p:cNvPr id="1" name=""/>
+        <p:cNvGrpSpPr/>
+        <p:nvPr/>
+      </p:nvGrpSpPr>
+      <p:grpSpPr>
+        <a:xfrm>
+          <a:off x="0" y="0"/>
+          <a:ext cx="0" cy="0"/>
+          <a:chOff x="0" y="0"/>
+          <a:chExt cx="0" cy="0"/>
+        </a:xfrm>
+      </p:grpSpPr>
+      <p:sp>
+        <p:nvSpPr>
+          <p:cNvPr id="2" name="제목 1"/>
+          <p:cNvSpPr>
+            <a:spLocks noGrp="1"/>
+          </p:cNvSpPr>
+          <p:nvPr>
+            <p:ph type="title"/>
+          </p:nvPr>
+        </p:nvSpPr>
+        <p:spPr/>
+        <p:txBody>
+          <a:bodyPr/>
+          <a:lstStyle/>
+          <a:p>
+            <a:r>
+              <a:rPr lang="en-US" altLang="ko-KR" dirty="0" smtClean="0"/>
+              <a:t>2022-11-23</a:t>
+            </a:r>
+            <a:endParaRPr lang="ko-KR" altLang="en-US" dirty="0"/>
+          </a:p>
+        </p:txBody>
+      </p:sp>
+      <p:sp>
+        <p:nvSpPr>
+          <p:cNvPr id="3" name="내용 개체 틀 2"/>
+          <p:cNvSpPr>
+            <a:spLocks noGrp="1"/>
+          </p:cNvSpPr>
+          <p:nvPr>
+            <p:ph idx="1"/>
+          </p:nvPr>
+        </p:nvSpPr>
+        <p:spPr/>
+        <p:txBody>
+          <a:bodyPr/>
+          <a:lstStyle/>
+          <a:p>
+            <a:r>
+              <a:rPr lang="ko-KR" altLang="en-US" dirty="0" smtClean="0"/>
+              <a:t>진행</a:t>
+            </a:r>
+            <a:endParaRPr lang="en-US" altLang="ko-KR" dirty="0" smtClean="0"/>
+          </a:p>
+          <a:p>
+            <a:pPr lvl="1"/>
+            <a:r>
+              <a:rPr lang="en-US" altLang="ko-KR" dirty="0" smtClean="0"/>
+              <a:t>Login Dialog</a:t>
+            </a:r>
+          </a:p>
+          <a:p>
+            <a:pPr lvl="1"/>
+            <a:endParaRPr lang="en-US" altLang="ko-KR" dirty="0"/>
+          </a:p>
+          <a:p>
+            <a:pPr lvl="1"/>
+            <a:endParaRPr lang="en-US" altLang="ko-KR" dirty="0" smtClean="0"/>
+          </a:p>
+          <a:p>
+            <a:pPr lvl="1"/>
+            <a:endParaRPr lang="en-US" altLang="ko-KR" dirty="0"/>
+          </a:p>
+          <a:p>
+            <a:pPr lvl="1"/>
+            <a:endParaRPr lang="en-US" altLang="ko-KR" dirty="0" smtClean="0"/>
+          </a:p>
+          <a:p>
+            <a:pPr lvl="1"/>
+            <a:endParaRPr lang="en-US" altLang="ko-KR" dirty="0"/>
+          </a:p>
+          <a:p>
+            <a:pPr lvl="1"/>
+            <a:endParaRPr lang="en-US" altLang="ko-KR" dirty="0" smtClean="0"/>
+          </a:p>
+          <a:p>
+            <a:pPr lvl="1"/>
+            <a:endParaRPr lang="en-US" altLang="ko-KR" dirty="0"/>
+          </a:p>
+          <a:p>
+            <a:pPr lvl="1"/>
+            <a:endParaRPr lang="en-US" altLang="ko-KR" dirty="0" smtClean="0"/>
+          </a:p>
+          <a:p>
+            <a:pPr lvl="1"/>
+            <a:endParaRPr lang="en-US" altLang="ko-KR" dirty="0"/>
+          </a:p>
+          <a:p>
+            <a:pPr lvl="1"/>
+            <a:endParaRPr lang="en-US" altLang="ko-KR" dirty="0" smtClean="0"/>
+          </a:p>
+          <a:p>
+            <a:pPr lvl="1"/>
+            <a:endParaRPr lang="en-US" altLang="ko-KR" dirty="0"/>
+          </a:p>
+          <a:p>
+            <a:pPr lvl="1"/>
+            <a:endParaRPr lang="en-US" altLang="ko-KR" dirty="0" smtClean="0"/>
+          </a:p>
+          <a:p>
+            <a:pPr lvl="1"/>
+            <a:endParaRPr lang="en-US" altLang="ko-KR" dirty="0"/>
+          </a:p>
+          <a:p>
+            <a:pPr lvl="1"/>
+            <a:endParaRPr lang="en-US" altLang="ko-KR" dirty="0" smtClean="0"/>
+          </a:p>
+          <a:p>
+            <a:pPr lvl="1"/>
+            <a:r>
+              <a:rPr lang="en-US" altLang="ko-KR" dirty="0" smtClean="0"/>
+              <a:t>Control Panel</a:t>
+            </a:r>
+            <a:endParaRPr lang="ko-KR" altLang="en-US" dirty="0"/>
+          </a:p>
+        </p:txBody>
+      </p:sp>
+      <p:sp>
+        <p:nvSpPr>
+          <p:cNvPr id="4" name="내용 개체 틀 3"/>
+          <p:cNvSpPr>
+            <a:spLocks noGrp="1"/>
+          </p:cNvSpPr>
+          <p:nvPr>
+            <p:ph sz="quarter" idx="13"/>
+          </p:nvPr>
+        </p:nvSpPr>
+        <p:spPr/>
+        <p:txBody>
+          <a:bodyPr/>
+          <a:lstStyle/>
+          <a:p>
+            <a:r>
+              <a:rPr lang="ko-KR" altLang="en-US" dirty="0" smtClean="0"/>
+              <a:t>이론</a:t>
+            </a:r>
+            <a:endParaRPr lang="en-US" altLang="ko-KR" dirty="0" smtClean="0"/>
+          </a:p>
+          <a:p>
+            <a:pPr lvl="1"/>
+            <a:r>
+              <a:rPr lang="en-US" altLang="ko-KR" dirty="0"/>
+              <a:t>Modularity</a:t>
+            </a:r>
+            <a:endParaRPr lang="ko-KR" altLang="en-US" dirty="0"/>
+          </a:p>
+          <a:p>
+            <a:pPr lvl="1"/>
+            <a:r>
+              <a:rPr lang="en-US" altLang="ko-KR" dirty="0" smtClean="0"/>
+              <a:t>Process/Thread</a:t>
+            </a:r>
+          </a:p>
+          <a:p>
+            <a:pPr lvl="1"/>
+            <a:r>
+              <a:rPr lang="en-US" altLang="ko-KR" dirty="0" smtClean="0"/>
+              <a:t>Communication</a:t>
+            </a:r>
+          </a:p>
+          <a:p>
+            <a:pPr lvl="2"/>
+            <a:r>
+              <a:rPr lang="en-US" altLang="ko-KR" dirty="0" smtClean="0"/>
+              <a:t>Synchronous</a:t>
+            </a:r>
+          </a:p>
+          <a:p>
+            <a:pPr lvl="2"/>
+            <a:r>
+              <a:rPr lang="en-US" altLang="ko-KR" dirty="0" smtClean="0"/>
+              <a:t>Asynchronous</a:t>
+            </a:r>
+          </a:p>
+        </p:txBody>
+      </p:sp>
+      <p:sp>
+        <p:nvSpPr>
+          <p:cNvPr id="5" name="직사각형 4"/>
+          <p:cNvSpPr/>
+          <p:nvPr/>
+        </p:nvSpPr>
+        <p:spPr>
+          <a:xfrm>
+            <a:off x="2596896" y="1764792"/>
+            <a:ext cx="1133856" cy="621792"/>
+          </a:xfrm>
+          <a:prstGeom prst="rect">
+            <a:avLst/>
+          </a:prstGeom>
+          <a:solidFill>
+            <a:schemeClr val="accent1">
+              <a:lumMod val="20000"/>
+              <a:lumOff val="80000"/>
+            </a:schemeClr>
+          </a:solidFill>
+        </p:spPr>
+        <p:style>
+          <a:lnRef idx="2">
+            <a:schemeClr val="accent1">
+              <a:shade val="50000"/>
+            </a:schemeClr>
+          </a:lnRef>
+          <a:fillRef idx="1">
+            <a:schemeClr val="accent1"/>
+          </a:fillRef>
+          <a:effectRef idx="0">
+            <a:schemeClr val="accent1"/>
+          </a:effectRef>
+          <a:fontRef idx="minor">
+            <a:schemeClr val="lt1"/>
+          </a:fontRef>
+        </p:style>
+        <p:txBody>
+          <a:bodyPr rtlCol="0" anchor="ctr"/>
+          <a:lstStyle/>
+          <a:p>
+            <a:pPr algn="ctr"/>
+            <a:r>
+              <a:rPr lang="en-US" altLang="ko-KR" sz="1400" dirty="0" smtClean="0">
+                <a:solidFill>
+                  <a:schemeClr val="accent5">
+                    <a:lumMod val="50000"/>
+                  </a:schemeClr>
+                </a:solidFill>
+              </a:rPr>
+              <a:t>Main</a:t>
+            </a:r>
+            <a:endParaRPr lang="ko-KR" altLang="en-US" sz="1400" dirty="0" smtClean="0">
+              <a:solidFill>
+                <a:schemeClr val="accent5">
+                  <a:lumMod val="50000"/>
+                </a:schemeClr>
+              </a:solidFill>
+            </a:endParaRPr>
+          </a:p>
+        </p:txBody>
+      </p:sp>
+      <p:sp>
+        <p:nvSpPr>
+          <p:cNvPr id="6" name="직사각형 5"/>
+          <p:cNvSpPr/>
+          <p:nvPr/>
+        </p:nvSpPr>
+        <p:spPr>
+          <a:xfrm>
+            <a:off x="1661160" y="2977838"/>
+            <a:ext cx="1133856" cy="621792"/>
+          </a:xfrm>
+          <a:prstGeom prst="rect">
+            <a:avLst/>
+          </a:prstGeom>
+          <a:solidFill>
+            <a:schemeClr val="accent4">
+              <a:lumMod val="20000"/>
+              <a:lumOff val="80000"/>
+            </a:schemeClr>
+          </a:solidFill>
+        </p:spPr>
+        <p:style>
+          <a:lnRef idx="2">
+            <a:schemeClr val="accent1">
+              <a:shade val="50000"/>
+            </a:schemeClr>
+          </a:lnRef>
+          <a:fillRef idx="1">
+            <a:schemeClr val="accent1"/>
+          </a:fillRef>
+          <a:effectRef idx="0">
+            <a:schemeClr val="accent1"/>
+          </a:effectRef>
+          <a:fontRef idx="minor">
+            <a:schemeClr val="lt1"/>
+          </a:fontRef>
+        </p:style>
+        <p:txBody>
+          <a:bodyPr rtlCol="0" anchor="ctr"/>
+          <a:lstStyle/>
+          <a:p>
+            <a:pPr algn="ctr"/>
+            <a:r>
+              <a:rPr lang="en-US" altLang="ko-KR" sz="1400" dirty="0" smtClean="0">
+                <a:solidFill>
+                  <a:schemeClr val="accent5">
+                    <a:lumMod val="50000"/>
+                  </a:schemeClr>
+                </a:solidFill>
+              </a:rPr>
+              <a:t>Login Dialog</a:t>
+            </a:r>
+            <a:endParaRPr lang="ko-KR" altLang="en-US" sz="1400" dirty="0" smtClean="0">
+              <a:solidFill>
+                <a:schemeClr val="accent5">
+                  <a:lumMod val="50000"/>
+                </a:schemeClr>
+              </a:solidFill>
+            </a:endParaRPr>
+          </a:p>
+        </p:txBody>
+      </p:sp>
+      <p:sp>
+        <p:nvSpPr>
+          <p:cNvPr id="7" name="직사각형 6"/>
+          <p:cNvSpPr/>
+          <p:nvPr/>
+        </p:nvSpPr>
+        <p:spPr>
+          <a:xfrm>
+            <a:off x="3669792" y="2977838"/>
+            <a:ext cx="1133856" cy="621792"/>
+          </a:xfrm>
+          <a:prstGeom prst="rect">
+            <a:avLst/>
+          </a:prstGeom>
+          <a:solidFill>
+            <a:schemeClr val="accent1">
+              <a:lumMod val="20000"/>
+              <a:lumOff val="80000"/>
+            </a:schemeClr>
+          </a:solidFill>
+        </p:spPr>
+        <p:style>
+          <a:lnRef idx="2">
+            <a:schemeClr val="accent1">
+              <a:shade val="50000"/>
+            </a:schemeClr>
+          </a:lnRef>
+          <a:fillRef idx="1">
+            <a:schemeClr val="accent1"/>
+          </a:fillRef>
+          <a:effectRef idx="0">
+            <a:schemeClr val="accent1"/>
+          </a:effectRef>
+          <a:fontRef idx="minor">
+            <a:schemeClr val="lt1"/>
+          </a:fontRef>
+        </p:style>
+        <p:txBody>
+          <a:bodyPr rtlCol="0" anchor="ctr"/>
+          <a:lstStyle/>
+          <a:p>
+            <a:pPr algn="ctr"/>
+            <a:r>
+              <a:rPr lang="en-US" altLang="ko-KR" sz="1400" dirty="0" smtClean="0">
+                <a:solidFill>
+                  <a:schemeClr val="accent5">
+                    <a:lumMod val="50000"/>
+                  </a:schemeClr>
+                </a:solidFill>
+              </a:rPr>
+              <a:t>Main Frame</a:t>
+            </a:r>
+            <a:endParaRPr lang="ko-KR" altLang="en-US" sz="1400" dirty="0" smtClean="0">
+              <a:solidFill>
+                <a:schemeClr val="accent5">
+                  <a:lumMod val="50000"/>
+                </a:schemeClr>
+              </a:solidFill>
+            </a:endParaRPr>
+          </a:p>
+        </p:txBody>
+      </p:sp>
+      <p:sp>
+        <p:nvSpPr>
+          <p:cNvPr id="8" name="직사각형 7"/>
+          <p:cNvSpPr/>
+          <p:nvPr/>
+        </p:nvSpPr>
+        <p:spPr>
+          <a:xfrm>
+            <a:off x="3438144" y="4111085"/>
+            <a:ext cx="1615440" cy="621792"/>
+          </a:xfrm>
+          <a:prstGeom prst="rect">
+            <a:avLst/>
+          </a:prstGeom>
+          <a:solidFill>
+            <a:schemeClr val="accent1">
+              <a:lumMod val="20000"/>
+              <a:lumOff val="80000"/>
+            </a:schemeClr>
+          </a:solidFill>
+        </p:spPr>
+        <p:style>
+          <a:lnRef idx="2">
+            <a:schemeClr val="accent1">
+              <a:shade val="50000"/>
+            </a:schemeClr>
+          </a:lnRef>
+          <a:fillRef idx="1">
+            <a:schemeClr val="accent1"/>
+          </a:fillRef>
+          <a:effectRef idx="0">
+            <a:schemeClr val="accent1"/>
+          </a:effectRef>
+          <a:fontRef idx="minor">
+            <a:schemeClr val="lt1"/>
+          </a:fontRef>
+        </p:style>
+        <p:txBody>
+          <a:bodyPr rtlCol="0" anchor="ctr"/>
+          <a:lstStyle/>
+          <a:p>
+            <a:pPr algn="ctr"/>
+            <a:r>
+              <a:rPr lang="en-US" altLang="ko-KR" sz="1400" dirty="0" err="1" smtClean="0">
+                <a:solidFill>
+                  <a:schemeClr val="accent5">
+                    <a:lumMod val="50000"/>
+                  </a:schemeClr>
+                </a:solidFill>
+              </a:rPr>
+              <a:t>Sugangsincheong</a:t>
+            </a:r>
+            <a:r>
+              <a:rPr lang="en-US" altLang="ko-KR" sz="1400" dirty="0" smtClean="0">
+                <a:solidFill>
+                  <a:schemeClr val="accent5">
+                    <a:lumMod val="50000"/>
+                  </a:schemeClr>
+                </a:solidFill>
+              </a:rPr>
+              <a:t> Panel</a:t>
+            </a:r>
+            <a:endParaRPr lang="ko-KR" altLang="en-US" sz="1400" dirty="0" smtClean="0">
+              <a:solidFill>
+                <a:schemeClr val="accent5">
+                  <a:lumMod val="50000"/>
+                </a:schemeClr>
+              </a:solidFill>
+            </a:endParaRPr>
+          </a:p>
+        </p:txBody>
+      </p:sp>
+      <p:sp>
+        <p:nvSpPr>
+          <p:cNvPr id="9" name="다이아몬드 8"/>
+          <p:cNvSpPr/>
+          <p:nvPr/>
+        </p:nvSpPr>
+        <p:spPr>
+          <a:xfrm>
+            <a:off x="3035808" y="2386584"/>
+            <a:ext cx="274320" cy="280415"/>
+          </a:xfrm>
+          <a:prstGeom prst="diamond">
+            <a:avLst/>
+          </a:prstGeom>
+          <a:solidFill>
+            <a:schemeClr val="accent1">
+              <a:lumMod val="20000"/>
+              <a:lumOff val="80000"/>
+            </a:schemeClr>
+          </a:solidFill>
+        </p:spPr>
+        <p:style>
+          <a:lnRef idx="2">
+            <a:schemeClr val="accent1">
+              <a:shade val="50000"/>
+            </a:schemeClr>
+          </a:lnRef>
+          <a:fillRef idx="1">
+            <a:schemeClr val="accent1"/>
+          </a:fillRef>
+          <a:effectRef idx="0">
+            <a:schemeClr val="accent1"/>
+          </a:effectRef>
+          <a:fontRef idx="minor">
+            <a:schemeClr val="lt1"/>
+          </a:fontRef>
+        </p:style>
+        <p:txBody>
+          <a:bodyPr rtlCol="0" anchor="ctr"/>
+          <a:lstStyle/>
+          <a:p>
+            <a:pPr algn="ctr"/>
+            <a:endParaRPr lang="ko-KR" altLang="en-US" sz="1400" dirty="0" smtClean="0">
+              <a:solidFill>
+                <a:schemeClr val="accent5">
+                  <a:lumMod val="50000"/>
+                </a:schemeClr>
+              </a:solidFill>
+            </a:endParaRPr>
+          </a:p>
+        </p:txBody>
+      </p:sp>
+      <p:cxnSp>
+        <p:nvCxnSpPr>
+          <p:cNvPr id="11" name="꺾인 연결선 10"/>
+          <p:cNvCxnSpPr>
+            <a:stCxn id="9" idx="2"/>
+            <a:endCxn id="6" idx="0"/>
+          </p:cNvCxnSpPr>
+          <p:nvPr/>
+        </p:nvCxnSpPr>
+        <p:spPr>
+          <a:xfrm rot="5400000">
+            <a:off x="2545109" y="2349978"/>
+            <a:ext cx="310839" cy="944880"/>
+          </a:xfrm>
+          <a:prstGeom prst="bentConnector3">
+            <a:avLst>
+              <a:gd name="adj1" fmla="val 50000"/>
+            </a:avLst>
+          </a:prstGeom>
+          <a:ln w="12700"/>
+        </p:spPr>
+        <p:style>
+          <a:lnRef idx="1">
+            <a:schemeClr val="accent1"/>
+          </a:lnRef>
+          <a:fillRef idx="0">
+            <a:schemeClr val="accent1"/>
+          </a:fillRef>
+          <a:effectRef idx="0">
+            <a:schemeClr val="accent1"/>
+          </a:effectRef>
+          <a:fontRef idx="minor">
+            <a:schemeClr val="tx1"/>
+          </a:fontRef>
+        </p:style>
+      </p:cxnSp>
+      <p:cxnSp>
+        <p:nvCxnSpPr>
+          <p:cNvPr id="13" name="꺾인 연결선 12"/>
+          <p:cNvCxnSpPr>
+            <a:stCxn id="9" idx="2"/>
+            <a:endCxn id="7" idx="0"/>
+          </p:cNvCxnSpPr>
+          <p:nvPr/>
+        </p:nvCxnSpPr>
+        <p:spPr>
+          <a:xfrm rot="16200000" flipH="1">
+            <a:off x="3549425" y="2290542"/>
+            <a:ext cx="310839" cy="1063752"/>
+          </a:xfrm>
+          <a:prstGeom prst="bentConnector3">
+            <a:avLst>
+              <a:gd name="adj1" fmla="val 50000"/>
+            </a:avLst>
+          </a:prstGeom>
+          <a:ln w="12700"/>
+        </p:spPr>
+        <p:style>
+          <a:lnRef idx="1">
+            <a:schemeClr val="accent1"/>
+          </a:lnRef>
+          <a:fillRef idx="0">
+            <a:schemeClr val="accent1"/>
+          </a:fillRef>
+          <a:effectRef idx="0">
+            <a:schemeClr val="accent1"/>
+          </a:effectRef>
+          <a:fontRef idx="minor">
+            <a:schemeClr val="tx1"/>
+          </a:fontRef>
+        </p:style>
+      </p:cxnSp>
+      <p:cxnSp>
+        <p:nvCxnSpPr>
+          <p:cNvPr id="14" name="꺾인 연결선 13"/>
+          <p:cNvCxnSpPr>
+            <a:stCxn id="17" idx="2"/>
+            <a:endCxn id="8" idx="0"/>
+          </p:cNvCxnSpPr>
+          <p:nvPr/>
+        </p:nvCxnSpPr>
+        <p:spPr>
+          <a:xfrm rot="16200000" flipH="1">
+            <a:off x="4142508" y="4007728"/>
+            <a:ext cx="197569" cy="9144"/>
+          </a:xfrm>
+          <a:prstGeom prst="bentConnector3">
+            <a:avLst>
+              <a:gd name="adj1" fmla="val 50000"/>
+            </a:avLst>
+          </a:prstGeom>
+          <a:ln w="12700"/>
+        </p:spPr>
+        <p:style>
+          <a:lnRef idx="1">
+            <a:schemeClr val="accent1"/>
+          </a:lnRef>
+          <a:fillRef idx="0">
+            <a:schemeClr val="accent1"/>
+          </a:fillRef>
+          <a:effectRef idx="0">
+            <a:schemeClr val="accent1"/>
+          </a:effectRef>
+          <a:fontRef idx="minor">
+            <a:schemeClr val="tx1"/>
+          </a:fontRef>
+        </p:style>
+      </p:cxnSp>
+      <p:sp>
+        <p:nvSpPr>
+          <p:cNvPr id="17" name="다이아몬드 16"/>
+          <p:cNvSpPr/>
+          <p:nvPr/>
+        </p:nvSpPr>
+        <p:spPr>
+          <a:xfrm>
+            <a:off x="4099560" y="3633101"/>
+            <a:ext cx="274320" cy="280415"/>
+          </a:xfrm>
+          <a:prstGeom prst="diamond">
+            <a:avLst/>
+          </a:prstGeom>
+          <a:solidFill>
+            <a:schemeClr val="accent1">
+              <a:lumMod val="20000"/>
+              <a:lumOff val="80000"/>
+            </a:schemeClr>
+          </a:solidFill>
+        </p:spPr>
+        <p:style>
+          <a:lnRef idx="2">
+            <a:schemeClr val="accent1">
+              <a:shade val="50000"/>
+            </a:schemeClr>
+          </a:lnRef>
+          <a:fillRef idx="1">
+            <a:schemeClr val="accent1"/>
+          </a:fillRef>
+          <a:effectRef idx="0">
+            <a:schemeClr val="accent1"/>
+          </a:effectRef>
+          <a:fontRef idx="minor">
+            <a:schemeClr val="lt1"/>
+          </a:fontRef>
+        </p:style>
+        <p:txBody>
+          <a:bodyPr rtlCol="0" anchor="ctr"/>
+          <a:lstStyle/>
+          <a:p>
+            <a:pPr algn="ctr"/>
+            <a:endParaRPr lang="ko-KR" altLang="en-US" sz="1400" dirty="0" smtClean="0">
+              <a:solidFill>
+                <a:schemeClr val="accent5">
+                  <a:lumMod val="50000"/>
+                </a:schemeClr>
+              </a:solidFill>
+            </a:endParaRPr>
+          </a:p>
+        </p:txBody>
+      </p:sp>
+      <p:sp>
+        <p:nvSpPr>
+          <p:cNvPr id="22" name="직사각형 21"/>
+          <p:cNvSpPr/>
+          <p:nvPr/>
+        </p:nvSpPr>
+        <p:spPr>
+          <a:xfrm>
+            <a:off x="1828801" y="2027004"/>
+            <a:ext cx="839420" cy="484574"/>
+          </a:xfrm>
+          <a:prstGeom prst="rect">
+            <a:avLst/>
+          </a:prstGeom>
+          <a:solidFill>
+            <a:schemeClr val="accent1">
+              <a:lumMod val="20000"/>
+              <a:lumOff val="80000"/>
+            </a:schemeClr>
+          </a:solidFill>
+        </p:spPr>
+        <p:style>
+          <a:lnRef idx="2">
+            <a:schemeClr val="accent1">
+              <a:shade val="50000"/>
+            </a:schemeClr>
+          </a:lnRef>
+          <a:fillRef idx="1">
+            <a:schemeClr val="accent1"/>
+          </a:fillRef>
+          <a:effectRef idx="0">
+            <a:schemeClr val="accent1"/>
+          </a:effectRef>
+          <a:fontRef idx="minor">
+            <a:schemeClr val="lt1"/>
+          </a:fontRef>
+        </p:style>
+        <p:txBody>
+          <a:bodyPr rtlCol="0" anchor="ctr"/>
+          <a:lstStyle/>
+          <a:p>
+            <a:pPr algn="ctr"/>
+            <a:r>
+              <a:rPr lang="en-US" altLang="ko-KR" sz="1400" dirty="0" smtClean="0">
+                <a:solidFill>
+                  <a:schemeClr val="accent5">
+                    <a:lumMod val="50000"/>
+                  </a:schemeClr>
+                </a:solidFill>
+              </a:rPr>
+              <a:t>Action Handler</a:t>
+            </a:r>
+            <a:endParaRPr lang="ko-KR" altLang="en-US" sz="1400" dirty="0" smtClean="0">
+              <a:solidFill>
+                <a:schemeClr val="accent5">
+                  <a:lumMod val="50000"/>
+                </a:schemeClr>
+              </a:solidFill>
+            </a:endParaRPr>
+          </a:p>
+        </p:txBody>
+      </p:sp>
+      <p:cxnSp>
+        <p:nvCxnSpPr>
+          <p:cNvPr id="24" name="꺾인 연결선 23"/>
+          <p:cNvCxnSpPr>
+            <a:stCxn id="6" idx="1"/>
+            <a:endCxn id="22" idx="1"/>
+          </p:cNvCxnSpPr>
+          <p:nvPr/>
+        </p:nvCxnSpPr>
+        <p:spPr>
+          <a:xfrm rot="10800000" flipH="1">
+            <a:off x="1661159" y="2269292"/>
+            <a:ext cx="167641" cy="1019443"/>
+          </a:xfrm>
+          <a:prstGeom prst="bentConnector3">
+            <a:avLst>
+              <a:gd name="adj1" fmla="val -136363"/>
+            </a:avLst>
+          </a:prstGeom>
+          <a:ln w="12700">
+            <a:tailEnd type="triangle"/>
+          </a:ln>
+        </p:spPr>
+        <p:style>
+          <a:lnRef idx="1">
+            <a:schemeClr val="accent1"/>
+          </a:lnRef>
+          <a:fillRef idx="0">
+            <a:schemeClr val="accent1"/>
+          </a:fillRef>
+          <a:effectRef idx="0">
+            <a:schemeClr val="accent1"/>
+          </a:effectRef>
+          <a:fontRef idx="minor">
+            <a:schemeClr val="tx1"/>
+          </a:fontRef>
+        </p:style>
+      </p:cxnSp>
+    </p:spTree>
+    <p:extLst>
+      <p:ext uri="{BB962C8B-B14F-4D97-AF65-F5344CB8AC3E}">
+        <p14:creationId xmlns:p14="http://schemas.microsoft.com/office/powerpoint/2010/main" val="3974404695"/>
+      </p:ext>
+    </p:extLst>
+  </p:cSld>
+  <p:clrMapOvr>
+    <a:masterClrMapping/>
+  </p:clrMapOvr>
+</p:sld>
+</file>
+
 <file path=ppt/slides/slide7.xml><?xml version="1.0" encoding="utf-8"?>
 <p:sld xmlns:a="http://schemas.openxmlformats.org/drawingml/2006/main" xmlns:r="http://schemas.openxmlformats.org/officeDocument/2006/relationships" xmlns:p="http://schemas.openxmlformats.org/presentationml/2006/main">
   <p:cSld>

--- a/SugangSincheong-B/객체지향프로그래밍-B.pptx
+++ b/SugangSincheong-B/객체지향프로그래밍-B.pptx
@@ -5,7 +5,7 @@
     <p:sldMasterId id="2147483648" r:id="rId1"/>
   </p:sldMasterIdLst>
   <p:notesMasterIdLst>
-    <p:notesMasterId r:id="rId63"/>
+    <p:notesMasterId r:id="rId65"/>
   </p:notesMasterIdLst>
   <p:sldIdLst>
     <p:sldId id="256" r:id="rId2"/>
@@ -69,6 +69,8 @@
     <p:sldId id="314" r:id="rId60"/>
     <p:sldId id="315" r:id="rId61"/>
     <p:sldId id="316" r:id="rId62"/>
+    <p:sldId id="317" r:id="rId63"/>
+    <p:sldId id="318" r:id="rId64"/>
   </p:sldIdLst>
   <p:sldSz cx="12192000" cy="6858000"/>
   <p:notesSz cx="6858000" cy="9144000"/>
@@ -2154,7 +2156,7 @@
           <a:p>
             <a:fld id="{FB69C2DF-2941-4F05-A906-AE55FB39F26C}" type="datetimeFigureOut">
               <a:rPr lang="ko-KR" altLang="en-US" smtClean="0"/>
-              <a:t>2022-11-23</a:t>
+              <a:t>2022-11-28</a:t>
             </a:fld>
             <a:endParaRPr lang="ko-KR" altLang="en-US"/>
           </a:p>
@@ -2612,7 +2614,7 @@
           <a:p>
             <a:fld id="{9891F741-12A4-49B3-B7A2-504B2BE71C46}" type="datetimeFigureOut">
               <a:rPr lang="ko-KR" altLang="en-US" smtClean="0"/>
-              <a:t>2022-11-23</a:t>
+              <a:t>2022-11-28</a:t>
             </a:fld>
             <a:endParaRPr lang="ko-KR" altLang="en-US"/>
           </a:p>
@@ -2794,7 +2796,7 @@
           <a:p>
             <a:fld id="{9891F741-12A4-49B3-B7A2-504B2BE71C46}" type="datetimeFigureOut">
               <a:rPr lang="ko-KR" altLang="en-US" smtClean="0"/>
-              <a:t>2022-11-23</a:t>
+              <a:t>2022-11-28</a:t>
             </a:fld>
             <a:endParaRPr lang="ko-KR" altLang="en-US"/>
           </a:p>
@@ -3001,7 +3003,7 @@
           <a:p>
             <a:fld id="{9891F741-12A4-49B3-B7A2-504B2BE71C46}" type="datetimeFigureOut">
               <a:rPr lang="ko-KR" altLang="en-US" smtClean="0"/>
-              <a:t>2022-11-23</a:t>
+              <a:t>2022-11-28</a:t>
             </a:fld>
             <a:endParaRPr lang="ko-KR" altLang="en-US"/>
           </a:p>
@@ -3208,7 +3210,7 @@
           <a:p>
             <a:fld id="{9891F741-12A4-49B3-B7A2-504B2BE71C46}" type="datetimeFigureOut">
               <a:rPr lang="ko-KR" altLang="en-US" smtClean="0"/>
-              <a:t>2022-11-23</a:t>
+              <a:t>2022-11-28</a:t>
             </a:fld>
             <a:endParaRPr lang="ko-KR" altLang="en-US"/>
           </a:p>
@@ -3440,7 +3442,7 @@
           <a:p>
             <a:fld id="{9891F741-12A4-49B3-B7A2-504B2BE71C46}" type="datetimeFigureOut">
               <a:rPr lang="ko-KR" altLang="en-US" smtClean="0"/>
-              <a:t>2022-11-23</a:t>
+              <a:t>2022-11-28</a:t>
             </a:fld>
             <a:endParaRPr lang="ko-KR" altLang="en-US"/>
           </a:p>
@@ -52916,6 +52918,705 @@
 </p:sld>
 </file>
 
+<file path=ppt/slides/slide62.xml><?xml version="1.0" encoding="utf-8"?>
+<p:sld xmlns:a="http://schemas.openxmlformats.org/drawingml/2006/main" xmlns:r="http://schemas.openxmlformats.org/officeDocument/2006/relationships" xmlns:p="http://schemas.openxmlformats.org/presentationml/2006/main">
+  <p:cSld>
+    <p:spTree>
+      <p:nvGrpSpPr>
+        <p:cNvPr id="1" name=""/>
+        <p:cNvGrpSpPr/>
+        <p:nvPr/>
+      </p:nvGrpSpPr>
+      <p:grpSpPr>
+        <a:xfrm>
+          <a:off x="0" y="0"/>
+          <a:ext cx="0" cy="0"/>
+          <a:chOff x="0" y="0"/>
+          <a:chExt cx="0" cy="0"/>
+        </a:xfrm>
+      </p:grpSpPr>
+      <p:sp>
+        <p:nvSpPr>
+          <p:cNvPr id="2" name="제목 1"/>
+          <p:cNvSpPr>
+            <a:spLocks noGrp="1"/>
+          </p:cNvSpPr>
+          <p:nvPr>
+            <p:ph type="title"/>
+          </p:nvPr>
+        </p:nvSpPr>
+        <p:spPr/>
+        <p:txBody>
+          <a:bodyPr/>
+          <a:lstStyle/>
+          <a:p>
+            <a:r>
+              <a:rPr lang="en-US" altLang="ko-KR" dirty="0" smtClean="0"/>
+              <a:t>2022-11-28</a:t>
+            </a:r>
+            <a:endParaRPr lang="ko-KR" altLang="en-US" dirty="0"/>
+          </a:p>
+        </p:txBody>
+      </p:sp>
+      <p:sp>
+        <p:nvSpPr>
+          <p:cNvPr id="3" name="내용 개체 틀 2"/>
+          <p:cNvSpPr>
+            <a:spLocks noGrp="1"/>
+          </p:cNvSpPr>
+          <p:nvPr>
+            <p:ph idx="1"/>
+          </p:nvPr>
+        </p:nvSpPr>
+        <p:spPr/>
+        <p:txBody>
+          <a:bodyPr/>
+          <a:lstStyle/>
+          <a:p>
+            <a:r>
+              <a:rPr lang="ko-KR" altLang="en-US" dirty="0" smtClean="0"/>
+              <a:t>진행</a:t>
+            </a:r>
+            <a:endParaRPr lang="en-US" altLang="ko-KR" dirty="0" smtClean="0"/>
+          </a:p>
+          <a:p>
+            <a:pPr lvl="1"/>
+            <a:r>
+              <a:rPr lang="en-US" altLang="ko-KR" dirty="0" smtClean="0"/>
+              <a:t>Resource</a:t>
+            </a:r>
+          </a:p>
+          <a:p>
+            <a:pPr lvl="2"/>
+            <a:r>
+              <a:rPr lang="en-US" altLang="ko-KR" dirty="0" smtClean="0"/>
+              <a:t>Constants and Locale</a:t>
+            </a:r>
+            <a:endParaRPr lang="ko-KR" altLang="en-US" dirty="0"/>
+          </a:p>
+        </p:txBody>
+      </p:sp>
+      <p:sp>
+        <p:nvSpPr>
+          <p:cNvPr id="4" name="내용 개체 틀 3"/>
+          <p:cNvSpPr>
+            <a:spLocks noGrp="1"/>
+          </p:cNvSpPr>
+          <p:nvPr>
+            <p:ph sz="quarter" idx="13"/>
+          </p:nvPr>
+        </p:nvSpPr>
+        <p:spPr/>
+        <p:txBody>
+          <a:bodyPr/>
+          <a:lstStyle/>
+          <a:p>
+            <a:r>
+              <a:rPr lang="ko-KR" altLang="en-US" dirty="0" smtClean="0"/>
+              <a:t>참고</a:t>
+            </a:r>
+            <a:endParaRPr lang="en-US" altLang="ko-KR" dirty="0" smtClean="0"/>
+          </a:p>
+          <a:p>
+            <a:pPr lvl="1"/>
+            <a:r>
+              <a:rPr lang="en-US" altLang="ko-KR" dirty="0"/>
+              <a:t>x</a:t>
+            </a:r>
+            <a:r>
+              <a:rPr lang="en-US" altLang="ko-KR" dirty="0" smtClean="0"/>
+              <a:t> </a:t>
+            </a:r>
+            <a:r>
+              <a:rPr lang="ko-KR" altLang="en-US" dirty="0" smtClean="0"/>
+              <a:t>와 </a:t>
+            </a:r>
+            <a:r>
+              <a:rPr lang="en-US" altLang="ko-KR" dirty="0" smtClean="0"/>
+              <a:t>“x”</a:t>
+            </a:r>
+          </a:p>
+          <a:p>
+            <a:pPr lvl="1"/>
+            <a:r>
+              <a:rPr lang="en-US" altLang="ko-KR" dirty="0" smtClean="0"/>
+              <a:t>Constant and Variable</a:t>
+            </a:r>
+          </a:p>
+          <a:p>
+            <a:pPr lvl="1"/>
+            <a:endParaRPr lang="en-US" altLang="ko-KR" dirty="0"/>
+          </a:p>
+          <a:p>
+            <a:r>
+              <a:rPr lang="en-US" altLang="ko-KR" dirty="0" smtClean="0"/>
+              <a:t>Markup Language</a:t>
+            </a:r>
+          </a:p>
+          <a:p>
+            <a:pPr lvl="1"/>
+            <a:r>
+              <a:rPr lang="en-US" altLang="ko-KR" dirty="0" smtClean="0"/>
+              <a:t>1 </a:t>
+            </a:r>
+            <a:r>
+              <a:rPr lang="ko-KR" altLang="en-US" dirty="0" smtClean="0"/>
+              <a:t>용인 </a:t>
+            </a:r>
+            <a:r>
+              <a:rPr lang="en-US" altLang="ko-KR" dirty="0" err="1" smtClean="0"/>
+              <a:t>Yongin</a:t>
+            </a:r>
+            <a:r>
+              <a:rPr lang="en-US" altLang="ko-KR" dirty="0" smtClean="0"/>
+              <a:t> </a:t>
+            </a:r>
+            <a:r>
+              <a:rPr lang="ko-KR" altLang="en-US" dirty="0" smtClean="0"/>
+              <a:t>용인시 </a:t>
+            </a:r>
+            <a:r>
+              <a:rPr lang="ko-KR" altLang="en-US" dirty="0" err="1" smtClean="0"/>
+              <a:t>처인구</a:t>
+            </a:r>
+            <a:r>
+              <a:rPr lang="en-US" altLang="ko-KR" dirty="0" smtClean="0"/>
+              <a:t>, …</a:t>
+            </a:r>
+          </a:p>
+          <a:p>
+            <a:pPr lvl="1"/>
+            <a:r>
+              <a:rPr lang="en-US" altLang="ko-KR" dirty="0" smtClean="0">
+                <a:sym typeface="Wingdings" panose="05000000000000000000" pitchFamily="2" charset="2"/>
+              </a:rPr>
+              <a:t> &lt;id 1&gt; &lt;</a:t>
+            </a:r>
+            <a:r>
+              <a:rPr lang="en-US" altLang="ko-KR" dirty="0" err="1" smtClean="0">
+                <a:sym typeface="Wingdings" panose="05000000000000000000" pitchFamily="2" charset="2"/>
+              </a:rPr>
+              <a:t>CampusName</a:t>
+            </a:r>
+            <a:r>
+              <a:rPr lang="en-US" altLang="ko-KR" dirty="0" smtClean="0">
+                <a:sym typeface="Wingdings" panose="05000000000000000000" pitchFamily="2" charset="2"/>
+              </a:rPr>
+              <a:t> </a:t>
+            </a:r>
+            <a:r>
+              <a:rPr lang="ko-KR" altLang="en-US" dirty="0" smtClean="0">
+                <a:sym typeface="Wingdings" panose="05000000000000000000" pitchFamily="2" charset="2"/>
+              </a:rPr>
+              <a:t>용인</a:t>
+            </a:r>
+            <a:r>
+              <a:rPr lang="en-US" altLang="ko-KR" dirty="0" smtClean="0">
+                <a:sym typeface="Wingdings" panose="05000000000000000000" pitchFamily="2" charset="2"/>
+              </a:rPr>
+              <a:t>&gt; &lt;Address </a:t>
+            </a:r>
+            <a:r>
+              <a:rPr lang="ko-KR" altLang="en-US" dirty="0" smtClean="0">
+                <a:sym typeface="Wingdings" panose="05000000000000000000" pitchFamily="2" charset="2"/>
+              </a:rPr>
+              <a:t>용인시 </a:t>
+            </a:r>
+            <a:r>
+              <a:rPr lang="ko-KR" altLang="en-US" dirty="0" err="1" smtClean="0">
+                <a:sym typeface="Wingdings" panose="05000000000000000000" pitchFamily="2" charset="2"/>
+              </a:rPr>
+              <a:t>처인구</a:t>
+            </a:r>
+            <a:r>
+              <a:rPr lang="en-US" altLang="ko-KR" dirty="0" smtClean="0">
+                <a:sym typeface="Wingdings" panose="05000000000000000000" pitchFamily="2" charset="2"/>
+              </a:rPr>
+              <a:t>&gt;</a:t>
+            </a:r>
+          </a:p>
+          <a:p>
+            <a:pPr lvl="1"/>
+            <a:r>
+              <a:rPr lang="en-US" altLang="ko-KR" dirty="0" smtClean="0">
+                <a:sym typeface="Wingdings" panose="05000000000000000000" pitchFamily="2" charset="2"/>
+              </a:rPr>
+              <a:t> </a:t>
+            </a:r>
+            <a:r>
+              <a:rPr lang="en-US" altLang="ko-KR" dirty="0">
+                <a:sym typeface="Wingdings" panose="05000000000000000000" pitchFamily="2" charset="2"/>
+              </a:rPr>
+              <a:t>&lt;</a:t>
+            </a:r>
+            <a:r>
+              <a:rPr lang="en-US" altLang="ko-KR" dirty="0" err="1">
+                <a:sym typeface="Wingdings" panose="05000000000000000000" pitchFamily="2" charset="2"/>
+              </a:rPr>
+              <a:t>CampusName</a:t>
+            </a:r>
+            <a:r>
+              <a:rPr lang="en-US" altLang="ko-KR" dirty="0">
+                <a:sym typeface="Wingdings" panose="05000000000000000000" pitchFamily="2" charset="2"/>
+              </a:rPr>
+              <a:t> </a:t>
+            </a:r>
+            <a:r>
+              <a:rPr lang="ko-KR" altLang="en-US" dirty="0">
+                <a:sym typeface="Wingdings" panose="05000000000000000000" pitchFamily="2" charset="2"/>
+              </a:rPr>
+              <a:t>용인</a:t>
+            </a:r>
+            <a:r>
+              <a:rPr lang="en-US" altLang="ko-KR" dirty="0" smtClean="0">
+                <a:sym typeface="Wingdings" panose="05000000000000000000" pitchFamily="2" charset="2"/>
+              </a:rPr>
+              <a:t>&gt; </a:t>
+            </a:r>
+            <a:r>
+              <a:rPr lang="en-US" altLang="ko-KR" dirty="0">
+                <a:sym typeface="Wingdings" panose="05000000000000000000" pitchFamily="2" charset="2"/>
+              </a:rPr>
+              <a:t>&lt;id 1</a:t>
+            </a:r>
+            <a:r>
+              <a:rPr lang="en-US" altLang="ko-KR" dirty="0" smtClean="0">
+                <a:sym typeface="Wingdings" panose="05000000000000000000" pitchFamily="2" charset="2"/>
+              </a:rPr>
+              <a:t>&gt;</a:t>
+            </a:r>
+          </a:p>
+          <a:p>
+            <a:endParaRPr lang="en-US" altLang="ko-KR" dirty="0">
+              <a:sym typeface="Wingdings" panose="05000000000000000000" pitchFamily="2" charset="2"/>
+            </a:endParaRPr>
+          </a:p>
+          <a:p>
+            <a:r>
+              <a:rPr lang="en-US" altLang="ko-KR" dirty="0" smtClean="0">
+                <a:sym typeface="Wingdings" panose="05000000000000000000" pitchFamily="2" charset="2"/>
+              </a:rPr>
+              <a:t> HTML</a:t>
+            </a:r>
+            <a:endParaRPr lang="en-US" altLang="ko-KR" dirty="0">
+              <a:sym typeface="Wingdings" panose="05000000000000000000" pitchFamily="2" charset="2"/>
+            </a:endParaRPr>
+          </a:p>
+          <a:p>
+            <a:pPr lvl="1"/>
+            <a:endParaRPr lang="ko-KR" altLang="en-US" dirty="0"/>
+          </a:p>
+        </p:txBody>
+      </p:sp>
+      <p:sp>
+        <p:nvSpPr>
+          <p:cNvPr id="5" name="직사각형 4"/>
+          <p:cNvSpPr/>
+          <p:nvPr/>
+        </p:nvSpPr>
+        <p:spPr>
+          <a:xfrm>
+            <a:off x="1563624" y="1892808"/>
+            <a:ext cx="1207008" cy="2073066"/>
+          </a:xfrm>
+          <a:prstGeom prst="rect">
+            <a:avLst/>
+          </a:prstGeom>
+          <a:solidFill>
+            <a:schemeClr val="accent1">
+              <a:lumMod val="20000"/>
+              <a:lumOff val="80000"/>
+            </a:schemeClr>
+          </a:solidFill>
+        </p:spPr>
+        <p:style>
+          <a:lnRef idx="2">
+            <a:schemeClr val="accent1">
+              <a:shade val="50000"/>
+            </a:schemeClr>
+          </a:lnRef>
+          <a:fillRef idx="1">
+            <a:schemeClr val="accent1"/>
+          </a:fillRef>
+          <a:effectRef idx="0">
+            <a:schemeClr val="accent1"/>
+          </a:effectRef>
+          <a:fontRef idx="minor">
+            <a:schemeClr val="lt1"/>
+          </a:fontRef>
+        </p:style>
+        <p:txBody>
+          <a:bodyPr rtlCol="0" anchor="ctr"/>
+          <a:lstStyle/>
+          <a:p>
+            <a:pPr algn="ctr"/>
+            <a:r>
+              <a:rPr lang="en-US" altLang="ko-KR" sz="1400" dirty="0" smtClean="0">
+                <a:solidFill>
+                  <a:schemeClr val="accent5">
+                    <a:lumMod val="50000"/>
+                  </a:schemeClr>
+                </a:solidFill>
+              </a:rPr>
+              <a:t>Program</a:t>
+            </a:r>
+            <a:endParaRPr lang="ko-KR" altLang="en-US" sz="1400" dirty="0" smtClean="0">
+              <a:solidFill>
+                <a:schemeClr val="accent5">
+                  <a:lumMod val="50000"/>
+                </a:schemeClr>
+              </a:solidFill>
+            </a:endParaRPr>
+          </a:p>
+        </p:txBody>
+      </p:sp>
+      <p:sp>
+        <p:nvSpPr>
+          <p:cNvPr id="6" name="순서도: 문서 5"/>
+          <p:cNvSpPr/>
+          <p:nvPr/>
+        </p:nvSpPr>
+        <p:spPr>
+          <a:xfrm>
+            <a:off x="3072384" y="1892808"/>
+            <a:ext cx="1280160" cy="594360"/>
+          </a:xfrm>
+          <a:prstGeom prst="flowChartDocument">
+            <a:avLst/>
+          </a:prstGeom>
+          <a:solidFill>
+            <a:schemeClr val="accent1">
+              <a:lumMod val="20000"/>
+              <a:lumOff val="80000"/>
+            </a:schemeClr>
+          </a:solidFill>
+        </p:spPr>
+        <p:style>
+          <a:lnRef idx="2">
+            <a:schemeClr val="accent1">
+              <a:shade val="50000"/>
+            </a:schemeClr>
+          </a:lnRef>
+          <a:fillRef idx="1">
+            <a:schemeClr val="accent1"/>
+          </a:fillRef>
+          <a:effectRef idx="0">
+            <a:schemeClr val="accent1"/>
+          </a:effectRef>
+          <a:fontRef idx="minor">
+            <a:schemeClr val="lt1"/>
+          </a:fontRef>
+        </p:style>
+        <p:txBody>
+          <a:bodyPr rtlCol="0" anchor="ctr"/>
+          <a:lstStyle/>
+          <a:p>
+            <a:pPr algn="ctr"/>
+            <a:r>
+              <a:rPr lang="en-US" altLang="ko-KR" sz="1400" dirty="0" smtClean="0">
+                <a:solidFill>
+                  <a:schemeClr val="accent5">
+                    <a:lumMod val="50000"/>
+                  </a:schemeClr>
+                </a:solidFill>
+              </a:rPr>
+              <a:t>Constants</a:t>
+            </a:r>
+            <a:endParaRPr lang="ko-KR" altLang="en-US" sz="1400" dirty="0" smtClean="0">
+              <a:solidFill>
+                <a:schemeClr val="accent5">
+                  <a:lumMod val="50000"/>
+                </a:schemeClr>
+              </a:solidFill>
+            </a:endParaRPr>
+          </a:p>
+        </p:txBody>
+      </p:sp>
+      <p:sp>
+        <p:nvSpPr>
+          <p:cNvPr id="7" name="순서도: 문서 6"/>
+          <p:cNvSpPr/>
+          <p:nvPr/>
+        </p:nvSpPr>
+        <p:spPr>
+          <a:xfrm>
+            <a:off x="3072384" y="2625190"/>
+            <a:ext cx="1280160" cy="594360"/>
+          </a:xfrm>
+          <a:prstGeom prst="flowChartDocument">
+            <a:avLst/>
+          </a:prstGeom>
+          <a:solidFill>
+            <a:schemeClr val="accent1">
+              <a:lumMod val="20000"/>
+              <a:lumOff val="80000"/>
+            </a:schemeClr>
+          </a:solidFill>
+        </p:spPr>
+        <p:style>
+          <a:lnRef idx="2">
+            <a:schemeClr val="accent1">
+              <a:shade val="50000"/>
+            </a:schemeClr>
+          </a:lnRef>
+          <a:fillRef idx="1">
+            <a:schemeClr val="accent1"/>
+          </a:fillRef>
+          <a:effectRef idx="0">
+            <a:schemeClr val="accent1"/>
+          </a:effectRef>
+          <a:fontRef idx="minor">
+            <a:schemeClr val="lt1"/>
+          </a:fontRef>
+        </p:style>
+        <p:txBody>
+          <a:bodyPr rtlCol="0" anchor="ctr"/>
+          <a:lstStyle/>
+          <a:p>
+            <a:pPr algn="ctr"/>
+            <a:r>
+              <a:rPr lang="en-US" altLang="ko-KR" sz="1400" dirty="0" smtClean="0">
+                <a:solidFill>
+                  <a:schemeClr val="accent5">
+                    <a:lumMod val="50000"/>
+                  </a:schemeClr>
+                </a:solidFill>
+              </a:rPr>
+              <a:t>Locale</a:t>
+            </a:r>
+            <a:endParaRPr lang="ko-KR" altLang="en-US" sz="1400" dirty="0" smtClean="0">
+              <a:solidFill>
+                <a:schemeClr val="accent5">
+                  <a:lumMod val="50000"/>
+                </a:schemeClr>
+              </a:solidFill>
+            </a:endParaRPr>
+          </a:p>
+        </p:txBody>
+      </p:sp>
+      <p:sp>
+        <p:nvSpPr>
+          <p:cNvPr id="8" name="순서도: 문서 7"/>
+          <p:cNvSpPr/>
+          <p:nvPr/>
+        </p:nvSpPr>
+        <p:spPr>
+          <a:xfrm>
+            <a:off x="3072384" y="3371514"/>
+            <a:ext cx="1280160" cy="594360"/>
+          </a:xfrm>
+          <a:prstGeom prst="flowChartDocument">
+            <a:avLst/>
+          </a:prstGeom>
+          <a:solidFill>
+            <a:schemeClr val="accent1">
+              <a:lumMod val="20000"/>
+              <a:lumOff val="80000"/>
+            </a:schemeClr>
+          </a:solidFill>
+        </p:spPr>
+        <p:style>
+          <a:lnRef idx="2">
+            <a:schemeClr val="accent1">
+              <a:shade val="50000"/>
+            </a:schemeClr>
+          </a:lnRef>
+          <a:fillRef idx="1">
+            <a:schemeClr val="accent1"/>
+          </a:fillRef>
+          <a:effectRef idx="0">
+            <a:schemeClr val="accent1"/>
+          </a:effectRef>
+          <a:fontRef idx="minor">
+            <a:schemeClr val="lt1"/>
+          </a:fontRef>
+        </p:style>
+        <p:txBody>
+          <a:bodyPr rtlCol="0" anchor="ctr"/>
+          <a:lstStyle/>
+          <a:p>
+            <a:pPr algn="ctr"/>
+            <a:r>
+              <a:rPr lang="en-US" altLang="ko-KR" sz="1400" dirty="0" smtClean="0">
+                <a:solidFill>
+                  <a:schemeClr val="accent5">
+                    <a:lumMod val="50000"/>
+                  </a:schemeClr>
+                </a:solidFill>
+              </a:rPr>
+              <a:t>Graphics Resource</a:t>
+            </a:r>
+            <a:endParaRPr lang="ko-KR" altLang="en-US" sz="1400" dirty="0" smtClean="0">
+              <a:solidFill>
+                <a:schemeClr val="accent5">
+                  <a:lumMod val="50000"/>
+                </a:schemeClr>
+              </a:solidFill>
+            </a:endParaRPr>
+          </a:p>
+        </p:txBody>
+      </p:sp>
+    </p:spTree>
+    <p:extLst>
+      <p:ext uri="{BB962C8B-B14F-4D97-AF65-F5344CB8AC3E}">
+        <p14:creationId xmlns:p14="http://schemas.microsoft.com/office/powerpoint/2010/main" val="3923510256"/>
+      </p:ext>
+    </p:extLst>
+  </p:cSld>
+  <p:clrMapOvr>
+    <a:masterClrMapping/>
+  </p:clrMapOvr>
+</p:sld>
+</file>
+
+<file path=ppt/slides/slide63.xml><?xml version="1.0" encoding="utf-8"?>
+<p:sld xmlns:a="http://schemas.openxmlformats.org/drawingml/2006/main" xmlns:r="http://schemas.openxmlformats.org/officeDocument/2006/relationships" xmlns:p="http://schemas.openxmlformats.org/presentationml/2006/main">
+  <p:cSld>
+    <p:spTree>
+      <p:nvGrpSpPr>
+        <p:cNvPr id="1" name=""/>
+        <p:cNvGrpSpPr/>
+        <p:nvPr/>
+      </p:nvGrpSpPr>
+      <p:grpSpPr>
+        <a:xfrm>
+          <a:off x="0" y="0"/>
+          <a:ext cx="0" cy="0"/>
+          <a:chOff x="0" y="0"/>
+          <a:chExt cx="0" cy="0"/>
+        </a:xfrm>
+      </p:grpSpPr>
+      <p:sp>
+        <p:nvSpPr>
+          <p:cNvPr id="3" name="내용 개체 틀 2"/>
+          <p:cNvSpPr>
+            <a:spLocks noGrp="1"/>
+          </p:cNvSpPr>
+          <p:nvPr>
+            <p:ph idx="1"/>
+          </p:nvPr>
+        </p:nvSpPr>
+        <p:spPr/>
+        <p:txBody>
+          <a:bodyPr/>
+          <a:lstStyle/>
+          <a:p>
+            <a:r>
+              <a:rPr lang="ko-KR" altLang="en-US" dirty="0" smtClean="0"/>
+              <a:t>할 일</a:t>
+            </a:r>
+            <a:endParaRPr lang="en-US" altLang="ko-KR" dirty="0" smtClean="0"/>
+          </a:p>
+          <a:p>
+            <a:pPr lvl="1"/>
+            <a:r>
+              <a:rPr lang="en-US" altLang="ko-KR" dirty="0" smtClean="0"/>
+              <a:t>Constants and Locale </a:t>
+            </a:r>
+            <a:r>
+              <a:rPr lang="ko-KR" altLang="en-US" dirty="0" smtClean="0"/>
+              <a:t>등 정리</a:t>
+            </a:r>
+            <a:endParaRPr lang="en-US" altLang="ko-KR" dirty="0" smtClean="0"/>
+          </a:p>
+          <a:p>
+            <a:pPr lvl="1"/>
+            <a:r>
+              <a:rPr lang="en-US" altLang="ko-KR" dirty="0" smtClean="0"/>
+              <a:t>Login Dialog </a:t>
+            </a:r>
+            <a:r>
+              <a:rPr lang="ko-KR" altLang="en-US" dirty="0" smtClean="0"/>
+              <a:t>정리</a:t>
+            </a:r>
+            <a:endParaRPr lang="en-US" altLang="ko-KR" dirty="0" smtClean="0"/>
+          </a:p>
+          <a:p>
+            <a:pPr lvl="1"/>
+            <a:r>
+              <a:rPr lang="en-US" altLang="ko-KR" dirty="0" smtClean="0"/>
+              <a:t>Directory File  </a:t>
+            </a:r>
+            <a:r>
+              <a:rPr lang="ko-KR" altLang="en-US" dirty="0" smtClean="0"/>
+              <a:t>정리</a:t>
+            </a:r>
+            <a:endParaRPr lang="en-US" altLang="ko-KR" dirty="0" smtClean="0"/>
+          </a:p>
+        </p:txBody>
+      </p:sp>
+      <p:sp>
+        <p:nvSpPr>
+          <p:cNvPr id="5" name="내용 개체 틀 4"/>
+          <p:cNvSpPr>
+            <a:spLocks noGrp="1"/>
+          </p:cNvSpPr>
+          <p:nvPr>
+            <p:ph sz="quarter" idx="13"/>
+          </p:nvPr>
+        </p:nvSpPr>
+        <p:spPr/>
+        <p:txBody>
+          <a:bodyPr/>
+          <a:lstStyle/>
+          <a:p>
+            <a:r>
+              <a:rPr lang="ko-KR" altLang="en-US" dirty="0" smtClean="0"/>
+              <a:t>참고</a:t>
+            </a:r>
+            <a:endParaRPr lang="en-US" altLang="ko-KR" dirty="0" smtClean="0"/>
+          </a:p>
+          <a:p>
+            <a:pPr lvl="1"/>
+            <a:r>
+              <a:rPr lang="en-US" altLang="ko-KR" dirty="0" smtClean="0"/>
+              <a:t>DB – 30</a:t>
+            </a:r>
+            <a:r>
+              <a:rPr lang="ko-KR" altLang="en-US" dirty="0" smtClean="0"/>
+              <a:t>점</a:t>
+            </a:r>
+            <a:endParaRPr lang="en-US" altLang="ko-KR" dirty="0" smtClean="0"/>
+          </a:p>
+          <a:p>
+            <a:pPr lvl="1"/>
+            <a:r>
+              <a:rPr lang="en-US" altLang="ko-KR" dirty="0" smtClean="0"/>
+              <a:t>XML – 30 </a:t>
+            </a:r>
+            <a:r>
+              <a:rPr lang="ko-KR" altLang="en-US" dirty="0" smtClean="0"/>
+              <a:t>점</a:t>
+            </a:r>
+            <a:endParaRPr lang="en-US" altLang="ko-KR" dirty="0" smtClean="0"/>
+          </a:p>
+          <a:p>
+            <a:pPr lvl="1"/>
+            <a:r>
+              <a:rPr lang="en-US" altLang="ko-KR" smtClean="0"/>
+              <a:t>Encryption – 10</a:t>
+            </a:r>
+            <a:r>
+              <a:rPr lang="ko-KR" altLang="en-US" smtClean="0"/>
+              <a:t>점</a:t>
+            </a:r>
+            <a:endParaRPr lang="ko-KR" altLang="en-US" dirty="0"/>
+          </a:p>
+        </p:txBody>
+      </p:sp>
+    </p:spTree>
+    <p:extLst>
+      <p:ext uri="{BB962C8B-B14F-4D97-AF65-F5344CB8AC3E}">
+        <p14:creationId xmlns:p14="http://schemas.microsoft.com/office/powerpoint/2010/main" val="3544701393"/>
+      </p:ext>
+    </p:extLst>
+  </p:cSld>
+  <p:clrMapOvr>
+    <a:masterClrMapping/>
+  </p:clrMapOvr>
+</p:sld>
+</file>
+
 <file path=ppt/slides/slide7.xml><?xml version="1.0" encoding="utf-8"?>
 <p:sld xmlns:a="http://schemas.openxmlformats.org/drawingml/2006/main" xmlns:r="http://schemas.openxmlformats.org/officeDocument/2006/relationships" xmlns:p="http://schemas.openxmlformats.org/presentationml/2006/main">
   <p:cSld>
@@ -54887,10 +55588,15 @@
           </a:schemeClr>
         </a:solidFill>
       </a:spPr>
-      <a:bodyPr rtlCol="0" anchor="ctr"/>
+      <a:bodyPr rot="0" spcFirstLastPara="0" vertOverflow="overflow" horzOverflow="overflow" vert="horz" wrap="square" lIns="91440" tIns="45720" rIns="91440" bIns="45720" numCol="1" spcCol="0" rtlCol="0" fromWordArt="0" anchor="ctr" anchorCtr="0" forceAA="0" compatLnSpc="1">
+        <a:prstTxWarp prst="textNoShape">
+          <a:avLst/>
+        </a:prstTxWarp>
+        <a:noAutofit/>
+      </a:bodyPr>
       <a:lstStyle>
         <a:defPPr algn="ctr">
-          <a:defRPr sz="1400" dirty="0" smtClean="0">
+          <a:defRPr sz="1400" dirty="0" err="1" smtClean="0">
             <a:solidFill>
               <a:schemeClr val="accent5">
                 <a:lumMod val="50000"/>

--- a/SugangSincheong-B/객체지향프로그래밍-B.pptx
+++ b/SugangSincheong-B/객체지향프로그래밍-B.pptx
@@ -5,7 +5,7 @@
     <p:sldMasterId id="2147483648" r:id="rId1"/>
   </p:sldMasterIdLst>
   <p:notesMasterIdLst>
-    <p:notesMasterId r:id="rId65"/>
+    <p:notesMasterId r:id="rId67"/>
   </p:notesMasterIdLst>
   <p:sldIdLst>
     <p:sldId id="256" r:id="rId2"/>
@@ -71,6 +71,8 @@
     <p:sldId id="316" r:id="rId62"/>
     <p:sldId id="317" r:id="rId63"/>
     <p:sldId id="318" r:id="rId64"/>
+    <p:sldId id="319" r:id="rId65"/>
+    <p:sldId id="320" r:id="rId66"/>
   </p:sldIdLst>
   <p:sldSz cx="12192000" cy="6858000"/>
   <p:notesSz cx="6858000" cy="9144000"/>
@@ -2156,7 +2158,7 @@
           <a:p>
             <a:fld id="{FB69C2DF-2941-4F05-A906-AE55FB39F26C}" type="datetimeFigureOut">
               <a:rPr lang="ko-KR" altLang="en-US" smtClean="0"/>
-              <a:t>2022-11-28</a:t>
+              <a:t>2022-11-30</a:t>
             </a:fld>
             <a:endParaRPr lang="ko-KR" altLang="en-US"/>
           </a:p>
@@ -2614,7 +2616,7 @@
           <a:p>
             <a:fld id="{9891F741-12A4-49B3-B7A2-504B2BE71C46}" type="datetimeFigureOut">
               <a:rPr lang="ko-KR" altLang="en-US" smtClean="0"/>
-              <a:t>2022-11-28</a:t>
+              <a:t>2022-11-30</a:t>
             </a:fld>
             <a:endParaRPr lang="ko-KR" altLang="en-US"/>
           </a:p>
@@ -2796,7 +2798,7 @@
           <a:p>
             <a:fld id="{9891F741-12A4-49B3-B7A2-504B2BE71C46}" type="datetimeFigureOut">
               <a:rPr lang="ko-KR" altLang="en-US" smtClean="0"/>
-              <a:t>2022-11-28</a:t>
+              <a:t>2022-11-30</a:t>
             </a:fld>
             <a:endParaRPr lang="ko-KR" altLang="en-US"/>
           </a:p>
@@ -3003,7 +3005,7 @@
           <a:p>
             <a:fld id="{9891F741-12A4-49B3-B7A2-504B2BE71C46}" type="datetimeFigureOut">
               <a:rPr lang="ko-KR" altLang="en-US" smtClean="0"/>
-              <a:t>2022-11-28</a:t>
+              <a:t>2022-11-30</a:t>
             </a:fld>
             <a:endParaRPr lang="ko-KR" altLang="en-US"/>
           </a:p>
@@ -3210,7 +3212,7 @@
           <a:p>
             <a:fld id="{9891F741-12A4-49B3-B7A2-504B2BE71C46}" type="datetimeFigureOut">
               <a:rPr lang="ko-KR" altLang="en-US" smtClean="0"/>
-              <a:t>2022-11-28</a:t>
+              <a:t>2022-11-30</a:t>
             </a:fld>
             <a:endParaRPr lang="ko-KR" altLang="en-US"/>
           </a:p>
@@ -3442,7 +3444,7 @@
           <a:p>
             <a:fld id="{9891F741-12A4-49B3-B7A2-504B2BE71C46}" type="datetimeFigureOut">
               <a:rPr lang="ko-KR" altLang="en-US" smtClean="0"/>
-              <a:t>2022-11-28</a:t>
+              <a:t>2022-11-30</a:t>
             </a:fld>
             <a:endParaRPr lang="ko-KR" altLang="en-US"/>
           </a:p>
@@ -53617,6 +53619,4101 @@
 </p:sld>
 </file>
 
+<file path=ppt/slides/slide64.xml><?xml version="1.0" encoding="utf-8"?>
+<p:sld xmlns:a="http://schemas.openxmlformats.org/drawingml/2006/main" xmlns:r="http://schemas.openxmlformats.org/officeDocument/2006/relationships" xmlns:p="http://schemas.openxmlformats.org/presentationml/2006/main">
+  <p:cSld>
+    <p:spTree>
+      <p:nvGrpSpPr>
+        <p:cNvPr id="1" name=""/>
+        <p:cNvGrpSpPr/>
+        <p:nvPr/>
+      </p:nvGrpSpPr>
+      <p:grpSpPr>
+        <a:xfrm>
+          <a:off x="0" y="0"/>
+          <a:ext cx="0" cy="0"/>
+          <a:chOff x="0" y="0"/>
+          <a:chExt cx="0" cy="0"/>
+        </a:xfrm>
+      </p:grpSpPr>
+      <p:sp>
+        <p:nvSpPr>
+          <p:cNvPr id="4" name="제목 3"/>
+          <p:cNvSpPr>
+            <a:spLocks noGrp="1"/>
+          </p:cNvSpPr>
+          <p:nvPr>
+            <p:ph type="title"/>
+          </p:nvPr>
+        </p:nvSpPr>
+        <p:spPr/>
+        <p:txBody>
+          <a:bodyPr/>
+          <a:lstStyle/>
+          <a:p>
+            <a:r>
+              <a:rPr lang="en-US" altLang="ko-KR" dirty="0" smtClean="0"/>
+              <a:t>2022-11-30</a:t>
+            </a:r>
+            <a:endParaRPr lang="ko-KR" altLang="en-US" dirty="0"/>
+          </a:p>
+        </p:txBody>
+      </p:sp>
+      <p:sp>
+        <p:nvSpPr>
+          <p:cNvPr id="5" name="내용 개체 틀 4"/>
+          <p:cNvSpPr>
+            <a:spLocks noGrp="1"/>
+          </p:cNvSpPr>
+          <p:nvPr>
+            <p:ph idx="1"/>
+          </p:nvPr>
+        </p:nvSpPr>
+        <p:spPr/>
+        <p:txBody>
+          <a:bodyPr/>
+          <a:lstStyle/>
+          <a:p>
+            <a:r>
+              <a:rPr lang="ko-KR" altLang="en-US" dirty="0" smtClean="0"/>
+              <a:t>진행</a:t>
+            </a:r>
+            <a:endParaRPr lang="en-US" altLang="ko-KR" dirty="0" smtClean="0"/>
+          </a:p>
+          <a:p>
+            <a:pPr lvl="1"/>
+            <a:r>
+              <a:rPr lang="en-US" altLang="ko-KR" dirty="0" smtClean="0"/>
+              <a:t>Debugging</a:t>
+            </a:r>
+            <a:endParaRPr lang="ko-KR" altLang="en-US" dirty="0"/>
+          </a:p>
+        </p:txBody>
+      </p:sp>
+      <p:sp>
+        <p:nvSpPr>
+          <p:cNvPr id="7" name="TextBox 6"/>
+          <p:cNvSpPr txBox="1"/>
+          <p:nvPr/>
+        </p:nvSpPr>
+        <p:spPr>
+          <a:xfrm>
+            <a:off x="1000585" y="1694763"/>
+            <a:ext cx="4544568" cy="1200329"/>
+          </a:xfrm>
+          <a:prstGeom prst="rect">
+            <a:avLst/>
+          </a:prstGeom>
+          <a:solidFill>
+            <a:schemeClr val="bg1">
+              <a:lumMod val="95000"/>
+            </a:schemeClr>
+          </a:solidFill>
+          <a:ln>
+            <a:solidFill>
+              <a:schemeClr val="bg1">
+                <a:lumMod val="50000"/>
+              </a:schemeClr>
+            </a:solidFill>
+          </a:ln>
+        </p:spPr>
+        <p:txBody>
+          <a:bodyPr wrap="square" rtlCol="0">
+            <a:spAutoFit/>
+          </a:bodyPr>
+          <a:lstStyle/>
+          <a:p>
+            <a:r>
+              <a:rPr lang="en-US" altLang="ko-KR" sz="1200" b="1" dirty="0"/>
+              <a:t>private void </a:t>
+            </a:r>
+            <a:r>
+              <a:rPr lang="en-US" altLang="ko-KR" sz="1200" b="1" dirty="0" err="1"/>
+              <a:t>updateTable</a:t>
+            </a:r>
+            <a:r>
+              <a:rPr lang="en-US" altLang="ko-KR" sz="1200" b="1" dirty="0"/>
+              <a:t>(Object </a:t>
+            </a:r>
+            <a:r>
+              <a:rPr lang="en-US" altLang="ko-KR" sz="1200" b="1" dirty="0" err="1"/>
+              <a:t>object</a:t>
+            </a:r>
+            <a:r>
+              <a:rPr lang="en-US" altLang="ko-KR" sz="1200" b="1" dirty="0"/>
+              <a:t>, </a:t>
+            </a:r>
+            <a:r>
+              <a:rPr lang="en-US" altLang="ko-KR" sz="1200" b="1" dirty="0" err="1"/>
+              <a:t>int</a:t>
+            </a:r>
+            <a:r>
+              <a:rPr lang="en-US" altLang="ko-KR" sz="1200" b="1" dirty="0"/>
+              <a:t> </a:t>
+            </a:r>
+            <a:r>
+              <a:rPr lang="en-US" altLang="ko-KR" sz="1200" b="1" dirty="0" err="1"/>
+              <a:t>selectedIndex</a:t>
+            </a:r>
+            <a:r>
+              <a:rPr lang="en-US" altLang="ko-KR" sz="1200" b="1" dirty="0"/>
+              <a:t>) {</a:t>
+            </a:r>
+          </a:p>
+          <a:p>
+            <a:pPr lvl="1"/>
+            <a:r>
+              <a:rPr lang="en-US" altLang="ko-KR" sz="1200" dirty="0" err="1" smtClean="0"/>
+              <a:t>fileName</a:t>
+            </a:r>
+            <a:r>
+              <a:rPr lang="en-US" altLang="ko-KR" sz="1200" dirty="0" smtClean="0"/>
+              <a:t> </a:t>
+            </a:r>
+            <a:r>
+              <a:rPr lang="en-US" altLang="ko-KR" sz="1200" dirty="0"/>
+              <a:t>= "root";</a:t>
+            </a:r>
+          </a:p>
+          <a:p>
+            <a:pPr lvl="1"/>
+            <a:r>
+              <a:rPr lang="en-US" altLang="ko-KR" sz="1200" dirty="0" err="1"/>
+              <a:t>fileName</a:t>
+            </a:r>
+            <a:r>
+              <a:rPr lang="en-US" altLang="ko-KR" sz="1200" dirty="0"/>
+              <a:t> = </a:t>
+            </a:r>
+            <a:r>
+              <a:rPr lang="en-US" altLang="ko-KR" sz="1200" b="1" dirty="0" err="1"/>
+              <a:t>this.campusTable.setData</a:t>
+            </a:r>
+            <a:r>
+              <a:rPr lang="en-US" altLang="ko-KR" sz="1200" b="1" dirty="0"/>
+              <a:t>(</a:t>
+            </a:r>
+            <a:r>
+              <a:rPr lang="en-US" altLang="ko-KR" sz="1200" b="1" dirty="0" err="1"/>
+              <a:t>fileName</a:t>
+            </a:r>
+            <a:r>
+              <a:rPr lang="en-US" altLang="ko-KR" sz="1200" b="1" dirty="0"/>
+              <a:t>);</a:t>
+            </a:r>
+          </a:p>
+          <a:p>
+            <a:pPr lvl="1"/>
+            <a:r>
+              <a:rPr lang="en-US" altLang="ko-KR" sz="1200" dirty="0" err="1">
+                <a:solidFill>
+                  <a:schemeClr val="accent2"/>
+                </a:solidFill>
+              </a:rPr>
+              <a:t>fileName</a:t>
+            </a:r>
+            <a:r>
+              <a:rPr lang="en-US" altLang="ko-KR" sz="1200" dirty="0">
+                <a:solidFill>
+                  <a:schemeClr val="accent2"/>
+                </a:solidFill>
+              </a:rPr>
+              <a:t> = </a:t>
+            </a:r>
+            <a:r>
+              <a:rPr lang="en-US" altLang="ko-KR" sz="1200" b="1" dirty="0" err="1">
+                <a:solidFill>
+                  <a:schemeClr val="accent2"/>
+                </a:solidFill>
+              </a:rPr>
+              <a:t>this.collegeTable.setData</a:t>
+            </a:r>
+            <a:r>
+              <a:rPr lang="en-US" altLang="ko-KR" sz="1200" b="1" dirty="0">
+                <a:solidFill>
+                  <a:schemeClr val="accent2"/>
+                </a:solidFill>
+              </a:rPr>
+              <a:t>(</a:t>
+            </a:r>
+            <a:r>
+              <a:rPr lang="en-US" altLang="ko-KR" sz="1200" b="1" dirty="0" err="1">
+                <a:solidFill>
+                  <a:schemeClr val="accent2"/>
+                </a:solidFill>
+              </a:rPr>
+              <a:t>fileName</a:t>
+            </a:r>
+            <a:r>
+              <a:rPr lang="en-US" altLang="ko-KR" sz="1200" b="1" dirty="0">
+                <a:solidFill>
+                  <a:schemeClr val="accent2"/>
+                </a:solidFill>
+              </a:rPr>
+              <a:t>);</a:t>
+            </a:r>
+          </a:p>
+          <a:p>
+            <a:pPr lvl="1"/>
+            <a:r>
+              <a:rPr lang="en-US" altLang="ko-KR" sz="1200" dirty="0" err="1">
+                <a:solidFill>
+                  <a:schemeClr val="accent2"/>
+                </a:solidFill>
+              </a:rPr>
+              <a:t>fileName</a:t>
+            </a:r>
+            <a:r>
+              <a:rPr lang="en-US" altLang="ko-KR" sz="1200" dirty="0">
+                <a:solidFill>
+                  <a:schemeClr val="accent2"/>
+                </a:solidFill>
+              </a:rPr>
+              <a:t> = </a:t>
+            </a:r>
+            <a:r>
+              <a:rPr lang="en-US" altLang="ko-KR" sz="1200" b="1" dirty="0" err="1">
+                <a:solidFill>
+                  <a:schemeClr val="accent2"/>
+                </a:solidFill>
+              </a:rPr>
+              <a:t>this.departmentTable.setData</a:t>
+            </a:r>
+            <a:r>
+              <a:rPr lang="en-US" altLang="ko-KR" sz="1200" b="1" dirty="0">
+                <a:solidFill>
+                  <a:schemeClr val="accent2"/>
+                </a:solidFill>
+              </a:rPr>
+              <a:t>(</a:t>
+            </a:r>
+            <a:r>
+              <a:rPr lang="en-US" altLang="ko-KR" sz="1200" b="1" dirty="0" err="1">
+                <a:solidFill>
+                  <a:schemeClr val="accent2"/>
+                </a:solidFill>
+              </a:rPr>
+              <a:t>fileName</a:t>
+            </a:r>
+            <a:r>
+              <a:rPr lang="en-US" altLang="ko-KR" sz="1200" b="1" dirty="0">
+                <a:solidFill>
+                  <a:schemeClr val="accent2"/>
+                </a:solidFill>
+              </a:rPr>
+              <a:t>);</a:t>
+            </a:r>
+          </a:p>
+          <a:p>
+            <a:pPr lvl="1"/>
+            <a:r>
+              <a:rPr lang="en-US" altLang="ko-KR" sz="1200" b="1" dirty="0" err="1">
+                <a:solidFill>
+                  <a:schemeClr val="accent2"/>
+                </a:solidFill>
+              </a:rPr>
+              <a:t>this.lectureTable.setData</a:t>
+            </a:r>
+            <a:r>
+              <a:rPr lang="en-US" altLang="ko-KR" sz="1200" b="1" dirty="0">
+                <a:solidFill>
+                  <a:schemeClr val="accent2"/>
+                </a:solidFill>
+              </a:rPr>
+              <a:t>(</a:t>
+            </a:r>
+            <a:r>
+              <a:rPr lang="en-US" altLang="ko-KR" sz="1200" b="1" dirty="0" err="1">
+                <a:solidFill>
+                  <a:schemeClr val="accent2"/>
+                </a:solidFill>
+              </a:rPr>
+              <a:t>fileName</a:t>
+            </a:r>
+            <a:r>
+              <a:rPr lang="en-US" altLang="ko-KR" sz="1200" b="1" dirty="0">
+                <a:solidFill>
+                  <a:schemeClr val="accent2"/>
+                </a:solidFill>
+              </a:rPr>
+              <a:t>);</a:t>
+            </a:r>
+            <a:endParaRPr lang="ko-KR" altLang="en-US" sz="1200" dirty="0">
+              <a:solidFill>
+                <a:schemeClr val="accent2"/>
+              </a:solidFill>
+            </a:endParaRPr>
+          </a:p>
+        </p:txBody>
+      </p:sp>
+      <p:sp>
+        <p:nvSpPr>
+          <p:cNvPr id="8" name="TextBox 7"/>
+          <p:cNvSpPr txBox="1"/>
+          <p:nvPr/>
+        </p:nvSpPr>
+        <p:spPr>
+          <a:xfrm>
+            <a:off x="1216993" y="2878845"/>
+            <a:ext cx="6571488" cy="1015663"/>
+          </a:xfrm>
+          <a:prstGeom prst="rect">
+            <a:avLst/>
+          </a:prstGeom>
+          <a:solidFill>
+            <a:schemeClr val="bg1">
+              <a:lumMod val="95000"/>
+            </a:schemeClr>
+          </a:solidFill>
+          <a:ln>
+            <a:solidFill>
+              <a:schemeClr val="bg1">
+                <a:lumMod val="50000"/>
+              </a:schemeClr>
+            </a:solidFill>
+          </a:ln>
+        </p:spPr>
+        <p:txBody>
+          <a:bodyPr wrap="square" rtlCol="0">
+            <a:spAutoFit/>
+          </a:bodyPr>
+          <a:lstStyle/>
+          <a:p>
+            <a:r>
+              <a:rPr lang="en-US" altLang="ko-KR" sz="1200" b="1" dirty="0"/>
+              <a:t>private void </a:t>
+            </a:r>
+            <a:r>
+              <a:rPr lang="en-US" altLang="ko-KR" sz="1200" b="1" dirty="0" err="1"/>
+              <a:t>updateTable</a:t>
+            </a:r>
+            <a:r>
+              <a:rPr lang="en-US" altLang="ko-KR" sz="1200" b="1" dirty="0"/>
+              <a:t>(Object </a:t>
+            </a:r>
+            <a:r>
+              <a:rPr lang="en-US" altLang="ko-KR" sz="1200" b="1" dirty="0" err="1"/>
+              <a:t>object</a:t>
+            </a:r>
+            <a:r>
+              <a:rPr lang="en-US" altLang="ko-KR" sz="1200" b="1" dirty="0"/>
+              <a:t>, </a:t>
+            </a:r>
+            <a:r>
+              <a:rPr lang="en-US" altLang="ko-KR" sz="1200" b="1" dirty="0" err="1"/>
+              <a:t>int</a:t>
+            </a:r>
+            <a:r>
+              <a:rPr lang="en-US" altLang="ko-KR" sz="1200" b="1" dirty="0"/>
+              <a:t> </a:t>
+            </a:r>
+            <a:r>
+              <a:rPr lang="en-US" altLang="ko-KR" sz="1200" b="1" dirty="0" err="1"/>
+              <a:t>selectedIndex</a:t>
+            </a:r>
+            <a:r>
+              <a:rPr lang="en-US" altLang="ko-KR" sz="1200" b="1" dirty="0"/>
+              <a:t>) {</a:t>
+            </a:r>
+          </a:p>
+          <a:p>
+            <a:pPr lvl="1"/>
+            <a:r>
+              <a:rPr lang="en-US" altLang="ko-KR" sz="1200" dirty="0" err="1"/>
+              <a:t>fileName</a:t>
+            </a:r>
+            <a:r>
+              <a:rPr lang="en-US" altLang="ko-KR" sz="1200" dirty="0"/>
+              <a:t> = </a:t>
+            </a:r>
+            <a:r>
+              <a:rPr lang="en-US" altLang="ko-KR" sz="1200" b="1" dirty="0" err="1"/>
+              <a:t>this.campusTable.getVDirectories</a:t>
+            </a:r>
+            <a:r>
+              <a:rPr lang="en-US" altLang="ko-KR" sz="1200" b="1" dirty="0"/>
+              <a:t>().get(</a:t>
+            </a:r>
+            <a:r>
+              <a:rPr lang="en-US" altLang="ko-KR" sz="1200" b="1" dirty="0" err="1"/>
+              <a:t>selectedIndex</a:t>
+            </a:r>
+            <a:r>
+              <a:rPr lang="en-US" altLang="ko-KR" sz="1200" b="1" dirty="0"/>
+              <a:t>).</a:t>
+            </a:r>
+            <a:r>
+              <a:rPr lang="en-US" altLang="ko-KR" sz="1200" b="1" dirty="0" err="1"/>
+              <a:t>getFileName</a:t>
+            </a:r>
+            <a:r>
+              <a:rPr lang="en-US" altLang="ko-KR" sz="1200" b="1" dirty="0"/>
+              <a:t>();</a:t>
+            </a:r>
+          </a:p>
+          <a:p>
+            <a:pPr lvl="1"/>
+            <a:r>
+              <a:rPr lang="en-US" altLang="ko-KR" sz="1200" dirty="0" err="1"/>
+              <a:t>fileName</a:t>
+            </a:r>
+            <a:r>
+              <a:rPr lang="en-US" altLang="ko-KR" sz="1200" dirty="0"/>
+              <a:t> = </a:t>
+            </a:r>
+            <a:r>
+              <a:rPr lang="en-US" altLang="ko-KR" sz="1200" b="1" dirty="0" err="1"/>
+              <a:t>this.collegeTable.setData</a:t>
+            </a:r>
+            <a:r>
+              <a:rPr lang="en-US" altLang="ko-KR" sz="1200" b="1" dirty="0"/>
+              <a:t>(</a:t>
+            </a:r>
+            <a:r>
+              <a:rPr lang="en-US" altLang="ko-KR" sz="1200" b="1" dirty="0" err="1"/>
+              <a:t>fileName</a:t>
+            </a:r>
+            <a:r>
+              <a:rPr lang="en-US" altLang="ko-KR" sz="1200" b="1" dirty="0"/>
+              <a:t>);</a:t>
+            </a:r>
+          </a:p>
+          <a:p>
+            <a:pPr lvl="1"/>
+            <a:r>
+              <a:rPr lang="en-US" altLang="ko-KR" sz="1200" dirty="0" err="1">
+                <a:solidFill>
+                  <a:schemeClr val="accent2"/>
+                </a:solidFill>
+              </a:rPr>
+              <a:t>fileName</a:t>
+            </a:r>
+            <a:r>
+              <a:rPr lang="en-US" altLang="ko-KR" sz="1200" dirty="0">
+                <a:solidFill>
+                  <a:schemeClr val="accent2"/>
+                </a:solidFill>
+              </a:rPr>
+              <a:t> = </a:t>
+            </a:r>
+            <a:r>
+              <a:rPr lang="en-US" altLang="ko-KR" sz="1200" b="1" dirty="0" err="1">
+                <a:solidFill>
+                  <a:schemeClr val="accent2"/>
+                </a:solidFill>
+              </a:rPr>
+              <a:t>this.departmentTable.setData</a:t>
+            </a:r>
+            <a:r>
+              <a:rPr lang="en-US" altLang="ko-KR" sz="1200" b="1" dirty="0">
+                <a:solidFill>
+                  <a:schemeClr val="accent2"/>
+                </a:solidFill>
+              </a:rPr>
+              <a:t>(</a:t>
+            </a:r>
+            <a:r>
+              <a:rPr lang="en-US" altLang="ko-KR" sz="1200" b="1" dirty="0" err="1">
+                <a:solidFill>
+                  <a:schemeClr val="accent2"/>
+                </a:solidFill>
+              </a:rPr>
+              <a:t>fileName</a:t>
+            </a:r>
+            <a:r>
+              <a:rPr lang="en-US" altLang="ko-KR" sz="1200" b="1" dirty="0">
+                <a:solidFill>
+                  <a:schemeClr val="accent2"/>
+                </a:solidFill>
+              </a:rPr>
+              <a:t>);</a:t>
+            </a:r>
+          </a:p>
+          <a:p>
+            <a:pPr lvl="1"/>
+            <a:r>
+              <a:rPr lang="en-US" altLang="ko-KR" sz="1200" b="1" dirty="0" err="1">
+                <a:solidFill>
+                  <a:schemeClr val="accent2"/>
+                </a:solidFill>
+              </a:rPr>
+              <a:t>this.lectureTable.setData</a:t>
+            </a:r>
+            <a:r>
+              <a:rPr lang="en-US" altLang="ko-KR" sz="1200" b="1" dirty="0">
+                <a:solidFill>
+                  <a:schemeClr val="accent2"/>
+                </a:solidFill>
+              </a:rPr>
+              <a:t>(</a:t>
+            </a:r>
+            <a:r>
+              <a:rPr lang="en-US" altLang="ko-KR" sz="1200" b="1" dirty="0" err="1">
+                <a:solidFill>
+                  <a:schemeClr val="accent2"/>
+                </a:solidFill>
+              </a:rPr>
+              <a:t>fileName</a:t>
+            </a:r>
+            <a:r>
+              <a:rPr lang="en-US" altLang="ko-KR" sz="1200" b="1" dirty="0" smtClean="0">
+                <a:solidFill>
+                  <a:schemeClr val="accent2"/>
+                </a:solidFill>
+              </a:rPr>
+              <a:t>);</a:t>
+            </a:r>
+            <a:endParaRPr lang="ko-KR" altLang="en-US" sz="1200" dirty="0">
+              <a:solidFill>
+                <a:schemeClr val="accent2"/>
+              </a:solidFill>
+            </a:endParaRPr>
+          </a:p>
+        </p:txBody>
+      </p:sp>
+      <p:sp>
+        <p:nvSpPr>
+          <p:cNvPr id="9" name="TextBox 8"/>
+          <p:cNvSpPr txBox="1"/>
+          <p:nvPr/>
+        </p:nvSpPr>
+        <p:spPr>
+          <a:xfrm>
+            <a:off x="1296241" y="3906978"/>
+            <a:ext cx="6571488" cy="830997"/>
+          </a:xfrm>
+          <a:prstGeom prst="rect">
+            <a:avLst/>
+          </a:prstGeom>
+          <a:solidFill>
+            <a:schemeClr val="bg1">
+              <a:lumMod val="95000"/>
+            </a:schemeClr>
+          </a:solidFill>
+          <a:ln>
+            <a:solidFill>
+              <a:schemeClr val="bg1">
+                <a:lumMod val="50000"/>
+              </a:schemeClr>
+            </a:solidFill>
+          </a:ln>
+        </p:spPr>
+        <p:txBody>
+          <a:bodyPr wrap="square" rtlCol="0">
+            <a:spAutoFit/>
+          </a:bodyPr>
+          <a:lstStyle/>
+          <a:p>
+            <a:r>
+              <a:rPr lang="en-US" altLang="ko-KR" sz="1200" b="1" dirty="0"/>
+              <a:t>private void </a:t>
+            </a:r>
+            <a:r>
+              <a:rPr lang="en-US" altLang="ko-KR" sz="1200" b="1" dirty="0" err="1"/>
+              <a:t>updateTable</a:t>
+            </a:r>
+            <a:r>
+              <a:rPr lang="en-US" altLang="ko-KR" sz="1200" b="1" dirty="0"/>
+              <a:t>(Object </a:t>
+            </a:r>
+            <a:r>
+              <a:rPr lang="en-US" altLang="ko-KR" sz="1200" b="1" dirty="0" err="1"/>
+              <a:t>object</a:t>
+            </a:r>
+            <a:r>
+              <a:rPr lang="en-US" altLang="ko-KR" sz="1200" b="1" dirty="0"/>
+              <a:t>, </a:t>
+            </a:r>
+            <a:r>
+              <a:rPr lang="en-US" altLang="ko-KR" sz="1200" b="1" dirty="0" err="1"/>
+              <a:t>int</a:t>
+            </a:r>
+            <a:r>
+              <a:rPr lang="en-US" altLang="ko-KR" sz="1200" b="1" dirty="0"/>
+              <a:t> </a:t>
+            </a:r>
+            <a:r>
+              <a:rPr lang="en-US" altLang="ko-KR" sz="1200" b="1" dirty="0" err="1"/>
+              <a:t>selectedIndex</a:t>
+            </a:r>
+            <a:r>
+              <a:rPr lang="en-US" altLang="ko-KR" sz="1200" b="1" dirty="0"/>
+              <a:t>) {</a:t>
+            </a:r>
+          </a:p>
+          <a:p>
+            <a:pPr lvl="1"/>
+            <a:r>
+              <a:rPr lang="en-US" altLang="ko-KR" sz="1200" dirty="0" err="1"/>
+              <a:t>fileName</a:t>
+            </a:r>
+            <a:r>
+              <a:rPr lang="en-US" altLang="ko-KR" sz="1200" dirty="0"/>
+              <a:t> = </a:t>
+            </a:r>
+            <a:r>
+              <a:rPr lang="en-US" altLang="ko-KR" sz="1200" b="1" dirty="0" err="1"/>
+              <a:t>this.collegeTable.getVDirectories</a:t>
+            </a:r>
+            <a:r>
+              <a:rPr lang="en-US" altLang="ko-KR" sz="1200" b="1" dirty="0"/>
+              <a:t>().get(</a:t>
+            </a:r>
+            <a:r>
+              <a:rPr lang="en-US" altLang="ko-KR" sz="1200" b="1" dirty="0" err="1"/>
+              <a:t>selectedIndex</a:t>
+            </a:r>
+            <a:r>
+              <a:rPr lang="en-US" altLang="ko-KR" sz="1200" b="1" dirty="0"/>
+              <a:t>).</a:t>
+            </a:r>
+            <a:r>
+              <a:rPr lang="en-US" altLang="ko-KR" sz="1200" b="1" dirty="0" err="1"/>
+              <a:t>getFileName</a:t>
+            </a:r>
+            <a:r>
+              <a:rPr lang="en-US" altLang="ko-KR" sz="1200" b="1" dirty="0"/>
+              <a:t>();</a:t>
+            </a:r>
+          </a:p>
+          <a:p>
+            <a:pPr lvl="1"/>
+            <a:r>
+              <a:rPr lang="en-US" altLang="ko-KR" sz="1200" dirty="0" err="1"/>
+              <a:t>fileName</a:t>
+            </a:r>
+            <a:r>
+              <a:rPr lang="en-US" altLang="ko-KR" sz="1200" dirty="0"/>
+              <a:t> = </a:t>
+            </a:r>
+            <a:r>
+              <a:rPr lang="en-US" altLang="ko-KR" sz="1200" b="1" dirty="0" err="1"/>
+              <a:t>this.departmentTable.setData</a:t>
+            </a:r>
+            <a:r>
+              <a:rPr lang="en-US" altLang="ko-KR" sz="1200" b="1" dirty="0"/>
+              <a:t>(</a:t>
+            </a:r>
+            <a:r>
+              <a:rPr lang="en-US" altLang="ko-KR" sz="1200" b="1" dirty="0" err="1"/>
+              <a:t>fileName</a:t>
+            </a:r>
+            <a:r>
+              <a:rPr lang="en-US" altLang="ko-KR" sz="1200" b="1" dirty="0"/>
+              <a:t>);</a:t>
+            </a:r>
+          </a:p>
+          <a:p>
+            <a:pPr lvl="1"/>
+            <a:r>
+              <a:rPr lang="en-US" altLang="ko-KR" sz="1200" b="1" dirty="0" err="1">
+                <a:solidFill>
+                  <a:schemeClr val="accent2"/>
+                </a:solidFill>
+              </a:rPr>
+              <a:t>this.lectureTable.setData</a:t>
+            </a:r>
+            <a:r>
+              <a:rPr lang="en-US" altLang="ko-KR" sz="1200" b="1" dirty="0">
+                <a:solidFill>
+                  <a:schemeClr val="accent2"/>
+                </a:solidFill>
+              </a:rPr>
+              <a:t>(</a:t>
+            </a:r>
+            <a:r>
+              <a:rPr lang="en-US" altLang="ko-KR" sz="1200" b="1" dirty="0" err="1">
+                <a:solidFill>
+                  <a:schemeClr val="accent2"/>
+                </a:solidFill>
+              </a:rPr>
+              <a:t>fileName</a:t>
+            </a:r>
+            <a:r>
+              <a:rPr lang="en-US" altLang="ko-KR" sz="1200" b="1" dirty="0">
+                <a:solidFill>
+                  <a:schemeClr val="accent2"/>
+                </a:solidFill>
+              </a:rPr>
+              <a:t>);</a:t>
+            </a:r>
+          </a:p>
+        </p:txBody>
+      </p:sp>
+      <p:sp>
+        <p:nvSpPr>
+          <p:cNvPr id="10" name="TextBox 9"/>
+          <p:cNvSpPr txBox="1"/>
+          <p:nvPr/>
+        </p:nvSpPr>
+        <p:spPr>
+          <a:xfrm>
+            <a:off x="1360249" y="4865465"/>
+            <a:ext cx="6867144" cy="646331"/>
+          </a:xfrm>
+          <a:prstGeom prst="rect">
+            <a:avLst/>
+          </a:prstGeom>
+          <a:solidFill>
+            <a:schemeClr val="bg1">
+              <a:lumMod val="95000"/>
+            </a:schemeClr>
+          </a:solidFill>
+          <a:ln>
+            <a:solidFill>
+              <a:schemeClr val="bg1">
+                <a:lumMod val="50000"/>
+              </a:schemeClr>
+            </a:solidFill>
+          </a:ln>
+        </p:spPr>
+        <p:txBody>
+          <a:bodyPr wrap="square" rtlCol="0">
+            <a:spAutoFit/>
+          </a:bodyPr>
+          <a:lstStyle/>
+          <a:p>
+            <a:r>
+              <a:rPr lang="en-US" altLang="ko-KR" sz="1200" b="1" dirty="0"/>
+              <a:t>private void </a:t>
+            </a:r>
+            <a:r>
+              <a:rPr lang="en-US" altLang="ko-KR" sz="1200" b="1" dirty="0" err="1"/>
+              <a:t>updateTable</a:t>
+            </a:r>
+            <a:r>
+              <a:rPr lang="en-US" altLang="ko-KR" sz="1200" b="1" dirty="0"/>
+              <a:t>(Object </a:t>
+            </a:r>
+            <a:r>
+              <a:rPr lang="en-US" altLang="ko-KR" sz="1200" b="1" dirty="0" err="1"/>
+              <a:t>object</a:t>
+            </a:r>
+            <a:r>
+              <a:rPr lang="en-US" altLang="ko-KR" sz="1200" b="1" dirty="0"/>
+              <a:t>, </a:t>
+            </a:r>
+            <a:r>
+              <a:rPr lang="en-US" altLang="ko-KR" sz="1200" b="1" dirty="0" err="1"/>
+              <a:t>int</a:t>
+            </a:r>
+            <a:r>
+              <a:rPr lang="en-US" altLang="ko-KR" sz="1200" b="1" dirty="0"/>
+              <a:t> </a:t>
+            </a:r>
+            <a:r>
+              <a:rPr lang="en-US" altLang="ko-KR" sz="1200" b="1" dirty="0" err="1"/>
+              <a:t>selectedIndex</a:t>
+            </a:r>
+            <a:r>
+              <a:rPr lang="en-US" altLang="ko-KR" sz="1200" b="1" dirty="0"/>
+              <a:t>) {</a:t>
+            </a:r>
+          </a:p>
+          <a:p>
+            <a:pPr lvl="1"/>
+            <a:r>
+              <a:rPr lang="en-US" altLang="ko-KR" sz="1200" dirty="0" err="1"/>
+              <a:t>fileName</a:t>
+            </a:r>
+            <a:r>
+              <a:rPr lang="en-US" altLang="ko-KR" sz="1200" dirty="0"/>
+              <a:t> = </a:t>
+            </a:r>
+            <a:r>
+              <a:rPr lang="en-US" altLang="ko-KR" sz="1200" b="1" dirty="0" err="1"/>
+              <a:t>this.departmentTable.getVDirectories</a:t>
+            </a:r>
+            <a:r>
+              <a:rPr lang="en-US" altLang="ko-KR" sz="1200" b="1" dirty="0"/>
+              <a:t>().get(</a:t>
+            </a:r>
+            <a:r>
+              <a:rPr lang="en-US" altLang="ko-KR" sz="1200" b="1" dirty="0" err="1"/>
+              <a:t>selectedIndex</a:t>
+            </a:r>
+            <a:r>
+              <a:rPr lang="en-US" altLang="ko-KR" sz="1200" b="1" dirty="0"/>
+              <a:t>).</a:t>
+            </a:r>
+            <a:r>
+              <a:rPr lang="en-US" altLang="ko-KR" sz="1200" b="1" dirty="0" err="1"/>
+              <a:t>getFileName</a:t>
+            </a:r>
+            <a:r>
+              <a:rPr lang="en-US" altLang="ko-KR" sz="1200" b="1" dirty="0"/>
+              <a:t>();</a:t>
+            </a:r>
+          </a:p>
+          <a:p>
+            <a:pPr lvl="1"/>
+            <a:r>
+              <a:rPr lang="en-US" altLang="ko-KR" sz="1200" b="1" dirty="0" err="1"/>
+              <a:t>this.lectureTable.setData</a:t>
+            </a:r>
+            <a:r>
+              <a:rPr lang="en-US" altLang="ko-KR" sz="1200" b="1" dirty="0"/>
+              <a:t>(</a:t>
+            </a:r>
+            <a:r>
+              <a:rPr lang="en-US" altLang="ko-KR" sz="1200" b="1" dirty="0" err="1"/>
+              <a:t>fileName</a:t>
+            </a:r>
+            <a:r>
+              <a:rPr lang="en-US" altLang="ko-KR" sz="1200" b="1" dirty="0"/>
+              <a:t>);</a:t>
+            </a:r>
+          </a:p>
+        </p:txBody>
+      </p:sp>
+      <p:sp>
+        <p:nvSpPr>
+          <p:cNvPr id="11" name="자유형 10"/>
+          <p:cNvSpPr/>
+          <p:nvPr/>
+        </p:nvSpPr>
+        <p:spPr>
+          <a:xfrm>
+            <a:off x="901893" y="2238601"/>
+            <a:ext cx="769811" cy="1060745"/>
+          </a:xfrm>
+          <a:custGeom>
+            <a:avLst/>
+            <a:gdLst>
+              <a:gd name="connsiteX0" fmla="*/ 1014984 w 1197864"/>
+              <a:gd name="connsiteY0" fmla="*/ 0 h 1060745"/>
+              <a:gd name="connsiteX1" fmla="*/ 950976 w 1197864"/>
+              <a:gd name="connsiteY1" fmla="*/ 9144 h 1060745"/>
+              <a:gd name="connsiteX2" fmla="*/ 649224 w 1197864"/>
+              <a:gd name="connsiteY2" fmla="*/ 36576 h 1060745"/>
+              <a:gd name="connsiteX3" fmla="*/ 603504 w 1197864"/>
+              <a:gd name="connsiteY3" fmla="*/ 54864 h 1060745"/>
+              <a:gd name="connsiteX4" fmla="*/ 585216 w 1197864"/>
+              <a:gd name="connsiteY4" fmla="*/ 82296 h 1060745"/>
+              <a:gd name="connsiteX5" fmla="*/ 539496 w 1197864"/>
+              <a:gd name="connsiteY5" fmla="*/ 100584 h 1060745"/>
+              <a:gd name="connsiteX6" fmla="*/ 512064 w 1197864"/>
+              <a:gd name="connsiteY6" fmla="*/ 118872 h 1060745"/>
+              <a:gd name="connsiteX7" fmla="*/ 475488 w 1197864"/>
+              <a:gd name="connsiteY7" fmla="*/ 128016 h 1060745"/>
+              <a:gd name="connsiteX8" fmla="*/ 310896 w 1197864"/>
+              <a:gd name="connsiteY8" fmla="*/ 192024 h 1060745"/>
+              <a:gd name="connsiteX9" fmla="*/ 237744 w 1197864"/>
+              <a:gd name="connsiteY9" fmla="*/ 237744 h 1060745"/>
+              <a:gd name="connsiteX10" fmla="*/ 173736 w 1197864"/>
+              <a:gd name="connsiteY10" fmla="*/ 283464 h 1060745"/>
+              <a:gd name="connsiteX11" fmla="*/ 164592 w 1197864"/>
+              <a:gd name="connsiteY11" fmla="*/ 320040 h 1060745"/>
+              <a:gd name="connsiteX12" fmla="*/ 146304 w 1197864"/>
+              <a:gd name="connsiteY12" fmla="*/ 347472 h 1060745"/>
+              <a:gd name="connsiteX13" fmla="*/ 73152 w 1197864"/>
+              <a:gd name="connsiteY13" fmla="*/ 429768 h 1060745"/>
+              <a:gd name="connsiteX14" fmla="*/ 36576 w 1197864"/>
+              <a:gd name="connsiteY14" fmla="*/ 493776 h 1060745"/>
+              <a:gd name="connsiteX15" fmla="*/ 18288 w 1197864"/>
+              <a:gd name="connsiteY15" fmla="*/ 548640 h 1060745"/>
+              <a:gd name="connsiteX16" fmla="*/ 0 w 1197864"/>
+              <a:gd name="connsiteY16" fmla="*/ 585216 h 1060745"/>
+              <a:gd name="connsiteX17" fmla="*/ 9144 w 1197864"/>
+              <a:gd name="connsiteY17" fmla="*/ 786384 h 1060745"/>
+              <a:gd name="connsiteX18" fmla="*/ 45720 w 1197864"/>
+              <a:gd name="connsiteY18" fmla="*/ 841248 h 1060745"/>
+              <a:gd name="connsiteX19" fmla="*/ 54864 w 1197864"/>
+              <a:gd name="connsiteY19" fmla="*/ 868680 h 1060745"/>
+              <a:gd name="connsiteX20" fmla="*/ 137160 w 1197864"/>
+              <a:gd name="connsiteY20" fmla="*/ 932688 h 1060745"/>
+              <a:gd name="connsiteX21" fmla="*/ 164592 w 1197864"/>
+              <a:gd name="connsiteY21" fmla="*/ 950976 h 1060745"/>
+              <a:gd name="connsiteX22" fmla="*/ 192024 w 1197864"/>
+              <a:gd name="connsiteY22" fmla="*/ 969264 h 1060745"/>
+              <a:gd name="connsiteX23" fmla="*/ 731520 w 1197864"/>
+              <a:gd name="connsiteY23" fmla="*/ 987552 h 1060745"/>
+              <a:gd name="connsiteX24" fmla="*/ 859536 w 1197864"/>
+              <a:gd name="connsiteY24" fmla="*/ 996696 h 1060745"/>
+              <a:gd name="connsiteX25" fmla="*/ 941832 w 1197864"/>
+              <a:gd name="connsiteY25" fmla="*/ 1014984 h 1060745"/>
+              <a:gd name="connsiteX26" fmla="*/ 1014984 w 1197864"/>
+              <a:gd name="connsiteY26" fmla="*/ 1024128 h 1060745"/>
+              <a:gd name="connsiteX27" fmla="*/ 1078992 w 1197864"/>
+              <a:gd name="connsiteY27" fmla="*/ 1042416 h 1060745"/>
+              <a:gd name="connsiteX28" fmla="*/ 1197864 w 1197864"/>
+              <a:gd name="connsiteY28" fmla="*/ 1060704 h 1060745"/>
+            </a:gdLst>
+            <a:ahLst/>
+            <a:cxnLst>
+              <a:cxn ang="0">
+                <a:pos x="connsiteX0" y="connsiteY0"/>
+              </a:cxn>
+              <a:cxn ang="0">
+                <a:pos x="connsiteX1" y="connsiteY1"/>
+              </a:cxn>
+              <a:cxn ang="0">
+                <a:pos x="connsiteX2" y="connsiteY2"/>
+              </a:cxn>
+              <a:cxn ang="0">
+                <a:pos x="connsiteX3" y="connsiteY3"/>
+              </a:cxn>
+              <a:cxn ang="0">
+                <a:pos x="connsiteX4" y="connsiteY4"/>
+              </a:cxn>
+              <a:cxn ang="0">
+                <a:pos x="connsiteX5" y="connsiteY5"/>
+              </a:cxn>
+              <a:cxn ang="0">
+                <a:pos x="connsiteX6" y="connsiteY6"/>
+              </a:cxn>
+              <a:cxn ang="0">
+                <a:pos x="connsiteX7" y="connsiteY7"/>
+              </a:cxn>
+              <a:cxn ang="0">
+                <a:pos x="connsiteX8" y="connsiteY8"/>
+              </a:cxn>
+              <a:cxn ang="0">
+                <a:pos x="connsiteX9" y="connsiteY9"/>
+              </a:cxn>
+              <a:cxn ang="0">
+                <a:pos x="connsiteX10" y="connsiteY10"/>
+              </a:cxn>
+              <a:cxn ang="0">
+                <a:pos x="connsiteX11" y="connsiteY11"/>
+              </a:cxn>
+              <a:cxn ang="0">
+                <a:pos x="connsiteX12" y="connsiteY12"/>
+              </a:cxn>
+              <a:cxn ang="0">
+                <a:pos x="connsiteX13" y="connsiteY13"/>
+              </a:cxn>
+              <a:cxn ang="0">
+                <a:pos x="connsiteX14" y="connsiteY14"/>
+              </a:cxn>
+              <a:cxn ang="0">
+                <a:pos x="connsiteX15" y="connsiteY15"/>
+              </a:cxn>
+              <a:cxn ang="0">
+                <a:pos x="connsiteX16" y="connsiteY16"/>
+              </a:cxn>
+              <a:cxn ang="0">
+                <a:pos x="connsiteX17" y="connsiteY17"/>
+              </a:cxn>
+              <a:cxn ang="0">
+                <a:pos x="connsiteX18" y="connsiteY18"/>
+              </a:cxn>
+              <a:cxn ang="0">
+                <a:pos x="connsiteX19" y="connsiteY19"/>
+              </a:cxn>
+              <a:cxn ang="0">
+                <a:pos x="connsiteX20" y="connsiteY20"/>
+              </a:cxn>
+              <a:cxn ang="0">
+                <a:pos x="connsiteX21" y="connsiteY21"/>
+              </a:cxn>
+              <a:cxn ang="0">
+                <a:pos x="connsiteX22" y="connsiteY22"/>
+              </a:cxn>
+              <a:cxn ang="0">
+                <a:pos x="connsiteX23" y="connsiteY23"/>
+              </a:cxn>
+              <a:cxn ang="0">
+                <a:pos x="connsiteX24" y="connsiteY24"/>
+              </a:cxn>
+              <a:cxn ang="0">
+                <a:pos x="connsiteX25" y="connsiteY25"/>
+              </a:cxn>
+              <a:cxn ang="0">
+                <a:pos x="connsiteX26" y="connsiteY26"/>
+              </a:cxn>
+              <a:cxn ang="0">
+                <a:pos x="connsiteX27" y="connsiteY27"/>
+              </a:cxn>
+              <a:cxn ang="0">
+                <a:pos x="connsiteX28" y="connsiteY28"/>
+              </a:cxn>
+            </a:cxnLst>
+            <a:rect l="l" t="t" r="r" b="b"/>
+            <a:pathLst>
+              <a:path w="1197864" h="1060745">
+                <a:moveTo>
+                  <a:pt x="1014984" y="0"/>
+                </a:moveTo>
+                <a:cubicBezTo>
+                  <a:pt x="993648" y="3048"/>
+                  <a:pt x="972428" y="7068"/>
+                  <a:pt x="950976" y="9144"/>
+                </a:cubicBezTo>
+                <a:cubicBezTo>
+                  <a:pt x="472488" y="55449"/>
+                  <a:pt x="891532" y="9653"/>
+                  <a:pt x="649224" y="36576"/>
+                </a:cubicBezTo>
+                <a:cubicBezTo>
+                  <a:pt x="633984" y="42672"/>
+                  <a:pt x="616861" y="45324"/>
+                  <a:pt x="603504" y="54864"/>
+                </a:cubicBezTo>
+                <a:cubicBezTo>
+                  <a:pt x="594561" y="61252"/>
+                  <a:pt x="594159" y="75908"/>
+                  <a:pt x="585216" y="82296"/>
+                </a:cubicBezTo>
+                <a:cubicBezTo>
+                  <a:pt x="571859" y="91836"/>
+                  <a:pt x="554177" y="93243"/>
+                  <a:pt x="539496" y="100584"/>
+                </a:cubicBezTo>
+                <a:cubicBezTo>
+                  <a:pt x="529666" y="105499"/>
+                  <a:pt x="522165" y="114543"/>
+                  <a:pt x="512064" y="118872"/>
+                </a:cubicBezTo>
+                <a:cubicBezTo>
+                  <a:pt x="500513" y="123822"/>
+                  <a:pt x="487525" y="124405"/>
+                  <a:pt x="475488" y="128016"/>
+                </a:cubicBezTo>
+                <a:cubicBezTo>
+                  <a:pt x="431220" y="141297"/>
+                  <a:pt x="339373" y="174938"/>
+                  <a:pt x="310896" y="192024"/>
+                </a:cubicBezTo>
+                <a:cubicBezTo>
+                  <a:pt x="284202" y="208041"/>
+                  <a:pt x="262372" y="220152"/>
+                  <a:pt x="237744" y="237744"/>
+                </a:cubicBezTo>
+                <a:cubicBezTo>
+                  <a:pt x="158350" y="294454"/>
+                  <a:pt x="238385" y="240365"/>
+                  <a:pt x="173736" y="283464"/>
+                </a:cubicBezTo>
+                <a:cubicBezTo>
+                  <a:pt x="170688" y="295656"/>
+                  <a:pt x="169542" y="308489"/>
+                  <a:pt x="164592" y="320040"/>
+                </a:cubicBezTo>
+                <a:cubicBezTo>
+                  <a:pt x="160263" y="330141"/>
+                  <a:pt x="152898" y="338680"/>
+                  <a:pt x="146304" y="347472"/>
+                </a:cubicBezTo>
+                <a:cubicBezTo>
+                  <a:pt x="65608" y="455066"/>
+                  <a:pt x="152990" y="336623"/>
+                  <a:pt x="73152" y="429768"/>
+                </a:cubicBezTo>
+                <a:cubicBezTo>
+                  <a:pt x="60780" y="444202"/>
+                  <a:pt x="43062" y="477560"/>
+                  <a:pt x="36576" y="493776"/>
+                </a:cubicBezTo>
+                <a:cubicBezTo>
+                  <a:pt x="29417" y="511674"/>
+                  <a:pt x="26909" y="531398"/>
+                  <a:pt x="18288" y="548640"/>
+                </a:cubicBezTo>
+                <a:lnTo>
+                  <a:pt x="0" y="585216"/>
+                </a:lnTo>
+                <a:cubicBezTo>
+                  <a:pt x="3048" y="652272"/>
+                  <a:pt x="-2656" y="720304"/>
+                  <a:pt x="9144" y="786384"/>
+                </a:cubicBezTo>
+                <a:cubicBezTo>
+                  <a:pt x="13008" y="808021"/>
+                  <a:pt x="38769" y="820396"/>
+                  <a:pt x="45720" y="841248"/>
+                </a:cubicBezTo>
+                <a:cubicBezTo>
+                  <a:pt x="48768" y="850392"/>
+                  <a:pt x="49517" y="860660"/>
+                  <a:pt x="54864" y="868680"/>
+                </a:cubicBezTo>
+                <a:cubicBezTo>
+                  <a:pt x="72054" y="894464"/>
+                  <a:pt x="115361" y="918155"/>
+                  <a:pt x="137160" y="932688"/>
+                </a:cubicBezTo>
+                <a:lnTo>
+                  <a:pt x="164592" y="950976"/>
+                </a:lnTo>
+                <a:cubicBezTo>
+                  <a:pt x="173736" y="957072"/>
+                  <a:pt x="181248" y="967109"/>
+                  <a:pt x="192024" y="969264"/>
+                </a:cubicBezTo>
+                <a:cubicBezTo>
+                  <a:pt x="399167" y="1010693"/>
+                  <a:pt x="222205" y="978120"/>
+                  <a:pt x="731520" y="987552"/>
+                </a:cubicBezTo>
+                <a:cubicBezTo>
+                  <a:pt x="774192" y="990600"/>
+                  <a:pt x="816990" y="992218"/>
+                  <a:pt x="859536" y="996696"/>
+                </a:cubicBezTo>
+                <a:cubicBezTo>
+                  <a:pt x="914721" y="1002505"/>
+                  <a:pt x="892489" y="1006760"/>
+                  <a:pt x="941832" y="1014984"/>
+                </a:cubicBezTo>
+                <a:cubicBezTo>
+                  <a:pt x="966071" y="1019024"/>
+                  <a:pt x="990745" y="1020088"/>
+                  <a:pt x="1014984" y="1024128"/>
+                </a:cubicBezTo>
+                <a:cubicBezTo>
+                  <a:pt x="1083305" y="1035515"/>
+                  <a:pt x="1022462" y="1029371"/>
+                  <a:pt x="1078992" y="1042416"/>
+                </a:cubicBezTo>
+                <a:cubicBezTo>
+                  <a:pt x="1166011" y="1062497"/>
+                  <a:pt x="1143287" y="1060704"/>
+                  <a:pt x="1197864" y="1060704"/>
+                </a:cubicBezTo>
+              </a:path>
+            </a:pathLst>
+          </a:custGeom>
+          <a:noFill/>
+          <a:ln w="38100">
+            <a:headEnd type="none" w="med" len="med"/>
+            <a:tailEnd type="arrow" w="med" len="med"/>
+          </a:ln>
+        </p:spPr>
+        <p:style>
+          <a:lnRef idx="2">
+            <a:schemeClr val="accent1">
+              <a:shade val="50000"/>
+            </a:schemeClr>
+          </a:lnRef>
+          <a:fillRef idx="1">
+            <a:schemeClr val="accent1"/>
+          </a:fillRef>
+          <a:effectRef idx="0">
+            <a:schemeClr val="accent1"/>
+          </a:effectRef>
+          <a:fontRef idx="minor">
+            <a:schemeClr val="lt1"/>
+          </a:fontRef>
+        </p:style>
+        <p:txBody>
+          <a:bodyPr rtlCol="0" anchor="ctr"/>
+          <a:lstStyle/>
+          <a:p>
+            <a:pPr algn="ctr"/>
+            <a:endParaRPr lang="ko-KR" altLang="en-US"/>
+          </a:p>
+        </p:txBody>
+      </p:sp>
+      <p:sp>
+        <p:nvSpPr>
+          <p:cNvPr id="12" name="자유형 11"/>
+          <p:cNvSpPr/>
+          <p:nvPr/>
+        </p:nvSpPr>
+        <p:spPr>
+          <a:xfrm>
+            <a:off x="1074105" y="3386677"/>
+            <a:ext cx="769811" cy="915404"/>
+          </a:xfrm>
+          <a:custGeom>
+            <a:avLst/>
+            <a:gdLst>
+              <a:gd name="connsiteX0" fmla="*/ 1014984 w 1197864"/>
+              <a:gd name="connsiteY0" fmla="*/ 0 h 1060745"/>
+              <a:gd name="connsiteX1" fmla="*/ 950976 w 1197864"/>
+              <a:gd name="connsiteY1" fmla="*/ 9144 h 1060745"/>
+              <a:gd name="connsiteX2" fmla="*/ 649224 w 1197864"/>
+              <a:gd name="connsiteY2" fmla="*/ 36576 h 1060745"/>
+              <a:gd name="connsiteX3" fmla="*/ 603504 w 1197864"/>
+              <a:gd name="connsiteY3" fmla="*/ 54864 h 1060745"/>
+              <a:gd name="connsiteX4" fmla="*/ 585216 w 1197864"/>
+              <a:gd name="connsiteY4" fmla="*/ 82296 h 1060745"/>
+              <a:gd name="connsiteX5" fmla="*/ 539496 w 1197864"/>
+              <a:gd name="connsiteY5" fmla="*/ 100584 h 1060745"/>
+              <a:gd name="connsiteX6" fmla="*/ 512064 w 1197864"/>
+              <a:gd name="connsiteY6" fmla="*/ 118872 h 1060745"/>
+              <a:gd name="connsiteX7" fmla="*/ 475488 w 1197864"/>
+              <a:gd name="connsiteY7" fmla="*/ 128016 h 1060745"/>
+              <a:gd name="connsiteX8" fmla="*/ 310896 w 1197864"/>
+              <a:gd name="connsiteY8" fmla="*/ 192024 h 1060745"/>
+              <a:gd name="connsiteX9" fmla="*/ 237744 w 1197864"/>
+              <a:gd name="connsiteY9" fmla="*/ 237744 h 1060745"/>
+              <a:gd name="connsiteX10" fmla="*/ 173736 w 1197864"/>
+              <a:gd name="connsiteY10" fmla="*/ 283464 h 1060745"/>
+              <a:gd name="connsiteX11" fmla="*/ 164592 w 1197864"/>
+              <a:gd name="connsiteY11" fmla="*/ 320040 h 1060745"/>
+              <a:gd name="connsiteX12" fmla="*/ 146304 w 1197864"/>
+              <a:gd name="connsiteY12" fmla="*/ 347472 h 1060745"/>
+              <a:gd name="connsiteX13" fmla="*/ 73152 w 1197864"/>
+              <a:gd name="connsiteY13" fmla="*/ 429768 h 1060745"/>
+              <a:gd name="connsiteX14" fmla="*/ 36576 w 1197864"/>
+              <a:gd name="connsiteY14" fmla="*/ 493776 h 1060745"/>
+              <a:gd name="connsiteX15" fmla="*/ 18288 w 1197864"/>
+              <a:gd name="connsiteY15" fmla="*/ 548640 h 1060745"/>
+              <a:gd name="connsiteX16" fmla="*/ 0 w 1197864"/>
+              <a:gd name="connsiteY16" fmla="*/ 585216 h 1060745"/>
+              <a:gd name="connsiteX17" fmla="*/ 9144 w 1197864"/>
+              <a:gd name="connsiteY17" fmla="*/ 786384 h 1060745"/>
+              <a:gd name="connsiteX18" fmla="*/ 45720 w 1197864"/>
+              <a:gd name="connsiteY18" fmla="*/ 841248 h 1060745"/>
+              <a:gd name="connsiteX19" fmla="*/ 54864 w 1197864"/>
+              <a:gd name="connsiteY19" fmla="*/ 868680 h 1060745"/>
+              <a:gd name="connsiteX20" fmla="*/ 137160 w 1197864"/>
+              <a:gd name="connsiteY20" fmla="*/ 932688 h 1060745"/>
+              <a:gd name="connsiteX21" fmla="*/ 164592 w 1197864"/>
+              <a:gd name="connsiteY21" fmla="*/ 950976 h 1060745"/>
+              <a:gd name="connsiteX22" fmla="*/ 192024 w 1197864"/>
+              <a:gd name="connsiteY22" fmla="*/ 969264 h 1060745"/>
+              <a:gd name="connsiteX23" fmla="*/ 731520 w 1197864"/>
+              <a:gd name="connsiteY23" fmla="*/ 987552 h 1060745"/>
+              <a:gd name="connsiteX24" fmla="*/ 859536 w 1197864"/>
+              <a:gd name="connsiteY24" fmla="*/ 996696 h 1060745"/>
+              <a:gd name="connsiteX25" fmla="*/ 941832 w 1197864"/>
+              <a:gd name="connsiteY25" fmla="*/ 1014984 h 1060745"/>
+              <a:gd name="connsiteX26" fmla="*/ 1014984 w 1197864"/>
+              <a:gd name="connsiteY26" fmla="*/ 1024128 h 1060745"/>
+              <a:gd name="connsiteX27" fmla="*/ 1078992 w 1197864"/>
+              <a:gd name="connsiteY27" fmla="*/ 1042416 h 1060745"/>
+              <a:gd name="connsiteX28" fmla="*/ 1197864 w 1197864"/>
+              <a:gd name="connsiteY28" fmla="*/ 1060704 h 1060745"/>
+            </a:gdLst>
+            <a:ahLst/>
+            <a:cxnLst>
+              <a:cxn ang="0">
+                <a:pos x="connsiteX0" y="connsiteY0"/>
+              </a:cxn>
+              <a:cxn ang="0">
+                <a:pos x="connsiteX1" y="connsiteY1"/>
+              </a:cxn>
+              <a:cxn ang="0">
+                <a:pos x="connsiteX2" y="connsiteY2"/>
+              </a:cxn>
+              <a:cxn ang="0">
+                <a:pos x="connsiteX3" y="connsiteY3"/>
+              </a:cxn>
+              <a:cxn ang="0">
+                <a:pos x="connsiteX4" y="connsiteY4"/>
+              </a:cxn>
+              <a:cxn ang="0">
+                <a:pos x="connsiteX5" y="connsiteY5"/>
+              </a:cxn>
+              <a:cxn ang="0">
+                <a:pos x="connsiteX6" y="connsiteY6"/>
+              </a:cxn>
+              <a:cxn ang="0">
+                <a:pos x="connsiteX7" y="connsiteY7"/>
+              </a:cxn>
+              <a:cxn ang="0">
+                <a:pos x="connsiteX8" y="connsiteY8"/>
+              </a:cxn>
+              <a:cxn ang="0">
+                <a:pos x="connsiteX9" y="connsiteY9"/>
+              </a:cxn>
+              <a:cxn ang="0">
+                <a:pos x="connsiteX10" y="connsiteY10"/>
+              </a:cxn>
+              <a:cxn ang="0">
+                <a:pos x="connsiteX11" y="connsiteY11"/>
+              </a:cxn>
+              <a:cxn ang="0">
+                <a:pos x="connsiteX12" y="connsiteY12"/>
+              </a:cxn>
+              <a:cxn ang="0">
+                <a:pos x="connsiteX13" y="connsiteY13"/>
+              </a:cxn>
+              <a:cxn ang="0">
+                <a:pos x="connsiteX14" y="connsiteY14"/>
+              </a:cxn>
+              <a:cxn ang="0">
+                <a:pos x="connsiteX15" y="connsiteY15"/>
+              </a:cxn>
+              <a:cxn ang="0">
+                <a:pos x="connsiteX16" y="connsiteY16"/>
+              </a:cxn>
+              <a:cxn ang="0">
+                <a:pos x="connsiteX17" y="connsiteY17"/>
+              </a:cxn>
+              <a:cxn ang="0">
+                <a:pos x="connsiteX18" y="connsiteY18"/>
+              </a:cxn>
+              <a:cxn ang="0">
+                <a:pos x="connsiteX19" y="connsiteY19"/>
+              </a:cxn>
+              <a:cxn ang="0">
+                <a:pos x="connsiteX20" y="connsiteY20"/>
+              </a:cxn>
+              <a:cxn ang="0">
+                <a:pos x="connsiteX21" y="connsiteY21"/>
+              </a:cxn>
+              <a:cxn ang="0">
+                <a:pos x="connsiteX22" y="connsiteY22"/>
+              </a:cxn>
+              <a:cxn ang="0">
+                <a:pos x="connsiteX23" y="connsiteY23"/>
+              </a:cxn>
+              <a:cxn ang="0">
+                <a:pos x="connsiteX24" y="connsiteY24"/>
+              </a:cxn>
+              <a:cxn ang="0">
+                <a:pos x="connsiteX25" y="connsiteY25"/>
+              </a:cxn>
+              <a:cxn ang="0">
+                <a:pos x="connsiteX26" y="connsiteY26"/>
+              </a:cxn>
+              <a:cxn ang="0">
+                <a:pos x="connsiteX27" y="connsiteY27"/>
+              </a:cxn>
+              <a:cxn ang="0">
+                <a:pos x="connsiteX28" y="connsiteY28"/>
+              </a:cxn>
+            </a:cxnLst>
+            <a:rect l="l" t="t" r="r" b="b"/>
+            <a:pathLst>
+              <a:path w="1197864" h="1060745">
+                <a:moveTo>
+                  <a:pt x="1014984" y="0"/>
+                </a:moveTo>
+                <a:cubicBezTo>
+                  <a:pt x="993648" y="3048"/>
+                  <a:pt x="972428" y="7068"/>
+                  <a:pt x="950976" y="9144"/>
+                </a:cubicBezTo>
+                <a:cubicBezTo>
+                  <a:pt x="472488" y="55449"/>
+                  <a:pt x="891532" y="9653"/>
+                  <a:pt x="649224" y="36576"/>
+                </a:cubicBezTo>
+                <a:cubicBezTo>
+                  <a:pt x="633984" y="42672"/>
+                  <a:pt x="616861" y="45324"/>
+                  <a:pt x="603504" y="54864"/>
+                </a:cubicBezTo>
+                <a:cubicBezTo>
+                  <a:pt x="594561" y="61252"/>
+                  <a:pt x="594159" y="75908"/>
+                  <a:pt x="585216" y="82296"/>
+                </a:cubicBezTo>
+                <a:cubicBezTo>
+                  <a:pt x="571859" y="91836"/>
+                  <a:pt x="554177" y="93243"/>
+                  <a:pt x="539496" y="100584"/>
+                </a:cubicBezTo>
+                <a:cubicBezTo>
+                  <a:pt x="529666" y="105499"/>
+                  <a:pt x="522165" y="114543"/>
+                  <a:pt x="512064" y="118872"/>
+                </a:cubicBezTo>
+                <a:cubicBezTo>
+                  <a:pt x="500513" y="123822"/>
+                  <a:pt x="487525" y="124405"/>
+                  <a:pt x="475488" y="128016"/>
+                </a:cubicBezTo>
+                <a:cubicBezTo>
+                  <a:pt x="431220" y="141297"/>
+                  <a:pt x="339373" y="174938"/>
+                  <a:pt x="310896" y="192024"/>
+                </a:cubicBezTo>
+                <a:cubicBezTo>
+                  <a:pt x="284202" y="208041"/>
+                  <a:pt x="262372" y="220152"/>
+                  <a:pt x="237744" y="237744"/>
+                </a:cubicBezTo>
+                <a:cubicBezTo>
+                  <a:pt x="158350" y="294454"/>
+                  <a:pt x="238385" y="240365"/>
+                  <a:pt x="173736" y="283464"/>
+                </a:cubicBezTo>
+                <a:cubicBezTo>
+                  <a:pt x="170688" y="295656"/>
+                  <a:pt x="169542" y="308489"/>
+                  <a:pt x="164592" y="320040"/>
+                </a:cubicBezTo>
+                <a:cubicBezTo>
+                  <a:pt x="160263" y="330141"/>
+                  <a:pt x="152898" y="338680"/>
+                  <a:pt x="146304" y="347472"/>
+                </a:cubicBezTo>
+                <a:cubicBezTo>
+                  <a:pt x="65608" y="455066"/>
+                  <a:pt x="152990" y="336623"/>
+                  <a:pt x="73152" y="429768"/>
+                </a:cubicBezTo>
+                <a:cubicBezTo>
+                  <a:pt x="60780" y="444202"/>
+                  <a:pt x="43062" y="477560"/>
+                  <a:pt x="36576" y="493776"/>
+                </a:cubicBezTo>
+                <a:cubicBezTo>
+                  <a:pt x="29417" y="511674"/>
+                  <a:pt x="26909" y="531398"/>
+                  <a:pt x="18288" y="548640"/>
+                </a:cubicBezTo>
+                <a:lnTo>
+                  <a:pt x="0" y="585216"/>
+                </a:lnTo>
+                <a:cubicBezTo>
+                  <a:pt x="3048" y="652272"/>
+                  <a:pt x="-2656" y="720304"/>
+                  <a:pt x="9144" y="786384"/>
+                </a:cubicBezTo>
+                <a:cubicBezTo>
+                  <a:pt x="13008" y="808021"/>
+                  <a:pt x="38769" y="820396"/>
+                  <a:pt x="45720" y="841248"/>
+                </a:cubicBezTo>
+                <a:cubicBezTo>
+                  <a:pt x="48768" y="850392"/>
+                  <a:pt x="49517" y="860660"/>
+                  <a:pt x="54864" y="868680"/>
+                </a:cubicBezTo>
+                <a:cubicBezTo>
+                  <a:pt x="72054" y="894464"/>
+                  <a:pt x="115361" y="918155"/>
+                  <a:pt x="137160" y="932688"/>
+                </a:cubicBezTo>
+                <a:lnTo>
+                  <a:pt x="164592" y="950976"/>
+                </a:lnTo>
+                <a:cubicBezTo>
+                  <a:pt x="173736" y="957072"/>
+                  <a:pt x="181248" y="967109"/>
+                  <a:pt x="192024" y="969264"/>
+                </a:cubicBezTo>
+                <a:cubicBezTo>
+                  <a:pt x="399167" y="1010693"/>
+                  <a:pt x="222205" y="978120"/>
+                  <a:pt x="731520" y="987552"/>
+                </a:cubicBezTo>
+                <a:cubicBezTo>
+                  <a:pt x="774192" y="990600"/>
+                  <a:pt x="816990" y="992218"/>
+                  <a:pt x="859536" y="996696"/>
+                </a:cubicBezTo>
+                <a:cubicBezTo>
+                  <a:pt x="914721" y="1002505"/>
+                  <a:pt x="892489" y="1006760"/>
+                  <a:pt x="941832" y="1014984"/>
+                </a:cubicBezTo>
+                <a:cubicBezTo>
+                  <a:pt x="966071" y="1019024"/>
+                  <a:pt x="990745" y="1020088"/>
+                  <a:pt x="1014984" y="1024128"/>
+                </a:cubicBezTo>
+                <a:cubicBezTo>
+                  <a:pt x="1083305" y="1035515"/>
+                  <a:pt x="1022462" y="1029371"/>
+                  <a:pt x="1078992" y="1042416"/>
+                </a:cubicBezTo>
+                <a:cubicBezTo>
+                  <a:pt x="1166011" y="1062497"/>
+                  <a:pt x="1143287" y="1060704"/>
+                  <a:pt x="1197864" y="1060704"/>
+                </a:cubicBezTo>
+              </a:path>
+            </a:pathLst>
+          </a:custGeom>
+          <a:noFill/>
+          <a:ln w="38100">
+            <a:headEnd type="none" w="med" len="med"/>
+            <a:tailEnd type="arrow" w="med" len="med"/>
+          </a:ln>
+        </p:spPr>
+        <p:style>
+          <a:lnRef idx="2">
+            <a:schemeClr val="accent1">
+              <a:shade val="50000"/>
+            </a:schemeClr>
+          </a:lnRef>
+          <a:fillRef idx="1">
+            <a:schemeClr val="accent1"/>
+          </a:fillRef>
+          <a:effectRef idx="0">
+            <a:schemeClr val="accent1"/>
+          </a:effectRef>
+          <a:fontRef idx="minor">
+            <a:schemeClr val="lt1"/>
+          </a:fontRef>
+        </p:style>
+        <p:txBody>
+          <a:bodyPr rtlCol="0" anchor="ctr"/>
+          <a:lstStyle/>
+          <a:p>
+            <a:pPr algn="ctr"/>
+            <a:endParaRPr lang="ko-KR" altLang="en-US"/>
+          </a:p>
+        </p:txBody>
+      </p:sp>
+      <p:sp>
+        <p:nvSpPr>
+          <p:cNvPr id="13" name="자유형 12"/>
+          <p:cNvSpPr/>
+          <p:nvPr/>
+        </p:nvSpPr>
+        <p:spPr>
+          <a:xfrm>
+            <a:off x="1153353" y="4510730"/>
+            <a:ext cx="769811" cy="754535"/>
+          </a:xfrm>
+          <a:custGeom>
+            <a:avLst/>
+            <a:gdLst>
+              <a:gd name="connsiteX0" fmla="*/ 1014984 w 1197864"/>
+              <a:gd name="connsiteY0" fmla="*/ 0 h 1060745"/>
+              <a:gd name="connsiteX1" fmla="*/ 950976 w 1197864"/>
+              <a:gd name="connsiteY1" fmla="*/ 9144 h 1060745"/>
+              <a:gd name="connsiteX2" fmla="*/ 649224 w 1197864"/>
+              <a:gd name="connsiteY2" fmla="*/ 36576 h 1060745"/>
+              <a:gd name="connsiteX3" fmla="*/ 603504 w 1197864"/>
+              <a:gd name="connsiteY3" fmla="*/ 54864 h 1060745"/>
+              <a:gd name="connsiteX4" fmla="*/ 585216 w 1197864"/>
+              <a:gd name="connsiteY4" fmla="*/ 82296 h 1060745"/>
+              <a:gd name="connsiteX5" fmla="*/ 539496 w 1197864"/>
+              <a:gd name="connsiteY5" fmla="*/ 100584 h 1060745"/>
+              <a:gd name="connsiteX6" fmla="*/ 512064 w 1197864"/>
+              <a:gd name="connsiteY6" fmla="*/ 118872 h 1060745"/>
+              <a:gd name="connsiteX7" fmla="*/ 475488 w 1197864"/>
+              <a:gd name="connsiteY7" fmla="*/ 128016 h 1060745"/>
+              <a:gd name="connsiteX8" fmla="*/ 310896 w 1197864"/>
+              <a:gd name="connsiteY8" fmla="*/ 192024 h 1060745"/>
+              <a:gd name="connsiteX9" fmla="*/ 237744 w 1197864"/>
+              <a:gd name="connsiteY9" fmla="*/ 237744 h 1060745"/>
+              <a:gd name="connsiteX10" fmla="*/ 173736 w 1197864"/>
+              <a:gd name="connsiteY10" fmla="*/ 283464 h 1060745"/>
+              <a:gd name="connsiteX11" fmla="*/ 164592 w 1197864"/>
+              <a:gd name="connsiteY11" fmla="*/ 320040 h 1060745"/>
+              <a:gd name="connsiteX12" fmla="*/ 146304 w 1197864"/>
+              <a:gd name="connsiteY12" fmla="*/ 347472 h 1060745"/>
+              <a:gd name="connsiteX13" fmla="*/ 73152 w 1197864"/>
+              <a:gd name="connsiteY13" fmla="*/ 429768 h 1060745"/>
+              <a:gd name="connsiteX14" fmla="*/ 36576 w 1197864"/>
+              <a:gd name="connsiteY14" fmla="*/ 493776 h 1060745"/>
+              <a:gd name="connsiteX15" fmla="*/ 18288 w 1197864"/>
+              <a:gd name="connsiteY15" fmla="*/ 548640 h 1060745"/>
+              <a:gd name="connsiteX16" fmla="*/ 0 w 1197864"/>
+              <a:gd name="connsiteY16" fmla="*/ 585216 h 1060745"/>
+              <a:gd name="connsiteX17" fmla="*/ 9144 w 1197864"/>
+              <a:gd name="connsiteY17" fmla="*/ 786384 h 1060745"/>
+              <a:gd name="connsiteX18" fmla="*/ 45720 w 1197864"/>
+              <a:gd name="connsiteY18" fmla="*/ 841248 h 1060745"/>
+              <a:gd name="connsiteX19" fmla="*/ 54864 w 1197864"/>
+              <a:gd name="connsiteY19" fmla="*/ 868680 h 1060745"/>
+              <a:gd name="connsiteX20" fmla="*/ 137160 w 1197864"/>
+              <a:gd name="connsiteY20" fmla="*/ 932688 h 1060745"/>
+              <a:gd name="connsiteX21" fmla="*/ 164592 w 1197864"/>
+              <a:gd name="connsiteY21" fmla="*/ 950976 h 1060745"/>
+              <a:gd name="connsiteX22" fmla="*/ 192024 w 1197864"/>
+              <a:gd name="connsiteY22" fmla="*/ 969264 h 1060745"/>
+              <a:gd name="connsiteX23" fmla="*/ 731520 w 1197864"/>
+              <a:gd name="connsiteY23" fmla="*/ 987552 h 1060745"/>
+              <a:gd name="connsiteX24" fmla="*/ 859536 w 1197864"/>
+              <a:gd name="connsiteY24" fmla="*/ 996696 h 1060745"/>
+              <a:gd name="connsiteX25" fmla="*/ 941832 w 1197864"/>
+              <a:gd name="connsiteY25" fmla="*/ 1014984 h 1060745"/>
+              <a:gd name="connsiteX26" fmla="*/ 1014984 w 1197864"/>
+              <a:gd name="connsiteY26" fmla="*/ 1024128 h 1060745"/>
+              <a:gd name="connsiteX27" fmla="*/ 1078992 w 1197864"/>
+              <a:gd name="connsiteY27" fmla="*/ 1042416 h 1060745"/>
+              <a:gd name="connsiteX28" fmla="*/ 1197864 w 1197864"/>
+              <a:gd name="connsiteY28" fmla="*/ 1060704 h 1060745"/>
+            </a:gdLst>
+            <a:ahLst/>
+            <a:cxnLst>
+              <a:cxn ang="0">
+                <a:pos x="connsiteX0" y="connsiteY0"/>
+              </a:cxn>
+              <a:cxn ang="0">
+                <a:pos x="connsiteX1" y="connsiteY1"/>
+              </a:cxn>
+              <a:cxn ang="0">
+                <a:pos x="connsiteX2" y="connsiteY2"/>
+              </a:cxn>
+              <a:cxn ang="0">
+                <a:pos x="connsiteX3" y="connsiteY3"/>
+              </a:cxn>
+              <a:cxn ang="0">
+                <a:pos x="connsiteX4" y="connsiteY4"/>
+              </a:cxn>
+              <a:cxn ang="0">
+                <a:pos x="connsiteX5" y="connsiteY5"/>
+              </a:cxn>
+              <a:cxn ang="0">
+                <a:pos x="connsiteX6" y="connsiteY6"/>
+              </a:cxn>
+              <a:cxn ang="0">
+                <a:pos x="connsiteX7" y="connsiteY7"/>
+              </a:cxn>
+              <a:cxn ang="0">
+                <a:pos x="connsiteX8" y="connsiteY8"/>
+              </a:cxn>
+              <a:cxn ang="0">
+                <a:pos x="connsiteX9" y="connsiteY9"/>
+              </a:cxn>
+              <a:cxn ang="0">
+                <a:pos x="connsiteX10" y="connsiteY10"/>
+              </a:cxn>
+              <a:cxn ang="0">
+                <a:pos x="connsiteX11" y="connsiteY11"/>
+              </a:cxn>
+              <a:cxn ang="0">
+                <a:pos x="connsiteX12" y="connsiteY12"/>
+              </a:cxn>
+              <a:cxn ang="0">
+                <a:pos x="connsiteX13" y="connsiteY13"/>
+              </a:cxn>
+              <a:cxn ang="0">
+                <a:pos x="connsiteX14" y="connsiteY14"/>
+              </a:cxn>
+              <a:cxn ang="0">
+                <a:pos x="connsiteX15" y="connsiteY15"/>
+              </a:cxn>
+              <a:cxn ang="0">
+                <a:pos x="connsiteX16" y="connsiteY16"/>
+              </a:cxn>
+              <a:cxn ang="0">
+                <a:pos x="connsiteX17" y="connsiteY17"/>
+              </a:cxn>
+              <a:cxn ang="0">
+                <a:pos x="connsiteX18" y="connsiteY18"/>
+              </a:cxn>
+              <a:cxn ang="0">
+                <a:pos x="connsiteX19" y="connsiteY19"/>
+              </a:cxn>
+              <a:cxn ang="0">
+                <a:pos x="connsiteX20" y="connsiteY20"/>
+              </a:cxn>
+              <a:cxn ang="0">
+                <a:pos x="connsiteX21" y="connsiteY21"/>
+              </a:cxn>
+              <a:cxn ang="0">
+                <a:pos x="connsiteX22" y="connsiteY22"/>
+              </a:cxn>
+              <a:cxn ang="0">
+                <a:pos x="connsiteX23" y="connsiteY23"/>
+              </a:cxn>
+              <a:cxn ang="0">
+                <a:pos x="connsiteX24" y="connsiteY24"/>
+              </a:cxn>
+              <a:cxn ang="0">
+                <a:pos x="connsiteX25" y="connsiteY25"/>
+              </a:cxn>
+              <a:cxn ang="0">
+                <a:pos x="connsiteX26" y="connsiteY26"/>
+              </a:cxn>
+              <a:cxn ang="0">
+                <a:pos x="connsiteX27" y="connsiteY27"/>
+              </a:cxn>
+              <a:cxn ang="0">
+                <a:pos x="connsiteX28" y="connsiteY28"/>
+              </a:cxn>
+            </a:cxnLst>
+            <a:rect l="l" t="t" r="r" b="b"/>
+            <a:pathLst>
+              <a:path w="1197864" h="1060745">
+                <a:moveTo>
+                  <a:pt x="1014984" y="0"/>
+                </a:moveTo>
+                <a:cubicBezTo>
+                  <a:pt x="993648" y="3048"/>
+                  <a:pt x="972428" y="7068"/>
+                  <a:pt x="950976" y="9144"/>
+                </a:cubicBezTo>
+                <a:cubicBezTo>
+                  <a:pt x="472488" y="55449"/>
+                  <a:pt x="891532" y="9653"/>
+                  <a:pt x="649224" y="36576"/>
+                </a:cubicBezTo>
+                <a:cubicBezTo>
+                  <a:pt x="633984" y="42672"/>
+                  <a:pt x="616861" y="45324"/>
+                  <a:pt x="603504" y="54864"/>
+                </a:cubicBezTo>
+                <a:cubicBezTo>
+                  <a:pt x="594561" y="61252"/>
+                  <a:pt x="594159" y="75908"/>
+                  <a:pt x="585216" y="82296"/>
+                </a:cubicBezTo>
+                <a:cubicBezTo>
+                  <a:pt x="571859" y="91836"/>
+                  <a:pt x="554177" y="93243"/>
+                  <a:pt x="539496" y="100584"/>
+                </a:cubicBezTo>
+                <a:cubicBezTo>
+                  <a:pt x="529666" y="105499"/>
+                  <a:pt x="522165" y="114543"/>
+                  <a:pt x="512064" y="118872"/>
+                </a:cubicBezTo>
+                <a:cubicBezTo>
+                  <a:pt x="500513" y="123822"/>
+                  <a:pt x="487525" y="124405"/>
+                  <a:pt x="475488" y="128016"/>
+                </a:cubicBezTo>
+                <a:cubicBezTo>
+                  <a:pt x="431220" y="141297"/>
+                  <a:pt x="339373" y="174938"/>
+                  <a:pt x="310896" y="192024"/>
+                </a:cubicBezTo>
+                <a:cubicBezTo>
+                  <a:pt x="284202" y="208041"/>
+                  <a:pt x="262372" y="220152"/>
+                  <a:pt x="237744" y="237744"/>
+                </a:cubicBezTo>
+                <a:cubicBezTo>
+                  <a:pt x="158350" y="294454"/>
+                  <a:pt x="238385" y="240365"/>
+                  <a:pt x="173736" y="283464"/>
+                </a:cubicBezTo>
+                <a:cubicBezTo>
+                  <a:pt x="170688" y="295656"/>
+                  <a:pt x="169542" y="308489"/>
+                  <a:pt x="164592" y="320040"/>
+                </a:cubicBezTo>
+                <a:cubicBezTo>
+                  <a:pt x="160263" y="330141"/>
+                  <a:pt x="152898" y="338680"/>
+                  <a:pt x="146304" y="347472"/>
+                </a:cubicBezTo>
+                <a:cubicBezTo>
+                  <a:pt x="65608" y="455066"/>
+                  <a:pt x="152990" y="336623"/>
+                  <a:pt x="73152" y="429768"/>
+                </a:cubicBezTo>
+                <a:cubicBezTo>
+                  <a:pt x="60780" y="444202"/>
+                  <a:pt x="43062" y="477560"/>
+                  <a:pt x="36576" y="493776"/>
+                </a:cubicBezTo>
+                <a:cubicBezTo>
+                  <a:pt x="29417" y="511674"/>
+                  <a:pt x="26909" y="531398"/>
+                  <a:pt x="18288" y="548640"/>
+                </a:cubicBezTo>
+                <a:lnTo>
+                  <a:pt x="0" y="585216"/>
+                </a:lnTo>
+                <a:cubicBezTo>
+                  <a:pt x="3048" y="652272"/>
+                  <a:pt x="-2656" y="720304"/>
+                  <a:pt x="9144" y="786384"/>
+                </a:cubicBezTo>
+                <a:cubicBezTo>
+                  <a:pt x="13008" y="808021"/>
+                  <a:pt x="38769" y="820396"/>
+                  <a:pt x="45720" y="841248"/>
+                </a:cubicBezTo>
+                <a:cubicBezTo>
+                  <a:pt x="48768" y="850392"/>
+                  <a:pt x="49517" y="860660"/>
+                  <a:pt x="54864" y="868680"/>
+                </a:cubicBezTo>
+                <a:cubicBezTo>
+                  <a:pt x="72054" y="894464"/>
+                  <a:pt x="115361" y="918155"/>
+                  <a:pt x="137160" y="932688"/>
+                </a:cubicBezTo>
+                <a:lnTo>
+                  <a:pt x="164592" y="950976"/>
+                </a:lnTo>
+                <a:cubicBezTo>
+                  <a:pt x="173736" y="957072"/>
+                  <a:pt x="181248" y="967109"/>
+                  <a:pt x="192024" y="969264"/>
+                </a:cubicBezTo>
+                <a:cubicBezTo>
+                  <a:pt x="399167" y="1010693"/>
+                  <a:pt x="222205" y="978120"/>
+                  <a:pt x="731520" y="987552"/>
+                </a:cubicBezTo>
+                <a:cubicBezTo>
+                  <a:pt x="774192" y="990600"/>
+                  <a:pt x="816990" y="992218"/>
+                  <a:pt x="859536" y="996696"/>
+                </a:cubicBezTo>
+                <a:cubicBezTo>
+                  <a:pt x="914721" y="1002505"/>
+                  <a:pt x="892489" y="1006760"/>
+                  <a:pt x="941832" y="1014984"/>
+                </a:cubicBezTo>
+                <a:cubicBezTo>
+                  <a:pt x="966071" y="1019024"/>
+                  <a:pt x="990745" y="1020088"/>
+                  <a:pt x="1014984" y="1024128"/>
+                </a:cubicBezTo>
+                <a:cubicBezTo>
+                  <a:pt x="1083305" y="1035515"/>
+                  <a:pt x="1022462" y="1029371"/>
+                  <a:pt x="1078992" y="1042416"/>
+                </a:cubicBezTo>
+                <a:cubicBezTo>
+                  <a:pt x="1166011" y="1062497"/>
+                  <a:pt x="1143287" y="1060704"/>
+                  <a:pt x="1197864" y="1060704"/>
+                </a:cubicBezTo>
+              </a:path>
+            </a:pathLst>
+          </a:custGeom>
+          <a:noFill/>
+          <a:ln w="38100">
+            <a:headEnd type="none" w="med" len="med"/>
+            <a:tailEnd type="arrow" w="med" len="med"/>
+          </a:ln>
+        </p:spPr>
+        <p:style>
+          <a:lnRef idx="2">
+            <a:schemeClr val="accent1">
+              <a:shade val="50000"/>
+            </a:schemeClr>
+          </a:lnRef>
+          <a:fillRef idx="1">
+            <a:schemeClr val="accent1"/>
+          </a:fillRef>
+          <a:effectRef idx="0">
+            <a:schemeClr val="accent1"/>
+          </a:effectRef>
+          <a:fontRef idx="minor">
+            <a:schemeClr val="lt1"/>
+          </a:fontRef>
+        </p:style>
+        <p:txBody>
+          <a:bodyPr rtlCol="0" anchor="ctr"/>
+          <a:lstStyle/>
+          <a:p>
+            <a:pPr algn="ctr"/>
+            <a:endParaRPr lang="ko-KR" altLang="en-US"/>
+          </a:p>
+        </p:txBody>
+      </p:sp>
+      <p:sp>
+        <p:nvSpPr>
+          <p:cNvPr id="20" name="TextBox 19"/>
+          <p:cNvSpPr txBox="1"/>
+          <p:nvPr/>
+        </p:nvSpPr>
+        <p:spPr>
+          <a:xfrm>
+            <a:off x="6096000" y="2042240"/>
+            <a:ext cx="3657600" cy="461665"/>
+          </a:xfrm>
+          <a:prstGeom prst="rect">
+            <a:avLst/>
+          </a:prstGeom>
+          <a:noFill/>
+        </p:spPr>
+        <p:txBody>
+          <a:bodyPr wrap="square" rtlCol="0">
+            <a:spAutoFit/>
+          </a:bodyPr>
+          <a:lstStyle/>
+          <a:p>
+            <a:r>
+              <a:rPr lang="en-US" altLang="ko-KR" sz="1200" b="1" dirty="0"/>
+              <a:t>public String </a:t>
+            </a:r>
+            <a:r>
+              <a:rPr lang="en-US" altLang="ko-KR" sz="1200" b="1" dirty="0" err="1"/>
+              <a:t>setData</a:t>
+            </a:r>
+            <a:r>
+              <a:rPr lang="en-US" altLang="ko-KR" sz="1200" b="1" dirty="0"/>
+              <a:t>(String </a:t>
+            </a:r>
+            <a:r>
+              <a:rPr lang="en-US" altLang="ko-KR" sz="1200" b="1" dirty="0" err="1"/>
+              <a:t>fileName</a:t>
+            </a:r>
+            <a:r>
+              <a:rPr lang="en-US" altLang="ko-KR" sz="1200" b="1" dirty="0"/>
+              <a:t>) {</a:t>
+            </a:r>
+          </a:p>
+          <a:p>
+            <a:pPr>
+              <a:tabLst>
+                <a:tab pos="177800" algn="l"/>
+              </a:tabLst>
+            </a:pPr>
+            <a:r>
+              <a:rPr lang="en-US" altLang="ko-KR" sz="1200" b="1" dirty="0" smtClean="0"/>
+              <a:t>	</a:t>
+            </a:r>
+            <a:r>
+              <a:rPr lang="en-US" altLang="ko-KR" sz="1200" b="1" dirty="0" err="1" smtClean="0"/>
+              <a:t>this.setRowSelectionInterval</a:t>
+            </a:r>
+            <a:r>
+              <a:rPr lang="en-US" altLang="ko-KR" sz="1200" b="1" dirty="0" smtClean="0"/>
+              <a:t>(0</a:t>
+            </a:r>
+            <a:r>
+              <a:rPr lang="en-US" altLang="ko-KR" sz="1200" b="1" dirty="0"/>
+              <a:t>, 0);</a:t>
+            </a:r>
+            <a:endParaRPr lang="ko-KR" altLang="en-US" sz="1200" dirty="0"/>
+          </a:p>
+        </p:txBody>
+      </p:sp>
+      <p:sp>
+        <p:nvSpPr>
+          <p:cNvPr id="21" name="오른쪽 화살표 20"/>
+          <p:cNvSpPr/>
+          <p:nvPr/>
+        </p:nvSpPr>
+        <p:spPr>
+          <a:xfrm>
+            <a:off x="5203973" y="2122841"/>
+            <a:ext cx="903362" cy="200285"/>
+          </a:xfrm>
+          <a:prstGeom prst="rightArrow">
+            <a:avLst/>
+          </a:prstGeom>
+          <a:solidFill>
+            <a:schemeClr val="accent1">
+              <a:lumMod val="20000"/>
+              <a:lumOff val="80000"/>
+            </a:schemeClr>
+          </a:solidFill>
+        </p:spPr>
+        <p:style>
+          <a:lnRef idx="2">
+            <a:schemeClr val="accent1">
+              <a:shade val="50000"/>
+            </a:schemeClr>
+          </a:lnRef>
+          <a:fillRef idx="1">
+            <a:schemeClr val="accent1"/>
+          </a:fillRef>
+          <a:effectRef idx="0">
+            <a:schemeClr val="accent1"/>
+          </a:effectRef>
+          <a:fontRef idx="minor">
+            <a:schemeClr val="lt1"/>
+          </a:fontRef>
+        </p:style>
+        <p:txBody>
+          <a:bodyPr rot="0" spcFirstLastPara="0" vertOverflow="overflow" horzOverflow="overflow" vert="horz" wrap="square" lIns="91440" tIns="45720" rIns="91440" bIns="45720" numCol="1" spcCol="0" rtlCol="0" fromWordArt="0" anchor="ctr" anchorCtr="0" forceAA="0" compatLnSpc="1">
+            <a:prstTxWarp prst="textNoShape">
+              <a:avLst/>
+            </a:prstTxWarp>
+            <a:noAutofit/>
+          </a:bodyPr>
+          <a:lstStyle/>
+          <a:p>
+            <a:pPr algn="ctr"/>
+            <a:endParaRPr lang="ko-KR" altLang="en-US" sz="1400" dirty="0" err="1" smtClean="0">
+              <a:solidFill>
+                <a:schemeClr val="accent5">
+                  <a:lumMod val="50000"/>
+                </a:schemeClr>
+              </a:solidFill>
+            </a:endParaRPr>
+          </a:p>
+        </p:txBody>
+      </p:sp>
+      <p:sp>
+        <p:nvSpPr>
+          <p:cNvPr id="22" name="직사각형 21"/>
+          <p:cNvSpPr/>
+          <p:nvPr/>
+        </p:nvSpPr>
+        <p:spPr>
+          <a:xfrm>
+            <a:off x="6312037" y="2503905"/>
+            <a:ext cx="5041763" cy="646331"/>
+          </a:xfrm>
+          <a:prstGeom prst="rect">
+            <a:avLst/>
+          </a:prstGeom>
+        </p:spPr>
+        <p:txBody>
+          <a:bodyPr wrap="square">
+            <a:spAutoFit/>
+          </a:bodyPr>
+          <a:lstStyle/>
+          <a:p>
+            <a:r>
+              <a:rPr lang="en-US" altLang="ko-KR" sz="1200" b="1" dirty="0">
+                <a:solidFill>
+                  <a:srgbClr val="7F0055"/>
+                </a:solidFill>
+                <a:latin typeface="Courier New" panose="02070309020205020404" pitchFamily="49" charset="0"/>
+              </a:rPr>
+              <a:t>public</a:t>
+            </a:r>
+            <a:r>
+              <a:rPr lang="en-US" altLang="ko-KR" sz="1200" b="1" dirty="0">
+                <a:solidFill>
+                  <a:srgbClr val="000000"/>
+                </a:solidFill>
+                <a:latin typeface="Courier New" panose="02070309020205020404" pitchFamily="49" charset="0"/>
+              </a:rPr>
+              <a:t> </a:t>
+            </a:r>
+            <a:r>
+              <a:rPr lang="en-US" altLang="ko-KR" sz="1200" b="1" dirty="0">
+                <a:solidFill>
+                  <a:srgbClr val="7F0055"/>
+                </a:solidFill>
+                <a:latin typeface="Courier New" panose="02070309020205020404" pitchFamily="49" charset="0"/>
+              </a:rPr>
+              <a:t>void</a:t>
+            </a:r>
+            <a:r>
+              <a:rPr lang="en-US" altLang="ko-KR" sz="1200" b="1" dirty="0">
+                <a:solidFill>
+                  <a:srgbClr val="000000"/>
+                </a:solidFill>
+                <a:latin typeface="Courier New" panose="02070309020205020404" pitchFamily="49" charset="0"/>
+              </a:rPr>
+              <a:t> </a:t>
+            </a:r>
+            <a:r>
+              <a:rPr lang="en-US" altLang="ko-KR" sz="1200" b="1" dirty="0" err="1">
+                <a:solidFill>
+                  <a:srgbClr val="000000"/>
+                </a:solidFill>
+                <a:latin typeface="Courier New" panose="02070309020205020404" pitchFamily="49" charset="0"/>
+              </a:rPr>
+              <a:t>valueChanged</a:t>
+            </a:r>
+            <a:r>
+              <a:rPr lang="en-US" altLang="ko-KR" sz="1200" b="1" dirty="0">
+                <a:solidFill>
+                  <a:srgbClr val="000000"/>
+                </a:solidFill>
+                <a:latin typeface="Courier New" panose="02070309020205020404" pitchFamily="49" charset="0"/>
+              </a:rPr>
+              <a:t>(</a:t>
+            </a:r>
+            <a:r>
+              <a:rPr lang="en-US" altLang="ko-KR" sz="1200" b="1" dirty="0" err="1">
+                <a:solidFill>
+                  <a:srgbClr val="000000"/>
+                </a:solidFill>
+                <a:latin typeface="Courier New" panose="02070309020205020404" pitchFamily="49" charset="0"/>
+              </a:rPr>
+              <a:t>ListSelectionEvent</a:t>
+            </a:r>
+            <a:r>
+              <a:rPr lang="en-US" altLang="ko-KR" sz="1200" b="1" dirty="0">
+                <a:solidFill>
+                  <a:srgbClr val="000000"/>
+                </a:solidFill>
+                <a:latin typeface="Courier New" panose="02070309020205020404" pitchFamily="49" charset="0"/>
+              </a:rPr>
+              <a:t> </a:t>
+            </a:r>
+            <a:r>
+              <a:rPr lang="en-US" altLang="ko-KR" sz="1200" b="1" dirty="0">
+                <a:solidFill>
+                  <a:srgbClr val="6A3E3E"/>
+                </a:solidFill>
+                <a:latin typeface="Courier New" panose="02070309020205020404" pitchFamily="49" charset="0"/>
+              </a:rPr>
+              <a:t>event</a:t>
+            </a:r>
+            <a:r>
+              <a:rPr lang="en-US" altLang="ko-KR" sz="1200" b="1" dirty="0">
+                <a:solidFill>
+                  <a:srgbClr val="000000"/>
+                </a:solidFill>
+                <a:latin typeface="Courier New" panose="02070309020205020404" pitchFamily="49" charset="0"/>
+              </a:rPr>
+              <a:t>) {</a:t>
+            </a:r>
+          </a:p>
+          <a:p>
+            <a:r>
+              <a:rPr lang="en-US" altLang="ko-KR" sz="1200" dirty="0" err="1" smtClean="0">
+                <a:solidFill>
+                  <a:srgbClr val="000000"/>
+                </a:solidFill>
+                <a:latin typeface="Courier New" panose="02070309020205020404" pitchFamily="49" charset="0"/>
+              </a:rPr>
+              <a:t>updateTable</a:t>
+            </a:r>
+            <a:r>
+              <a:rPr lang="en-US" altLang="ko-KR" sz="1200" dirty="0" smtClean="0">
+                <a:solidFill>
+                  <a:srgbClr val="000000"/>
+                </a:solidFill>
+                <a:latin typeface="Courier New" panose="02070309020205020404" pitchFamily="49" charset="0"/>
+              </a:rPr>
+              <a:t>(</a:t>
+            </a:r>
+            <a:r>
+              <a:rPr lang="en-US" altLang="ko-KR" sz="1200" dirty="0" err="1" smtClean="0">
+                <a:solidFill>
+                  <a:srgbClr val="6A3E3E"/>
+                </a:solidFill>
+                <a:latin typeface="Courier New" panose="02070309020205020404" pitchFamily="49" charset="0"/>
+              </a:rPr>
+              <a:t>event</a:t>
+            </a:r>
+            <a:r>
+              <a:rPr lang="en-US" altLang="ko-KR" sz="1200" dirty="0" err="1" smtClean="0">
+                <a:solidFill>
+                  <a:srgbClr val="000000"/>
+                </a:solidFill>
+                <a:latin typeface="Courier New" panose="02070309020205020404" pitchFamily="49" charset="0"/>
+              </a:rPr>
+              <a:t>.getSource</a:t>
+            </a:r>
+            <a:r>
+              <a:rPr lang="en-US" altLang="ko-KR" sz="1200" dirty="0">
+                <a:solidFill>
+                  <a:srgbClr val="000000"/>
+                </a:solidFill>
+                <a:latin typeface="Courier New" panose="02070309020205020404" pitchFamily="49" charset="0"/>
+              </a:rPr>
+              <a:t>(), </a:t>
+            </a:r>
+            <a:r>
+              <a:rPr lang="en-US" altLang="ko-KR" sz="1200" dirty="0" err="1">
+                <a:solidFill>
+                  <a:srgbClr val="6A3E3E"/>
+                </a:solidFill>
+                <a:latin typeface="Courier New" panose="02070309020205020404" pitchFamily="49" charset="0"/>
+              </a:rPr>
+              <a:t>rowIndex</a:t>
+            </a:r>
+            <a:r>
+              <a:rPr lang="en-US" altLang="ko-KR" sz="1200" dirty="0">
+                <a:solidFill>
+                  <a:srgbClr val="000000"/>
+                </a:solidFill>
+                <a:latin typeface="Courier New" panose="02070309020205020404" pitchFamily="49" charset="0"/>
+              </a:rPr>
+              <a:t>);</a:t>
+            </a:r>
+          </a:p>
+          <a:p>
+            <a:r>
+              <a:rPr lang="en-US" altLang="ko-KR" sz="1200" dirty="0" smtClean="0">
+                <a:solidFill>
+                  <a:srgbClr val="000000"/>
+                </a:solidFill>
+                <a:latin typeface="Courier New" panose="02070309020205020404" pitchFamily="49" charset="0"/>
+              </a:rPr>
+              <a:t>}}</a:t>
+            </a:r>
+            <a:endParaRPr lang="ko-KR" altLang="en-US" sz="1200" dirty="0"/>
+          </a:p>
+        </p:txBody>
+      </p:sp>
+      <p:sp>
+        <p:nvSpPr>
+          <p:cNvPr id="23" name="오른쪽 화살표 22"/>
+          <p:cNvSpPr/>
+          <p:nvPr/>
+        </p:nvSpPr>
+        <p:spPr>
+          <a:xfrm rot="10211772">
+            <a:off x="5651738" y="2684704"/>
+            <a:ext cx="648508" cy="194122"/>
+          </a:xfrm>
+          <a:prstGeom prst="rightArrow">
+            <a:avLst/>
+          </a:prstGeom>
+          <a:solidFill>
+            <a:schemeClr val="accent1">
+              <a:lumMod val="20000"/>
+              <a:lumOff val="80000"/>
+            </a:schemeClr>
+          </a:solidFill>
+        </p:spPr>
+        <p:style>
+          <a:lnRef idx="2">
+            <a:schemeClr val="accent1">
+              <a:shade val="50000"/>
+            </a:schemeClr>
+          </a:lnRef>
+          <a:fillRef idx="1">
+            <a:schemeClr val="accent1"/>
+          </a:fillRef>
+          <a:effectRef idx="0">
+            <a:schemeClr val="accent1"/>
+          </a:effectRef>
+          <a:fontRef idx="minor">
+            <a:schemeClr val="lt1"/>
+          </a:fontRef>
+        </p:style>
+        <p:txBody>
+          <a:bodyPr rot="0" spcFirstLastPara="0" vertOverflow="overflow" horzOverflow="overflow" vert="horz" wrap="square" lIns="91440" tIns="45720" rIns="91440" bIns="45720" numCol="1" spcCol="0" rtlCol="0" fromWordArt="0" anchor="ctr" anchorCtr="0" forceAA="0" compatLnSpc="1">
+            <a:prstTxWarp prst="textNoShape">
+              <a:avLst/>
+            </a:prstTxWarp>
+            <a:noAutofit/>
+          </a:bodyPr>
+          <a:lstStyle/>
+          <a:p>
+            <a:pPr algn="ctr"/>
+            <a:endParaRPr lang="ko-KR" altLang="en-US" sz="1400" dirty="0" err="1" smtClean="0">
+              <a:solidFill>
+                <a:schemeClr val="accent5">
+                  <a:lumMod val="50000"/>
+                </a:schemeClr>
+              </a:solidFill>
+            </a:endParaRPr>
+          </a:p>
+        </p:txBody>
+      </p:sp>
+    </p:spTree>
+    <p:extLst>
+      <p:ext uri="{BB962C8B-B14F-4D97-AF65-F5344CB8AC3E}">
+        <p14:creationId xmlns:p14="http://schemas.microsoft.com/office/powerpoint/2010/main" val="4160401753"/>
+      </p:ext>
+    </p:extLst>
+  </p:cSld>
+  <p:clrMapOvr>
+    <a:masterClrMapping/>
+  </p:clrMapOvr>
+</p:sld>
+</file>
+
+<file path=ppt/slides/slide65.xml><?xml version="1.0" encoding="utf-8"?>
+<p:sld xmlns:a="http://schemas.openxmlformats.org/drawingml/2006/main" xmlns:r="http://schemas.openxmlformats.org/officeDocument/2006/relationships" xmlns:p="http://schemas.openxmlformats.org/presentationml/2006/main">
+  <p:cSld>
+    <p:spTree>
+      <p:nvGrpSpPr>
+        <p:cNvPr id="1" name=""/>
+        <p:cNvGrpSpPr/>
+        <p:nvPr/>
+      </p:nvGrpSpPr>
+      <p:grpSpPr>
+        <a:xfrm>
+          <a:off x="0" y="0"/>
+          <a:ext cx="0" cy="0"/>
+          <a:chOff x="0" y="0"/>
+          <a:chExt cx="0" cy="0"/>
+        </a:xfrm>
+      </p:grpSpPr>
+      <p:sp>
+        <p:nvSpPr>
+          <p:cNvPr id="2" name="제목 1"/>
+          <p:cNvSpPr>
+            <a:spLocks noGrp="1"/>
+          </p:cNvSpPr>
+          <p:nvPr>
+            <p:ph type="title"/>
+          </p:nvPr>
+        </p:nvSpPr>
+        <p:spPr/>
+        <p:txBody>
+          <a:bodyPr/>
+          <a:lstStyle/>
+          <a:p>
+            <a:endParaRPr lang="ko-KR" altLang="en-US"/>
+          </a:p>
+        </p:txBody>
+      </p:sp>
+      <p:sp>
+        <p:nvSpPr>
+          <p:cNvPr id="3" name="내용 개체 틀 2"/>
+          <p:cNvSpPr>
+            <a:spLocks noGrp="1"/>
+          </p:cNvSpPr>
+          <p:nvPr>
+            <p:ph idx="1"/>
+          </p:nvPr>
+        </p:nvSpPr>
+        <p:spPr/>
+        <p:txBody>
+          <a:bodyPr/>
+          <a:lstStyle/>
+          <a:p>
+            <a:endParaRPr lang="ko-KR" altLang="en-US"/>
+          </a:p>
+        </p:txBody>
+      </p:sp>
+      <p:sp>
+        <p:nvSpPr>
+          <p:cNvPr id="4" name="내용 개체 틀 3"/>
+          <p:cNvSpPr>
+            <a:spLocks noGrp="1"/>
+          </p:cNvSpPr>
+          <p:nvPr>
+            <p:ph sz="quarter" idx="13"/>
+          </p:nvPr>
+        </p:nvSpPr>
+        <p:spPr/>
+        <p:txBody>
+          <a:bodyPr/>
+          <a:lstStyle/>
+          <a:p>
+            <a:endParaRPr lang="ko-KR" altLang="en-US"/>
+          </a:p>
+        </p:txBody>
+      </p:sp>
+      <p:sp>
+        <p:nvSpPr>
+          <p:cNvPr id="5" name="직사각형 4"/>
+          <p:cNvSpPr/>
+          <p:nvPr/>
+        </p:nvSpPr>
+        <p:spPr>
+          <a:xfrm>
+            <a:off x="8593494" y="1101012"/>
+            <a:ext cx="2760306" cy="466531"/>
+          </a:xfrm>
+          <a:prstGeom prst="rect">
+            <a:avLst/>
+          </a:prstGeom>
+          <a:solidFill>
+            <a:schemeClr val="accent1">
+              <a:lumMod val="20000"/>
+              <a:lumOff val="80000"/>
+            </a:schemeClr>
+          </a:solidFill>
+        </p:spPr>
+        <p:style>
+          <a:lnRef idx="2">
+            <a:schemeClr val="accent1">
+              <a:shade val="50000"/>
+            </a:schemeClr>
+          </a:lnRef>
+          <a:fillRef idx="1">
+            <a:schemeClr val="accent1"/>
+          </a:fillRef>
+          <a:effectRef idx="0">
+            <a:schemeClr val="accent1"/>
+          </a:effectRef>
+          <a:fontRef idx="minor">
+            <a:schemeClr val="lt1"/>
+          </a:fontRef>
+        </p:style>
+        <p:txBody>
+          <a:bodyPr rot="0" spcFirstLastPara="0" vertOverflow="overflow" horzOverflow="overflow" vert="horz" wrap="square" lIns="91440" tIns="45720" rIns="91440" bIns="45720" numCol="1" spcCol="0" rtlCol="0" fromWordArt="0" anchor="ctr" anchorCtr="0" forceAA="0" compatLnSpc="1">
+            <a:prstTxWarp prst="textNoShape">
+              <a:avLst/>
+            </a:prstTxWarp>
+            <a:noAutofit/>
+          </a:bodyPr>
+          <a:lstStyle/>
+          <a:p>
+            <a:pPr algn="ctr"/>
+            <a:r>
+              <a:rPr lang="en-US" altLang="ko-KR" sz="1400" dirty="0" smtClean="0">
+                <a:solidFill>
+                  <a:schemeClr val="accent5">
+                    <a:lumMod val="50000"/>
+                  </a:schemeClr>
+                </a:solidFill>
+              </a:rPr>
+              <a:t>Campus</a:t>
+            </a:r>
+            <a:endParaRPr lang="ko-KR" altLang="en-US" sz="1400" dirty="0" err="1" smtClean="0">
+              <a:solidFill>
+                <a:schemeClr val="accent5">
+                  <a:lumMod val="50000"/>
+                </a:schemeClr>
+              </a:solidFill>
+            </a:endParaRPr>
+          </a:p>
+        </p:txBody>
+      </p:sp>
+      <p:sp>
+        <p:nvSpPr>
+          <p:cNvPr id="6" name="직사각형 5"/>
+          <p:cNvSpPr/>
+          <p:nvPr/>
+        </p:nvSpPr>
+        <p:spPr>
+          <a:xfrm>
+            <a:off x="8593493" y="1806542"/>
+            <a:ext cx="2760306" cy="466531"/>
+          </a:xfrm>
+          <a:prstGeom prst="rect">
+            <a:avLst/>
+          </a:prstGeom>
+          <a:solidFill>
+            <a:schemeClr val="accent1">
+              <a:lumMod val="20000"/>
+              <a:lumOff val="80000"/>
+            </a:schemeClr>
+          </a:solidFill>
+        </p:spPr>
+        <p:style>
+          <a:lnRef idx="2">
+            <a:schemeClr val="accent1">
+              <a:shade val="50000"/>
+            </a:schemeClr>
+          </a:lnRef>
+          <a:fillRef idx="1">
+            <a:schemeClr val="accent1"/>
+          </a:fillRef>
+          <a:effectRef idx="0">
+            <a:schemeClr val="accent1"/>
+          </a:effectRef>
+          <a:fontRef idx="minor">
+            <a:schemeClr val="lt1"/>
+          </a:fontRef>
+        </p:style>
+        <p:txBody>
+          <a:bodyPr rot="0" spcFirstLastPara="0" vertOverflow="overflow" horzOverflow="overflow" vert="horz" wrap="square" lIns="91440" tIns="45720" rIns="91440" bIns="45720" numCol="1" spcCol="0" rtlCol="0" fromWordArt="0" anchor="ctr" anchorCtr="0" forceAA="0" compatLnSpc="1">
+            <a:prstTxWarp prst="textNoShape">
+              <a:avLst/>
+            </a:prstTxWarp>
+            <a:noAutofit/>
+          </a:bodyPr>
+          <a:lstStyle/>
+          <a:p>
+            <a:pPr algn="ctr"/>
+            <a:r>
+              <a:rPr lang="en-US" altLang="ko-KR" sz="1400" dirty="0" smtClean="0">
+                <a:solidFill>
+                  <a:schemeClr val="accent5">
+                    <a:lumMod val="50000"/>
+                  </a:schemeClr>
+                </a:solidFill>
+              </a:rPr>
+              <a:t>College</a:t>
+            </a:r>
+            <a:endParaRPr lang="ko-KR" altLang="en-US" sz="1400" dirty="0" err="1" smtClean="0">
+              <a:solidFill>
+                <a:schemeClr val="accent5">
+                  <a:lumMod val="50000"/>
+                </a:schemeClr>
+              </a:solidFill>
+            </a:endParaRPr>
+          </a:p>
+        </p:txBody>
+      </p:sp>
+      <p:sp>
+        <p:nvSpPr>
+          <p:cNvPr id="7" name="직사각형 6"/>
+          <p:cNvSpPr/>
+          <p:nvPr/>
+        </p:nvSpPr>
+        <p:spPr>
+          <a:xfrm>
+            <a:off x="8593493" y="2601021"/>
+            <a:ext cx="2760306" cy="466531"/>
+          </a:xfrm>
+          <a:prstGeom prst="rect">
+            <a:avLst/>
+          </a:prstGeom>
+          <a:solidFill>
+            <a:schemeClr val="accent1">
+              <a:lumMod val="20000"/>
+              <a:lumOff val="80000"/>
+            </a:schemeClr>
+          </a:solidFill>
+        </p:spPr>
+        <p:style>
+          <a:lnRef idx="2">
+            <a:schemeClr val="accent1">
+              <a:shade val="50000"/>
+            </a:schemeClr>
+          </a:lnRef>
+          <a:fillRef idx="1">
+            <a:schemeClr val="accent1"/>
+          </a:fillRef>
+          <a:effectRef idx="0">
+            <a:schemeClr val="accent1"/>
+          </a:effectRef>
+          <a:fontRef idx="minor">
+            <a:schemeClr val="lt1"/>
+          </a:fontRef>
+        </p:style>
+        <p:txBody>
+          <a:bodyPr rot="0" spcFirstLastPara="0" vertOverflow="overflow" horzOverflow="overflow" vert="horz" wrap="square" lIns="91440" tIns="45720" rIns="91440" bIns="45720" numCol="1" spcCol="0" rtlCol="0" fromWordArt="0" anchor="ctr" anchorCtr="0" forceAA="0" compatLnSpc="1">
+            <a:prstTxWarp prst="textNoShape">
+              <a:avLst/>
+            </a:prstTxWarp>
+            <a:noAutofit/>
+          </a:bodyPr>
+          <a:lstStyle/>
+          <a:p>
+            <a:pPr algn="ctr"/>
+            <a:r>
+              <a:rPr lang="en-US" altLang="ko-KR" sz="1400" dirty="0" smtClean="0">
+                <a:solidFill>
+                  <a:schemeClr val="accent5">
+                    <a:lumMod val="50000"/>
+                  </a:schemeClr>
+                </a:solidFill>
+              </a:rPr>
+              <a:t>Department</a:t>
+            </a:r>
+            <a:endParaRPr lang="ko-KR" altLang="en-US" sz="1400" dirty="0" err="1" smtClean="0">
+              <a:solidFill>
+                <a:schemeClr val="accent5">
+                  <a:lumMod val="50000"/>
+                </a:schemeClr>
+              </a:solidFill>
+            </a:endParaRPr>
+          </a:p>
+        </p:txBody>
+      </p:sp>
+      <p:sp>
+        <p:nvSpPr>
+          <p:cNvPr id="8" name="직사각형 7"/>
+          <p:cNvSpPr/>
+          <p:nvPr/>
+        </p:nvSpPr>
+        <p:spPr>
+          <a:xfrm>
+            <a:off x="8615413" y="3364660"/>
+            <a:ext cx="2760306" cy="466531"/>
+          </a:xfrm>
+          <a:prstGeom prst="rect">
+            <a:avLst/>
+          </a:prstGeom>
+          <a:solidFill>
+            <a:schemeClr val="accent1">
+              <a:lumMod val="20000"/>
+              <a:lumOff val="80000"/>
+            </a:schemeClr>
+          </a:solidFill>
+        </p:spPr>
+        <p:style>
+          <a:lnRef idx="2">
+            <a:schemeClr val="accent1">
+              <a:shade val="50000"/>
+            </a:schemeClr>
+          </a:lnRef>
+          <a:fillRef idx="1">
+            <a:schemeClr val="accent1"/>
+          </a:fillRef>
+          <a:effectRef idx="0">
+            <a:schemeClr val="accent1"/>
+          </a:effectRef>
+          <a:fontRef idx="minor">
+            <a:schemeClr val="lt1"/>
+          </a:fontRef>
+        </p:style>
+        <p:txBody>
+          <a:bodyPr rot="0" spcFirstLastPara="0" vertOverflow="overflow" horzOverflow="overflow" vert="horz" wrap="square" lIns="91440" tIns="45720" rIns="91440" bIns="45720" numCol="1" spcCol="0" rtlCol="0" fromWordArt="0" anchor="ctr" anchorCtr="0" forceAA="0" compatLnSpc="1">
+            <a:prstTxWarp prst="textNoShape">
+              <a:avLst/>
+            </a:prstTxWarp>
+            <a:noAutofit/>
+          </a:bodyPr>
+          <a:lstStyle/>
+          <a:p>
+            <a:pPr algn="ctr"/>
+            <a:r>
+              <a:rPr lang="en-US" altLang="ko-KR" sz="1400" dirty="0" smtClean="0">
+                <a:solidFill>
+                  <a:schemeClr val="accent5">
+                    <a:lumMod val="50000"/>
+                  </a:schemeClr>
+                </a:solidFill>
+              </a:rPr>
+              <a:t>Lecture</a:t>
+            </a:r>
+            <a:endParaRPr lang="ko-KR" altLang="en-US" sz="1400" dirty="0" err="1" smtClean="0">
+              <a:solidFill>
+                <a:schemeClr val="accent5">
+                  <a:lumMod val="50000"/>
+                </a:schemeClr>
+              </a:solidFill>
+            </a:endParaRPr>
+          </a:p>
+        </p:txBody>
+      </p:sp>
+      <p:sp>
+        <p:nvSpPr>
+          <p:cNvPr id="9" name="자유형 8"/>
+          <p:cNvSpPr/>
+          <p:nvPr/>
+        </p:nvSpPr>
+        <p:spPr>
+          <a:xfrm>
+            <a:off x="8509518" y="765110"/>
+            <a:ext cx="475862" cy="2957804"/>
+          </a:xfrm>
+          <a:custGeom>
+            <a:avLst/>
+            <a:gdLst>
+              <a:gd name="connsiteX0" fmla="*/ 0 w 475862"/>
+              <a:gd name="connsiteY0" fmla="*/ 0 h 2957804"/>
+              <a:gd name="connsiteX1" fmla="*/ 83976 w 475862"/>
+              <a:gd name="connsiteY1" fmla="*/ 9331 h 2957804"/>
+              <a:gd name="connsiteX2" fmla="*/ 102637 w 475862"/>
+              <a:gd name="connsiteY2" fmla="*/ 37323 h 2957804"/>
+              <a:gd name="connsiteX3" fmla="*/ 130629 w 475862"/>
+              <a:gd name="connsiteY3" fmla="*/ 46653 h 2957804"/>
+              <a:gd name="connsiteX4" fmla="*/ 205274 w 475862"/>
+              <a:gd name="connsiteY4" fmla="*/ 139959 h 2957804"/>
+              <a:gd name="connsiteX5" fmla="*/ 242596 w 475862"/>
+              <a:gd name="connsiteY5" fmla="*/ 186612 h 2957804"/>
+              <a:gd name="connsiteX6" fmla="*/ 270588 w 475862"/>
+              <a:gd name="connsiteY6" fmla="*/ 270588 h 2957804"/>
+              <a:gd name="connsiteX7" fmla="*/ 289249 w 475862"/>
+              <a:gd name="connsiteY7" fmla="*/ 317241 h 2957804"/>
+              <a:gd name="connsiteX8" fmla="*/ 298580 w 475862"/>
+              <a:gd name="connsiteY8" fmla="*/ 419878 h 2957804"/>
+              <a:gd name="connsiteX9" fmla="*/ 307911 w 475862"/>
+              <a:gd name="connsiteY9" fmla="*/ 466531 h 2957804"/>
+              <a:gd name="connsiteX10" fmla="*/ 317241 w 475862"/>
+              <a:gd name="connsiteY10" fmla="*/ 541176 h 2957804"/>
+              <a:gd name="connsiteX11" fmla="*/ 298580 w 475862"/>
+              <a:gd name="connsiteY11" fmla="*/ 830425 h 2957804"/>
+              <a:gd name="connsiteX12" fmla="*/ 289249 w 475862"/>
+              <a:gd name="connsiteY12" fmla="*/ 895739 h 2957804"/>
+              <a:gd name="connsiteX13" fmla="*/ 261258 w 475862"/>
+              <a:gd name="connsiteY13" fmla="*/ 923731 h 2957804"/>
+              <a:gd name="connsiteX14" fmla="*/ 251927 w 475862"/>
+              <a:gd name="connsiteY14" fmla="*/ 979714 h 2957804"/>
+              <a:gd name="connsiteX15" fmla="*/ 242596 w 475862"/>
+              <a:gd name="connsiteY15" fmla="*/ 1026368 h 2957804"/>
+              <a:gd name="connsiteX16" fmla="*/ 251927 w 475862"/>
+              <a:gd name="connsiteY16" fmla="*/ 1175657 h 2957804"/>
+              <a:gd name="connsiteX17" fmla="*/ 261258 w 475862"/>
+              <a:gd name="connsiteY17" fmla="*/ 1222310 h 2957804"/>
+              <a:gd name="connsiteX18" fmla="*/ 279919 w 475862"/>
+              <a:gd name="connsiteY18" fmla="*/ 1278294 h 2957804"/>
+              <a:gd name="connsiteX19" fmla="*/ 289249 w 475862"/>
+              <a:gd name="connsiteY19" fmla="*/ 1427584 h 2957804"/>
+              <a:gd name="connsiteX20" fmla="*/ 298580 w 475862"/>
+              <a:gd name="connsiteY20" fmla="*/ 1502229 h 2957804"/>
+              <a:gd name="connsiteX21" fmla="*/ 317241 w 475862"/>
+              <a:gd name="connsiteY21" fmla="*/ 1810139 h 2957804"/>
+              <a:gd name="connsiteX22" fmla="*/ 326572 w 475862"/>
+              <a:gd name="connsiteY22" fmla="*/ 1922106 h 2957804"/>
+              <a:gd name="connsiteX23" fmla="*/ 363894 w 475862"/>
+              <a:gd name="connsiteY23" fmla="*/ 2108719 h 2957804"/>
+              <a:gd name="connsiteX24" fmla="*/ 391886 w 475862"/>
+              <a:gd name="connsiteY24" fmla="*/ 2239347 h 2957804"/>
+              <a:gd name="connsiteX25" fmla="*/ 410547 w 475862"/>
+              <a:gd name="connsiteY25" fmla="*/ 2369976 h 2957804"/>
+              <a:gd name="connsiteX26" fmla="*/ 429209 w 475862"/>
+              <a:gd name="connsiteY26" fmla="*/ 2444621 h 2957804"/>
+              <a:gd name="connsiteX27" fmla="*/ 457200 w 475862"/>
+              <a:gd name="connsiteY27" fmla="*/ 2547257 h 2957804"/>
+              <a:gd name="connsiteX28" fmla="*/ 466531 w 475862"/>
+              <a:gd name="connsiteY28" fmla="*/ 2920482 h 2957804"/>
+              <a:gd name="connsiteX29" fmla="*/ 475862 w 475862"/>
+              <a:gd name="connsiteY29" fmla="*/ 2957804 h 2957804"/>
+            </a:gdLst>
+            <a:ahLst/>
+            <a:cxnLst>
+              <a:cxn ang="0">
+                <a:pos x="connsiteX0" y="connsiteY0"/>
+              </a:cxn>
+              <a:cxn ang="0">
+                <a:pos x="connsiteX1" y="connsiteY1"/>
+              </a:cxn>
+              <a:cxn ang="0">
+                <a:pos x="connsiteX2" y="connsiteY2"/>
+              </a:cxn>
+              <a:cxn ang="0">
+                <a:pos x="connsiteX3" y="connsiteY3"/>
+              </a:cxn>
+              <a:cxn ang="0">
+                <a:pos x="connsiteX4" y="connsiteY4"/>
+              </a:cxn>
+              <a:cxn ang="0">
+                <a:pos x="connsiteX5" y="connsiteY5"/>
+              </a:cxn>
+              <a:cxn ang="0">
+                <a:pos x="connsiteX6" y="connsiteY6"/>
+              </a:cxn>
+              <a:cxn ang="0">
+                <a:pos x="connsiteX7" y="connsiteY7"/>
+              </a:cxn>
+              <a:cxn ang="0">
+                <a:pos x="connsiteX8" y="connsiteY8"/>
+              </a:cxn>
+              <a:cxn ang="0">
+                <a:pos x="connsiteX9" y="connsiteY9"/>
+              </a:cxn>
+              <a:cxn ang="0">
+                <a:pos x="connsiteX10" y="connsiteY10"/>
+              </a:cxn>
+              <a:cxn ang="0">
+                <a:pos x="connsiteX11" y="connsiteY11"/>
+              </a:cxn>
+              <a:cxn ang="0">
+                <a:pos x="connsiteX12" y="connsiteY12"/>
+              </a:cxn>
+              <a:cxn ang="0">
+                <a:pos x="connsiteX13" y="connsiteY13"/>
+              </a:cxn>
+              <a:cxn ang="0">
+                <a:pos x="connsiteX14" y="connsiteY14"/>
+              </a:cxn>
+              <a:cxn ang="0">
+                <a:pos x="connsiteX15" y="connsiteY15"/>
+              </a:cxn>
+              <a:cxn ang="0">
+                <a:pos x="connsiteX16" y="connsiteY16"/>
+              </a:cxn>
+              <a:cxn ang="0">
+                <a:pos x="connsiteX17" y="connsiteY17"/>
+              </a:cxn>
+              <a:cxn ang="0">
+                <a:pos x="connsiteX18" y="connsiteY18"/>
+              </a:cxn>
+              <a:cxn ang="0">
+                <a:pos x="connsiteX19" y="connsiteY19"/>
+              </a:cxn>
+              <a:cxn ang="0">
+                <a:pos x="connsiteX20" y="connsiteY20"/>
+              </a:cxn>
+              <a:cxn ang="0">
+                <a:pos x="connsiteX21" y="connsiteY21"/>
+              </a:cxn>
+              <a:cxn ang="0">
+                <a:pos x="connsiteX22" y="connsiteY22"/>
+              </a:cxn>
+              <a:cxn ang="0">
+                <a:pos x="connsiteX23" y="connsiteY23"/>
+              </a:cxn>
+              <a:cxn ang="0">
+                <a:pos x="connsiteX24" y="connsiteY24"/>
+              </a:cxn>
+              <a:cxn ang="0">
+                <a:pos x="connsiteX25" y="connsiteY25"/>
+              </a:cxn>
+              <a:cxn ang="0">
+                <a:pos x="connsiteX26" y="connsiteY26"/>
+              </a:cxn>
+              <a:cxn ang="0">
+                <a:pos x="connsiteX27" y="connsiteY27"/>
+              </a:cxn>
+              <a:cxn ang="0">
+                <a:pos x="connsiteX28" y="connsiteY28"/>
+              </a:cxn>
+              <a:cxn ang="0">
+                <a:pos x="connsiteX29" y="connsiteY29"/>
+              </a:cxn>
+            </a:cxnLst>
+            <a:rect l="l" t="t" r="r" b="b"/>
+            <a:pathLst>
+              <a:path w="475862" h="2957804">
+                <a:moveTo>
+                  <a:pt x="0" y="0"/>
+                </a:moveTo>
+                <a:cubicBezTo>
+                  <a:pt x="27992" y="3110"/>
+                  <a:pt x="57507" y="-294"/>
+                  <a:pt x="83976" y="9331"/>
+                </a:cubicBezTo>
+                <a:cubicBezTo>
+                  <a:pt x="94515" y="13163"/>
+                  <a:pt x="93880" y="30318"/>
+                  <a:pt x="102637" y="37323"/>
+                </a:cubicBezTo>
+                <a:cubicBezTo>
+                  <a:pt x="110317" y="43467"/>
+                  <a:pt x="121298" y="43543"/>
+                  <a:pt x="130629" y="46653"/>
+                </a:cubicBezTo>
+                <a:cubicBezTo>
+                  <a:pt x="254243" y="170267"/>
+                  <a:pt x="144350" y="48572"/>
+                  <a:pt x="205274" y="139959"/>
+                </a:cubicBezTo>
+                <a:cubicBezTo>
+                  <a:pt x="228167" y="174300"/>
+                  <a:pt x="223767" y="141424"/>
+                  <a:pt x="242596" y="186612"/>
+                </a:cubicBezTo>
+                <a:cubicBezTo>
+                  <a:pt x="253945" y="213848"/>
+                  <a:pt x="259630" y="243192"/>
+                  <a:pt x="270588" y="270588"/>
+                </a:cubicBezTo>
+                <a:lnTo>
+                  <a:pt x="289249" y="317241"/>
+                </a:lnTo>
+                <a:cubicBezTo>
+                  <a:pt x="292359" y="351453"/>
+                  <a:pt x="294319" y="385790"/>
+                  <a:pt x="298580" y="419878"/>
+                </a:cubicBezTo>
+                <a:cubicBezTo>
+                  <a:pt x="300547" y="435615"/>
+                  <a:pt x="305500" y="450856"/>
+                  <a:pt x="307911" y="466531"/>
+                </a:cubicBezTo>
+                <a:cubicBezTo>
+                  <a:pt x="311724" y="491315"/>
+                  <a:pt x="314131" y="516294"/>
+                  <a:pt x="317241" y="541176"/>
+                </a:cubicBezTo>
+                <a:cubicBezTo>
+                  <a:pt x="310399" y="684858"/>
+                  <a:pt x="312517" y="711962"/>
+                  <a:pt x="298580" y="830425"/>
+                </a:cubicBezTo>
+                <a:cubicBezTo>
+                  <a:pt x="296010" y="852267"/>
+                  <a:pt x="297417" y="875320"/>
+                  <a:pt x="289249" y="895739"/>
+                </a:cubicBezTo>
+                <a:cubicBezTo>
+                  <a:pt x="284348" y="907991"/>
+                  <a:pt x="270588" y="914400"/>
+                  <a:pt x="261258" y="923731"/>
+                </a:cubicBezTo>
+                <a:cubicBezTo>
+                  <a:pt x="258148" y="942392"/>
+                  <a:pt x="255311" y="961101"/>
+                  <a:pt x="251927" y="979714"/>
+                </a:cubicBezTo>
+                <a:cubicBezTo>
+                  <a:pt x="249090" y="995317"/>
+                  <a:pt x="242596" y="1010509"/>
+                  <a:pt x="242596" y="1026368"/>
+                </a:cubicBezTo>
+                <a:cubicBezTo>
+                  <a:pt x="242596" y="1076228"/>
+                  <a:pt x="247200" y="1126022"/>
+                  <a:pt x="251927" y="1175657"/>
+                </a:cubicBezTo>
+                <a:cubicBezTo>
+                  <a:pt x="253431" y="1191445"/>
+                  <a:pt x="257085" y="1207010"/>
+                  <a:pt x="261258" y="1222310"/>
+                </a:cubicBezTo>
+                <a:cubicBezTo>
+                  <a:pt x="266434" y="1241288"/>
+                  <a:pt x="279919" y="1278294"/>
+                  <a:pt x="279919" y="1278294"/>
+                </a:cubicBezTo>
+                <a:cubicBezTo>
+                  <a:pt x="283029" y="1328057"/>
+                  <a:pt x="285108" y="1377896"/>
+                  <a:pt x="289249" y="1427584"/>
+                </a:cubicBezTo>
+                <a:cubicBezTo>
+                  <a:pt x="291331" y="1452573"/>
+                  <a:pt x="297226" y="1477190"/>
+                  <a:pt x="298580" y="1502229"/>
+                </a:cubicBezTo>
+                <a:cubicBezTo>
+                  <a:pt x="315430" y="1813943"/>
+                  <a:pt x="285018" y="1681239"/>
+                  <a:pt x="317241" y="1810139"/>
+                </a:cubicBezTo>
+                <a:cubicBezTo>
+                  <a:pt x="320351" y="1847461"/>
+                  <a:pt x="322436" y="1884883"/>
+                  <a:pt x="326572" y="1922106"/>
+                </a:cubicBezTo>
+                <a:cubicBezTo>
+                  <a:pt x="331868" y="1969767"/>
+                  <a:pt x="358665" y="2082575"/>
+                  <a:pt x="363894" y="2108719"/>
+                </a:cubicBezTo>
+                <a:cubicBezTo>
+                  <a:pt x="389420" y="2236347"/>
+                  <a:pt x="370115" y="2174035"/>
+                  <a:pt x="391886" y="2239347"/>
+                </a:cubicBezTo>
+                <a:cubicBezTo>
+                  <a:pt x="398106" y="2282890"/>
+                  <a:pt x="399879" y="2327304"/>
+                  <a:pt x="410547" y="2369976"/>
+                </a:cubicBezTo>
+                <a:cubicBezTo>
+                  <a:pt x="416768" y="2394858"/>
+                  <a:pt x="422163" y="2419960"/>
+                  <a:pt x="429209" y="2444621"/>
+                </a:cubicBezTo>
+                <a:cubicBezTo>
+                  <a:pt x="460774" y="2555096"/>
+                  <a:pt x="437652" y="2449512"/>
+                  <a:pt x="457200" y="2547257"/>
+                </a:cubicBezTo>
+                <a:cubicBezTo>
+                  <a:pt x="460310" y="2671665"/>
+                  <a:pt x="460880" y="2796163"/>
+                  <a:pt x="466531" y="2920482"/>
+                </a:cubicBezTo>
+                <a:cubicBezTo>
+                  <a:pt x="467113" y="2933292"/>
+                  <a:pt x="475862" y="2957804"/>
+                  <a:pt x="475862" y="2957804"/>
+                </a:cubicBezTo>
+              </a:path>
+            </a:pathLst>
+          </a:custGeom>
+          <a:noFill/>
+          <a:ln w="38100"/>
+        </p:spPr>
+        <p:style>
+          <a:lnRef idx="2">
+            <a:schemeClr val="accent1">
+              <a:shade val="50000"/>
+            </a:schemeClr>
+          </a:lnRef>
+          <a:fillRef idx="1">
+            <a:schemeClr val="accent1"/>
+          </a:fillRef>
+          <a:effectRef idx="0">
+            <a:schemeClr val="accent1"/>
+          </a:effectRef>
+          <a:fontRef idx="minor">
+            <a:schemeClr val="lt1"/>
+          </a:fontRef>
+        </p:style>
+        <p:txBody>
+          <a:bodyPr rtlCol="0" anchor="ctr"/>
+          <a:lstStyle/>
+          <a:p>
+            <a:pPr algn="ctr"/>
+            <a:endParaRPr lang="ko-KR" altLang="en-US"/>
+          </a:p>
+        </p:txBody>
+      </p:sp>
+      <p:sp>
+        <p:nvSpPr>
+          <p:cNvPr id="10" name="자유형 9"/>
+          <p:cNvSpPr/>
+          <p:nvPr/>
+        </p:nvSpPr>
+        <p:spPr>
+          <a:xfrm>
+            <a:off x="9022702" y="2080727"/>
+            <a:ext cx="2015998" cy="1670179"/>
+          </a:xfrm>
+          <a:custGeom>
+            <a:avLst/>
+            <a:gdLst>
+              <a:gd name="connsiteX0" fmla="*/ 0 w 2015998"/>
+              <a:gd name="connsiteY0" fmla="*/ 1670179 h 1670179"/>
+              <a:gd name="connsiteX1" fmla="*/ 27992 w 2015998"/>
+              <a:gd name="connsiteY1" fmla="*/ 1446244 h 1670179"/>
+              <a:gd name="connsiteX2" fmla="*/ 37322 w 2015998"/>
+              <a:gd name="connsiteY2" fmla="*/ 1390261 h 1670179"/>
+              <a:gd name="connsiteX3" fmla="*/ 65314 w 2015998"/>
+              <a:gd name="connsiteY3" fmla="*/ 1287624 h 1670179"/>
+              <a:gd name="connsiteX4" fmla="*/ 93306 w 2015998"/>
+              <a:gd name="connsiteY4" fmla="*/ 1184987 h 1670179"/>
+              <a:gd name="connsiteX5" fmla="*/ 111967 w 2015998"/>
+              <a:gd name="connsiteY5" fmla="*/ 1054359 h 1670179"/>
+              <a:gd name="connsiteX6" fmla="*/ 130629 w 2015998"/>
+              <a:gd name="connsiteY6" fmla="*/ 933061 h 1670179"/>
+              <a:gd name="connsiteX7" fmla="*/ 158620 w 2015998"/>
+              <a:gd name="connsiteY7" fmla="*/ 886408 h 1670179"/>
+              <a:gd name="connsiteX8" fmla="*/ 177282 w 2015998"/>
+              <a:gd name="connsiteY8" fmla="*/ 867746 h 1670179"/>
+              <a:gd name="connsiteX9" fmla="*/ 186612 w 2015998"/>
+              <a:gd name="connsiteY9" fmla="*/ 802432 h 1670179"/>
+              <a:gd name="connsiteX10" fmla="*/ 205274 w 2015998"/>
+              <a:gd name="connsiteY10" fmla="*/ 830424 h 1670179"/>
+              <a:gd name="connsiteX11" fmla="*/ 214604 w 2015998"/>
+              <a:gd name="connsiteY11" fmla="*/ 858416 h 1670179"/>
+              <a:gd name="connsiteX12" fmla="*/ 233265 w 2015998"/>
+              <a:gd name="connsiteY12" fmla="*/ 895738 h 1670179"/>
+              <a:gd name="connsiteX13" fmla="*/ 251927 w 2015998"/>
+              <a:gd name="connsiteY13" fmla="*/ 970383 h 1670179"/>
+              <a:gd name="connsiteX14" fmla="*/ 261257 w 2015998"/>
+              <a:gd name="connsiteY14" fmla="*/ 998375 h 1670179"/>
+              <a:gd name="connsiteX15" fmla="*/ 270588 w 2015998"/>
+              <a:gd name="connsiteY15" fmla="*/ 1035697 h 1670179"/>
+              <a:gd name="connsiteX16" fmla="*/ 289249 w 2015998"/>
+              <a:gd name="connsiteY16" fmla="*/ 1175657 h 1670179"/>
+              <a:gd name="connsiteX17" fmla="*/ 363894 w 2015998"/>
+              <a:gd name="connsiteY17" fmla="*/ 1474236 h 1670179"/>
+              <a:gd name="connsiteX18" fmla="*/ 382555 w 2015998"/>
+              <a:gd name="connsiteY18" fmla="*/ 1539551 h 1670179"/>
+              <a:gd name="connsiteX19" fmla="*/ 391886 w 2015998"/>
+              <a:gd name="connsiteY19" fmla="*/ 1595534 h 1670179"/>
+              <a:gd name="connsiteX20" fmla="*/ 457200 w 2015998"/>
+              <a:gd name="connsiteY20" fmla="*/ 1502228 h 1670179"/>
+              <a:gd name="connsiteX21" fmla="*/ 466531 w 2015998"/>
+              <a:gd name="connsiteY21" fmla="*/ 1455575 h 1670179"/>
+              <a:gd name="connsiteX22" fmla="*/ 485192 w 2015998"/>
+              <a:gd name="connsiteY22" fmla="*/ 1352938 h 1670179"/>
+              <a:gd name="connsiteX23" fmla="*/ 503853 w 2015998"/>
+              <a:gd name="connsiteY23" fmla="*/ 1138334 h 1670179"/>
+              <a:gd name="connsiteX24" fmla="*/ 485192 w 2015998"/>
+              <a:gd name="connsiteY24" fmla="*/ 905069 h 1670179"/>
+              <a:gd name="connsiteX25" fmla="*/ 466531 w 2015998"/>
+              <a:gd name="connsiteY25" fmla="*/ 139959 h 1670179"/>
+              <a:gd name="connsiteX26" fmla="*/ 475861 w 2015998"/>
+              <a:gd name="connsiteY26" fmla="*/ 0 h 1670179"/>
+              <a:gd name="connsiteX27" fmla="*/ 513184 w 2015998"/>
+              <a:gd name="connsiteY27" fmla="*/ 102636 h 1670179"/>
+              <a:gd name="connsiteX28" fmla="*/ 531845 w 2015998"/>
+              <a:gd name="connsiteY28" fmla="*/ 186612 h 1670179"/>
+              <a:gd name="connsiteX29" fmla="*/ 541176 w 2015998"/>
+              <a:gd name="connsiteY29" fmla="*/ 223934 h 1670179"/>
+              <a:gd name="connsiteX30" fmla="*/ 559837 w 2015998"/>
+              <a:gd name="connsiteY30" fmla="*/ 317240 h 1670179"/>
+              <a:gd name="connsiteX31" fmla="*/ 578498 w 2015998"/>
+              <a:gd name="connsiteY31" fmla="*/ 345232 h 1670179"/>
+              <a:gd name="connsiteX32" fmla="*/ 597159 w 2015998"/>
+              <a:gd name="connsiteY32" fmla="*/ 391885 h 1670179"/>
+              <a:gd name="connsiteX33" fmla="*/ 625151 w 2015998"/>
+              <a:gd name="connsiteY33" fmla="*/ 475861 h 1670179"/>
+              <a:gd name="connsiteX34" fmla="*/ 634482 w 2015998"/>
+              <a:gd name="connsiteY34" fmla="*/ 503853 h 1670179"/>
+              <a:gd name="connsiteX35" fmla="*/ 653143 w 2015998"/>
+              <a:gd name="connsiteY35" fmla="*/ 531844 h 1670179"/>
+              <a:gd name="connsiteX36" fmla="*/ 681135 w 2015998"/>
+              <a:gd name="connsiteY36" fmla="*/ 587828 h 1670179"/>
+              <a:gd name="connsiteX37" fmla="*/ 699796 w 2015998"/>
+              <a:gd name="connsiteY37" fmla="*/ 643812 h 1670179"/>
+              <a:gd name="connsiteX38" fmla="*/ 737118 w 2015998"/>
+              <a:gd name="connsiteY38" fmla="*/ 961053 h 1670179"/>
+              <a:gd name="connsiteX39" fmla="*/ 746449 w 2015998"/>
+              <a:gd name="connsiteY39" fmla="*/ 998375 h 1670179"/>
+              <a:gd name="connsiteX40" fmla="*/ 765110 w 2015998"/>
+              <a:gd name="connsiteY40" fmla="*/ 1035697 h 1670179"/>
+              <a:gd name="connsiteX41" fmla="*/ 774441 w 2015998"/>
+              <a:gd name="connsiteY41" fmla="*/ 1063689 h 1670179"/>
+              <a:gd name="connsiteX42" fmla="*/ 793102 w 2015998"/>
+              <a:gd name="connsiteY42" fmla="*/ 1082351 h 1670179"/>
+              <a:gd name="connsiteX43" fmla="*/ 830425 w 2015998"/>
+              <a:gd name="connsiteY43" fmla="*/ 1194318 h 1670179"/>
+              <a:gd name="connsiteX44" fmla="*/ 839755 w 2015998"/>
+              <a:gd name="connsiteY44" fmla="*/ 1240971 h 1670179"/>
+              <a:gd name="connsiteX45" fmla="*/ 867747 w 2015998"/>
+              <a:gd name="connsiteY45" fmla="*/ 1324946 h 1670179"/>
+              <a:gd name="connsiteX46" fmla="*/ 877078 w 2015998"/>
+              <a:gd name="connsiteY46" fmla="*/ 1352938 h 1670179"/>
+              <a:gd name="connsiteX47" fmla="*/ 895739 w 2015998"/>
+              <a:gd name="connsiteY47" fmla="*/ 1604865 h 1670179"/>
+              <a:gd name="connsiteX48" fmla="*/ 905069 w 2015998"/>
+              <a:gd name="connsiteY48" fmla="*/ 1576873 h 1670179"/>
+              <a:gd name="connsiteX49" fmla="*/ 933061 w 2015998"/>
+              <a:gd name="connsiteY49" fmla="*/ 1455575 h 1670179"/>
+              <a:gd name="connsiteX50" fmla="*/ 951722 w 2015998"/>
+              <a:gd name="connsiteY50" fmla="*/ 1408922 h 1670179"/>
+              <a:gd name="connsiteX51" fmla="*/ 961053 w 2015998"/>
+              <a:gd name="connsiteY51" fmla="*/ 1371600 h 1670179"/>
+              <a:gd name="connsiteX52" fmla="*/ 998376 w 2015998"/>
+              <a:gd name="connsiteY52" fmla="*/ 1315616 h 1670179"/>
+              <a:gd name="connsiteX53" fmla="*/ 1007706 w 2015998"/>
+              <a:gd name="connsiteY53" fmla="*/ 1259632 h 1670179"/>
+              <a:gd name="connsiteX54" fmla="*/ 1035698 w 2015998"/>
+              <a:gd name="connsiteY54" fmla="*/ 1212979 h 1670179"/>
+              <a:gd name="connsiteX55" fmla="*/ 1045029 w 2015998"/>
+              <a:gd name="connsiteY55" fmla="*/ 1184987 h 1670179"/>
+              <a:gd name="connsiteX56" fmla="*/ 1054359 w 2015998"/>
+              <a:gd name="connsiteY56" fmla="*/ 1110342 h 1670179"/>
+              <a:gd name="connsiteX57" fmla="*/ 1082351 w 2015998"/>
+              <a:gd name="connsiteY57" fmla="*/ 1017036 h 1670179"/>
+              <a:gd name="connsiteX58" fmla="*/ 1110343 w 2015998"/>
+              <a:gd name="connsiteY58" fmla="*/ 933061 h 1670179"/>
+              <a:gd name="connsiteX59" fmla="*/ 1147665 w 2015998"/>
+              <a:gd name="connsiteY59" fmla="*/ 1063689 h 1670179"/>
+              <a:gd name="connsiteX60" fmla="*/ 1175657 w 2015998"/>
+              <a:gd name="connsiteY60" fmla="*/ 1138334 h 1670179"/>
+              <a:gd name="connsiteX61" fmla="*/ 1212980 w 2015998"/>
+              <a:gd name="connsiteY61" fmla="*/ 1324946 h 1670179"/>
+              <a:gd name="connsiteX62" fmla="*/ 1231641 w 2015998"/>
+              <a:gd name="connsiteY62" fmla="*/ 1352938 h 1670179"/>
+              <a:gd name="connsiteX63" fmla="*/ 1250302 w 2015998"/>
+              <a:gd name="connsiteY63" fmla="*/ 1390261 h 1670179"/>
+              <a:gd name="connsiteX64" fmla="*/ 1259633 w 2015998"/>
+              <a:gd name="connsiteY64" fmla="*/ 1418253 h 1670179"/>
+              <a:gd name="connsiteX65" fmla="*/ 1296955 w 2015998"/>
+              <a:gd name="connsiteY65" fmla="*/ 1483567 h 1670179"/>
+              <a:gd name="connsiteX66" fmla="*/ 1324947 w 2015998"/>
+              <a:gd name="connsiteY66" fmla="*/ 1418253 h 1670179"/>
+              <a:gd name="connsiteX67" fmla="*/ 1343608 w 2015998"/>
+              <a:gd name="connsiteY67" fmla="*/ 1390261 h 1670179"/>
+              <a:gd name="connsiteX68" fmla="*/ 1352939 w 2015998"/>
+              <a:gd name="connsiteY68" fmla="*/ 1315616 h 1670179"/>
+              <a:gd name="connsiteX69" fmla="*/ 1371600 w 2015998"/>
+              <a:gd name="connsiteY69" fmla="*/ 1231640 h 1670179"/>
+              <a:gd name="connsiteX70" fmla="*/ 1380931 w 2015998"/>
+              <a:gd name="connsiteY70" fmla="*/ 1184987 h 1670179"/>
+              <a:gd name="connsiteX71" fmla="*/ 1390261 w 2015998"/>
+              <a:gd name="connsiteY71" fmla="*/ 1035697 h 1670179"/>
+              <a:gd name="connsiteX72" fmla="*/ 1399592 w 2015998"/>
+              <a:gd name="connsiteY72" fmla="*/ 690465 h 1670179"/>
+              <a:gd name="connsiteX73" fmla="*/ 1418253 w 2015998"/>
+              <a:gd name="connsiteY73" fmla="*/ 662473 h 1670179"/>
+              <a:gd name="connsiteX74" fmla="*/ 1427584 w 2015998"/>
+              <a:gd name="connsiteY74" fmla="*/ 634481 h 1670179"/>
+              <a:gd name="connsiteX75" fmla="*/ 1483567 w 2015998"/>
+              <a:gd name="connsiteY75" fmla="*/ 419877 h 1670179"/>
+              <a:gd name="connsiteX76" fmla="*/ 1492898 w 2015998"/>
+              <a:gd name="connsiteY76" fmla="*/ 363893 h 1670179"/>
+              <a:gd name="connsiteX77" fmla="*/ 1502229 w 2015998"/>
+              <a:gd name="connsiteY77" fmla="*/ 261257 h 1670179"/>
+              <a:gd name="connsiteX78" fmla="*/ 1520890 w 2015998"/>
+              <a:gd name="connsiteY78" fmla="*/ 223934 h 1670179"/>
+              <a:gd name="connsiteX79" fmla="*/ 1530220 w 2015998"/>
+              <a:gd name="connsiteY79" fmla="*/ 55983 h 1670179"/>
+              <a:gd name="connsiteX80" fmla="*/ 1539551 w 2015998"/>
+              <a:gd name="connsiteY80" fmla="*/ 177281 h 1670179"/>
+              <a:gd name="connsiteX81" fmla="*/ 1548882 w 2015998"/>
+              <a:gd name="connsiteY81" fmla="*/ 279918 h 1670179"/>
+              <a:gd name="connsiteX82" fmla="*/ 1567543 w 2015998"/>
+              <a:gd name="connsiteY82" fmla="*/ 429208 h 1670179"/>
+              <a:gd name="connsiteX83" fmla="*/ 1586204 w 2015998"/>
+              <a:gd name="connsiteY83" fmla="*/ 513183 h 1670179"/>
+              <a:gd name="connsiteX84" fmla="*/ 1604865 w 2015998"/>
+              <a:gd name="connsiteY84" fmla="*/ 615820 h 1670179"/>
+              <a:gd name="connsiteX85" fmla="*/ 1614196 w 2015998"/>
+              <a:gd name="connsiteY85" fmla="*/ 643812 h 1670179"/>
+              <a:gd name="connsiteX86" fmla="*/ 1651518 w 2015998"/>
+              <a:gd name="connsiteY86" fmla="*/ 839755 h 1670179"/>
+              <a:gd name="connsiteX87" fmla="*/ 1660849 w 2015998"/>
+              <a:gd name="connsiteY87" fmla="*/ 1026367 h 1670179"/>
+              <a:gd name="connsiteX88" fmla="*/ 1670180 w 2015998"/>
+              <a:gd name="connsiteY88" fmla="*/ 1063689 h 1670179"/>
+              <a:gd name="connsiteX89" fmla="*/ 1679510 w 2015998"/>
+              <a:gd name="connsiteY89" fmla="*/ 1156995 h 1670179"/>
+              <a:gd name="connsiteX90" fmla="*/ 1698171 w 2015998"/>
+              <a:gd name="connsiteY90" fmla="*/ 1184987 h 1670179"/>
+              <a:gd name="connsiteX91" fmla="*/ 1716833 w 2015998"/>
+              <a:gd name="connsiteY91" fmla="*/ 1240971 h 1670179"/>
+              <a:gd name="connsiteX92" fmla="*/ 1726163 w 2015998"/>
+              <a:gd name="connsiteY92" fmla="*/ 1306285 h 1670179"/>
+              <a:gd name="connsiteX93" fmla="*/ 1735494 w 2015998"/>
+              <a:gd name="connsiteY93" fmla="*/ 1352938 h 1670179"/>
+              <a:gd name="connsiteX94" fmla="*/ 1744825 w 2015998"/>
+              <a:gd name="connsiteY94" fmla="*/ 1474236 h 1670179"/>
+              <a:gd name="connsiteX95" fmla="*/ 1763486 w 2015998"/>
+              <a:gd name="connsiteY95" fmla="*/ 1548881 h 1670179"/>
+              <a:gd name="connsiteX96" fmla="*/ 1791478 w 2015998"/>
+              <a:gd name="connsiteY96" fmla="*/ 1502228 h 1670179"/>
+              <a:gd name="connsiteX97" fmla="*/ 1819469 w 2015998"/>
+              <a:gd name="connsiteY97" fmla="*/ 1446244 h 1670179"/>
+              <a:gd name="connsiteX98" fmla="*/ 1856792 w 2015998"/>
+              <a:gd name="connsiteY98" fmla="*/ 1343608 h 1670179"/>
+              <a:gd name="connsiteX99" fmla="*/ 1884784 w 2015998"/>
+              <a:gd name="connsiteY99" fmla="*/ 1287624 h 1670179"/>
+              <a:gd name="connsiteX100" fmla="*/ 1894114 w 2015998"/>
+              <a:gd name="connsiteY100" fmla="*/ 1203649 h 1670179"/>
+              <a:gd name="connsiteX101" fmla="*/ 1912776 w 2015998"/>
+              <a:gd name="connsiteY101" fmla="*/ 1091681 h 1670179"/>
+              <a:gd name="connsiteX102" fmla="*/ 1922106 w 2015998"/>
+              <a:gd name="connsiteY102" fmla="*/ 979714 h 1670179"/>
+              <a:gd name="connsiteX103" fmla="*/ 1940767 w 2015998"/>
+              <a:gd name="connsiteY103" fmla="*/ 905069 h 1670179"/>
+              <a:gd name="connsiteX104" fmla="*/ 1959429 w 2015998"/>
+              <a:gd name="connsiteY104" fmla="*/ 681134 h 1670179"/>
+              <a:gd name="connsiteX105" fmla="*/ 1978090 w 2015998"/>
+              <a:gd name="connsiteY105" fmla="*/ 597159 h 1670179"/>
+              <a:gd name="connsiteX106" fmla="*/ 1996751 w 2015998"/>
+              <a:gd name="connsiteY106" fmla="*/ 503853 h 1670179"/>
+              <a:gd name="connsiteX107" fmla="*/ 2015412 w 2015998"/>
+              <a:gd name="connsiteY107" fmla="*/ 438538 h 1670179"/>
+              <a:gd name="connsiteX108" fmla="*/ 2015412 w 2015998"/>
+              <a:gd name="connsiteY108" fmla="*/ 410546 h 1670179"/>
+            </a:gdLst>
+            <a:ahLst/>
+            <a:cxnLst>
+              <a:cxn ang="0">
+                <a:pos x="connsiteX0" y="connsiteY0"/>
+              </a:cxn>
+              <a:cxn ang="0">
+                <a:pos x="connsiteX1" y="connsiteY1"/>
+              </a:cxn>
+              <a:cxn ang="0">
+                <a:pos x="connsiteX2" y="connsiteY2"/>
+              </a:cxn>
+              <a:cxn ang="0">
+                <a:pos x="connsiteX3" y="connsiteY3"/>
+              </a:cxn>
+              <a:cxn ang="0">
+                <a:pos x="connsiteX4" y="connsiteY4"/>
+              </a:cxn>
+              <a:cxn ang="0">
+                <a:pos x="connsiteX5" y="connsiteY5"/>
+              </a:cxn>
+              <a:cxn ang="0">
+                <a:pos x="connsiteX6" y="connsiteY6"/>
+              </a:cxn>
+              <a:cxn ang="0">
+                <a:pos x="connsiteX7" y="connsiteY7"/>
+              </a:cxn>
+              <a:cxn ang="0">
+                <a:pos x="connsiteX8" y="connsiteY8"/>
+              </a:cxn>
+              <a:cxn ang="0">
+                <a:pos x="connsiteX9" y="connsiteY9"/>
+              </a:cxn>
+              <a:cxn ang="0">
+                <a:pos x="connsiteX10" y="connsiteY10"/>
+              </a:cxn>
+              <a:cxn ang="0">
+                <a:pos x="connsiteX11" y="connsiteY11"/>
+              </a:cxn>
+              <a:cxn ang="0">
+                <a:pos x="connsiteX12" y="connsiteY12"/>
+              </a:cxn>
+              <a:cxn ang="0">
+                <a:pos x="connsiteX13" y="connsiteY13"/>
+              </a:cxn>
+              <a:cxn ang="0">
+                <a:pos x="connsiteX14" y="connsiteY14"/>
+              </a:cxn>
+              <a:cxn ang="0">
+                <a:pos x="connsiteX15" y="connsiteY15"/>
+              </a:cxn>
+              <a:cxn ang="0">
+                <a:pos x="connsiteX16" y="connsiteY16"/>
+              </a:cxn>
+              <a:cxn ang="0">
+                <a:pos x="connsiteX17" y="connsiteY17"/>
+              </a:cxn>
+              <a:cxn ang="0">
+                <a:pos x="connsiteX18" y="connsiteY18"/>
+              </a:cxn>
+              <a:cxn ang="0">
+                <a:pos x="connsiteX19" y="connsiteY19"/>
+              </a:cxn>
+              <a:cxn ang="0">
+                <a:pos x="connsiteX20" y="connsiteY20"/>
+              </a:cxn>
+              <a:cxn ang="0">
+                <a:pos x="connsiteX21" y="connsiteY21"/>
+              </a:cxn>
+              <a:cxn ang="0">
+                <a:pos x="connsiteX22" y="connsiteY22"/>
+              </a:cxn>
+              <a:cxn ang="0">
+                <a:pos x="connsiteX23" y="connsiteY23"/>
+              </a:cxn>
+              <a:cxn ang="0">
+                <a:pos x="connsiteX24" y="connsiteY24"/>
+              </a:cxn>
+              <a:cxn ang="0">
+                <a:pos x="connsiteX25" y="connsiteY25"/>
+              </a:cxn>
+              <a:cxn ang="0">
+                <a:pos x="connsiteX26" y="connsiteY26"/>
+              </a:cxn>
+              <a:cxn ang="0">
+                <a:pos x="connsiteX27" y="connsiteY27"/>
+              </a:cxn>
+              <a:cxn ang="0">
+                <a:pos x="connsiteX28" y="connsiteY28"/>
+              </a:cxn>
+              <a:cxn ang="0">
+                <a:pos x="connsiteX29" y="connsiteY29"/>
+              </a:cxn>
+              <a:cxn ang="0">
+                <a:pos x="connsiteX30" y="connsiteY30"/>
+              </a:cxn>
+              <a:cxn ang="0">
+                <a:pos x="connsiteX31" y="connsiteY31"/>
+              </a:cxn>
+              <a:cxn ang="0">
+                <a:pos x="connsiteX32" y="connsiteY32"/>
+              </a:cxn>
+              <a:cxn ang="0">
+                <a:pos x="connsiteX33" y="connsiteY33"/>
+              </a:cxn>
+              <a:cxn ang="0">
+                <a:pos x="connsiteX34" y="connsiteY34"/>
+              </a:cxn>
+              <a:cxn ang="0">
+                <a:pos x="connsiteX35" y="connsiteY35"/>
+              </a:cxn>
+              <a:cxn ang="0">
+                <a:pos x="connsiteX36" y="connsiteY36"/>
+              </a:cxn>
+              <a:cxn ang="0">
+                <a:pos x="connsiteX37" y="connsiteY37"/>
+              </a:cxn>
+              <a:cxn ang="0">
+                <a:pos x="connsiteX38" y="connsiteY38"/>
+              </a:cxn>
+              <a:cxn ang="0">
+                <a:pos x="connsiteX39" y="connsiteY39"/>
+              </a:cxn>
+              <a:cxn ang="0">
+                <a:pos x="connsiteX40" y="connsiteY40"/>
+              </a:cxn>
+              <a:cxn ang="0">
+                <a:pos x="connsiteX41" y="connsiteY41"/>
+              </a:cxn>
+              <a:cxn ang="0">
+                <a:pos x="connsiteX42" y="connsiteY42"/>
+              </a:cxn>
+              <a:cxn ang="0">
+                <a:pos x="connsiteX43" y="connsiteY43"/>
+              </a:cxn>
+              <a:cxn ang="0">
+                <a:pos x="connsiteX44" y="connsiteY44"/>
+              </a:cxn>
+              <a:cxn ang="0">
+                <a:pos x="connsiteX45" y="connsiteY45"/>
+              </a:cxn>
+              <a:cxn ang="0">
+                <a:pos x="connsiteX46" y="connsiteY46"/>
+              </a:cxn>
+              <a:cxn ang="0">
+                <a:pos x="connsiteX47" y="connsiteY47"/>
+              </a:cxn>
+              <a:cxn ang="0">
+                <a:pos x="connsiteX48" y="connsiteY48"/>
+              </a:cxn>
+              <a:cxn ang="0">
+                <a:pos x="connsiteX49" y="connsiteY49"/>
+              </a:cxn>
+              <a:cxn ang="0">
+                <a:pos x="connsiteX50" y="connsiteY50"/>
+              </a:cxn>
+              <a:cxn ang="0">
+                <a:pos x="connsiteX51" y="connsiteY51"/>
+              </a:cxn>
+              <a:cxn ang="0">
+                <a:pos x="connsiteX52" y="connsiteY52"/>
+              </a:cxn>
+              <a:cxn ang="0">
+                <a:pos x="connsiteX53" y="connsiteY53"/>
+              </a:cxn>
+              <a:cxn ang="0">
+                <a:pos x="connsiteX54" y="connsiteY54"/>
+              </a:cxn>
+              <a:cxn ang="0">
+                <a:pos x="connsiteX55" y="connsiteY55"/>
+              </a:cxn>
+              <a:cxn ang="0">
+                <a:pos x="connsiteX56" y="connsiteY56"/>
+              </a:cxn>
+              <a:cxn ang="0">
+                <a:pos x="connsiteX57" y="connsiteY57"/>
+              </a:cxn>
+              <a:cxn ang="0">
+                <a:pos x="connsiteX58" y="connsiteY58"/>
+              </a:cxn>
+              <a:cxn ang="0">
+                <a:pos x="connsiteX59" y="connsiteY59"/>
+              </a:cxn>
+              <a:cxn ang="0">
+                <a:pos x="connsiteX60" y="connsiteY60"/>
+              </a:cxn>
+              <a:cxn ang="0">
+                <a:pos x="connsiteX61" y="connsiteY61"/>
+              </a:cxn>
+              <a:cxn ang="0">
+                <a:pos x="connsiteX62" y="connsiteY62"/>
+              </a:cxn>
+              <a:cxn ang="0">
+                <a:pos x="connsiteX63" y="connsiteY63"/>
+              </a:cxn>
+              <a:cxn ang="0">
+                <a:pos x="connsiteX64" y="connsiteY64"/>
+              </a:cxn>
+              <a:cxn ang="0">
+                <a:pos x="connsiteX65" y="connsiteY65"/>
+              </a:cxn>
+              <a:cxn ang="0">
+                <a:pos x="connsiteX66" y="connsiteY66"/>
+              </a:cxn>
+              <a:cxn ang="0">
+                <a:pos x="connsiteX67" y="connsiteY67"/>
+              </a:cxn>
+              <a:cxn ang="0">
+                <a:pos x="connsiteX68" y="connsiteY68"/>
+              </a:cxn>
+              <a:cxn ang="0">
+                <a:pos x="connsiteX69" y="connsiteY69"/>
+              </a:cxn>
+              <a:cxn ang="0">
+                <a:pos x="connsiteX70" y="connsiteY70"/>
+              </a:cxn>
+              <a:cxn ang="0">
+                <a:pos x="connsiteX71" y="connsiteY71"/>
+              </a:cxn>
+              <a:cxn ang="0">
+                <a:pos x="connsiteX72" y="connsiteY72"/>
+              </a:cxn>
+              <a:cxn ang="0">
+                <a:pos x="connsiteX73" y="connsiteY73"/>
+              </a:cxn>
+              <a:cxn ang="0">
+                <a:pos x="connsiteX74" y="connsiteY74"/>
+              </a:cxn>
+              <a:cxn ang="0">
+                <a:pos x="connsiteX75" y="connsiteY75"/>
+              </a:cxn>
+              <a:cxn ang="0">
+                <a:pos x="connsiteX76" y="connsiteY76"/>
+              </a:cxn>
+              <a:cxn ang="0">
+                <a:pos x="connsiteX77" y="connsiteY77"/>
+              </a:cxn>
+              <a:cxn ang="0">
+                <a:pos x="connsiteX78" y="connsiteY78"/>
+              </a:cxn>
+              <a:cxn ang="0">
+                <a:pos x="connsiteX79" y="connsiteY79"/>
+              </a:cxn>
+              <a:cxn ang="0">
+                <a:pos x="connsiteX80" y="connsiteY80"/>
+              </a:cxn>
+              <a:cxn ang="0">
+                <a:pos x="connsiteX81" y="connsiteY81"/>
+              </a:cxn>
+              <a:cxn ang="0">
+                <a:pos x="connsiteX82" y="connsiteY82"/>
+              </a:cxn>
+              <a:cxn ang="0">
+                <a:pos x="connsiteX83" y="connsiteY83"/>
+              </a:cxn>
+              <a:cxn ang="0">
+                <a:pos x="connsiteX84" y="connsiteY84"/>
+              </a:cxn>
+              <a:cxn ang="0">
+                <a:pos x="connsiteX85" y="connsiteY85"/>
+              </a:cxn>
+              <a:cxn ang="0">
+                <a:pos x="connsiteX86" y="connsiteY86"/>
+              </a:cxn>
+              <a:cxn ang="0">
+                <a:pos x="connsiteX87" y="connsiteY87"/>
+              </a:cxn>
+              <a:cxn ang="0">
+                <a:pos x="connsiteX88" y="connsiteY88"/>
+              </a:cxn>
+              <a:cxn ang="0">
+                <a:pos x="connsiteX89" y="connsiteY89"/>
+              </a:cxn>
+              <a:cxn ang="0">
+                <a:pos x="connsiteX90" y="connsiteY90"/>
+              </a:cxn>
+              <a:cxn ang="0">
+                <a:pos x="connsiteX91" y="connsiteY91"/>
+              </a:cxn>
+              <a:cxn ang="0">
+                <a:pos x="connsiteX92" y="connsiteY92"/>
+              </a:cxn>
+              <a:cxn ang="0">
+                <a:pos x="connsiteX93" y="connsiteY93"/>
+              </a:cxn>
+              <a:cxn ang="0">
+                <a:pos x="connsiteX94" y="connsiteY94"/>
+              </a:cxn>
+              <a:cxn ang="0">
+                <a:pos x="connsiteX95" y="connsiteY95"/>
+              </a:cxn>
+              <a:cxn ang="0">
+                <a:pos x="connsiteX96" y="connsiteY96"/>
+              </a:cxn>
+              <a:cxn ang="0">
+                <a:pos x="connsiteX97" y="connsiteY97"/>
+              </a:cxn>
+              <a:cxn ang="0">
+                <a:pos x="connsiteX98" y="connsiteY98"/>
+              </a:cxn>
+              <a:cxn ang="0">
+                <a:pos x="connsiteX99" y="connsiteY99"/>
+              </a:cxn>
+              <a:cxn ang="0">
+                <a:pos x="connsiteX100" y="connsiteY100"/>
+              </a:cxn>
+              <a:cxn ang="0">
+                <a:pos x="connsiteX101" y="connsiteY101"/>
+              </a:cxn>
+              <a:cxn ang="0">
+                <a:pos x="connsiteX102" y="connsiteY102"/>
+              </a:cxn>
+              <a:cxn ang="0">
+                <a:pos x="connsiteX103" y="connsiteY103"/>
+              </a:cxn>
+              <a:cxn ang="0">
+                <a:pos x="connsiteX104" y="connsiteY104"/>
+              </a:cxn>
+              <a:cxn ang="0">
+                <a:pos x="connsiteX105" y="connsiteY105"/>
+              </a:cxn>
+              <a:cxn ang="0">
+                <a:pos x="connsiteX106" y="connsiteY106"/>
+              </a:cxn>
+              <a:cxn ang="0">
+                <a:pos x="connsiteX107" y="connsiteY107"/>
+              </a:cxn>
+              <a:cxn ang="0">
+                <a:pos x="connsiteX108" y="connsiteY108"/>
+              </a:cxn>
+            </a:cxnLst>
+            <a:rect l="l" t="t" r="r" b="b"/>
+            <a:pathLst>
+              <a:path w="2015998" h="1670179">
+                <a:moveTo>
+                  <a:pt x="0" y="1670179"/>
+                </a:moveTo>
+                <a:cubicBezTo>
+                  <a:pt x="9331" y="1595534"/>
+                  <a:pt x="15626" y="1520446"/>
+                  <a:pt x="27992" y="1446244"/>
+                </a:cubicBezTo>
+                <a:cubicBezTo>
+                  <a:pt x="31102" y="1427583"/>
+                  <a:pt x="33218" y="1408729"/>
+                  <a:pt x="37322" y="1390261"/>
+                </a:cubicBezTo>
+                <a:cubicBezTo>
+                  <a:pt x="53016" y="1319637"/>
+                  <a:pt x="48825" y="1419532"/>
+                  <a:pt x="65314" y="1287624"/>
+                </a:cubicBezTo>
+                <a:cubicBezTo>
+                  <a:pt x="76036" y="1201852"/>
+                  <a:pt x="60736" y="1233843"/>
+                  <a:pt x="93306" y="1184987"/>
+                </a:cubicBezTo>
+                <a:cubicBezTo>
+                  <a:pt x="99526" y="1141444"/>
+                  <a:pt x="106511" y="1098004"/>
+                  <a:pt x="111967" y="1054359"/>
+                </a:cubicBezTo>
+                <a:cubicBezTo>
+                  <a:pt x="115536" y="1025808"/>
+                  <a:pt x="113534" y="967251"/>
+                  <a:pt x="130629" y="933061"/>
+                </a:cubicBezTo>
+                <a:cubicBezTo>
+                  <a:pt x="138739" y="916840"/>
+                  <a:pt x="148079" y="901165"/>
+                  <a:pt x="158620" y="886408"/>
+                </a:cubicBezTo>
+                <a:cubicBezTo>
+                  <a:pt x="163733" y="879249"/>
+                  <a:pt x="171061" y="873967"/>
+                  <a:pt x="177282" y="867746"/>
+                </a:cubicBezTo>
+                <a:cubicBezTo>
+                  <a:pt x="180392" y="845975"/>
+                  <a:pt x="173416" y="820026"/>
+                  <a:pt x="186612" y="802432"/>
+                </a:cubicBezTo>
+                <a:cubicBezTo>
+                  <a:pt x="193341" y="793461"/>
+                  <a:pt x="200259" y="820394"/>
+                  <a:pt x="205274" y="830424"/>
+                </a:cubicBezTo>
+                <a:cubicBezTo>
+                  <a:pt x="209672" y="839221"/>
+                  <a:pt x="210730" y="849376"/>
+                  <a:pt x="214604" y="858416"/>
+                </a:cubicBezTo>
+                <a:cubicBezTo>
+                  <a:pt x="220083" y="871201"/>
+                  <a:pt x="228866" y="882543"/>
+                  <a:pt x="233265" y="895738"/>
+                </a:cubicBezTo>
+                <a:cubicBezTo>
+                  <a:pt x="241376" y="920069"/>
+                  <a:pt x="245179" y="945639"/>
+                  <a:pt x="251927" y="970383"/>
+                </a:cubicBezTo>
+                <a:cubicBezTo>
+                  <a:pt x="254515" y="979872"/>
+                  <a:pt x="258555" y="988918"/>
+                  <a:pt x="261257" y="998375"/>
+                </a:cubicBezTo>
+                <a:cubicBezTo>
+                  <a:pt x="264780" y="1010705"/>
+                  <a:pt x="267478" y="1023256"/>
+                  <a:pt x="270588" y="1035697"/>
+                </a:cubicBezTo>
+                <a:cubicBezTo>
+                  <a:pt x="273349" y="1060547"/>
+                  <a:pt x="281104" y="1144239"/>
+                  <a:pt x="289249" y="1175657"/>
+                </a:cubicBezTo>
+                <a:cubicBezTo>
+                  <a:pt x="401602" y="1609015"/>
+                  <a:pt x="309116" y="1200349"/>
+                  <a:pt x="363894" y="1474236"/>
+                </a:cubicBezTo>
+                <a:cubicBezTo>
+                  <a:pt x="404530" y="1677413"/>
+                  <a:pt x="346990" y="1379509"/>
+                  <a:pt x="382555" y="1539551"/>
+                </a:cubicBezTo>
+                <a:cubicBezTo>
+                  <a:pt x="386659" y="1558019"/>
+                  <a:pt x="388776" y="1576873"/>
+                  <a:pt x="391886" y="1595534"/>
+                </a:cubicBezTo>
+                <a:cubicBezTo>
+                  <a:pt x="419395" y="1513001"/>
+                  <a:pt x="368249" y="1654713"/>
+                  <a:pt x="457200" y="1502228"/>
+                </a:cubicBezTo>
+                <a:cubicBezTo>
+                  <a:pt x="465191" y="1488529"/>
+                  <a:pt x="464120" y="1471250"/>
+                  <a:pt x="466531" y="1455575"/>
+                </a:cubicBezTo>
+                <a:cubicBezTo>
+                  <a:pt x="481603" y="1357604"/>
+                  <a:pt x="466157" y="1410040"/>
+                  <a:pt x="485192" y="1352938"/>
+                </a:cubicBezTo>
+                <a:cubicBezTo>
+                  <a:pt x="494422" y="1279090"/>
+                  <a:pt x="503853" y="1215314"/>
+                  <a:pt x="503853" y="1138334"/>
+                </a:cubicBezTo>
+                <a:cubicBezTo>
+                  <a:pt x="503853" y="1041116"/>
+                  <a:pt x="495976" y="991349"/>
+                  <a:pt x="485192" y="905069"/>
+                </a:cubicBezTo>
+                <a:cubicBezTo>
+                  <a:pt x="470420" y="594864"/>
+                  <a:pt x="466531" y="556078"/>
+                  <a:pt x="466531" y="139959"/>
+                </a:cubicBezTo>
+                <a:cubicBezTo>
+                  <a:pt x="466531" y="93202"/>
+                  <a:pt x="472751" y="46653"/>
+                  <a:pt x="475861" y="0"/>
+                </a:cubicBezTo>
+                <a:cubicBezTo>
+                  <a:pt x="488223" y="30906"/>
+                  <a:pt x="505202" y="70707"/>
+                  <a:pt x="513184" y="102636"/>
+                </a:cubicBezTo>
+                <a:cubicBezTo>
+                  <a:pt x="535949" y="193704"/>
+                  <a:pt x="508140" y="79945"/>
+                  <a:pt x="531845" y="186612"/>
+                </a:cubicBezTo>
+                <a:cubicBezTo>
+                  <a:pt x="534627" y="199130"/>
+                  <a:pt x="538489" y="211395"/>
+                  <a:pt x="541176" y="223934"/>
+                </a:cubicBezTo>
+                <a:cubicBezTo>
+                  <a:pt x="547822" y="254948"/>
+                  <a:pt x="550509" y="286925"/>
+                  <a:pt x="559837" y="317240"/>
+                </a:cubicBezTo>
+                <a:cubicBezTo>
+                  <a:pt x="563135" y="327958"/>
+                  <a:pt x="573483" y="335202"/>
+                  <a:pt x="578498" y="345232"/>
+                </a:cubicBezTo>
+                <a:cubicBezTo>
+                  <a:pt x="585988" y="360213"/>
+                  <a:pt x="591526" y="376112"/>
+                  <a:pt x="597159" y="391885"/>
+                </a:cubicBezTo>
+                <a:cubicBezTo>
+                  <a:pt x="607083" y="419672"/>
+                  <a:pt x="615820" y="447869"/>
+                  <a:pt x="625151" y="475861"/>
+                </a:cubicBezTo>
+                <a:cubicBezTo>
+                  <a:pt x="628261" y="485192"/>
+                  <a:pt x="629026" y="495669"/>
+                  <a:pt x="634482" y="503853"/>
+                </a:cubicBezTo>
+                <a:cubicBezTo>
+                  <a:pt x="640702" y="513183"/>
+                  <a:pt x="648128" y="521814"/>
+                  <a:pt x="653143" y="531844"/>
+                </a:cubicBezTo>
+                <a:cubicBezTo>
+                  <a:pt x="691776" y="609109"/>
+                  <a:pt x="627652" y="507603"/>
+                  <a:pt x="681135" y="587828"/>
+                </a:cubicBezTo>
+                <a:cubicBezTo>
+                  <a:pt x="687355" y="606489"/>
+                  <a:pt x="697498" y="624276"/>
+                  <a:pt x="699796" y="643812"/>
+                </a:cubicBezTo>
+                <a:cubicBezTo>
+                  <a:pt x="712237" y="749559"/>
+                  <a:pt x="723228" y="855487"/>
+                  <a:pt x="737118" y="961053"/>
+                </a:cubicBezTo>
+                <a:cubicBezTo>
+                  <a:pt x="738791" y="973767"/>
+                  <a:pt x="741946" y="986368"/>
+                  <a:pt x="746449" y="998375"/>
+                </a:cubicBezTo>
+                <a:cubicBezTo>
+                  <a:pt x="751333" y="1011398"/>
+                  <a:pt x="759631" y="1022913"/>
+                  <a:pt x="765110" y="1035697"/>
+                </a:cubicBezTo>
+                <a:cubicBezTo>
+                  <a:pt x="768984" y="1044737"/>
+                  <a:pt x="769381" y="1055255"/>
+                  <a:pt x="774441" y="1063689"/>
+                </a:cubicBezTo>
+                <a:cubicBezTo>
+                  <a:pt x="778967" y="1071232"/>
+                  <a:pt x="788222" y="1075031"/>
+                  <a:pt x="793102" y="1082351"/>
+                </a:cubicBezTo>
+                <a:cubicBezTo>
+                  <a:pt x="816509" y="1117463"/>
+                  <a:pt x="820787" y="1152555"/>
+                  <a:pt x="830425" y="1194318"/>
+                </a:cubicBezTo>
+                <a:cubicBezTo>
+                  <a:pt x="833991" y="1209771"/>
+                  <a:pt x="835582" y="1225671"/>
+                  <a:pt x="839755" y="1240971"/>
+                </a:cubicBezTo>
+                <a:cubicBezTo>
+                  <a:pt x="839764" y="1241006"/>
+                  <a:pt x="863076" y="1310933"/>
+                  <a:pt x="867747" y="1324946"/>
+                </a:cubicBezTo>
+                <a:lnTo>
+                  <a:pt x="877078" y="1352938"/>
+                </a:lnTo>
+                <a:cubicBezTo>
+                  <a:pt x="883298" y="1436914"/>
+                  <a:pt x="869113" y="1684750"/>
+                  <a:pt x="895739" y="1604865"/>
+                </a:cubicBezTo>
+                <a:cubicBezTo>
+                  <a:pt x="898849" y="1595534"/>
+                  <a:pt x="902684" y="1586415"/>
+                  <a:pt x="905069" y="1576873"/>
+                </a:cubicBezTo>
+                <a:cubicBezTo>
+                  <a:pt x="915084" y="1536812"/>
+                  <a:pt x="917582" y="1494273"/>
+                  <a:pt x="933061" y="1455575"/>
+                </a:cubicBezTo>
+                <a:cubicBezTo>
+                  <a:pt x="939281" y="1440024"/>
+                  <a:pt x="946425" y="1424811"/>
+                  <a:pt x="951722" y="1408922"/>
+                </a:cubicBezTo>
+                <a:cubicBezTo>
+                  <a:pt x="955777" y="1396756"/>
+                  <a:pt x="955318" y="1383070"/>
+                  <a:pt x="961053" y="1371600"/>
+                </a:cubicBezTo>
+                <a:cubicBezTo>
+                  <a:pt x="971083" y="1351540"/>
+                  <a:pt x="985935" y="1334277"/>
+                  <a:pt x="998376" y="1315616"/>
+                </a:cubicBezTo>
+                <a:cubicBezTo>
+                  <a:pt x="1001486" y="1296955"/>
+                  <a:pt x="1001241" y="1277412"/>
+                  <a:pt x="1007706" y="1259632"/>
+                </a:cubicBezTo>
+                <a:cubicBezTo>
+                  <a:pt x="1013904" y="1242588"/>
+                  <a:pt x="1027587" y="1229200"/>
+                  <a:pt x="1035698" y="1212979"/>
+                </a:cubicBezTo>
+                <a:cubicBezTo>
+                  <a:pt x="1040097" y="1204182"/>
+                  <a:pt x="1041919" y="1194318"/>
+                  <a:pt x="1045029" y="1184987"/>
+                </a:cubicBezTo>
+                <a:cubicBezTo>
+                  <a:pt x="1048139" y="1160105"/>
+                  <a:pt x="1050237" y="1135076"/>
+                  <a:pt x="1054359" y="1110342"/>
+                </a:cubicBezTo>
+                <a:cubicBezTo>
+                  <a:pt x="1060603" y="1072878"/>
+                  <a:pt x="1071689" y="1056130"/>
+                  <a:pt x="1082351" y="1017036"/>
+                </a:cubicBezTo>
+                <a:cubicBezTo>
+                  <a:pt x="1104056" y="937453"/>
+                  <a:pt x="1076130" y="1001487"/>
+                  <a:pt x="1110343" y="933061"/>
+                </a:cubicBezTo>
+                <a:cubicBezTo>
+                  <a:pt x="1161951" y="1036277"/>
+                  <a:pt x="1083491" y="871173"/>
+                  <a:pt x="1147665" y="1063689"/>
+                </a:cubicBezTo>
+                <a:cubicBezTo>
+                  <a:pt x="1162293" y="1107570"/>
+                  <a:pt x="1153343" y="1082549"/>
+                  <a:pt x="1175657" y="1138334"/>
+                </a:cubicBezTo>
+                <a:cubicBezTo>
+                  <a:pt x="1182740" y="1180834"/>
+                  <a:pt x="1195846" y="1277829"/>
+                  <a:pt x="1212980" y="1324946"/>
+                </a:cubicBezTo>
+                <a:cubicBezTo>
+                  <a:pt x="1216812" y="1335485"/>
+                  <a:pt x="1226077" y="1343201"/>
+                  <a:pt x="1231641" y="1352938"/>
+                </a:cubicBezTo>
+                <a:cubicBezTo>
+                  <a:pt x="1238542" y="1365015"/>
+                  <a:pt x="1244823" y="1377476"/>
+                  <a:pt x="1250302" y="1390261"/>
+                </a:cubicBezTo>
+                <a:cubicBezTo>
+                  <a:pt x="1254176" y="1399301"/>
+                  <a:pt x="1255759" y="1409213"/>
+                  <a:pt x="1259633" y="1418253"/>
+                </a:cubicBezTo>
+                <a:cubicBezTo>
+                  <a:pt x="1273839" y="1451399"/>
+                  <a:pt x="1278214" y="1455455"/>
+                  <a:pt x="1296955" y="1483567"/>
+                </a:cubicBezTo>
+                <a:cubicBezTo>
+                  <a:pt x="1343805" y="1413291"/>
+                  <a:pt x="1288795" y="1502606"/>
+                  <a:pt x="1324947" y="1418253"/>
+                </a:cubicBezTo>
+                <a:cubicBezTo>
+                  <a:pt x="1329364" y="1407946"/>
+                  <a:pt x="1337388" y="1399592"/>
+                  <a:pt x="1343608" y="1390261"/>
+                </a:cubicBezTo>
+                <a:cubicBezTo>
+                  <a:pt x="1346718" y="1365379"/>
+                  <a:pt x="1348581" y="1340310"/>
+                  <a:pt x="1352939" y="1315616"/>
+                </a:cubicBezTo>
+                <a:cubicBezTo>
+                  <a:pt x="1357922" y="1287378"/>
+                  <a:pt x="1365592" y="1259678"/>
+                  <a:pt x="1371600" y="1231640"/>
+                </a:cubicBezTo>
+                <a:cubicBezTo>
+                  <a:pt x="1374923" y="1216133"/>
+                  <a:pt x="1377821" y="1200538"/>
+                  <a:pt x="1380931" y="1184987"/>
+                </a:cubicBezTo>
+                <a:cubicBezTo>
+                  <a:pt x="1384041" y="1135224"/>
+                  <a:pt x="1388381" y="1085522"/>
+                  <a:pt x="1390261" y="1035697"/>
+                </a:cubicBezTo>
+                <a:cubicBezTo>
+                  <a:pt x="1394602" y="920660"/>
+                  <a:pt x="1390982" y="805262"/>
+                  <a:pt x="1399592" y="690465"/>
+                </a:cubicBezTo>
+                <a:cubicBezTo>
+                  <a:pt x="1400431" y="679282"/>
+                  <a:pt x="1413238" y="672503"/>
+                  <a:pt x="1418253" y="662473"/>
+                </a:cubicBezTo>
+                <a:cubicBezTo>
+                  <a:pt x="1422652" y="653676"/>
+                  <a:pt x="1425306" y="644049"/>
+                  <a:pt x="1427584" y="634481"/>
+                </a:cubicBezTo>
+                <a:cubicBezTo>
+                  <a:pt x="1475768" y="432108"/>
+                  <a:pt x="1441496" y="525055"/>
+                  <a:pt x="1483567" y="419877"/>
+                </a:cubicBezTo>
+                <a:cubicBezTo>
+                  <a:pt x="1486677" y="401216"/>
+                  <a:pt x="1490687" y="382682"/>
+                  <a:pt x="1492898" y="363893"/>
+                </a:cubicBezTo>
+                <a:cubicBezTo>
+                  <a:pt x="1496912" y="329775"/>
+                  <a:pt x="1495492" y="294943"/>
+                  <a:pt x="1502229" y="261257"/>
+                </a:cubicBezTo>
+                <a:cubicBezTo>
+                  <a:pt x="1504957" y="247618"/>
+                  <a:pt x="1514670" y="236375"/>
+                  <a:pt x="1520890" y="223934"/>
+                </a:cubicBezTo>
+                <a:cubicBezTo>
+                  <a:pt x="1524000" y="167950"/>
+                  <a:pt x="1509396" y="108043"/>
+                  <a:pt x="1530220" y="55983"/>
+                </a:cubicBezTo>
+                <a:cubicBezTo>
+                  <a:pt x="1545281" y="18331"/>
+                  <a:pt x="1536183" y="136869"/>
+                  <a:pt x="1539551" y="177281"/>
+                </a:cubicBezTo>
+                <a:cubicBezTo>
+                  <a:pt x="1542404" y="211516"/>
+                  <a:pt x="1545464" y="245735"/>
+                  <a:pt x="1548882" y="279918"/>
+                </a:cubicBezTo>
+                <a:cubicBezTo>
+                  <a:pt x="1552034" y="311434"/>
+                  <a:pt x="1560950" y="394045"/>
+                  <a:pt x="1567543" y="429208"/>
+                </a:cubicBezTo>
+                <a:cubicBezTo>
+                  <a:pt x="1572827" y="457391"/>
+                  <a:pt x="1580580" y="485065"/>
+                  <a:pt x="1586204" y="513183"/>
+                </a:cubicBezTo>
+                <a:cubicBezTo>
+                  <a:pt x="1594518" y="554752"/>
+                  <a:pt x="1594863" y="575812"/>
+                  <a:pt x="1604865" y="615820"/>
+                </a:cubicBezTo>
+                <a:cubicBezTo>
+                  <a:pt x="1607250" y="625362"/>
+                  <a:pt x="1612190" y="634183"/>
+                  <a:pt x="1614196" y="643812"/>
+                </a:cubicBezTo>
+                <a:cubicBezTo>
+                  <a:pt x="1627757" y="708903"/>
+                  <a:pt x="1651518" y="839755"/>
+                  <a:pt x="1651518" y="839755"/>
+                </a:cubicBezTo>
+                <a:cubicBezTo>
+                  <a:pt x="1654628" y="901959"/>
+                  <a:pt x="1655677" y="964300"/>
+                  <a:pt x="1660849" y="1026367"/>
+                </a:cubicBezTo>
+                <a:cubicBezTo>
+                  <a:pt x="1661914" y="1039146"/>
+                  <a:pt x="1668366" y="1050994"/>
+                  <a:pt x="1670180" y="1063689"/>
+                </a:cubicBezTo>
+                <a:cubicBezTo>
+                  <a:pt x="1674600" y="1094632"/>
+                  <a:pt x="1672482" y="1126538"/>
+                  <a:pt x="1679510" y="1156995"/>
+                </a:cubicBezTo>
+                <a:cubicBezTo>
+                  <a:pt x="1682032" y="1167922"/>
+                  <a:pt x="1693617" y="1174740"/>
+                  <a:pt x="1698171" y="1184987"/>
+                </a:cubicBezTo>
+                <a:cubicBezTo>
+                  <a:pt x="1706160" y="1202962"/>
+                  <a:pt x="1710612" y="1222310"/>
+                  <a:pt x="1716833" y="1240971"/>
+                </a:cubicBezTo>
+                <a:cubicBezTo>
+                  <a:pt x="1719943" y="1262742"/>
+                  <a:pt x="1722548" y="1284592"/>
+                  <a:pt x="1726163" y="1306285"/>
+                </a:cubicBezTo>
+                <a:cubicBezTo>
+                  <a:pt x="1728770" y="1321928"/>
+                  <a:pt x="1733743" y="1337176"/>
+                  <a:pt x="1735494" y="1352938"/>
+                </a:cubicBezTo>
+                <a:cubicBezTo>
+                  <a:pt x="1739972" y="1393242"/>
+                  <a:pt x="1740347" y="1433932"/>
+                  <a:pt x="1744825" y="1474236"/>
+                </a:cubicBezTo>
+                <a:cubicBezTo>
+                  <a:pt x="1748579" y="1508019"/>
+                  <a:pt x="1753794" y="1519807"/>
+                  <a:pt x="1763486" y="1548881"/>
+                </a:cubicBezTo>
+                <a:cubicBezTo>
+                  <a:pt x="1772817" y="1533330"/>
+                  <a:pt x="1784113" y="1518800"/>
+                  <a:pt x="1791478" y="1502228"/>
+                </a:cubicBezTo>
+                <a:cubicBezTo>
+                  <a:pt x="1818993" y="1440319"/>
+                  <a:pt x="1780729" y="1484986"/>
+                  <a:pt x="1819469" y="1446244"/>
+                </a:cubicBezTo>
+                <a:cubicBezTo>
+                  <a:pt x="1831383" y="1410504"/>
+                  <a:pt x="1841074" y="1380283"/>
+                  <a:pt x="1856792" y="1343608"/>
+                </a:cubicBezTo>
+                <a:cubicBezTo>
+                  <a:pt x="1865011" y="1324431"/>
+                  <a:pt x="1875453" y="1306285"/>
+                  <a:pt x="1884784" y="1287624"/>
+                </a:cubicBezTo>
+                <a:cubicBezTo>
+                  <a:pt x="1887894" y="1259632"/>
+                  <a:pt x="1890131" y="1231530"/>
+                  <a:pt x="1894114" y="1203649"/>
+                </a:cubicBezTo>
+                <a:cubicBezTo>
+                  <a:pt x="1899465" y="1166192"/>
+                  <a:pt x="1908083" y="1129226"/>
+                  <a:pt x="1912776" y="1091681"/>
+                </a:cubicBezTo>
+                <a:cubicBezTo>
+                  <a:pt x="1917421" y="1054519"/>
+                  <a:pt x="1916551" y="1016751"/>
+                  <a:pt x="1922106" y="979714"/>
+                </a:cubicBezTo>
+                <a:cubicBezTo>
+                  <a:pt x="1925910" y="954350"/>
+                  <a:pt x="1936040" y="930277"/>
+                  <a:pt x="1940767" y="905069"/>
+                </a:cubicBezTo>
+                <a:cubicBezTo>
+                  <a:pt x="1956494" y="821191"/>
+                  <a:pt x="1948113" y="775431"/>
+                  <a:pt x="1959429" y="681134"/>
+                </a:cubicBezTo>
+                <a:cubicBezTo>
+                  <a:pt x="1962845" y="652664"/>
+                  <a:pt x="1972183" y="625218"/>
+                  <a:pt x="1978090" y="597159"/>
+                </a:cubicBezTo>
+                <a:cubicBezTo>
+                  <a:pt x="1984624" y="566121"/>
+                  <a:pt x="1989619" y="534759"/>
+                  <a:pt x="1996751" y="503853"/>
+                </a:cubicBezTo>
+                <a:cubicBezTo>
+                  <a:pt x="2006723" y="460643"/>
+                  <a:pt x="2008149" y="489383"/>
+                  <a:pt x="2015412" y="438538"/>
+                </a:cubicBezTo>
+                <a:cubicBezTo>
+                  <a:pt x="2016731" y="429301"/>
+                  <a:pt x="2015412" y="419877"/>
+                  <a:pt x="2015412" y="410546"/>
+                </a:cubicBezTo>
+              </a:path>
+            </a:pathLst>
+          </a:custGeom>
+          <a:noFill/>
+          <a:ln w="38100">
+            <a:headEnd type="none" w="med" len="med"/>
+            <a:tailEnd type="arrow" w="med" len="med"/>
+          </a:ln>
+        </p:spPr>
+        <p:style>
+          <a:lnRef idx="2">
+            <a:schemeClr val="accent1">
+              <a:shade val="50000"/>
+            </a:schemeClr>
+          </a:lnRef>
+          <a:fillRef idx="1">
+            <a:schemeClr val="accent1"/>
+          </a:fillRef>
+          <a:effectRef idx="0">
+            <a:schemeClr val="accent1"/>
+          </a:effectRef>
+          <a:fontRef idx="minor">
+            <a:schemeClr val="lt1"/>
+          </a:fontRef>
+        </p:style>
+        <p:txBody>
+          <a:bodyPr rtlCol="0" anchor="ctr"/>
+          <a:lstStyle/>
+          <a:p>
+            <a:pPr algn="ctr"/>
+            <a:endParaRPr lang="ko-KR" altLang="en-US"/>
+          </a:p>
+        </p:txBody>
+      </p:sp>
+    </p:spTree>
+    <p:extLst>
+      <p:ext uri="{BB962C8B-B14F-4D97-AF65-F5344CB8AC3E}">
+        <p14:creationId xmlns:p14="http://schemas.microsoft.com/office/powerpoint/2010/main" val="2176784364"/>
+      </p:ext>
+    </p:extLst>
+  </p:cSld>
+  <p:clrMapOvr>
+    <a:masterClrMapping/>
+  </p:clrMapOvr>
+</p:sld>
+</file>
+
 <file path=ppt/slides/slide7.xml><?xml version="1.0" encoding="utf-8"?>
 <p:sld xmlns:a="http://schemas.openxmlformats.org/drawingml/2006/main" xmlns:r="http://schemas.openxmlformats.org/officeDocument/2006/relationships" xmlns:p="http://schemas.openxmlformats.org/presentationml/2006/main">
   <p:cSld>
